--- a/pres/Final_Presentation_V03.pptx
+++ b/pres/Final_Presentation_V03.pptx
@@ -10,10 +10,10 @@
     <p:sldMasterId id="2147483697" r:id="rId6"/>
   </p:sldMasterIdLst>
   <p:notesMasterIdLst>
-    <p:notesMasterId r:id="rId33"/>
+    <p:notesMasterId r:id="rId34"/>
   </p:notesMasterIdLst>
   <p:handoutMasterIdLst>
-    <p:handoutMasterId r:id="rId34"/>
+    <p:handoutMasterId r:id="rId35"/>
   </p:handoutMasterIdLst>
   <p:sldIdLst>
     <p:sldId id="403" r:id="rId7"/>
@@ -29,19 +29,20 @@
     <p:sldId id="428" r:id="rId17"/>
     <p:sldId id="431" r:id="rId18"/>
     <p:sldId id="435" r:id="rId19"/>
-    <p:sldId id="400" r:id="rId20"/>
-    <p:sldId id="425" r:id="rId21"/>
-    <p:sldId id="437" r:id="rId22"/>
-    <p:sldId id="414" r:id="rId23"/>
-    <p:sldId id="430" r:id="rId24"/>
-    <p:sldId id="438" r:id="rId25"/>
-    <p:sldId id="407" r:id="rId26"/>
-    <p:sldId id="409" r:id="rId27"/>
-    <p:sldId id="423" r:id="rId28"/>
-    <p:sldId id="432" r:id="rId29"/>
-    <p:sldId id="411" r:id="rId30"/>
-    <p:sldId id="417" r:id="rId31"/>
-    <p:sldId id="419" r:id="rId32"/>
+    <p:sldId id="439" r:id="rId20"/>
+    <p:sldId id="400" r:id="rId21"/>
+    <p:sldId id="425" r:id="rId22"/>
+    <p:sldId id="437" r:id="rId23"/>
+    <p:sldId id="414" r:id="rId24"/>
+    <p:sldId id="430" r:id="rId25"/>
+    <p:sldId id="438" r:id="rId26"/>
+    <p:sldId id="407" r:id="rId27"/>
+    <p:sldId id="409" r:id="rId28"/>
+    <p:sldId id="423" r:id="rId29"/>
+    <p:sldId id="432" r:id="rId30"/>
+    <p:sldId id="411" r:id="rId31"/>
+    <p:sldId id="417" r:id="rId32"/>
+    <p:sldId id="419" r:id="rId33"/>
   </p:sldIdLst>
   <p:sldSz cx="9144000" cy="6858000" type="screen4x3"/>
   <p:notesSz cx="9925050" cy="6665913"/>
@@ -196,6 +197,7 @@
         <p14:section name="Introducing Deep Learning Models" id="{AEEF9EA9-3651-4119-9C16-DD90080AC617}">
           <p14:sldIdLst>
             <p14:sldId id="435"/>
+            <p14:sldId id="439"/>
             <p14:sldId id="400"/>
             <p14:sldId id="425"/>
           </p14:sldIdLst>
@@ -10765,7 +10767,7 @@
               <a:pPr>
                 <a:defRPr/>
               </a:pPr>
-              <a:t>18</a:t>
+              <a:t>19</a:t>
             </a:fld>
             <a:endParaRPr lang="en-GB"/>
           </a:p>
@@ -10955,7 +10957,7 @@
               <a:pPr>
                 <a:defRPr/>
               </a:pPr>
-              <a:t>22</a:t>
+              <a:t>23</a:t>
             </a:fld>
             <a:endParaRPr lang="en-GB"/>
           </a:p>
@@ -11215,7 +11217,7 @@
               <a:pPr>
                 <a:defRPr/>
               </a:pPr>
-              <a:t>24</a:t>
+              <a:t>25</a:t>
             </a:fld>
             <a:endParaRPr lang="en-GB"/>
           </a:p>
@@ -12524,7 +12526,7 @@
               <a:pPr>
                 <a:defRPr/>
               </a:pPr>
-              <a:t>14</a:t>
+              <a:t>15</a:t>
             </a:fld>
             <a:endParaRPr lang="en-GB"/>
           </a:p>
@@ -12675,7 +12677,7 @@
               <a:pPr>
                 <a:defRPr/>
               </a:pPr>
-              <a:t>15</a:t>
+              <a:t>16</a:t>
             </a:fld>
             <a:endParaRPr lang="en-GB"/>
           </a:p>
@@ -13170,7 +13172,7 @@
               <a:pPr>
                 <a:defRPr/>
               </a:pPr>
-              <a:t>17</a:t>
+              <a:t>18</a:t>
             </a:fld>
             <a:endParaRPr lang="en-GB"/>
           </a:p>
@@ -24836,6 +24838,128 @@
       </p:grpSpPr>
       <p:sp>
         <p:nvSpPr>
+          <p:cNvPr id="2" name="Inhaltsplatzhalter 1">
+            <a:extLst>
+              <a:ext uri="{FF2B5EF4-FFF2-40B4-BE49-F238E27FC236}">
+                <a16:creationId xmlns:a16="http://schemas.microsoft.com/office/drawing/2014/main" id="{9E155CC3-A3A3-424A-A0B1-35DDE766D720}"/>
+              </a:ext>
+            </a:extLst>
+          </p:cNvPr>
+          <p:cNvSpPr>
+            <a:spLocks noGrp="1"/>
+          </p:cNvSpPr>
+          <p:nvPr>
+            <p:ph idx="10"/>
+          </p:nvPr>
+        </p:nvSpPr>
+        <p:spPr/>
+        <p:txBody>
+          <a:bodyPr/>
+          <a:lstStyle/>
+          <a:p>
+            <a:endParaRPr lang="en-US" dirty="0"/>
+          </a:p>
+        </p:txBody>
+      </p:sp>
+      <p:sp>
+        <p:nvSpPr>
+          <p:cNvPr id="3" name="Foliennummernplatzhalter 2">
+            <a:extLst>
+              <a:ext uri="{FF2B5EF4-FFF2-40B4-BE49-F238E27FC236}">
+                <a16:creationId xmlns:a16="http://schemas.microsoft.com/office/drawing/2014/main" id="{869E7094-0177-42E9-940D-10B471AC788E}"/>
+              </a:ext>
+            </a:extLst>
+          </p:cNvPr>
+          <p:cNvSpPr>
+            <a:spLocks noGrp="1"/>
+          </p:cNvSpPr>
+          <p:nvPr>
+            <p:ph type="sldNum" sz="quarter" idx="11"/>
+          </p:nvPr>
+        </p:nvSpPr>
+        <p:spPr/>
+        <p:txBody>
+          <a:bodyPr/>
+          <a:lstStyle/>
+          <a:p>
+            <a:fld id="{CE58CB1E-F828-4F11-99E0-327109AF9DA4}" type="slidenum">
+              <a:rPr lang="de-DE" smtClean="0"/>
+              <a:pPr/>
+              <a:t>14</a:t>
+            </a:fld>
+            <a:endParaRPr lang="de-DE" dirty="0"/>
+          </a:p>
+        </p:txBody>
+      </p:sp>
+      <p:sp>
+        <p:nvSpPr>
+          <p:cNvPr id="4" name="Titel 3">
+            <a:extLst>
+              <a:ext uri="{FF2B5EF4-FFF2-40B4-BE49-F238E27FC236}">
+                <a16:creationId xmlns:a16="http://schemas.microsoft.com/office/drawing/2014/main" id="{3C3F73EB-81DB-4918-9886-4DAB18F4DD28}"/>
+              </a:ext>
+            </a:extLst>
+          </p:cNvPr>
+          <p:cNvSpPr>
+            <a:spLocks noGrp="1"/>
+          </p:cNvSpPr>
+          <p:nvPr>
+            <p:ph type="title"/>
+          </p:nvPr>
+        </p:nvSpPr>
+        <p:spPr/>
+        <p:txBody>
+          <a:bodyPr/>
+          <a:lstStyle/>
+          <a:p>
+            <a:r>
+              <a:rPr lang="de-DE" dirty="0"/>
+              <a:t>Basics </a:t>
+            </a:r>
+            <a:r>
+              <a:rPr lang="de-DE" dirty="0" err="1"/>
+              <a:t>of</a:t>
+            </a:r>
+            <a:r>
+              <a:rPr lang="de-DE" dirty="0"/>
+              <a:t> Deep Learning</a:t>
+            </a:r>
+            <a:endParaRPr lang="en-US" dirty="0"/>
+          </a:p>
+        </p:txBody>
+      </p:sp>
+    </p:spTree>
+    <p:extLst>
+      <p:ext uri="{BB962C8B-B14F-4D97-AF65-F5344CB8AC3E}">
+        <p14:creationId xmlns:p14="http://schemas.microsoft.com/office/powerpoint/2010/main" val="461566024"/>
+      </p:ext>
+    </p:extLst>
+  </p:cSld>
+  <p:clrMapOvr>
+    <a:masterClrMapping/>
+  </p:clrMapOvr>
+</p:sld>
+</file>
+
+<file path=ppt/slides/slide15.xml><?xml version="1.0" encoding="utf-8"?>
+<p:sld xmlns:a="http://schemas.openxmlformats.org/drawingml/2006/main" xmlns:r="http://schemas.openxmlformats.org/officeDocument/2006/relationships" xmlns:p="http://schemas.openxmlformats.org/presentationml/2006/main">
+  <p:cSld>
+    <p:spTree>
+      <p:nvGrpSpPr>
+        <p:cNvPr id="1" name=""/>
+        <p:cNvGrpSpPr/>
+        <p:nvPr/>
+      </p:nvGrpSpPr>
+      <p:grpSpPr>
+        <a:xfrm>
+          <a:off x="0" y="0"/>
+          <a:ext cx="0" cy="0"/>
+          <a:chOff x="0" y="0"/>
+          <a:chExt cx="0" cy="0"/>
+        </a:xfrm>
+      </p:grpSpPr>
+      <p:sp>
+        <p:nvSpPr>
           <p:cNvPr id="3" name="Foliennummernplatzhalter 2">
             <a:extLst>
               <a:ext uri="{FF2B5EF4-FFF2-40B4-BE49-F238E27FC236}">
@@ -24858,7 +24982,7 @@
             <a:fld id="{CE58CB1E-F828-4F11-99E0-327109AF9DA4}" type="slidenum">
               <a:rPr lang="de-DE" smtClean="0"/>
               <a:pPr/>
-              <a:t>14</a:t>
+              <a:t>15</a:t>
             </a:fld>
             <a:endParaRPr lang="de-DE" dirty="0"/>
           </a:p>
@@ -24930,8 +25054,8 @@
         </p:nvGrpSpPr>
         <p:grpSpPr>
           <a:xfrm>
-            <a:off x="2377316" y="1907634"/>
-            <a:ext cx="4397618" cy="4338164"/>
+            <a:off x="2017985" y="1122808"/>
+            <a:ext cx="5200360" cy="5130054"/>
             <a:chOff x="2377316" y="1907634"/>
             <a:chExt cx="4397618" cy="4338164"/>
           </a:xfrm>
@@ -25132,10 +25256,10 @@
         </p:nvGrpSpPr>
         <p:grpSpPr>
           <a:xfrm>
-            <a:off x="667706" y="1707619"/>
-            <a:ext cx="6050489" cy="3585404"/>
-            <a:chOff x="4004742" y="2054896"/>
-            <a:chExt cx="4795086" cy="2841478"/>
+            <a:off x="457506" y="982409"/>
+            <a:ext cx="6647492" cy="4115106"/>
+            <a:chOff x="3804836" y="1788352"/>
+            <a:chExt cx="5268216" cy="3261274"/>
           </a:xfrm>
         </p:grpSpPr>
         <p:sp>
@@ -25152,13 +25276,13 @@
           </p:nvSpPr>
           <p:spPr>
             <a:xfrm>
-              <a:off x="5314212" y="2408462"/>
-              <a:ext cx="3485616" cy="2487912"/>
+              <a:off x="5046823" y="2139750"/>
+              <a:ext cx="4026229" cy="2909876"/>
             </a:xfrm>
             <a:prstGeom prst="corner">
               <a:avLst>
                 <a:gd name="adj1" fmla="val 76558"/>
-                <a:gd name="adj2" fmla="val 52940"/>
+                <a:gd name="adj2" fmla="val 52367"/>
               </a:avLst>
             </a:prstGeom>
             <a:noFill/>
@@ -25217,7 +25341,7 @@
           </p:nvSpPr>
           <p:spPr>
             <a:xfrm>
-              <a:off x="4004742" y="2054896"/>
+              <a:off x="3804836" y="1788352"/>
               <a:ext cx="2079415" cy="400110"/>
             </a:xfrm>
             <a:prstGeom prst="rect">
@@ -25307,10 +25431,10 @@
         </p:nvGrpSpPr>
         <p:grpSpPr>
           <a:xfrm>
-            <a:off x="319090" y="3664708"/>
-            <a:ext cx="8308014" cy="830998"/>
-            <a:chOff x="319090" y="3664708"/>
-            <a:chExt cx="8308014" cy="830998"/>
+            <a:off x="129907" y="3275827"/>
+            <a:ext cx="8875567" cy="830998"/>
+            <a:chOff x="87867" y="3664708"/>
+            <a:chExt cx="8875567" cy="830998"/>
           </a:xfrm>
         </p:grpSpPr>
         <p:sp>
@@ -25327,7 +25451,7 @@
           </p:nvSpPr>
           <p:spPr>
             <a:xfrm>
-              <a:off x="319090" y="3664708"/>
+              <a:off x="87867" y="3664708"/>
               <a:ext cx="1468672" cy="830997"/>
             </a:xfrm>
             <a:prstGeom prst="rect">
@@ -25422,7 +25546,7 @@
           </p:nvSpPr>
           <p:spPr>
             <a:xfrm>
-              <a:off x="7142403" y="3664709"/>
+              <a:off x="7478733" y="3664709"/>
               <a:ext cx="1484701" cy="830997"/>
             </a:xfrm>
             <a:prstGeom prst="rect">
@@ -25514,7 +25638,7 @@
           </p:nvSpPr>
           <p:spPr>
             <a:xfrm>
-              <a:off x="1887315" y="3885896"/>
+              <a:off x="1593031" y="3885896"/>
               <a:ext cx="287420" cy="388620"/>
             </a:xfrm>
             <a:prstGeom prst="rightArrow">
@@ -25575,7 +25699,7 @@
           </p:nvSpPr>
           <p:spPr>
             <a:xfrm>
-              <a:off x="6863469" y="3885896"/>
+              <a:off x="7199799" y="3885896"/>
               <a:ext cx="287420" cy="388620"/>
             </a:xfrm>
             <a:prstGeom prst="rightArrow">
@@ -25801,7 +25925,7 @@
 </p:sld>
 </file>
 
-<file path=ppt/slides/slide15.xml><?xml version="1.0" encoding="utf-8"?>
+<file path=ppt/slides/slide16.xml><?xml version="1.0" encoding="utf-8"?>
 <p:sld xmlns:a="http://schemas.openxmlformats.org/drawingml/2006/main" xmlns:r="http://schemas.openxmlformats.org/officeDocument/2006/relationships" xmlns:p="http://schemas.openxmlformats.org/presentationml/2006/main">
   <p:cSld>
     <p:spTree>
@@ -25837,7 +25961,7 @@
         <p:spPr>
           <a:xfrm>
             <a:off x="319088" y="1239037"/>
-            <a:ext cx="8508999" cy="2944080"/>
+            <a:ext cx="4116277" cy="2103253"/>
           </a:xfrm>
         </p:spPr>
         <p:txBody>
@@ -25877,121 +26001,6 @@
               <a:rPr lang="en-US" dirty="0"/>
               <a:t>HMM-based systems have a lower error rate in some cases</a:t>
             </a:r>
-          </a:p>
-          <a:p>
-            <a:endParaRPr lang="de-DE" dirty="0"/>
-          </a:p>
-          <a:p>
-            <a:r>
-              <a:rPr lang="de-DE" sz="1800" b="1" dirty="0" err="1"/>
-              <a:t>Subjective</a:t>
-            </a:r>
-            <a:r>
-              <a:rPr lang="de-DE" sz="1800" b="1" dirty="0"/>
-              <a:t> </a:t>
-            </a:r>
-            <a:r>
-              <a:rPr lang="de-DE" sz="1800" b="1" dirty="0" err="1"/>
-              <a:t>evaluation</a:t>
-            </a:r>
-            <a:endParaRPr lang="de-DE" sz="1800" dirty="0"/>
-          </a:p>
-          <a:p>
-            <a:r>
-              <a:rPr lang="de-DE" dirty="0">
-                <a:sym typeface="Wingdings" panose="05000000000000000000" pitchFamily="2" charset="2"/>
-              </a:rPr>
-              <a:t> DNN-</a:t>
-            </a:r>
-            <a:r>
-              <a:rPr lang="de-DE" dirty="0" err="1">
-                <a:sym typeface="Wingdings" panose="05000000000000000000" pitchFamily="2" charset="2"/>
-              </a:rPr>
-              <a:t>based</a:t>
-            </a:r>
-            <a:r>
-              <a:rPr lang="de-DE" dirty="0">
-                <a:sym typeface="Wingdings" panose="05000000000000000000" pitchFamily="2" charset="2"/>
-              </a:rPr>
-              <a:t> </a:t>
-            </a:r>
-            <a:r>
-              <a:rPr lang="de-DE" dirty="0" err="1">
-                <a:sym typeface="Wingdings" panose="05000000000000000000" pitchFamily="2" charset="2"/>
-              </a:rPr>
-              <a:t>systems</a:t>
-            </a:r>
-            <a:r>
-              <a:rPr lang="de-DE" dirty="0">
-                <a:sym typeface="Wingdings" panose="05000000000000000000" pitchFamily="2" charset="2"/>
-              </a:rPr>
-              <a:t> </a:t>
-            </a:r>
-            <a:r>
-              <a:rPr lang="de-DE" dirty="0" err="1">
-                <a:sym typeface="Wingdings" panose="05000000000000000000" pitchFamily="2" charset="2"/>
-              </a:rPr>
-              <a:t>are</a:t>
-            </a:r>
-            <a:r>
-              <a:rPr lang="de-DE" dirty="0">
-                <a:sym typeface="Wingdings" panose="05000000000000000000" pitchFamily="2" charset="2"/>
-              </a:rPr>
-              <a:t> </a:t>
-            </a:r>
-            <a:r>
-              <a:rPr lang="de-DE" dirty="0" err="1">
-                <a:sym typeface="Wingdings" panose="05000000000000000000" pitchFamily="2" charset="2"/>
-              </a:rPr>
-              <a:t>preferred</a:t>
-            </a:r>
-            <a:endParaRPr lang="de-DE" dirty="0">
-              <a:sym typeface="Wingdings" panose="05000000000000000000" pitchFamily="2" charset="2"/>
-            </a:endParaRPr>
-          </a:p>
-          <a:p>
-            <a:r>
-              <a:rPr lang="de-DE" dirty="0">
-                <a:sym typeface="Wingdings" panose="05000000000000000000" pitchFamily="2" charset="2"/>
-              </a:rPr>
-              <a:t></a:t>
-            </a:r>
-            <a:r>
-              <a:rPr lang="de-DE" dirty="0"/>
-              <a:t> </a:t>
-            </a:r>
-            <a:r>
-              <a:rPr lang="de-DE" dirty="0" err="1"/>
-              <a:t>Described</a:t>
-            </a:r>
-            <a:r>
-              <a:rPr lang="de-DE" dirty="0"/>
-              <a:t> </a:t>
-            </a:r>
-            <a:r>
-              <a:rPr lang="de-DE" dirty="0" err="1"/>
-              <a:t>as</a:t>
-            </a:r>
-            <a:r>
-              <a:rPr lang="de-DE" dirty="0"/>
-              <a:t> </a:t>
-            </a:r>
-            <a:r>
-              <a:rPr lang="de-DE" dirty="0" err="1"/>
-              <a:t>less</a:t>
-            </a:r>
-            <a:r>
-              <a:rPr lang="de-DE" dirty="0"/>
-              <a:t> </a:t>
-            </a:r>
-            <a:r>
-              <a:rPr lang="de-DE" dirty="0" err="1"/>
-              <a:t>muffled</a:t>
-            </a:r>
-            <a:endParaRPr lang="de-DE" dirty="0"/>
-          </a:p>
-          <a:p>
-            <a:endParaRPr lang="de-DE" dirty="0"/>
           </a:p>
         </p:txBody>
       </p:sp>
@@ -26019,7 +26028,7 @@
             <a:fld id="{CE58CB1E-F828-4F11-99E0-327109AF9DA4}" type="slidenum">
               <a:rPr lang="de-DE" smtClean="0"/>
               <a:pPr/>
-              <a:t>15</a:t>
+              <a:t>16</a:t>
             </a:fld>
             <a:endParaRPr lang="de-DE" dirty="0"/>
           </a:p>
@@ -26081,14 +26090,14 @@
           <p:nvPr>
             <p:extLst>
               <p:ext uri="{D42A27DB-BD31-4B8C-83A1-F6EECF244321}">
-                <p14:modId xmlns:p14="http://schemas.microsoft.com/office/powerpoint/2010/main" val="3631242582"/>
+                <p14:modId xmlns:p14="http://schemas.microsoft.com/office/powerpoint/2010/main" val="1211236877"/>
               </p:ext>
             </p:extLst>
           </p:nvPr>
         </p:nvGraphicFramePr>
         <p:xfrm>
-          <a:off x="3237731" y="4089667"/>
-          <a:ext cx="5436000" cy="1919406"/>
+          <a:off x="1513589" y="3531475"/>
+          <a:ext cx="6120000" cy="2195999"/>
         </p:xfrm>
         <a:graphic>
           <a:graphicData uri="http://schemas.openxmlformats.org/drawingml/2006/table">
@@ -26097,21 +26106,21 @@
                 <a:tableStyleId>{69012ECD-51FC-41F1-AA8D-1B2483CD663E}</a:tableStyleId>
               </a:tblPr>
               <a:tblGrid>
-                <a:gridCol w="1638385">
+                <a:gridCol w="1844535">
                   <a:extLst>
                     <a:ext uri="{9D8B030D-6E8A-4147-A177-3AD203B41FA5}">
                       <a16:colId xmlns:a16="http://schemas.microsoft.com/office/drawing/2014/main" val="1221610781"/>
                     </a:ext>
                   </a:extLst>
                 </a:gridCol>
-                <a:gridCol w="2397112">
+                <a:gridCol w="2698737">
                   <a:extLst>
                     <a:ext uri="{9D8B030D-6E8A-4147-A177-3AD203B41FA5}">
                       <a16:colId xmlns:a16="http://schemas.microsoft.com/office/drawing/2014/main" val="629480466"/>
                     </a:ext>
                   </a:extLst>
                 </a:gridCol>
-                <a:gridCol w="1400503">
+                <a:gridCol w="1576728">
                   <a:extLst>
                     <a:ext uri="{9D8B030D-6E8A-4147-A177-3AD203B41FA5}">
                       <a16:colId xmlns:a16="http://schemas.microsoft.com/office/drawing/2014/main" val="388423807"/>
@@ -26119,7 +26128,7 @@
                   </a:extLst>
                 </a:gridCol>
               </a:tblGrid>
-              <a:tr h="409905">
+              <a:tr h="715697">
                 <a:tc>
                   <a:txBody>
                     <a:bodyPr/>
@@ -26149,7 +26158,11 @@
                       </a:endParaRPr>
                     </a:p>
                     <a:p>
-                      <a:pPr algn="ctr"/>
+                      <a:pPr algn="ctr">
+                        <a:spcBef>
+                          <a:spcPts val="0"/>
+                        </a:spcBef>
+                      </a:pPr>
                       <a:r>
                         <a:rPr lang="de-DE" sz="1200" dirty="0">
                           <a:solidFill>
@@ -26301,14 +26314,6 @@
                         <a:t>Neutral</a:t>
                       </a:r>
                     </a:p>
-                    <a:p>
-                      <a:pPr algn="ctr"/>
-                      <a:endParaRPr lang="en-US" sz="1600" dirty="0">
-                        <a:solidFill>
-                          <a:schemeClr val="bg1"/>
-                        </a:solidFill>
-                      </a:endParaRPr>
-                    </a:p>
                   </a:txBody>
                   <a:tcPr anchor="ctr">
                     <a:solidFill>
@@ -26322,7 +26327,7 @@
                   </a:ext>
                 </a:extLst>
               </a:tr>
-              <a:tr h="446762">
+              <a:tr h="493434">
                 <a:tc>
                   <a:txBody>
                     <a:bodyPr/>
@@ -26372,7 +26377,7 @@
                   </a:ext>
                 </a:extLst>
               </a:tr>
-              <a:tr h="446762">
+              <a:tr h="493434">
                 <a:tc>
                   <a:txBody>
                     <a:bodyPr/>
@@ -26424,7 +26429,7 @@
                   </a:ext>
                 </a:extLst>
               </a:tr>
-              <a:tr h="446762">
+              <a:tr h="493434">
                 <a:tc>
                   <a:txBody>
                     <a:bodyPr/>
@@ -26494,10 +26499,10 @@
         </p:nvGrpSpPr>
         <p:grpSpPr>
           <a:xfrm>
-            <a:off x="3882028" y="3777135"/>
-            <a:ext cx="4147405" cy="2544470"/>
-            <a:chOff x="4541519" y="3915720"/>
-            <a:chExt cx="4147405" cy="2544470"/>
+            <a:off x="2368540" y="3221269"/>
+            <a:ext cx="4147405" cy="2899531"/>
+            <a:chOff x="4541517" y="3528020"/>
+            <a:chExt cx="4147405" cy="2899531"/>
           </a:xfrm>
         </p:grpSpPr>
         <p:sp>
@@ -26514,7 +26519,7 @@
           </p:nvSpPr>
           <p:spPr>
             <a:xfrm>
-              <a:off x="5723662" y="3915720"/>
+              <a:off x="5723662" y="3528020"/>
               <a:ext cx="1783117" cy="210507"/>
             </a:xfrm>
             <a:prstGeom prst="rect">
@@ -26577,7 +26582,7 @@
           </p:nvSpPr>
           <p:spPr>
             <a:xfrm>
-              <a:off x="4541519" y="6191206"/>
+              <a:off x="4541517" y="6158567"/>
               <a:ext cx="4147405" cy="268984"/>
             </a:xfrm>
             <a:prstGeom prst="rect">
@@ -26608,6 +26613,239 @@
           </p:txBody>
         </p:sp>
       </p:grpSp>
+      <p:sp>
+        <p:nvSpPr>
+          <p:cNvPr id="9" name="Inhaltsplatzhalter 1">
+            <a:extLst>
+              <a:ext uri="{FF2B5EF4-FFF2-40B4-BE49-F238E27FC236}">
+                <a16:creationId xmlns:a16="http://schemas.microsoft.com/office/drawing/2014/main" id="{51B08F76-5310-43D1-9136-624012C48C97}"/>
+              </a:ext>
+            </a:extLst>
+          </p:cNvPr>
+          <p:cNvSpPr txBox="1">
+            <a:spLocks/>
+          </p:cNvSpPr>
+          <p:nvPr/>
+        </p:nvSpPr>
+        <p:spPr>
+          <a:xfrm>
+            <a:off x="4917193" y="1239036"/>
+            <a:ext cx="3943028" cy="1693349"/>
+          </a:xfrm>
+          <a:prstGeom prst="rect">
+            <a:avLst/>
+          </a:prstGeom>
+          <a:noFill/>
+          <a:ln w="9525">
+            <a:noFill/>
+            <a:miter lim="800000"/>
+            <a:headEnd/>
+            <a:tailEnd/>
+          </a:ln>
+        </p:spPr>
+        <p:txBody>
+          <a:bodyPr vert="horz" wrap="square" lIns="0" tIns="0" rIns="0" bIns="0" numCol="1" anchor="t" anchorCtr="0" compatLnSpc="1">
+            <a:prstTxWarp prst="textNoShape">
+              <a:avLst/>
+            </a:prstTxWarp>
+          </a:bodyPr>
+          <a:lstStyle>
+            <a:lvl1pPr algn="l" rtl="0" eaLnBrk="0" fontAlgn="base" hangingPunct="0">
+              <a:lnSpc>
+                <a:spcPct val="150000"/>
+              </a:lnSpc>
+              <a:spcBef>
+                <a:spcPct val="0"/>
+              </a:spcBef>
+              <a:spcAft>
+                <a:spcPct val="0"/>
+              </a:spcAft>
+              <a:defRPr lang="de-DE" sz="1600" kern="1200" baseline="0" noProof="0" dirty="0" smtClean="0">
+                <a:solidFill>
+                  <a:srgbClr val="000000"/>
+                </a:solidFill>
+                <a:latin typeface="+mn-lt"/>
+                <a:ea typeface="+mn-ea"/>
+                <a:cs typeface="+mn-cs"/>
+              </a:defRPr>
+            </a:lvl1pPr>
+            <a:lvl2pPr marL="176213" indent="-176213" algn="l" rtl="0" eaLnBrk="0" fontAlgn="base" hangingPunct="0">
+              <a:lnSpc>
+                <a:spcPct val="100000"/>
+              </a:lnSpc>
+              <a:spcBef>
+                <a:spcPct val="0"/>
+              </a:spcBef>
+              <a:spcAft>
+                <a:spcPct val="0"/>
+              </a:spcAft>
+              <a:buFont typeface="Arial" charset="0"/>
+              <a:buChar char="•"/>
+              <a:defRPr lang="de-DE" sz="1600" kern="1200" noProof="0" dirty="0" smtClean="0">
+                <a:solidFill>
+                  <a:schemeClr val="tx1"/>
+                </a:solidFill>
+                <a:latin typeface="+mn-lt"/>
+                <a:ea typeface="+mn-ea"/>
+                <a:cs typeface="+mn-cs"/>
+              </a:defRPr>
+            </a:lvl2pPr>
+            <a:lvl3pPr marL="360363" indent="-184150" algn="l" rtl="0" eaLnBrk="0" fontAlgn="base" hangingPunct="0">
+              <a:lnSpc>
+                <a:spcPct val="125000"/>
+              </a:lnSpc>
+              <a:spcBef>
+                <a:spcPct val="0"/>
+              </a:spcBef>
+              <a:spcAft>
+                <a:spcPct val="0"/>
+              </a:spcAft>
+              <a:buFont typeface="Symbol" pitchFamily="18" charset="2"/>
+              <a:buChar char="-"/>
+              <a:defRPr sz="1400" kern="1200">
+                <a:solidFill>
+                  <a:schemeClr val="tx1"/>
+                </a:solidFill>
+                <a:latin typeface="+mn-lt"/>
+                <a:ea typeface="+mn-ea"/>
+                <a:cs typeface="+mn-cs"/>
+              </a:defRPr>
+            </a:lvl3pPr>
+            <a:lvl4pPr marL="538163" indent="-177800" algn="l" rtl="0" eaLnBrk="0" fontAlgn="base" hangingPunct="0">
+              <a:lnSpc>
+                <a:spcPct val="125000"/>
+              </a:lnSpc>
+              <a:spcBef>
+                <a:spcPct val="0"/>
+              </a:spcBef>
+              <a:spcAft>
+                <a:spcPct val="0"/>
+              </a:spcAft>
+              <a:buFont typeface="Symbol" pitchFamily="18" charset="2"/>
+              <a:buChar char="-"/>
+              <a:defRPr sz="1400" kern="1200">
+                <a:solidFill>
+                  <a:schemeClr val="tx1"/>
+                </a:solidFill>
+                <a:latin typeface="+mn-lt"/>
+                <a:ea typeface="+mn-ea"/>
+                <a:cs typeface="+mn-cs"/>
+              </a:defRPr>
+            </a:lvl4pPr>
+            <a:lvl5pPr marL="714375" indent="-176213" algn="l" rtl="0" eaLnBrk="0" fontAlgn="base" hangingPunct="0">
+              <a:lnSpc>
+                <a:spcPct val="125000"/>
+              </a:lnSpc>
+              <a:spcBef>
+                <a:spcPct val="0"/>
+              </a:spcBef>
+              <a:spcAft>
+                <a:spcPct val="0"/>
+              </a:spcAft>
+              <a:buFont typeface="Symbol" pitchFamily="18" charset="2"/>
+              <a:buChar char="-"/>
+              <a:defRPr sz="1400" kern="1200">
+                <a:solidFill>
+                  <a:schemeClr val="tx1"/>
+                </a:solidFill>
+                <a:latin typeface="+mn-lt"/>
+                <a:ea typeface="+mn-ea"/>
+                <a:cs typeface="+mn-cs"/>
+              </a:defRPr>
+            </a:lvl5pPr>
+            <a:lvl6pPr marL="2514600" indent="-228600" algn="l" defTabSz="914400" rtl="0" eaLnBrk="1" latinLnBrk="0" hangingPunct="1">
+              <a:spcBef>
+                <a:spcPct val="20000"/>
+              </a:spcBef>
+              <a:buFont typeface="Arial" pitchFamily="34" charset="0"/>
+              <a:buChar char="•"/>
+              <a:defRPr sz="2000" kern="1200">
+                <a:solidFill>
+                  <a:schemeClr val="tx1"/>
+                </a:solidFill>
+                <a:latin typeface="+mn-lt"/>
+                <a:ea typeface="+mn-ea"/>
+                <a:cs typeface="+mn-cs"/>
+              </a:defRPr>
+            </a:lvl6pPr>
+            <a:lvl7pPr marL="2971800" indent="-228600" algn="l" defTabSz="914400" rtl="0" eaLnBrk="1" latinLnBrk="0" hangingPunct="1">
+              <a:spcBef>
+                <a:spcPct val="20000"/>
+              </a:spcBef>
+              <a:buFont typeface="Arial" pitchFamily="34" charset="0"/>
+              <a:buChar char="•"/>
+              <a:defRPr sz="2000" kern="1200">
+                <a:solidFill>
+                  <a:schemeClr val="tx1"/>
+                </a:solidFill>
+                <a:latin typeface="+mn-lt"/>
+                <a:ea typeface="+mn-ea"/>
+                <a:cs typeface="+mn-cs"/>
+              </a:defRPr>
+            </a:lvl7pPr>
+            <a:lvl8pPr marL="3429000" indent="-228600" algn="l" defTabSz="914400" rtl="0" eaLnBrk="1" latinLnBrk="0" hangingPunct="1">
+              <a:spcBef>
+                <a:spcPct val="20000"/>
+              </a:spcBef>
+              <a:buFont typeface="Arial" pitchFamily="34" charset="0"/>
+              <a:buChar char="•"/>
+              <a:defRPr sz="2000" kern="1200">
+                <a:solidFill>
+                  <a:schemeClr val="tx1"/>
+                </a:solidFill>
+                <a:latin typeface="+mn-lt"/>
+                <a:ea typeface="+mn-ea"/>
+                <a:cs typeface="+mn-cs"/>
+              </a:defRPr>
+            </a:lvl8pPr>
+            <a:lvl9pPr marL="3886200" indent="-228600" algn="l" defTabSz="914400" rtl="0" eaLnBrk="1" latinLnBrk="0" hangingPunct="1">
+              <a:spcBef>
+                <a:spcPct val="20000"/>
+              </a:spcBef>
+              <a:buFont typeface="Arial" pitchFamily="34" charset="0"/>
+              <a:buChar char="•"/>
+              <a:defRPr sz="2000" kern="1200">
+                <a:solidFill>
+                  <a:schemeClr val="tx1"/>
+                </a:solidFill>
+                <a:latin typeface="+mn-lt"/>
+                <a:ea typeface="+mn-ea"/>
+                <a:cs typeface="+mn-cs"/>
+              </a:defRPr>
+            </a:lvl9pPr>
+          </a:lstStyle>
+          <a:p>
+            <a:r>
+              <a:rPr lang="en-US" sz="1800" b="1" dirty="0"/>
+              <a:t>Subjective evaluation</a:t>
+            </a:r>
+            <a:endParaRPr lang="en-US" sz="1800" dirty="0"/>
+          </a:p>
+          <a:p>
+            <a:r>
+              <a:rPr lang="en-US" dirty="0">
+                <a:sym typeface="Wingdings" panose="05000000000000000000" pitchFamily="2" charset="2"/>
+              </a:rPr>
+              <a:t> DNN-based systems are preferred</a:t>
+            </a:r>
+          </a:p>
+          <a:p>
+            <a:r>
+              <a:rPr lang="en-US" dirty="0">
+                <a:sym typeface="Wingdings" panose="05000000000000000000" pitchFamily="2" charset="2"/>
+              </a:rPr>
+              <a:t></a:t>
+            </a:r>
+            <a:r>
+              <a:rPr lang="en-US" dirty="0"/>
+              <a:t> Described as less muffled</a:t>
+            </a:r>
+          </a:p>
+          <a:p>
+            <a:endParaRPr lang="en-US" dirty="0"/>
+          </a:p>
+        </p:txBody>
+      </p:sp>
     </p:spTree>
     <p:extLst>
       <p:ext uri="{BB962C8B-B14F-4D97-AF65-F5344CB8AC3E}">
@@ -26763,9 +27001,9 @@
                                           </p:stCondLst>
                                         </p:cTn>
                                         <p:tgtEl>
-                                          <p:spTgt spid="12">
+                                          <p:spTgt spid="9">
                                             <p:txEl>
-                                              <p:pRg st="4" end="4"/>
+                                              <p:pRg st="0" end="0"/>
                                             </p:txEl>
                                           </p:spTgt>
                                         </p:tgtEl>
@@ -26794,9 +27032,9 @@
                                           </p:stCondLst>
                                         </p:cTn>
                                         <p:tgtEl>
-                                          <p:spTgt spid="12">
+                                          <p:spTgt spid="9">
                                             <p:txEl>
-                                              <p:pRg st="5" end="5"/>
+                                              <p:pRg st="1" end="1"/>
                                             </p:txEl>
                                           </p:spTgt>
                                         </p:tgtEl>
@@ -26825,9 +27063,9 @@
                                           </p:stCondLst>
                                         </p:cTn>
                                         <p:tgtEl>
-                                          <p:spTgt spid="12">
+                                          <p:spTgt spid="9">
                                             <p:txEl>
-                                              <p:pRg st="6" end="6"/>
+                                              <p:pRg st="2" end="2"/>
                                             </p:txEl>
                                           </p:spTgt>
                                         </p:tgtEl>
@@ -26943,12 +27181,13 @@
     </p:tnLst>
     <p:bldLst>
       <p:bldP spid="12" grpId="0" uiExpand="1" build="p"/>
+      <p:bldP spid="9" grpId="0" uiExpand="1" build="p"/>
     </p:bldLst>
   </p:timing>
 </p:sld>
 </file>
 
-<file path=ppt/slides/slide16.xml><?xml version="1.0" encoding="utf-8"?>
+<file path=ppt/slides/slide17.xml><?xml version="1.0" encoding="utf-8"?>
 <p:sld xmlns:a="http://schemas.openxmlformats.org/drawingml/2006/main" xmlns:r="http://schemas.openxmlformats.org/officeDocument/2006/relationships" xmlns:p="http://schemas.openxmlformats.org/presentationml/2006/main">
   <p:cSld>
     <p:spTree>
@@ -27120,7 +27359,7 @@
             <a:fld id="{CE58CB1E-F828-4F11-99E0-327109AF9DA4}" type="slidenum">
               <a:rPr lang="de-DE" smtClean="0"/>
               <a:pPr/>
-              <a:t>16</a:t>
+              <a:t>17</a:t>
             </a:fld>
             <a:endParaRPr lang="de-DE" dirty="0"/>
           </a:p>
@@ -27543,7 +27782,7 @@
 </p:sld>
 </file>
 
-<file path=ppt/slides/slide17.xml><?xml version="1.0" encoding="utf-8"?>
+<file path=ppt/slides/slide18.xml><?xml version="1.0" encoding="utf-8"?>
 <p:sld xmlns:a="http://schemas.openxmlformats.org/drawingml/2006/main" xmlns:r="http://schemas.openxmlformats.org/officeDocument/2006/relationships" xmlns:p="http://schemas.openxmlformats.org/presentationml/2006/main">
   <p:cSld>
     <p:spTree>
@@ -27706,7 +27945,7 @@
             <a:fld id="{CE58CB1E-F828-4F11-99E0-327109AF9DA4}" type="slidenum">
               <a:rPr lang="de-DE" smtClean="0"/>
               <a:pPr/>
-              <a:t>17</a:t>
+              <a:t>18</a:t>
             </a:fld>
             <a:endParaRPr lang="de-DE" dirty="0"/>
           </a:p>
@@ -27736,6 +27975,74 @@
             <a:r>
               <a:rPr lang="en-US" dirty="0"/>
               <a:t>One Approach to Decrease the Model Size</a:t>
+            </a:r>
+          </a:p>
+        </p:txBody>
+      </p:sp>
+      <p:sp>
+        <p:nvSpPr>
+          <p:cNvPr id="5" name="Rechteck: abgerundete Ecken 4">
+            <a:extLst>
+              <a:ext uri="{FF2B5EF4-FFF2-40B4-BE49-F238E27FC236}">
+                <a16:creationId xmlns:a16="http://schemas.microsoft.com/office/drawing/2014/main" id="{1E827A9E-21BD-415D-9CD9-01EF54364D6D}"/>
+              </a:ext>
+            </a:extLst>
+          </p:cNvPr>
+          <p:cNvSpPr/>
+          <p:nvPr/>
+        </p:nvSpPr>
+        <p:spPr>
+          <a:xfrm>
+            <a:off x="1526400" y="5124919"/>
+            <a:ext cx="2299366" cy="634754"/>
+          </a:xfrm>
+          <a:prstGeom prst="roundRect">
+            <a:avLst/>
+          </a:prstGeom>
+          <a:noFill/>
+          <a:ln>
+            <a:solidFill>
+              <a:srgbClr val="0065BD"/>
+            </a:solidFill>
+          </a:ln>
+        </p:spPr>
+        <p:style>
+          <a:lnRef idx="2">
+            <a:schemeClr val="accent1">
+              <a:shade val="50000"/>
+            </a:schemeClr>
+          </a:lnRef>
+          <a:fillRef idx="1">
+            <a:schemeClr val="accent1"/>
+          </a:fillRef>
+          <a:effectRef idx="0">
+            <a:schemeClr val="accent1"/>
+          </a:effectRef>
+          <a:fontRef idx="minor">
+            <a:schemeClr val="lt1"/>
+          </a:fontRef>
+        </p:style>
+        <p:txBody>
+          <a:bodyPr rot="0" spcFirstLastPara="0" vertOverflow="overflow" horzOverflow="overflow" vert="horz" wrap="square" lIns="91440" tIns="45720" rIns="91440" bIns="45720" numCol="1" spcCol="0" rtlCol="0" fromWordArt="0" anchor="ctr" anchorCtr="0" forceAA="0" compatLnSpc="1">
+            <a:prstTxWarp prst="textNoShape">
+              <a:avLst/>
+            </a:prstTxWarp>
+            <a:noAutofit/>
+          </a:bodyPr>
+          <a:lstStyle/>
+          <a:p>
+            <a:pPr lvl="0" algn="ctr">
+              <a:lnSpc>
+                <a:spcPct val="114000"/>
+              </a:lnSpc>
+            </a:pPr>
+            <a:r>
+              <a:rPr lang="de-DE" sz="1400" b="1" dirty="0">
+                <a:solidFill>
+                  <a:srgbClr val="0065BD"/>
+                </a:solidFill>
+              </a:rPr>
+              <a:t>Boxes</a:t>
             </a:r>
           </a:p>
         </p:txBody>
@@ -28003,6 +28310,51 @@
                       </p:childTnLst>
                     </p:cTn>
                   </p:par>
+                  <p:par>
+                    <p:cTn id="23" fill="hold">
+                      <p:stCondLst>
+                        <p:cond delay="indefinite"/>
+                      </p:stCondLst>
+                      <p:childTnLst>
+                        <p:par>
+                          <p:cTn id="24" fill="hold">
+                            <p:stCondLst>
+                              <p:cond delay="0"/>
+                            </p:stCondLst>
+                            <p:childTnLst>
+                              <p:par>
+                                <p:cTn id="25" presetID="1" presetClass="entr" presetSubtype="0" fill="hold" grpId="0" nodeType="clickEffect">
+                                  <p:stCondLst>
+                                    <p:cond delay="0"/>
+                                  </p:stCondLst>
+                                  <p:childTnLst>
+                                    <p:set>
+                                      <p:cBhvr>
+                                        <p:cTn id="26" dur="1" fill="hold">
+                                          <p:stCondLst>
+                                            <p:cond delay="0"/>
+                                          </p:stCondLst>
+                                        </p:cTn>
+                                        <p:tgtEl>
+                                          <p:spTgt spid="5"/>
+                                        </p:tgtEl>
+                                        <p:attrNameLst>
+                                          <p:attrName>style.visibility</p:attrName>
+                                        </p:attrNameLst>
+                                      </p:cBhvr>
+                                      <p:to>
+                                        <p:strVal val="visible"/>
+                                      </p:to>
+                                    </p:set>
+                                  </p:childTnLst>
+                                </p:cTn>
+                              </p:par>
+                            </p:childTnLst>
+                          </p:cTn>
+                        </p:par>
+                      </p:childTnLst>
+                    </p:cTn>
+                  </p:par>
                 </p:childTnLst>
               </p:cTn>
               <p:prevCondLst>
@@ -28026,12 +28378,13 @@
     </p:tnLst>
     <p:bldLst>
       <p:bldP spid="2" grpId="0" uiExpand="1" build="p"/>
+      <p:bldP spid="5" grpId="0" uiExpand="1" animBg="1"/>
     </p:bldLst>
   </p:timing>
 </p:sld>
 </file>
 
-<file path=ppt/slides/slide18.xml><?xml version="1.0" encoding="utf-8"?>
+<file path=ppt/slides/slide19.xml><?xml version="1.0" encoding="utf-8"?>
 <p:sld xmlns:a="http://schemas.openxmlformats.org/drawingml/2006/main" xmlns:r="http://schemas.openxmlformats.org/officeDocument/2006/relationships" xmlns:p="http://schemas.openxmlformats.org/presentationml/2006/main">
   <p:cSld>
     <p:spTree>
@@ -28066,8 +28419,8 @@
         </p:nvSpPr>
         <p:spPr>
           <a:xfrm>
-            <a:off x="1886606" y="5070186"/>
-            <a:ext cx="5370786" cy="736939"/>
+            <a:off x="1618591" y="4902021"/>
+            <a:ext cx="5906816" cy="736939"/>
           </a:xfrm>
         </p:spPr>
         <p:txBody>
@@ -28080,7 +28433,7 @@
               </a:lnSpc>
             </a:pPr>
             <a:r>
-              <a:rPr lang="de-DE" sz="2000" dirty="0">
+              <a:rPr lang="de-DE" sz="2400" dirty="0">
                 <a:solidFill>
                   <a:schemeClr val="tx1"/>
                 </a:solidFill>
@@ -28088,7 +28441,7 @@
               <a:t>Overall </a:t>
             </a:r>
             <a:r>
-              <a:rPr lang="de-DE" sz="2000" dirty="0" err="1">
+              <a:rPr lang="de-DE" sz="2400" dirty="0" err="1">
                 <a:solidFill>
                   <a:schemeClr val="tx1"/>
                 </a:solidFill>
@@ -28096,7 +28449,7 @@
               <a:t>reduction</a:t>
             </a:r>
             <a:r>
-              <a:rPr lang="de-DE" sz="2000" dirty="0">
+              <a:rPr lang="de-DE" sz="2400" dirty="0">
                 <a:solidFill>
                   <a:schemeClr val="tx1"/>
                 </a:solidFill>
@@ -28104,7 +28457,7 @@
               <a:t> </a:t>
             </a:r>
             <a:r>
-              <a:rPr lang="de-DE" sz="2000" dirty="0" err="1">
+              <a:rPr lang="de-DE" sz="2400" dirty="0" err="1">
                 <a:solidFill>
                   <a:schemeClr val="tx1"/>
                 </a:solidFill>
@@ -28112,7 +28465,7 @@
               <a:t>of</a:t>
             </a:r>
             <a:r>
-              <a:rPr lang="de-DE" sz="2000" dirty="0">
+              <a:rPr lang="de-DE" sz="2400" dirty="0">
                 <a:solidFill>
                   <a:schemeClr val="tx1"/>
                 </a:solidFill>
@@ -28120,7 +28473,7 @@
               <a:t> </a:t>
             </a:r>
             <a:r>
-              <a:rPr lang="de-DE" sz="2000" dirty="0" err="1">
+              <a:rPr lang="de-DE" sz="2400" dirty="0" err="1">
                 <a:solidFill>
                   <a:schemeClr val="tx1"/>
                 </a:solidFill>
@@ -28128,7 +28481,7 @@
               <a:t>model</a:t>
             </a:r>
             <a:r>
-              <a:rPr lang="de-DE" sz="2000" dirty="0">
+              <a:rPr lang="de-DE" sz="2400" dirty="0">
                 <a:solidFill>
                   <a:schemeClr val="tx1"/>
                 </a:solidFill>
@@ -28136,7 +28489,7 @@
               <a:t> </a:t>
             </a:r>
             <a:r>
-              <a:rPr lang="de-DE" sz="2000" dirty="0" err="1">
+              <a:rPr lang="de-DE" sz="2400" dirty="0" err="1">
                 <a:solidFill>
                   <a:schemeClr val="tx1"/>
                 </a:solidFill>
@@ -28144,7 +28497,7 @@
               <a:t>size</a:t>
             </a:r>
             <a:r>
-              <a:rPr lang="de-DE" sz="2000" dirty="0">
+              <a:rPr lang="de-DE" sz="2400" dirty="0">
                 <a:solidFill>
                   <a:schemeClr val="tx1"/>
                 </a:solidFill>
@@ -28152,7 +28505,7 @@
               <a:t> </a:t>
             </a:r>
             <a:r>
-              <a:rPr lang="de-DE" sz="2000" dirty="0" err="1">
+              <a:rPr lang="de-DE" sz="2400" dirty="0" err="1">
                 <a:solidFill>
                   <a:schemeClr val="tx1"/>
                 </a:solidFill>
@@ -28160,14 +28513,14 @@
               <a:t>by</a:t>
             </a:r>
             <a:r>
-              <a:rPr lang="de-DE" sz="2000" dirty="0">
+              <a:rPr lang="de-DE" sz="2400" dirty="0">
                 <a:solidFill>
                   <a:schemeClr val="tx1"/>
                 </a:solidFill>
               </a:rPr>
               <a:t> ~ 60 %</a:t>
             </a:r>
-            <a:endParaRPr lang="de-DE" sz="1800" dirty="0">
+            <a:endParaRPr lang="de-DE" sz="2000" dirty="0">
               <a:solidFill>
                 <a:schemeClr val="tx1"/>
               </a:solidFill>
@@ -28199,7 +28552,7 @@
             <a:fld id="{CE58CB1E-F828-4F11-99E0-327109AF9DA4}" type="slidenum">
               <a:rPr lang="de-DE" smtClean="0"/>
               <a:pPr/>
-              <a:t>18</a:t>
+              <a:t>19</a:t>
             </a:fld>
             <a:endParaRPr lang="de-DE" dirty="0"/>
           </a:p>
@@ -28260,7 +28613,7 @@
         </p:nvSpPr>
         <p:spPr>
           <a:xfrm>
-            <a:off x="2650460" y="1701989"/>
+            <a:off x="2650460" y="1344638"/>
             <a:ext cx="3087961" cy="210507"/>
           </a:xfrm>
           <a:prstGeom prst="rect">
@@ -28308,7 +28661,7 @@
         </p:nvSpPr>
         <p:spPr>
           <a:xfrm>
-            <a:off x="1259986" y="4227191"/>
+            <a:off x="1259986" y="3869840"/>
             <a:ext cx="6624025" cy="268984"/>
           </a:xfrm>
           <a:prstGeom prst="rect">
@@ -28406,13 +28759,13 @@
           <p:nvPr>
             <p:extLst>
               <p:ext uri="{D42A27DB-BD31-4B8C-83A1-F6EECF244321}">
-                <p14:modId xmlns:p14="http://schemas.microsoft.com/office/powerpoint/2010/main" val="990529472"/>
+                <p14:modId xmlns:p14="http://schemas.microsoft.com/office/powerpoint/2010/main" val="926602713"/>
               </p:ext>
             </p:extLst>
           </p:nvPr>
         </p:nvGraphicFramePr>
         <p:xfrm>
-          <a:off x="343589" y="1955720"/>
+          <a:off x="343589" y="1598369"/>
           <a:ext cx="8460000" cy="2160001"/>
         </p:xfrm>
         <a:graphic>
@@ -29123,7 +29476,7 @@
         </p:nvGrpSpPr>
         <p:grpSpPr>
           <a:xfrm>
-            <a:off x="2540352" y="2543503"/>
+            <a:off x="2540352" y="2186152"/>
             <a:ext cx="6212435" cy="1471449"/>
             <a:chOff x="2540352" y="3505911"/>
             <a:chExt cx="6212435" cy="1386599"/>
@@ -29388,11 +29741,13 @@
         </p:nvSpPr>
         <p:spPr>
           <a:xfrm rot="10800000">
-            <a:off x="2694790" y="4670706"/>
-            <a:ext cx="3754419" cy="462578"/>
+            <a:off x="2177506" y="4313355"/>
+            <a:ext cx="4782616" cy="588666"/>
           </a:xfrm>
           <a:prstGeom prst="triangle">
-            <a:avLst/>
+            <a:avLst>
+              <a:gd name="adj" fmla="val 50000"/>
+            </a:avLst>
           </a:prstGeom>
           <a:solidFill>
             <a:srgbClr val="0065BD"/>
@@ -29927,7 +30282,176 @@
 </p:sld>
 </file>
 
-<file path=ppt/slides/slide19.xml><?xml version="1.0" encoding="utf-8"?>
+<file path=ppt/slides/slide2.xml><?xml version="1.0" encoding="utf-8"?>
+<p:sld xmlns:a="http://schemas.openxmlformats.org/drawingml/2006/main" xmlns:r="http://schemas.openxmlformats.org/officeDocument/2006/relationships" xmlns:p="http://schemas.openxmlformats.org/presentationml/2006/main">
+  <p:cSld>
+    <p:spTree>
+      <p:nvGrpSpPr>
+        <p:cNvPr id="1" name=""/>
+        <p:cNvGrpSpPr/>
+        <p:nvPr/>
+      </p:nvGrpSpPr>
+      <p:grpSpPr>
+        <a:xfrm>
+          <a:off x="0" y="0"/>
+          <a:ext cx="0" cy="0"/>
+          <a:chOff x="0" y="0"/>
+          <a:chExt cx="0" cy="0"/>
+        </a:xfrm>
+      </p:grpSpPr>
+      <p:pic>
+        <p:nvPicPr>
+          <p:cNvPr id="4" name="Bild 4" descr="TUM_Glockenturm.tif">
+            <a:extLst>
+              <a:ext uri="{FF2B5EF4-FFF2-40B4-BE49-F238E27FC236}">
+                <a16:creationId xmlns:a16="http://schemas.microsoft.com/office/drawing/2014/main" id="{6E1B4B54-6271-48C4-BF68-95E6A46C9AA9}"/>
+              </a:ext>
+            </a:extLst>
+          </p:cNvPr>
+          <p:cNvPicPr>
+            <a:picLocks noChangeAspect="1"/>
+          </p:cNvPicPr>
+          <p:nvPr/>
+        </p:nvPicPr>
+        <p:blipFill>
+          <a:blip r:embed="rId2"/>
+          <a:stretch>
+            <a:fillRect/>
+          </a:stretch>
+        </p:blipFill>
+        <p:spPr>
+          <a:xfrm>
+            <a:off x="4927101" y="3051360"/>
+            <a:ext cx="3892489" cy="3397419"/>
+          </a:xfrm>
+          <a:prstGeom prst="rect">
+            <a:avLst/>
+          </a:prstGeom>
+        </p:spPr>
+      </p:pic>
+      <p:sp>
+        <p:nvSpPr>
+          <p:cNvPr id="9" name="Inhaltsplatzhalter 2">
+            <a:extLst>
+              <a:ext uri="{FF2B5EF4-FFF2-40B4-BE49-F238E27FC236}">
+                <a16:creationId xmlns:a16="http://schemas.microsoft.com/office/drawing/2014/main" id="{7EC2C0AF-CED8-47C6-94F8-41D6EFFAB6EF}"/>
+              </a:ext>
+            </a:extLst>
+          </p:cNvPr>
+          <p:cNvSpPr>
+            <a:spLocks noGrp="1"/>
+          </p:cNvSpPr>
+          <p:nvPr>
+            <p:ph idx="10"/>
+          </p:nvPr>
+        </p:nvSpPr>
+        <p:spPr/>
+        <p:txBody>
+          <a:bodyPr/>
+          <a:lstStyle/>
+          <a:p>
+            <a:r>
+              <a:rPr lang="de-DE" dirty="0"/>
+              <a:t>Hannes Bohnengel</a:t>
+            </a:r>
+          </a:p>
+          <a:p>
+            <a:r>
+              <a:rPr lang="en-US" dirty="0"/>
+              <a:t>Technical</a:t>
+            </a:r>
+            <a:r>
+              <a:rPr lang="de-DE" dirty="0"/>
+              <a:t> </a:t>
+            </a:r>
+            <a:r>
+              <a:rPr lang="en-US" dirty="0"/>
+              <a:t>University</a:t>
+            </a:r>
+            <a:r>
+              <a:rPr lang="de-DE" dirty="0"/>
+              <a:t> </a:t>
+            </a:r>
+            <a:r>
+              <a:rPr lang="de-DE" dirty="0" err="1"/>
+              <a:t>of</a:t>
+            </a:r>
+            <a:r>
+              <a:rPr lang="de-DE" dirty="0"/>
+              <a:t> Munich</a:t>
+            </a:r>
+          </a:p>
+          <a:p>
+            <a:r>
+              <a:rPr lang="en-US" dirty="0"/>
+              <a:t>TUM Department of Electrical and Computer Engineering</a:t>
+            </a:r>
+          </a:p>
+          <a:p>
+            <a:r>
+              <a:rPr lang="en-US" dirty="0"/>
+              <a:t>Chair of Real-Time Computer Systems</a:t>
+            </a:r>
+            <a:endParaRPr lang="de-DE" dirty="0"/>
+          </a:p>
+          <a:p>
+            <a:r>
+              <a:rPr lang="de-DE" dirty="0"/>
+              <a:t>Munich, 21 </a:t>
+            </a:r>
+            <a:r>
+              <a:rPr lang="de-DE" dirty="0" err="1"/>
+              <a:t>July</a:t>
+            </a:r>
+            <a:r>
+              <a:rPr lang="de-DE" dirty="0"/>
+              <a:t> 2017</a:t>
+            </a:r>
+            <a:endParaRPr dirty="0"/>
+          </a:p>
+        </p:txBody>
+      </p:sp>
+      <p:sp>
+        <p:nvSpPr>
+          <p:cNvPr id="7" name="Titel 6"/>
+          <p:cNvSpPr>
+            <a:spLocks noGrp="1"/>
+          </p:cNvSpPr>
+          <p:nvPr>
+            <p:ph type="title"/>
+          </p:nvPr>
+        </p:nvSpPr>
+        <p:spPr/>
+        <p:txBody>
+          <a:bodyPr/>
+          <a:lstStyle/>
+          <a:p>
+            <a:pPr>
+              <a:lnSpc>
+                <a:spcPct val="114000"/>
+              </a:lnSpc>
+            </a:pPr>
+            <a:r>
+              <a:rPr lang="en-US" dirty="0"/>
+              <a:t>Final Presentation of Advanced Seminar</a:t>
+            </a:r>
+          </a:p>
+        </p:txBody>
+      </p:sp>
+    </p:spTree>
+    <p:extLst>
+      <p:ext uri="{BB962C8B-B14F-4D97-AF65-F5344CB8AC3E}">
+        <p14:creationId xmlns:p14="http://schemas.microsoft.com/office/powerpoint/2010/main" val="2086259993"/>
+      </p:ext>
+    </p:extLst>
+  </p:cSld>
+  <p:clrMapOvr>
+    <a:masterClrMapping/>
+  </p:clrMapOvr>
+</p:sld>
+</file>
+
+<file path=ppt/slides/slide20.xml><?xml version="1.0" encoding="utf-8"?>
 <p:sld xmlns:a="http://schemas.openxmlformats.org/drawingml/2006/main" xmlns:r="http://schemas.openxmlformats.org/officeDocument/2006/relationships" xmlns:p="http://schemas.openxmlformats.org/presentationml/2006/main">
   <p:cSld>
     <p:spTree>
@@ -30099,7 +30623,7 @@
             <a:fld id="{CE58CB1E-F828-4F11-99E0-327109AF9DA4}" type="slidenum">
               <a:rPr lang="de-DE" smtClean="0"/>
               <a:pPr/>
-              <a:t>19</a:t>
+              <a:t>20</a:t>
             </a:fld>
             <a:endParaRPr lang="de-DE" dirty="0"/>
           </a:p>
@@ -30522,176 +31046,7 @@
 </p:sld>
 </file>
 
-<file path=ppt/slides/slide2.xml><?xml version="1.0" encoding="utf-8"?>
-<p:sld xmlns:a="http://schemas.openxmlformats.org/drawingml/2006/main" xmlns:r="http://schemas.openxmlformats.org/officeDocument/2006/relationships" xmlns:p="http://schemas.openxmlformats.org/presentationml/2006/main">
-  <p:cSld>
-    <p:spTree>
-      <p:nvGrpSpPr>
-        <p:cNvPr id="1" name=""/>
-        <p:cNvGrpSpPr/>
-        <p:nvPr/>
-      </p:nvGrpSpPr>
-      <p:grpSpPr>
-        <a:xfrm>
-          <a:off x="0" y="0"/>
-          <a:ext cx="0" cy="0"/>
-          <a:chOff x="0" y="0"/>
-          <a:chExt cx="0" cy="0"/>
-        </a:xfrm>
-      </p:grpSpPr>
-      <p:pic>
-        <p:nvPicPr>
-          <p:cNvPr id="4" name="Bild 4" descr="TUM_Glockenturm.tif">
-            <a:extLst>
-              <a:ext uri="{FF2B5EF4-FFF2-40B4-BE49-F238E27FC236}">
-                <a16:creationId xmlns:a16="http://schemas.microsoft.com/office/drawing/2014/main" id="{6E1B4B54-6271-48C4-BF68-95E6A46C9AA9}"/>
-              </a:ext>
-            </a:extLst>
-          </p:cNvPr>
-          <p:cNvPicPr>
-            <a:picLocks noChangeAspect="1"/>
-          </p:cNvPicPr>
-          <p:nvPr/>
-        </p:nvPicPr>
-        <p:blipFill>
-          <a:blip r:embed="rId2"/>
-          <a:stretch>
-            <a:fillRect/>
-          </a:stretch>
-        </p:blipFill>
-        <p:spPr>
-          <a:xfrm>
-            <a:off x="4927101" y="3051360"/>
-            <a:ext cx="3892489" cy="3397419"/>
-          </a:xfrm>
-          <a:prstGeom prst="rect">
-            <a:avLst/>
-          </a:prstGeom>
-        </p:spPr>
-      </p:pic>
-      <p:sp>
-        <p:nvSpPr>
-          <p:cNvPr id="9" name="Inhaltsplatzhalter 2">
-            <a:extLst>
-              <a:ext uri="{FF2B5EF4-FFF2-40B4-BE49-F238E27FC236}">
-                <a16:creationId xmlns:a16="http://schemas.microsoft.com/office/drawing/2014/main" id="{7EC2C0AF-CED8-47C6-94F8-41D6EFFAB6EF}"/>
-              </a:ext>
-            </a:extLst>
-          </p:cNvPr>
-          <p:cNvSpPr>
-            <a:spLocks noGrp="1"/>
-          </p:cNvSpPr>
-          <p:nvPr>
-            <p:ph idx="10"/>
-          </p:nvPr>
-        </p:nvSpPr>
-        <p:spPr/>
-        <p:txBody>
-          <a:bodyPr/>
-          <a:lstStyle/>
-          <a:p>
-            <a:r>
-              <a:rPr lang="de-DE" dirty="0"/>
-              <a:t>Hannes Bohnengel</a:t>
-            </a:r>
-          </a:p>
-          <a:p>
-            <a:r>
-              <a:rPr lang="en-US" dirty="0"/>
-              <a:t>Technical</a:t>
-            </a:r>
-            <a:r>
-              <a:rPr lang="de-DE" dirty="0"/>
-              <a:t> </a:t>
-            </a:r>
-            <a:r>
-              <a:rPr lang="en-US" dirty="0"/>
-              <a:t>University</a:t>
-            </a:r>
-            <a:r>
-              <a:rPr lang="de-DE" dirty="0"/>
-              <a:t> </a:t>
-            </a:r>
-            <a:r>
-              <a:rPr lang="de-DE" dirty="0" err="1"/>
-              <a:t>of</a:t>
-            </a:r>
-            <a:r>
-              <a:rPr lang="de-DE" dirty="0"/>
-              <a:t> Munich</a:t>
-            </a:r>
-          </a:p>
-          <a:p>
-            <a:r>
-              <a:rPr lang="en-US" dirty="0"/>
-              <a:t>TUM Department of Electrical and Computer Engineering</a:t>
-            </a:r>
-          </a:p>
-          <a:p>
-            <a:r>
-              <a:rPr lang="en-US" dirty="0"/>
-              <a:t>Chair of Real-Time Computer Systems</a:t>
-            </a:r>
-            <a:endParaRPr lang="de-DE" dirty="0"/>
-          </a:p>
-          <a:p>
-            <a:r>
-              <a:rPr lang="de-DE" dirty="0"/>
-              <a:t>Munich, 21 </a:t>
-            </a:r>
-            <a:r>
-              <a:rPr lang="de-DE" dirty="0" err="1"/>
-              <a:t>July</a:t>
-            </a:r>
-            <a:r>
-              <a:rPr lang="de-DE" dirty="0"/>
-              <a:t> 2017</a:t>
-            </a:r>
-            <a:endParaRPr dirty="0"/>
-          </a:p>
-        </p:txBody>
-      </p:sp>
-      <p:sp>
-        <p:nvSpPr>
-          <p:cNvPr id="7" name="Titel 6"/>
-          <p:cNvSpPr>
-            <a:spLocks noGrp="1"/>
-          </p:cNvSpPr>
-          <p:nvPr>
-            <p:ph type="title"/>
-          </p:nvPr>
-        </p:nvSpPr>
-        <p:spPr/>
-        <p:txBody>
-          <a:bodyPr/>
-          <a:lstStyle/>
-          <a:p>
-            <a:pPr>
-              <a:lnSpc>
-                <a:spcPct val="114000"/>
-              </a:lnSpc>
-            </a:pPr>
-            <a:r>
-              <a:rPr lang="en-US" dirty="0"/>
-              <a:t>Final Presentation of Advanced Seminar</a:t>
-            </a:r>
-          </a:p>
-        </p:txBody>
-      </p:sp>
-    </p:spTree>
-    <p:extLst>
-      <p:ext uri="{BB962C8B-B14F-4D97-AF65-F5344CB8AC3E}">
-        <p14:creationId xmlns:p14="http://schemas.microsoft.com/office/powerpoint/2010/main" val="2086259993"/>
-      </p:ext>
-    </p:extLst>
-  </p:cSld>
-  <p:clrMapOvr>
-    <a:masterClrMapping/>
-  </p:clrMapOvr>
-</p:sld>
-</file>
-
-<file path=ppt/slides/slide20.xml><?xml version="1.0" encoding="utf-8"?>
+<file path=ppt/slides/slide21.xml><?xml version="1.0" encoding="utf-8"?>
 <p:sld xmlns:a="http://schemas.openxmlformats.org/drawingml/2006/main" xmlns:r="http://schemas.openxmlformats.org/officeDocument/2006/relationships" xmlns:p="http://schemas.openxmlformats.org/presentationml/2006/main">
   <p:cSld>
     <p:spTree>
@@ -30732,7 +31087,7 @@
             <a:fld id="{CE58CB1E-F828-4F11-99E0-327109AF9DA4}" type="slidenum">
               <a:rPr lang="de-DE" smtClean="0"/>
               <a:pPr/>
-              <a:t>20</a:t>
+              <a:t>21</a:t>
             </a:fld>
             <a:endParaRPr lang="de-DE" dirty="0"/>
           </a:p>
@@ -31331,7 +31686,7 @@
 </p:sld>
 </file>
 
-<file path=ppt/slides/slide21.xml><?xml version="1.0" encoding="utf-8"?>
+<file path=ppt/slides/slide22.xml><?xml version="1.0" encoding="utf-8"?>
 <p:sld xmlns:a="http://schemas.openxmlformats.org/drawingml/2006/main" xmlns:r="http://schemas.openxmlformats.org/officeDocument/2006/relationships" xmlns:p="http://schemas.openxmlformats.org/presentationml/2006/main">
   <p:cSld>
     <p:spTree>
@@ -31372,7 +31727,7 @@
             <a:fld id="{CE58CB1E-F828-4F11-99E0-327109AF9DA4}" type="slidenum">
               <a:rPr lang="de-DE" smtClean="0"/>
               <a:pPr/>
-              <a:t>21</a:t>
+              <a:t>22</a:t>
             </a:fld>
             <a:endParaRPr lang="de-DE" dirty="0"/>
           </a:p>
@@ -31425,7 +31780,7 @@
 </p:sld>
 </file>
 
-<file path=ppt/slides/slide22.xml><?xml version="1.0" encoding="utf-8"?>
+<file path=ppt/slides/slide23.xml><?xml version="1.0" encoding="utf-8"?>
 <p:sld xmlns:a="http://schemas.openxmlformats.org/drawingml/2006/main" xmlns:r="http://schemas.openxmlformats.org/officeDocument/2006/relationships" xmlns:p="http://schemas.openxmlformats.org/presentationml/2006/main" show="0">
   <p:cSld>
     <p:spTree>
@@ -31466,7 +31821,7 @@
             <a:fld id="{CE58CB1E-F828-4F11-99E0-327109AF9DA4}" type="slidenum">
               <a:rPr lang="de-DE" smtClean="0"/>
               <a:pPr/>
-              <a:t>22</a:t>
+              <a:t>23</a:t>
             </a:fld>
             <a:endParaRPr lang="de-DE" dirty="0"/>
           </a:p>
@@ -31876,7 +32231,7 @@
 </p:sld>
 </file>
 
-<file path=ppt/slides/slide23.xml><?xml version="1.0" encoding="utf-8"?>
+<file path=ppt/slides/slide24.xml><?xml version="1.0" encoding="utf-8"?>
 <p:sld xmlns:a="http://schemas.openxmlformats.org/drawingml/2006/main" xmlns:r="http://schemas.openxmlformats.org/officeDocument/2006/relationships" xmlns:p="http://schemas.openxmlformats.org/presentationml/2006/main" show="0">
   <p:cSld>
     <p:spTree>
@@ -31917,7 +32272,7 @@
             <a:fld id="{CE58CB1E-F828-4F11-99E0-327109AF9DA4}" type="slidenum">
               <a:rPr lang="de-DE" smtClean="0"/>
               <a:pPr/>
-              <a:t>23</a:t>
+              <a:t>24</a:t>
             </a:fld>
             <a:endParaRPr lang="de-DE" dirty="0"/>
           </a:p>
@@ -32064,7 +32419,7 @@
 </p:sld>
 </file>
 
-<file path=ppt/slides/slide24.xml><?xml version="1.0" encoding="utf-8"?>
+<file path=ppt/slides/slide25.xml><?xml version="1.0" encoding="utf-8"?>
 <p:sld xmlns:a="http://schemas.openxmlformats.org/drawingml/2006/main" xmlns:r="http://schemas.openxmlformats.org/officeDocument/2006/relationships" xmlns:p="http://schemas.openxmlformats.org/presentationml/2006/main" show="0">
   <p:cSld>
     <p:spTree>
@@ -32227,7 +32582,7 @@
             <a:fld id="{CE58CB1E-F828-4F11-99E0-327109AF9DA4}" type="slidenum">
               <a:rPr lang="de-DE" smtClean="0"/>
               <a:pPr/>
-              <a:t>24</a:t>
+              <a:t>25</a:t>
             </a:fld>
             <a:endParaRPr lang="de-DE" dirty="0"/>
           </a:p>
@@ -32361,7 +32716,7 @@
 </p:sld>
 </file>
 
-<file path=ppt/slides/slide25.xml><?xml version="1.0" encoding="utf-8"?>
+<file path=ppt/slides/slide26.xml><?xml version="1.0" encoding="utf-8"?>
 <p:sld xmlns:a="http://schemas.openxmlformats.org/drawingml/2006/main" xmlns:r="http://schemas.openxmlformats.org/officeDocument/2006/relationships" xmlns:p="http://schemas.openxmlformats.org/presentationml/2006/main" show="0">
   <p:cSld>
     <p:spTree>
@@ -32530,7 +32885,7 @@
             <a:fld id="{CE58CB1E-F828-4F11-99E0-327109AF9DA4}" type="slidenum">
               <a:rPr lang="de-DE" smtClean="0"/>
               <a:pPr/>
-              <a:t>25</a:t>
+              <a:t>26</a:t>
             </a:fld>
             <a:endParaRPr lang="de-DE" dirty="0"/>
           </a:p>
@@ -32935,7 +33290,7 @@
 </p:sld>
 </file>
 
-<file path=ppt/slides/slide26.xml><?xml version="1.0" encoding="utf-8"?>
+<file path=ppt/slides/slide27.xml><?xml version="1.0" encoding="utf-8"?>
 <p:sld xmlns:a="http://schemas.openxmlformats.org/drawingml/2006/main" xmlns:r="http://schemas.openxmlformats.org/officeDocument/2006/relationships" xmlns:p="http://schemas.openxmlformats.org/presentationml/2006/main" show="0">
   <p:cSld>
     <p:spTree>
@@ -33026,7 +33381,7 @@
             <a:fld id="{CE58CB1E-F828-4F11-99E0-327109AF9DA4}" type="slidenum">
               <a:rPr lang="de-DE" smtClean="0"/>
               <a:pPr/>
-              <a:t>26</a:t>
+              <a:t>27</a:t>
             </a:fld>
             <a:endParaRPr lang="de-DE" dirty="0"/>
           </a:p>

--- a/pres/Final_Presentation_V03.pptx
+++ b/pres/Final_Presentation_V03.pptx
@@ -10,10 +10,10 @@
     <p:sldMasterId id="2147483697" r:id="rId6"/>
   </p:sldMasterIdLst>
   <p:notesMasterIdLst>
-    <p:notesMasterId r:id="rId34"/>
+    <p:notesMasterId r:id="rId35"/>
   </p:notesMasterIdLst>
   <p:handoutMasterIdLst>
-    <p:handoutMasterId r:id="rId35"/>
+    <p:handoutMasterId r:id="rId36"/>
   </p:handoutMasterIdLst>
   <p:sldIdLst>
     <p:sldId id="403" r:id="rId7"/>
@@ -37,12 +37,13 @@
     <p:sldId id="430" r:id="rId25"/>
     <p:sldId id="438" r:id="rId26"/>
     <p:sldId id="407" r:id="rId27"/>
-    <p:sldId id="409" r:id="rId28"/>
-    <p:sldId id="423" r:id="rId29"/>
-    <p:sldId id="432" r:id="rId30"/>
-    <p:sldId id="411" r:id="rId31"/>
-    <p:sldId id="417" r:id="rId32"/>
-    <p:sldId id="419" r:id="rId33"/>
+    <p:sldId id="440" r:id="rId28"/>
+    <p:sldId id="409" r:id="rId29"/>
+    <p:sldId id="423" r:id="rId30"/>
+    <p:sldId id="432" r:id="rId31"/>
+    <p:sldId id="411" r:id="rId32"/>
+    <p:sldId id="417" r:id="rId33"/>
+    <p:sldId id="419" r:id="rId34"/>
   </p:sldIdLst>
   <p:sldSz cx="9144000" cy="6858000" type="screen4x3"/>
   <p:notesSz cx="9925050" cy="6665913"/>
@@ -213,6 +214,7 @@
           <p14:sldIdLst>
             <p14:sldId id="438"/>
             <p14:sldId id="407"/>
+            <p14:sldId id="440"/>
             <p14:sldId id="409"/>
           </p14:sldIdLst>
         </p14:section>
@@ -257,6 +259,10 @@
     </p:ext>
   </p:extLst>
 </p:presentation>
+</file>
+
+<file path=ppt/revisionInfo.xml><?xml version="1.0" encoding="utf-8"?>
+<p1510:revInfo xmlns:a="http://schemas.openxmlformats.org/drawingml/2006/main" xmlns:r="http://schemas.openxmlformats.org/officeDocument/2006/relationships" xmlns:p1510="http://schemas.microsoft.com/office/powerpoint/2015/10/main"/>
 </file>
 
 <file path=ppt/diagrams/colors1.xml><?xml version="1.0" encoding="utf-8"?>
@@ -2225,14 +2231,14 @@
           <a:r>
             <a:rPr lang="en-US" sz="1400" dirty="0">
               <a:solidFill>
-                <a:srgbClr val="DAD7CB"/>
+                <a:schemeClr val="bg1"/>
               </a:solidFill>
             </a:rPr>
             <a:t>Mobile devices</a:t>
           </a:r>
           <a:endParaRPr lang="de-DE" sz="1400" b="1" dirty="0">
             <a:solidFill>
-              <a:srgbClr val="DAD7CB"/>
+              <a:schemeClr val="bg1"/>
             </a:solidFill>
           </a:endParaRPr>
         </a:p>
@@ -2247,7 +2253,7 @@
         <a:p>
           <a:endParaRPr lang="de-DE">
             <a:solidFill>
-              <a:srgbClr val="DAD7CB"/>
+              <a:schemeClr val="bg1"/>
             </a:solidFill>
           </a:endParaRPr>
         </a:p>
@@ -2262,7 +2268,7 @@
         <a:p>
           <a:endParaRPr lang="de-DE">
             <a:solidFill>
-              <a:srgbClr val="DAD7CB"/>
+              <a:schemeClr val="bg1"/>
             </a:solidFill>
           </a:endParaRPr>
         </a:p>
@@ -2287,7 +2293,7 @@
           <a:r>
             <a:rPr lang="de-DE" sz="1400" dirty="0">
               <a:solidFill>
-                <a:srgbClr val="DAD7CB"/>
+                <a:schemeClr val="bg1"/>
               </a:solidFill>
             </a:rPr>
             <a:t>Real-time </a:t>
@@ -2295,14 +2301,14 @@
           <a:r>
             <a:rPr lang="de-DE" sz="1400" dirty="0" err="1">
               <a:solidFill>
-                <a:srgbClr val="DAD7CB"/>
+                <a:schemeClr val="bg1"/>
               </a:solidFill>
             </a:rPr>
             <a:t>responsiveness</a:t>
           </a:r>
           <a:endParaRPr lang="de-DE" sz="1400" dirty="0">
             <a:solidFill>
-              <a:srgbClr val="DAD7CB"/>
+              <a:schemeClr val="bg1"/>
             </a:solidFill>
           </a:endParaRPr>
         </a:p>
@@ -2317,7 +2323,7 @@
         <a:p>
           <a:endParaRPr lang="de-DE">
             <a:solidFill>
-              <a:srgbClr val="DAD7CB"/>
+              <a:schemeClr val="bg1"/>
             </a:solidFill>
           </a:endParaRPr>
         </a:p>
@@ -2332,7 +2338,7 @@
         <a:p>
           <a:endParaRPr lang="de-DE">
             <a:solidFill>
-              <a:srgbClr val="DAD7CB"/>
+              <a:schemeClr val="bg1"/>
             </a:solidFill>
           </a:endParaRPr>
         </a:p>
@@ -2357,7 +2363,7 @@
           <a:r>
             <a:rPr lang="de-DE" sz="1400" dirty="0">
               <a:solidFill>
-                <a:srgbClr val="DAD7CB"/>
+                <a:schemeClr val="bg1"/>
               </a:solidFill>
             </a:rPr>
             <a:t>Memory </a:t>
@@ -2365,14 +2371,14 @@
           <a:r>
             <a:rPr lang="de-DE" sz="1400" dirty="0" err="1">
               <a:solidFill>
-                <a:srgbClr val="DAD7CB"/>
+                <a:schemeClr val="bg1"/>
               </a:solidFill>
             </a:rPr>
             <a:t>constraints</a:t>
           </a:r>
           <a:endParaRPr lang="de-DE" sz="1400" dirty="0">
             <a:solidFill>
-              <a:srgbClr val="DAD7CB"/>
+              <a:schemeClr val="bg1"/>
             </a:solidFill>
           </a:endParaRPr>
         </a:p>
@@ -2387,7 +2393,7 @@
         <a:p>
           <a:endParaRPr lang="de-DE">
             <a:solidFill>
-              <a:srgbClr val="DAD7CB"/>
+              <a:schemeClr val="bg1"/>
             </a:solidFill>
           </a:endParaRPr>
         </a:p>
@@ -2402,7 +2408,7 @@
         <a:p>
           <a:endParaRPr lang="de-DE">
             <a:solidFill>
-              <a:srgbClr val="DAD7CB"/>
+              <a:schemeClr val="bg1"/>
             </a:solidFill>
           </a:endParaRPr>
         </a:p>
@@ -2427,7 +2433,7 @@
           <a:r>
             <a:rPr lang="de-DE" sz="1400" dirty="0">
               <a:solidFill>
-                <a:srgbClr val="DAD7CB"/>
+                <a:schemeClr val="bg1"/>
               </a:solidFill>
             </a:rPr>
             <a:t>Power </a:t>
@@ -2435,14 +2441,14 @@
           <a:r>
             <a:rPr lang="de-DE" sz="1400" dirty="0" err="1">
               <a:solidFill>
-                <a:srgbClr val="DAD7CB"/>
+                <a:schemeClr val="bg1"/>
               </a:solidFill>
             </a:rPr>
             <a:t>consumption</a:t>
           </a:r>
           <a:endParaRPr lang="de-DE" sz="1400" dirty="0">
             <a:solidFill>
-              <a:srgbClr val="DAD7CB"/>
+              <a:schemeClr val="bg1"/>
             </a:solidFill>
           </a:endParaRPr>
         </a:p>
@@ -2457,7 +2463,7 @@
         <a:p>
           <a:endParaRPr lang="de-DE">
             <a:solidFill>
-              <a:srgbClr val="DAD7CB"/>
+              <a:schemeClr val="bg1"/>
             </a:solidFill>
           </a:endParaRPr>
         </a:p>
@@ -2472,7 +2478,7 @@
         <a:p>
           <a:endParaRPr lang="de-DE">
             <a:solidFill>
-              <a:srgbClr val="DAD7CB"/>
+              <a:schemeClr val="bg1"/>
             </a:solidFill>
           </a:endParaRPr>
         </a:p>
@@ -3125,14 +3131,14 @@
           <a:r>
             <a:rPr lang="en-US" sz="1400" kern="1200" dirty="0">
               <a:solidFill>
-                <a:srgbClr val="DAD7CB"/>
+                <a:schemeClr val="bg1"/>
               </a:solidFill>
             </a:rPr>
             <a:t>Mobile devices</a:t>
           </a:r>
           <a:endParaRPr lang="de-DE" sz="1400" b="1" kern="1200" dirty="0">
             <a:solidFill>
-              <a:srgbClr val="DAD7CB"/>
+              <a:schemeClr val="bg1"/>
             </a:solidFill>
           </a:endParaRPr>
         </a:p>
@@ -3256,7 +3262,7 @@
           <a:r>
             <a:rPr lang="de-DE" sz="1400" kern="1200" dirty="0">
               <a:solidFill>
-                <a:srgbClr val="DAD7CB"/>
+                <a:schemeClr val="bg1"/>
               </a:solidFill>
             </a:rPr>
             <a:t>Power </a:t>
@@ -3264,14 +3270,14 @@
           <a:r>
             <a:rPr lang="de-DE" sz="1400" kern="1200" dirty="0" err="1">
               <a:solidFill>
-                <a:srgbClr val="DAD7CB"/>
+                <a:schemeClr val="bg1"/>
               </a:solidFill>
             </a:rPr>
             <a:t>consumption</a:t>
           </a:r>
           <a:endParaRPr lang="de-DE" sz="1400" kern="1200" dirty="0">
             <a:solidFill>
-              <a:srgbClr val="DAD7CB"/>
+              <a:schemeClr val="bg1"/>
             </a:solidFill>
           </a:endParaRPr>
         </a:p>
@@ -3395,7 +3401,7 @@
           <a:r>
             <a:rPr lang="de-DE" sz="1400" kern="1200" dirty="0">
               <a:solidFill>
-                <a:srgbClr val="DAD7CB"/>
+                <a:schemeClr val="bg1"/>
               </a:solidFill>
             </a:rPr>
             <a:t>Memory </a:t>
@@ -3403,14 +3409,14 @@
           <a:r>
             <a:rPr lang="de-DE" sz="1400" kern="1200" dirty="0" err="1">
               <a:solidFill>
-                <a:srgbClr val="DAD7CB"/>
+                <a:schemeClr val="bg1"/>
               </a:solidFill>
             </a:rPr>
             <a:t>constraints</a:t>
           </a:r>
           <a:endParaRPr lang="de-DE" sz="1400" kern="1200" dirty="0">
             <a:solidFill>
-              <a:srgbClr val="DAD7CB"/>
+              <a:schemeClr val="bg1"/>
             </a:solidFill>
           </a:endParaRPr>
         </a:p>
@@ -3534,7 +3540,7 @@
           <a:r>
             <a:rPr lang="de-DE" sz="1400" kern="1200" dirty="0">
               <a:solidFill>
-                <a:srgbClr val="DAD7CB"/>
+                <a:schemeClr val="bg1"/>
               </a:solidFill>
             </a:rPr>
             <a:t>Real-time </a:t>
@@ -3542,14 +3548,14 @@
           <a:r>
             <a:rPr lang="de-DE" sz="1400" kern="1200" dirty="0" err="1">
               <a:solidFill>
-                <a:srgbClr val="DAD7CB"/>
+                <a:schemeClr val="bg1"/>
               </a:solidFill>
             </a:rPr>
             <a:t>responsiveness</a:t>
           </a:r>
           <a:endParaRPr lang="de-DE" sz="1400" kern="1200" dirty="0">
             <a:solidFill>
-              <a:srgbClr val="DAD7CB"/>
+              <a:schemeClr val="bg1"/>
             </a:solidFill>
           </a:endParaRPr>
         </a:p>
@@ -10830,106 +10836,6 @@
           <a:bodyPr/>
           <a:lstStyle/>
           <a:p>
-            <a:pPr marL="285750" indent="-285750">
-              <a:buFont typeface="Wingdings" panose="05000000000000000000" pitchFamily="2" charset="2"/>
-              <a:buChar char="à"/>
-            </a:pPr>
-            <a:endParaRPr lang="en-US" dirty="0">
-              <a:sym typeface="Wingdings" panose="05000000000000000000" pitchFamily="2" charset="2"/>
-            </a:endParaRPr>
-          </a:p>
-          <a:p>
-            <a:pPr marL="285750" indent="-285750">
-              <a:buFont typeface="Wingdings" panose="05000000000000000000" pitchFamily="2" charset="2"/>
-              <a:buChar char="à"/>
-            </a:pPr>
-            <a:r>
-              <a:rPr lang="en-US" dirty="0">
-                <a:sym typeface="Wingdings" panose="05000000000000000000" pitchFamily="2" charset="2"/>
-              </a:rPr>
-              <a:t>Speech as extension</a:t>
-            </a:r>
-          </a:p>
-          <a:p>
-            <a:pPr marL="285750" indent="-285750">
-              <a:buFont typeface="Wingdings" panose="05000000000000000000" pitchFamily="2" charset="2"/>
-              <a:buChar char="à"/>
-            </a:pPr>
-            <a:r>
-              <a:rPr lang="de-DE" dirty="0">
-                <a:sym typeface="Wingdings" panose="05000000000000000000" pitchFamily="2" charset="2"/>
-              </a:rPr>
-              <a:t>S</a:t>
-            </a:r>
-            <a:r>
-              <a:rPr lang="en-US" dirty="0" err="1">
-                <a:sym typeface="Wingdings" panose="05000000000000000000" pitchFamily="2" charset="2"/>
-              </a:rPr>
-              <a:t>peech</a:t>
-            </a:r>
-            <a:r>
-              <a:rPr lang="en-US" dirty="0">
-                <a:sym typeface="Wingdings" panose="05000000000000000000" pitchFamily="2" charset="2"/>
-              </a:rPr>
-              <a:t> as main output</a:t>
-            </a:r>
-          </a:p>
-          <a:p>
-            <a:pPr marL="285750" indent="-285750">
-              <a:buFont typeface="Wingdings" panose="05000000000000000000" pitchFamily="2" charset="2"/>
-              <a:buChar char="à"/>
-            </a:pPr>
-            <a:r>
-              <a:rPr lang="de-DE" dirty="0">
-                <a:sym typeface="Wingdings" panose="05000000000000000000" pitchFamily="2" charset="2"/>
-              </a:rPr>
-              <a:t>Help </a:t>
-            </a:r>
-            <a:r>
-              <a:rPr lang="de-DE" dirty="0" err="1">
-                <a:sym typeface="Wingdings" panose="05000000000000000000" pitchFamily="2" charset="2"/>
-              </a:rPr>
-              <a:t>visually</a:t>
-            </a:r>
-            <a:r>
-              <a:rPr lang="de-DE" dirty="0">
-                <a:sym typeface="Wingdings" panose="05000000000000000000" pitchFamily="2" charset="2"/>
-              </a:rPr>
-              <a:t> </a:t>
-            </a:r>
-            <a:r>
-              <a:rPr lang="de-DE" dirty="0" err="1">
-                <a:sym typeface="Wingdings" panose="05000000000000000000" pitchFamily="2" charset="2"/>
-              </a:rPr>
-              <a:t>impaired</a:t>
-            </a:r>
-            <a:r>
-              <a:rPr lang="de-DE" dirty="0">
-                <a:sym typeface="Wingdings" panose="05000000000000000000" pitchFamily="2" charset="2"/>
-              </a:rPr>
-              <a:t> </a:t>
-            </a:r>
-            <a:r>
-              <a:rPr lang="de-DE" dirty="0" err="1">
-                <a:sym typeface="Wingdings" panose="05000000000000000000" pitchFamily="2" charset="2"/>
-              </a:rPr>
-              <a:t>or</a:t>
-            </a:r>
-            <a:r>
-              <a:rPr lang="de-DE" dirty="0">
-                <a:sym typeface="Wingdings" panose="05000000000000000000" pitchFamily="2" charset="2"/>
-              </a:rPr>
-              <a:t> blind </a:t>
-            </a:r>
-            <a:r>
-              <a:rPr lang="de-DE" dirty="0" err="1">
-                <a:sym typeface="Wingdings" panose="05000000000000000000" pitchFamily="2" charset="2"/>
-              </a:rPr>
-              <a:t>people</a:t>
-            </a:r>
-            <a:endParaRPr lang="en-US" dirty="0"/>
-          </a:p>
-          <a:p>
             <a:endParaRPr lang="en-US" dirty="0"/>
           </a:p>
         </p:txBody>
@@ -10957,7 +10863,7 @@
               <a:pPr>
                 <a:defRPr/>
               </a:pPr>
-              <a:t>23</a:t>
+              <a:t>21</a:t>
             </a:fld>
             <a:endParaRPr lang="en-GB"/>
           </a:p>
@@ -10966,7 +10872,7 @@
     </p:spTree>
     <p:extLst>
       <p:ext uri="{BB962C8B-B14F-4D97-AF65-F5344CB8AC3E}">
-        <p14:creationId xmlns:p14="http://schemas.microsoft.com/office/powerpoint/2010/main" val="17025348"/>
+        <p14:creationId xmlns:p14="http://schemas.microsoft.com/office/powerpoint/2010/main" val="1195070833"/>
       </p:ext>
     </p:extLst>
   </p:cSld>
@@ -11017,177 +10923,107 @@
         </p:nvSpPr>
         <p:spPr/>
         <p:txBody>
-          <a:bodyPr>
-            <a:normAutofit fontScale="85000" lnSpcReduction="20000"/>
-          </a:bodyPr>
+          <a:bodyPr/>
           <a:lstStyle/>
           <a:p>
             <a:pPr marL="285750" indent="-285750">
-              <a:buFont typeface="Arial" panose="020B0604020202020204" pitchFamily="34" charset="0"/>
-              <a:buChar char="•"/>
+              <a:buFont typeface="Wingdings" panose="05000000000000000000" pitchFamily="2" charset="2"/>
+              <a:buChar char="à"/>
             </a:pPr>
-            <a:r>
-              <a:rPr lang="de-DE" sz="1200" dirty="0"/>
-              <a:t>T</a:t>
-            </a:r>
-            <a:r>
-              <a:rPr lang="en-US" sz="1200" dirty="0"/>
-              <a:t>raining and Synthesis Part</a:t>
-            </a:r>
+            <a:endParaRPr lang="en-US" dirty="0">
+              <a:sym typeface="Wingdings" panose="05000000000000000000" pitchFamily="2" charset="2"/>
+            </a:endParaRPr>
           </a:p>
           <a:p>
             <a:pPr marL="285750" indent="-285750">
-              <a:buFont typeface="Arial" panose="020B0604020202020204" pitchFamily="34" charset="0"/>
-              <a:buChar char="•"/>
+              <a:buFont typeface="Wingdings" panose="05000000000000000000" pitchFamily="2" charset="2"/>
+              <a:buChar char="à"/>
             </a:pPr>
             <a:r>
-              <a:rPr lang="en-US" sz="1200" dirty="0"/>
-              <a:t>generating the </a:t>
-            </a:r>
-            <a:r>
-              <a:rPr lang="en-US" sz="1200" i="1" dirty="0"/>
-              <a:t>average </a:t>
-            </a:r>
-            <a:r>
-              <a:rPr lang="en-US" sz="1200" dirty="0"/>
-              <a:t>of some sets of similarly sounding speech segments.</a:t>
+              <a:rPr lang="en-US" dirty="0">
+                <a:sym typeface="Wingdings" panose="05000000000000000000" pitchFamily="2" charset="2"/>
+              </a:rPr>
+              <a:t>Speech as extension</a:t>
             </a:r>
           </a:p>
           <a:p>
             <a:pPr marL="285750" indent="-285750">
-              <a:buFont typeface="Arial" panose="020B0604020202020204" pitchFamily="34" charset="0"/>
-              <a:buChar char="•"/>
+              <a:buFont typeface="Wingdings" panose="05000000000000000000" pitchFamily="2" charset="2"/>
+              <a:buChar char="à"/>
             </a:pPr>
             <a:r>
-              <a:rPr lang="de-DE" sz="1200" dirty="0"/>
-              <a:t>(</a:t>
-            </a:r>
-            <a:r>
-              <a:rPr lang="de-DE" sz="1200" dirty="0" err="1"/>
-              <a:t>Decision</a:t>
-            </a:r>
-            <a:r>
-              <a:rPr lang="de-DE" sz="1200" dirty="0"/>
+              <a:rPr lang="de-DE" dirty="0">
+                <a:sym typeface="Wingdings" panose="05000000000000000000" pitchFamily="2" charset="2"/>
+              </a:rPr>
+              <a:t>S</a:t>
+            </a:r>
+            <a:r>
+              <a:rPr lang="en-US" dirty="0" err="1">
+                <a:sym typeface="Wingdings" panose="05000000000000000000" pitchFamily="2" charset="2"/>
+              </a:rPr>
+              <a:t>peech</a:t>
+            </a:r>
+            <a:r>
+              <a:rPr lang="en-US" dirty="0">
+                <a:sym typeface="Wingdings" panose="05000000000000000000" pitchFamily="2" charset="2"/>
+              </a:rPr>
+              <a:t> as main output</a:t>
+            </a:r>
+          </a:p>
+          <a:p>
+            <a:pPr marL="285750" indent="-285750">
+              <a:buFont typeface="Wingdings" panose="05000000000000000000" pitchFamily="2" charset="2"/>
+              <a:buChar char="à"/>
+            </a:pPr>
+            <a:r>
+              <a:rPr lang="de-DE" dirty="0">
+                <a:sym typeface="Wingdings" panose="05000000000000000000" pitchFamily="2" charset="2"/>
+              </a:rPr>
+              <a:t>Help </a:t>
+            </a:r>
+            <a:r>
+              <a:rPr lang="de-DE" dirty="0" err="1">
+                <a:sym typeface="Wingdings" panose="05000000000000000000" pitchFamily="2" charset="2"/>
+              </a:rPr>
+              <a:t>visually</a:t>
+            </a:r>
+            <a:r>
+              <a:rPr lang="de-DE" dirty="0">
+                <a:sym typeface="Wingdings" panose="05000000000000000000" pitchFamily="2" charset="2"/>
+              </a:rPr>
               <a:t> </a:t>
             </a:r>
             <a:r>
-              <a:rPr lang="de-DE" sz="1200" dirty="0" err="1"/>
-              <a:t>Trees</a:t>
-            </a:r>
-            <a:r>
-              <a:rPr lang="de-DE" sz="1200" dirty="0"/>
-              <a:t> / (Maximum </a:t>
-            </a:r>
-            <a:r>
-              <a:rPr lang="de-DE" sz="1200" dirty="0" err="1"/>
-              <a:t>Likelyhood</a:t>
-            </a:r>
-            <a:r>
-              <a:rPr lang="de-DE" sz="1200" dirty="0"/>
-              <a:t> Parameter Generation) )</a:t>
-            </a:r>
-          </a:p>
-          <a:p>
-            <a:endParaRPr lang="en-US" sz="1200" dirty="0"/>
-          </a:p>
-          <a:p>
-            <a:pPr marL="285750" indent="-285750">
-              <a:buFont typeface="Arial" panose="020B0604020202020204" pitchFamily="34" charset="0"/>
-              <a:buChar char="•"/>
-            </a:pPr>
-            <a:endParaRPr lang="de-DE" sz="1200" dirty="0"/>
-          </a:p>
-          <a:p>
-            <a:r>
-              <a:rPr lang="de-DE" sz="1200" dirty="0"/>
-              <a:t>Training:</a:t>
-            </a:r>
-          </a:p>
-          <a:p>
-            <a:pPr marL="228600" indent="-228600">
-              <a:buAutoNum type="arabicPeriod"/>
-            </a:pPr>
-            <a:r>
-              <a:rPr lang="en-US" sz="1200" dirty="0"/>
-              <a:t>both spectrum (e.g., </a:t>
-            </a:r>
-            <a:r>
-              <a:rPr lang="en-US" sz="1200" dirty="0" err="1"/>
-              <a:t>mel</a:t>
-            </a:r>
-            <a:r>
-              <a:rPr lang="en-US" sz="1200" dirty="0"/>
-              <a:t>-cepstral coefficients and their dynamic features) and excitation (e.g., log F0 and its dynamic features) parameters are extracted from a database of natural speech and modeled by a set of multi-stream context-dependent HMMs</a:t>
-            </a:r>
-          </a:p>
-          <a:p>
-            <a:pPr marL="228600" indent="-228600">
-              <a:buAutoNum type="arabicPeriod"/>
-            </a:pPr>
-            <a:r>
-              <a:rPr lang="en-US" sz="1200" dirty="0"/>
-              <a:t>linguistic and prosodic contexts are taken into account in addition to phonetic ones</a:t>
-            </a:r>
-            <a:endParaRPr lang="de-DE" sz="1200" dirty="0"/>
-          </a:p>
-          <a:p>
-            <a:pPr marL="228600" indent="-228600">
-              <a:buAutoNum type="arabicPeriod"/>
-            </a:pPr>
-            <a:endParaRPr lang="de-DE" sz="1200" dirty="0"/>
-          </a:p>
-          <a:p>
-            <a:endParaRPr lang="de-DE" sz="1200" dirty="0"/>
-          </a:p>
-          <a:p>
-            <a:r>
-              <a:rPr lang="de-DE" sz="1200" dirty="0"/>
-              <a:t>Synthesis:</a:t>
-            </a:r>
-          </a:p>
-          <a:p>
-            <a:pPr marL="228600" indent="-228600">
-              <a:buAutoNum type="arabicPeriod"/>
-            </a:pPr>
-            <a:r>
-              <a:rPr lang="en-US" sz="1200" dirty="0"/>
-              <a:t>word sequence is converted into a context dependent label sequence</a:t>
-            </a:r>
-          </a:p>
-          <a:p>
-            <a:pPr marL="228600" indent="-228600">
-              <a:buAutoNum type="arabicPeriod"/>
-            </a:pPr>
-            <a:r>
-              <a:rPr lang="en-US" sz="1200" dirty="0"/>
-              <a:t>utterance HMM is constructed by concatenating the context-dependent HMMs according to the label sequence</a:t>
-            </a:r>
-          </a:p>
-          <a:p>
-            <a:pPr marL="228600" indent="-228600">
-              <a:buAutoNum type="arabicPeriod"/>
-            </a:pPr>
-            <a:r>
-              <a:rPr lang="en-US" sz="1200" dirty="0"/>
-              <a:t>the speech parameter generation algorithm generates the sequences of spectral and excitation parameters from the utterance HMM</a:t>
-            </a:r>
-          </a:p>
-          <a:p>
-            <a:pPr marL="228600" indent="-228600">
-              <a:buAutoNum type="arabicPeriod"/>
-            </a:pPr>
-            <a:r>
-              <a:rPr lang="en-US" sz="1200" dirty="0"/>
-              <a:t>speech waveform is synthesized from the generated spectral and excitation parameters using excitation generation and a speech synthesis filter</a:t>
-            </a:r>
-            <a:endParaRPr lang="de-DE" sz="1200" dirty="0"/>
-          </a:p>
-          <a:p>
-            <a:pPr marL="285750" indent="-285750">
-              <a:buFont typeface="Arial" panose="020B0604020202020204" pitchFamily="34" charset="0"/>
-              <a:buChar char="•"/>
-            </a:pPr>
-            <a:endParaRPr lang="de-DE" sz="1200" dirty="0"/>
+              <a:rPr lang="de-DE" dirty="0" err="1">
+                <a:sym typeface="Wingdings" panose="05000000000000000000" pitchFamily="2" charset="2"/>
+              </a:rPr>
+              <a:t>impaired</a:t>
+            </a:r>
+            <a:r>
+              <a:rPr lang="de-DE" dirty="0">
+                <a:sym typeface="Wingdings" panose="05000000000000000000" pitchFamily="2" charset="2"/>
+              </a:rPr>
+              <a:t> </a:t>
+            </a:r>
+            <a:r>
+              <a:rPr lang="de-DE" dirty="0" err="1">
+                <a:sym typeface="Wingdings" panose="05000000000000000000" pitchFamily="2" charset="2"/>
+              </a:rPr>
+              <a:t>or</a:t>
+            </a:r>
+            <a:r>
+              <a:rPr lang="de-DE" dirty="0">
+                <a:sym typeface="Wingdings" panose="05000000000000000000" pitchFamily="2" charset="2"/>
+              </a:rPr>
+              <a:t> blind </a:t>
+            </a:r>
+            <a:r>
+              <a:rPr lang="de-DE" dirty="0" err="1">
+                <a:sym typeface="Wingdings" panose="05000000000000000000" pitchFamily="2" charset="2"/>
+              </a:rPr>
+              <a:t>people</a:t>
+            </a:r>
+            <a:endParaRPr lang="en-US" dirty="0"/>
           </a:p>
           <a:p>
             <a:endParaRPr lang="en-US" dirty="0"/>
@@ -11217,7 +11053,267 @@
               <a:pPr>
                 <a:defRPr/>
               </a:pPr>
-              <a:t>25</a:t>
+              <a:t>24</a:t>
+            </a:fld>
+            <a:endParaRPr lang="en-GB"/>
+          </a:p>
+        </p:txBody>
+      </p:sp>
+    </p:spTree>
+    <p:extLst>
+      <p:ext uri="{BB962C8B-B14F-4D97-AF65-F5344CB8AC3E}">
+        <p14:creationId xmlns:p14="http://schemas.microsoft.com/office/powerpoint/2010/main" val="17025348"/>
+      </p:ext>
+    </p:extLst>
+  </p:cSld>
+  <p:clrMapOvr>
+    <a:masterClrMapping/>
+  </p:clrMapOvr>
+</p:notes>
+</file>
+
+<file path=ppt/notesSlides/notesSlide13.xml><?xml version="1.0" encoding="utf-8"?>
+<p:notes xmlns:a="http://schemas.openxmlformats.org/drawingml/2006/main" xmlns:r="http://schemas.openxmlformats.org/officeDocument/2006/relationships" xmlns:p="http://schemas.openxmlformats.org/presentationml/2006/main">
+  <p:cSld>
+    <p:spTree>
+      <p:nvGrpSpPr>
+        <p:cNvPr id="1" name=""/>
+        <p:cNvGrpSpPr/>
+        <p:nvPr/>
+      </p:nvGrpSpPr>
+      <p:grpSpPr>
+        <a:xfrm>
+          <a:off x="0" y="0"/>
+          <a:ext cx="0" cy="0"/>
+          <a:chOff x="0" y="0"/>
+          <a:chExt cx="0" cy="0"/>
+        </a:xfrm>
+      </p:grpSpPr>
+      <p:sp>
+        <p:nvSpPr>
+          <p:cNvPr id="2" name="Folienbildplatzhalter 1"/>
+          <p:cNvSpPr>
+            <a:spLocks noGrp="1" noRot="1" noChangeAspect="1"/>
+          </p:cNvSpPr>
+          <p:nvPr>
+            <p:ph type="sldImg"/>
+          </p:nvPr>
+        </p:nvSpPr>
+        <p:spPr/>
+      </p:sp>
+      <p:sp>
+        <p:nvSpPr>
+          <p:cNvPr id="3" name="Notizenplatzhalter 2"/>
+          <p:cNvSpPr>
+            <a:spLocks noGrp="1"/>
+          </p:cNvSpPr>
+          <p:nvPr>
+            <p:ph type="body" idx="1"/>
+          </p:nvPr>
+        </p:nvSpPr>
+        <p:spPr/>
+        <p:txBody>
+          <a:bodyPr>
+            <a:normAutofit fontScale="85000" lnSpcReduction="20000"/>
+          </a:bodyPr>
+          <a:lstStyle/>
+          <a:p>
+            <a:pPr marL="285750" indent="-285750">
+              <a:buFont typeface="Arial" panose="020B0604020202020204" pitchFamily="34" charset="0"/>
+              <a:buChar char="•"/>
+            </a:pPr>
+            <a:r>
+              <a:rPr lang="de-DE" sz="1200" dirty="0"/>
+              <a:t>T</a:t>
+            </a:r>
+            <a:r>
+              <a:rPr lang="en-US" sz="1200" dirty="0"/>
+              <a:t>raining and Synthesis Part</a:t>
+            </a:r>
+          </a:p>
+          <a:p>
+            <a:pPr marL="285750" indent="-285750">
+              <a:buFont typeface="Arial" panose="020B0604020202020204" pitchFamily="34" charset="0"/>
+              <a:buChar char="•"/>
+            </a:pPr>
+            <a:r>
+              <a:rPr lang="en-US" sz="1200" dirty="0"/>
+              <a:t>generating the </a:t>
+            </a:r>
+            <a:r>
+              <a:rPr lang="en-US" sz="1200" i="1" dirty="0"/>
+              <a:t>average </a:t>
+            </a:r>
+            <a:r>
+              <a:rPr lang="en-US" sz="1200" dirty="0"/>
+              <a:t>of some sets of similarly sounding speech segments.</a:t>
+            </a:r>
+          </a:p>
+          <a:p>
+            <a:pPr marL="285750" indent="-285750">
+              <a:buFont typeface="Arial" panose="020B0604020202020204" pitchFamily="34" charset="0"/>
+              <a:buChar char="•"/>
+            </a:pPr>
+            <a:r>
+              <a:rPr lang="de-DE" sz="1200" dirty="0"/>
+              <a:t>(</a:t>
+            </a:r>
+            <a:r>
+              <a:rPr lang="de-DE" sz="1200" dirty="0" err="1"/>
+              <a:t>Decision</a:t>
+            </a:r>
+            <a:r>
+              <a:rPr lang="de-DE" sz="1200" dirty="0"/>
+              <a:t> </a:t>
+            </a:r>
+            <a:r>
+              <a:rPr lang="de-DE" sz="1200" dirty="0" err="1"/>
+              <a:t>Trees</a:t>
+            </a:r>
+            <a:r>
+              <a:rPr lang="de-DE" sz="1200" dirty="0"/>
+              <a:t> / (Maximum </a:t>
+            </a:r>
+            <a:r>
+              <a:rPr lang="de-DE" sz="1200" dirty="0" err="1"/>
+              <a:t>Likelyhood</a:t>
+            </a:r>
+            <a:r>
+              <a:rPr lang="de-DE" sz="1200" dirty="0"/>
+              <a:t> Parameter Generation) )</a:t>
+            </a:r>
+          </a:p>
+          <a:p>
+            <a:endParaRPr lang="en-US" sz="1200" dirty="0"/>
+          </a:p>
+          <a:p>
+            <a:pPr marL="285750" indent="-285750">
+              <a:buFont typeface="Arial" panose="020B0604020202020204" pitchFamily="34" charset="0"/>
+              <a:buChar char="•"/>
+            </a:pPr>
+            <a:endParaRPr lang="de-DE" sz="1200" dirty="0"/>
+          </a:p>
+          <a:p>
+            <a:r>
+              <a:rPr lang="de-DE" sz="1200" dirty="0"/>
+              <a:t>Training:</a:t>
+            </a:r>
+          </a:p>
+          <a:p>
+            <a:pPr marL="228600" indent="-228600">
+              <a:buAutoNum type="arabicPeriod"/>
+            </a:pPr>
+            <a:r>
+              <a:rPr lang="en-US" sz="1200" dirty="0"/>
+              <a:t>both spectrum (e.g., </a:t>
+            </a:r>
+            <a:r>
+              <a:rPr lang="en-US" sz="1200" dirty="0" err="1"/>
+              <a:t>mel</a:t>
+            </a:r>
+            <a:r>
+              <a:rPr lang="en-US" sz="1200" dirty="0"/>
+              <a:t>-cepstral coefficients and their dynamic features) and excitation (e.g., log F0 and its dynamic features) parameters are extracted from a database of natural speech and modeled by a set of multi-stream context-dependent HMMs</a:t>
+            </a:r>
+          </a:p>
+          <a:p>
+            <a:pPr marL="228600" indent="-228600">
+              <a:buAutoNum type="arabicPeriod"/>
+            </a:pPr>
+            <a:r>
+              <a:rPr lang="en-US" sz="1200" dirty="0"/>
+              <a:t>linguistic and prosodic contexts are taken into account in addition to phonetic ones</a:t>
+            </a:r>
+            <a:endParaRPr lang="de-DE" sz="1200" dirty="0"/>
+          </a:p>
+          <a:p>
+            <a:pPr marL="228600" indent="-228600">
+              <a:buAutoNum type="arabicPeriod"/>
+            </a:pPr>
+            <a:endParaRPr lang="de-DE" sz="1200" dirty="0"/>
+          </a:p>
+          <a:p>
+            <a:endParaRPr lang="de-DE" sz="1200" dirty="0"/>
+          </a:p>
+          <a:p>
+            <a:r>
+              <a:rPr lang="de-DE" sz="1200" dirty="0"/>
+              <a:t>Synthesis:</a:t>
+            </a:r>
+          </a:p>
+          <a:p>
+            <a:pPr marL="228600" indent="-228600">
+              <a:buAutoNum type="arabicPeriod"/>
+            </a:pPr>
+            <a:r>
+              <a:rPr lang="en-US" sz="1200" dirty="0"/>
+              <a:t>word sequence is converted into a context dependent label sequence</a:t>
+            </a:r>
+          </a:p>
+          <a:p>
+            <a:pPr marL="228600" indent="-228600">
+              <a:buAutoNum type="arabicPeriod"/>
+            </a:pPr>
+            <a:r>
+              <a:rPr lang="en-US" sz="1200" dirty="0"/>
+              <a:t>utterance HMM is constructed by concatenating the context-dependent HMMs according to the label sequence</a:t>
+            </a:r>
+          </a:p>
+          <a:p>
+            <a:pPr marL="228600" indent="-228600">
+              <a:buAutoNum type="arabicPeriod"/>
+            </a:pPr>
+            <a:r>
+              <a:rPr lang="en-US" sz="1200" dirty="0"/>
+              <a:t>the speech parameter generation algorithm generates the sequences of spectral and excitation parameters from the utterance HMM</a:t>
+            </a:r>
+          </a:p>
+          <a:p>
+            <a:pPr marL="228600" indent="-228600">
+              <a:buAutoNum type="arabicPeriod"/>
+            </a:pPr>
+            <a:r>
+              <a:rPr lang="en-US" sz="1200" dirty="0"/>
+              <a:t>speech waveform is synthesized from the generated spectral and excitation parameters using excitation generation and a speech synthesis filter</a:t>
+            </a:r>
+            <a:endParaRPr lang="de-DE" sz="1200" dirty="0"/>
+          </a:p>
+          <a:p>
+            <a:pPr marL="285750" indent="-285750">
+              <a:buFont typeface="Arial" panose="020B0604020202020204" pitchFamily="34" charset="0"/>
+              <a:buChar char="•"/>
+            </a:pPr>
+            <a:endParaRPr lang="de-DE" sz="1200" dirty="0"/>
+          </a:p>
+          <a:p>
+            <a:endParaRPr lang="en-US" dirty="0"/>
+          </a:p>
+        </p:txBody>
+      </p:sp>
+      <p:sp>
+        <p:nvSpPr>
+          <p:cNvPr id="4" name="Foliennummernplatzhalter 3"/>
+          <p:cNvSpPr>
+            <a:spLocks noGrp="1"/>
+          </p:cNvSpPr>
+          <p:nvPr>
+            <p:ph type="sldNum" sz="quarter" idx="10"/>
+          </p:nvPr>
+        </p:nvSpPr>
+        <p:spPr/>
+        <p:txBody>
+          <a:bodyPr/>
+          <a:lstStyle/>
+          <a:p>
+            <a:pPr>
+              <a:defRPr/>
+            </a:pPr>
+            <a:fld id="{00AFC6D0-44D5-4EB7-828F-6F464F83D79A}" type="slidenum">
+              <a:rPr lang="en-GB" smtClean="0"/>
+              <a:pPr>
+                <a:defRPr/>
+              </a:pPr>
+              <a:t>26</a:t>
             </a:fld>
             <a:endParaRPr lang="en-GB"/>
           </a:p>
@@ -21008,7 +21104,12 @@
             <p:ph type="title"/>
           </p:nvPr>
         </p:nvSpPr>
-        <p:spPr/>
+        <p:spPr>
+          <a:xfrm>
+            <a:off x="319090" y="338731"/>
+            <a:ext cx="8508999" cy="410369"/>
+          </a:xfrm>
+        </p:spPr>
         <p:txBody>
           <a:bodyPr/>
           <a:lstStyle/>
@@ -21022,10 +21123,10 @@
       </p:sp>
       <p:sp>
         <p:nvSpPr>
-          <p:cNvPr id="7" name="Rechteck: abgerundete Ecken 6">
+          <p:cNvPr id="10" name="Rechteck 9">
             <a:extLst>
               <a:ext uri="{FF2B5EF4-FFF2-40B4-BE49-F238E27FC236}">
-                <a16:creationId xmlns:a16="http://schemas.microsoft.com/office/drawing/2014/main" id="{B3E795D5-2C06-4B60-8717-22B38A86EDDC}"/>
+                <a16:creationId xmlns:a16="http://schemas.microsoft.com/office/drawing/2014/main" id="{31981972-D692-46C9-8323-A114D8CEAB6E}"/>
               </a:ext>
             </a:extLst>
           </p:cNvPr>
@@ -21034,8 +21135,77 @@
         </p:nvSpPr>
         <p:spPr>
           <a:xfrm>
-            <a:off x="3403589" y="3338945"/>
-            <a:ext cx="2340000" cy="360000"/>
+            <a:off x="3006839" y="831050"/>
+            <a:ext cx="1099404" cy="646331"/>
+          </a:xfrm>
+          <a:prstGeom prst="rect">
+            <a:avLst/>
+          </a:prstGeom>
+          <a:noFill/>
+        </p:spPr>
+        <p:txBody>
+          <a:bodyPr wrap="none" lIns="91440" tIns="45720" rIns="91440" bIns="45720">
+            <a:spAutoFit/>
+          </a:bodyPr>
+          <a:lstStyle/>
+          <a:p>
+            <a:pPr algn="ctr"/>
+            <a:r>
+              <a:rPr lang="de-DE" sz="3600" b="1" cap="none" spc="0" dirty="0">
+                <a:ln w="0">
+                  <a:solidFill>
+                    <a:srgbClr val="DAD7CB"/>
+                  </a:solidFill>
+                </a:ln>
+                <a:solidFill>
+                  <a:srgbClr val="0065BD"/>
+                </a:solidFill>
+                <a:effectLst>
+                  <a:outerShdw blurRad="38100" dist="25400" dir="5400000" algn="ctr" rotWithShape="0">
+                    <a:srgbClr val="6E747A">
+                      <a:alpha val="43000"/>
+                    </a:srgbClr>
+                  </a:outerShdw>
+                </a:effectLst>
+              </a:rPr>
+              <a:t>Text</a:t>
+            </a:r>
+            <a:endParaRPr lang="de-DE" sz="5400" b="1" cap="none" spc="0" dirty="0">
+              <a:ln w="0">
+                <a:solidFill>
+                  <a:srgbClr val="DAD7CB"/>
+                </a:solidFill>
+              </a:ln>
+              <a:solidFill>
+                <a:srgbClr val="0065BD"/>
+              </a:solidFill>
+              <a:effectLst>
+                <a:outerShdw blurRad="38100" dist="25400" dir="5400000" algn="ctr" rotWithShape="0">
+                  <a:srgbClr val="6E747A">
+                    <a:alpha val="43000"/>
+                  </a:srgbClr>
+                </a:outerShdw>
+              </a:effectLst>
+            </a:endParaRPr>
+          </a:p>
+        </p:txBody>
+      </p:sp>
+      <p:sp>
+        <p:nvSpPr>
+          <p:cNvPr id="6" name="Rechteck: abgerundete Ecken 5">
+            <a:extLst>
+              <a:ext uri="{FF2B5EF4-FFF2-40B4-BE49-F238E27FC236}">
+                <a16:creationId xmlns:a16="http://schemas.microsoft.com/office/drawing/2014/main" id="{B3211B43-B77B-49C2-B0CF-9E0D958D5340}"/>
+              </a:ext>
+            </a:extLst>
+          </p:cNvPr>
+          <p:cNvSpPr/>
+          <p:nvPr/>
+        </p:nvSpPr>
+        <p:spPr>
+          <a:xfrm>
+            <a:off x="2117710" y="1828132"/>
+            <a:ext cx="2880000" cy="540000"/>
           </a:xfrm>
           <a:prstGeom prst="roundRect">
             <a:avLst/>
@@ -21066,7 +21236,7 @@
           </a:fontRef>
         </p:style>
         <p:txBody>
-          <a:bodyPr rot="0" spcFirstLastPara="0" vertOverflow="overflow" horzOverflow="overflow" vert="horz" wrap="square" lIns="91440" tIns="45720" rIns="91440" bIns="45720" numCol="1" spcCol="0" rtlCol="0" fromWordArt="0" anchor="ctr" anchorCtr="0" forceAA="0" compatLnSpc="1">
+          <a:bodyPr rot="0" spcFirstLastPara="0" vertOverflow="overflow" horzOverflow="overflow" vert="horz" wrap="square" lIns="91440" tIns="45720" rIns="91440" bIns="46800" numCol="1" spcCol="0" rtlCol="0" fromWordArt="0" anchor="ctr" anchorCtr="0" forceAA="0" compatLnSpc="1">
             <a:prstTxWarp prst="textNoShape">
               <a:avLst/>
             </a:prstTxWarp>
@@ -21075,27 +21245,32 @@
           <a:lstStyle/>
           <a:p>
             <a:pPr algn="ctr">
-              <a:lnSpc>
-                <a:spcPct val="114000"/>
-              </a:lnSpc>
+              <a:spcAft>
+                <a:spcPts val="600"/>
+              </a:spcAft>
             </a:pPr>
             <a:r>
-              <a:rPr lang="en-US" sz="1400">
+              <a:rPr lang="de-DE" sz="2000" dirty="0">
                 <a:solidFill>
                   <a:schemeClr val="bg1"/>
                 </a:solidFill>
               </a:rPr>
-              <a:t>Acoustic Model</a:t>
-            </a:r>
+              <a:t>Text Analysis</a:t>
+            </a:r>
+            <a:endParaRPr lang="en-US" sz="2800" dirty="0">
+              <a:solidFill>
+                <a:schemeClr val="bg1"/>
+              </a:solidFill>
+            </a:endParaRPr>
           </a:p>
         </p:txBody>
       </p:sp>
       <p:sp>
         <p:nvSpPr>
-          <p:cNvPr id="28" name="Pfeil: nach unten 27">
+          <p:cNvPr id="29" name="Pfeil: nach unten 28">
             <a:extLst>
               <a:ext uri="{FF2B5EF4-FFF2-40B4-BE49-F238E27FC236}">
-                <a16:creationId xmlns:a16="http://schemas.microsoft.com/office/drawing/2014/main" id="{CA96C2F0-B465-4577-A136-E61AF29D8F89}"/>
+                <a16:creationId xmlns:a16="http://schemas.microsoft.com/office/drawing/2014/main" id="{59EA6FCA-1410-4706-8150-AB1474F1B592}"/>
               </a:ext>
             </a:extLst>
           </p:cNvPr>
@@ -21104,8 +21279,8 @@
         </p:nvSpPr>
         <p:spPr>
           <a:xfrm>
-            <a:off x="4418712" y="3046365"/>
-            <a:ext cx="305601" cy="220497"/>
+            <a:off x="3349827" y="1469130"/>
+            <a:ext cx="413428" cy="298294"/>
           </a:xfrm>
           <a:prstGeom prst="downArrow">
             <a:avLst>
@@ -21158,448 +21333,6 @@
       </p:sp>
       <p:sp>
         <p:nvSpPr>
-          <p:cNvPr id="10" name="Rechteck 9">
-            <a:extLst>
-              <a:ext uri="{FF2B5EF4-FFF2-40B4-BE49-F238E27FC236}">
-                <a16:creationId xmlns:a16="http://schemas.microsoft.com/office/drawing/2014/main" id="{31981972-D692-46C9-8323-A114D8CEAB6E}"/>
-              </a:ext>
-            </a:extLst>
-          </p:cNvPr>
-          <p:cNvSpPr/>
-          <p:nvPr/>
-        </p:nvSpPr>
-        <p:spPr>
-          <a:xfrm>
-            <a:off x="4021810" y="1785460"/>
-            <a:ext cx="1099404" cy="646331"/>
-          </a:xfrm>
-          <a:prstGeom prst="rect">
-            <a:avLst/>
-          </a:prstGeom>
-          <a:noFill/>
-        </p:spPr>
-        <p:txBody>
-          <a:bodyPr wrap="none" lIns="91440" tIns="45720" rIns="91440" bIns="45720">
-            <a:spAutoFit/>
-          </a:bodyPr>
-          <a:lstStyle/>
-          <a:p>
-            <a:pPr algn="ctr"/>
-            <a:r>
-              <a:rPr lang="de-DE" sz="3600" b="1" cap="none" spc="0" dirty="0">
-                <a:ln w="0">
-                  <a:solidFill>
-                    <a:srgbClr val="DAD7CB"/>
-                  </a:solidFill>
-                </a:ln>
-                <a:solidFill>
-                  <a:srgbClr val="0065BD"/>
-                </a:solidFill>
-                <a:effectLst>
-                  <a:outerShdw blurRad="38100" dist="25400" dir="5400000" algn="ctr" rotWithShape="0">
-                    <a:srgbClr val="6E747A">
-                      <a:alpha val="43000"/>
-                    </a:srgbClr>
-                  </a:outerShdw>
-                </a:effectLst>
-              </a:rPr>
-              <a:t>Text</a:t>
-            </a:r>
-            <a:endParaRPr lang="de-DE" sz="5400" b="1" cap="none" spc="0" dirty="0">
-              <a:ln w="0">
-                <a:solidFill>
-                  <a:srgbClr val="DAD7CB"/>
-                </a:solidFill>
-              </a:ln>
-              <a:solidFill>
-                <a:srgbClr val="0065BD"/>
-              </a:solidFill>
-              <a:effectLst>
-                <a:outerShdw blurRad="38100" dist="25400" dir="5400000" algn="ctr" rotWithShape="0">
-                  <a:srgbClr val="6E747A">
-                    <a:alpha val="43000"/>
-                  </a:srgbClr>
-                </a:outerShdw>
-              </a:effectLst>
-            </a:endParaRPr>
-          </a:p>
-        </p:txBody>
-      </p:sp>
-      <p:grpSp>
-        <p:nvGrpSpPr>
-          <p:cNvPr id="47" name="Gruppieren 46">
-            <a:extLst>
-              <a:ext uri="{FF2B5EF4-FFF2-40B4-BE49-F238E27FC236}">
-                <a16:creationId xmlns:a16="http://schemas.microsoft.com/office/drawing/2014/main" id="{ECB9FEA4-433B-420C-A940-5AD13E3B9A0C}"/>
-              </a:ext>
-            </a:extLst>
-          </p:cNvPr>
-          <p:cNvGrpSpPr/>
-          <p:nvPr/>
-        </p:nvGrpSpPr>
-        <p:grpSpPr>
-          <a:xfrm>
-            <a:off x="3403586" y="2364253"/>
-            <a:ext cx="2340000" cy="630459"/>
-            <a:chOff x="3403586" y="2364253"/>
-            <a:chExt cx="2340000" cy="630459"/>
-          </a:xfrm>
-        </p:grpSpPr>
-        <p:sp>
-          <p:nvSpPr>
-            <p:cNvPr id="6" name="Rechteck: abgerundete Ecken 5">
-              <a:extLst>
-                <a:ext uri="{FF2B5EF4-FFF2-40B4-BE49-F238E27FC236}">
-                  <a16:creationId xmlns:a16="http://schemas.microsoft.com/office/drawing/2014/main" id="{B3211B43-B77B-49C2-B0CF-9E0D958D5340}"/>
-                </a:ext>
-              </a:extLst>
-            </p:cNvPr>
-            <p:cNvSpPr/>
-            <p:nvPr/>
-          </p:nvSpPr>
-          <p:spPr>
-            <a:xfrm>
-              <a:off x="3403586" y="2634712"/>
-              <a:ext cx="2340000" cy="360000"/>
-            </a:xfrm>
-            <a:prstGeom prst="roundRect">
-              <a:avLst/>
-            </a:prstGeom>
-            <a:solidFill>
-              <a:srgbClr val="0065BD"/>
-            </a:solidFill>
-            <a:ln>
-              <a:solidFill>
-                <a:srgbClr val="DAD7CB"/>
-              </a:solidFill>
-            </a:ln>
-          </p:spPr>
-          <p:style>
-            <a:lnRef idx="2">
-              <a:schemeClr val="accent1">
-                <a:shade val="50000"/>
-              </a:schemeClr>
-            </a:lnRef>
-            <a:fillRef idx="1">
-              <a:schemeClr val="accent1"/>
-            </a:fillRef>
-            <a:effectRef idx="0">
-              <a:schemeClr val="accent1"/>
-            </a:effectRef>
-            <a:fontRef idx="minor">
-              <a:schemeClr val="lt1"/>
-            </a:fontRef>
-          </p:style>
-          <p:txBody>
-            <a:bodyPr rot="0" spcFirstLastPara="0" vertOverflow="overflow" horzOverflow="overflow" vert="horz" wrap="square" lIns="91440" tIns="45720" rIns="91440" bIns="45720" numCol="1" spcCol="0" rtlCol="0" fromWordArt="0" anchor="ctr" anchorCtr="0" forceAA="0" compatLnSpc="1">
-              <a:prstTxWarp prst="textNoShape">
-                <a:avLst/>
-              </a:prstTxWarp>
-              <a:noAutofit/>
-            </a:bodyPr>
-            <a:lstStyle/>
-            <a:p>
-              <a:pPr algn="ctr">
-                <a:lnSpc>
-                  <a:spcPct val="114000"/>
-                </a:lnSpc>
-              </a:pPr>
-              <a:r>
-                <a:rPr lang="de-DE" sz="1400" dirty="0">
-                  <a:solidFill>
-                    <a:schemeClr val="bg1"/>
-                  </a:solidFill>
-                </a:rPr>
-                <a:t>Text Analysis</a:t>
-              </a:r>
-              <a:endParaRPr lang="en-US" dirty="0">
-                <a:solidFill>
-                  <a:schemeClr val="bg1"/>
-                </a:solidFill>
-              </a:endParaRPr>
-            </a:p>
-          </p:txBody>
-        </p:sp>
-        <p:sp>
-          <p:nvSpPr>
-            <p:cNvPr id="29" name="Pfeil: nach unten 28">
-              <a:extLst>
-                <a:ext uri="{FF2B5EF4-FFF2-40B4-BE49-F238E27FC236}">
-                  <a16:creationId xmlns:a16="http://schemas.microsoft.com/office/drawing/2014/main" id="{59EA6FCA-1410-4706-8150-AB1474F1B592}"/>
-                </a:ext>
-              </a:extLst>
-            </p:cNvPr>
-            <p:cNvSpPr/>
-            <p:nvPr/>
-          </p:nvSpPr>
-          <p:spPr>
-            <a:xfrm>
-              <a:off x="4418712" y="2364253"/>
-              <a:ext cx="305601" cy="220497"/>
-            </a:xfrm>
-            <a:prstGeom prst="downArrow">
-              <a:avLst>
-                <a:gd name="adj1" fmla="val 45325"/>
-                <a:gd name="adj2" fmla="val 53139"/>
-              </a:avLst>
-            </a:prstGeom>
-            <a:solidFill>
-              <a:srgbClr val="DAD7CB"/>
-            </a:solidFill>
-            <a:ln>
-              <a:solidFill>
-                <a:srgbClr val="DAD7CB"/>
-              </a:solidFill>
-            </a:ln>
-          </p:spPr>
-          <p:style>
-            <a:lnRef idx="2">
-              <a:schemeClr val="accent1">
-                <a:shade val="50000"/>
-              </a:schemeClr>
-            </a:lnRef>
-            <a:fillRef idx="1">
-              <a:schemeClr val="accent1"/>
-            </a:fillRef>
-            <a:effectRef idx="0">
-              <a:schemeClr val="accent1"/>
-            </a:effectRef>
-            <a:fontRef idx="minor">
-              <a:schemeClr val="lt1"/>
-            </a:fontRef>
-          </p:style>
-          <p:txBody>
-            <a:bodyPr rot="0" spcFirstLastPara="0" vertOverflow="overflow" horzOverflow="overflow" vert="horz" wrap="square" lIns="91440" tIns="45720" rIns="91440" bIns="45720" numCol="1" spcCol="0" rtlCol="0" fromWordArt="0" anchor="t" anchorCtr="0" forceAA="0" compatLnSpc="1">
-              <a:prstTxWarp prst="textNoShape">
-                <a:avLst/>
-              </a:prstTxWarp>
-              <a:noAutofit/>
-            </a:bodyPr>
-            <a:lstStyle/>
-            <a:p>
-              <a:pPr algn="ctr">
-                <a:lnSpc>
-                  <a:spcPct val="114000"/>
-                </a:lnSpc>
-              </a:pPr>
-              <a:endParaRPr lang="en-US" dirty="0"/>
-            </a:p>
-          </p:txBody>
-        </p:sp>
-      </p:grpSp>
-      <p:sp>
-        <p:nvSpPr>
-          <p:cNvPr id="8" name="Rechteck: abgerundete Ecken 7">
-            <a:extLst>
-              <a:ext uri="{FF2B5EF4-FFF2-40B4-BE49-F238E27FC236}">
-                <a16:creationId xmlns:a16="http://schemas.microsoft.com/office/drawing/2014/main" id="{B31E4FB2-9B10-428A-91F9-3EBF9C069F00}"/>
-              </a:ext>
-            </a:extLst>
-          </p:cNvPr>
-          <p:cNvSpPr/>
-          <p:nvPr/>
-        </p:nvSpPr>
-        <p:spPr>
-          <a:xfrm>
-            <a:off x="3401512" y="4048953"/>
-            <a:ext cx="2340000" cy="360000"/>
-          </a:xfrm>
-          <a:prstGeom prst="roundRect">
-            <a:avLst/>
-          </a:prstGeom>
-          <a:solidFill>
-            <a:srgbClr val="0065BD"/>
-          </a:solidFill>
-          <a:ln>
-            <a:solidFill>
-              <a:srgbClr val="DAD7CB"/>
-            </a:solidFill>
-          </a:ln>
-        </p:spPr>
-        <p:style>
-          <a:lnRef idx="2">
-            <a:schemeClr val="accent1">
-              <a:shade val="50000"/>
-            </a:schemeClr>
-          </a:lnRef>
-          <a:fillRef idx="1">
-            <a:schemeClr val="accent1"/>
-          </a:fillRef>
-          <a:effectRef idx="0">
-            <a:schemeClr val="accent1"/>
-          </a:effectRef>
-          <a:fontRef idx="minor">
-            <a:schemeClr val="lt1"/>
-          </a:fontRef>
-        </p:style>
-        <p:txBody>
-          <a:bodyPr rot="0" spcFirstLastPara="0" vertOverflow="overflow" horzOverflow="overflow" vert="horz" wrap="square" lIns="91440" tIns="45720" rIns="91440" bIns="45720" numCol="1" spcCol="0" rtlCol="0" fromWordArt="0" anchor="ctr" anchorCtr="0" forceAA="0" compatLnSpc="1">
-            <a:prstTxWarp prst="textNoShape">
-              <a:avLst/>
-            </a:prstTxWarp>
-            <a:noAutofit/>
-          </a:bodyPr>
-          <a:lstStyle/>
-          <a:p>
-            <a:pPr algn="ctr">
-              <a:lnSpc>
-                <a:spcPct val="114000"/>
-              </a:lnSpc>
-            </a:pPr>
-            <a:r>
-              <a:rPr lang="de-DE" sz="1400" dirty="0">
-                <a:solidFill>
-                  <a:schemeClr val="bg1"/>
-                </a:solidFill>
-              </a:rPr>
-              <a:t>Parameter Generation</a:t>
-            </a:r>
-            <a:endParaRPr lang="en-US" sz="1400" dirty="0">
-              <a:solidFill>
-                <a:schemeClr val="bg1"/>
-              </a:solidFill>
-            </a:endParaRPr>
-          </a:p>
-        </p:txBody>
-      </p:sp>
-      <p:sp>
-        <p:nvSpPr>
-          <p:cNvPr id="30" name="Pfeil: nach unten 29">
-            <a:extLst>
-              <a:ext uri="{FF2B5EF4-FFF2-40B4-BE49-F238E27FC236}">
-                <a16:creationId xmlns:a16="http://schemas.microsoft.com/office/drawing/2014/main" id="{EF343515-105B-40FA-BAE9-3C225FD7358D}"/>
-              </a:ext>
-            </a:extLst>
-          </p:cNvPr>
-          <p:cNvSpPr/>
-          <p:nvPr/>
-        </p:nvSpPr>
-        <p:spPr>
-          <a:xfrm>
-            <a:off x="4418712" y="3759010"/>
-            <a:ext cx="305601" cy="220497"/>
-          </a:xfrm>
-          <a:prstGeom prst="downArrow">
-            <a:avLst>
-              <a:gd name="adj1" fmla="val 45325"/>
-              <a:gd name="adj2" fmla="val 53139"/>
-            </a:avLst>
-          </a:prstGeom>
-          <a:solidFill>
-            <a:srgbClr val="DAD7CB"/>
-          </a:solidFill>
-          <a:ln>
-            <a:solidFill>
-              <a:srgbClr val="DAD7CB"/>
-            </a:solidFill>
-          </a:ln>
-        </p:spPr>
-        <p:style>
-          <a:lnRef idx="2">
-            <a:schemeClr val="accent1">
-              <a:shade val="50000"/>
-            </a:schemeClr>
-          </a:lnRef>
-          <a:fillRef idx="1">
-            <a:schemeClr val="accent1"/>
-          </a:fillRef>
-          <a:effectRef idx="0">
-            <a:schemeClr val="accent1"/>
-          </a:effectRef>
-          <a:fontRef idx="minor">
-            <a:schemeClr val="lt1"/>
-          </a:fontRef>
-        </p:style>
-        <p:txBody>
-          <a:bodyPr rot="0" spcFirstLastPara="0" vertOverflow="overflow" horzOverflow="overflow" vert="horz" wrap="square" lIns="91440" tIns="45720" rIns="91440" bIns="45720" numCol="1" spcCol="0" rtlCol="0" fromWordArt="0" anchor="t" anchorCtr="0" forceAA="0" compatLnSpc="1">
-            <a:prstTxWarp prst="textNoShape">
-              <a:avLst/>
-            </a:prstTxWarp>
-            <a:noAutofit/>
-          </a:bodyPr>
-          <a:lstStyle/>
-          <a:p>
-            <a:pPr algn="ctr">
-              <a:lnSpc>
-                <a:spcPct val="114000"/>
-              </a:lnSpc>
-            </a:pPr>
-            <a:endParaRPr lang="en-US" dirty="0"/>
-          </a:p>
-        </p:txBody>
-      </p:sp>
-      <p:sp>
-        <p:nvSpPr>
-          <p:cNvPr id="9" name="Rechteck: abgerundete Ecken 8">
-            <a:extLst>
-              <a:ext uri="{FF2B5EF4-FFF2-40B4-BE49-F238E27FC236}">
-                <a16:creationId xmlns:a16="http://schemas.microsoft.com/office/drawing/2014/main" id="{76B54027-DEC3-4D05-A476-51CA5D4A3A0C}"/>
-              </a:ext>
-            </a:extLst>
-          </p:cNvPr>
-          <p:cNvSpPr/>
-          <p:nvPr/>
-        </p:nvSpPr>
-        <p:spPr>
-          <a:xfrm>
-            <a:off x="3401512" y="4759007"/>
-            <a:ext cx="2340000" cy="360000"/>
-          </a:xfrm>
-          <a:prstGeom prst="roundRect">
-            <a:avLst/>
-          </a:prstGeom>
-          <a:solidFill>
-            <a:srgbClr val="0065BD"/>
-          </a:solidFill>
-          <a:ln>
-            <a:solidFill>
-              <a:srgbClr val="DAD7CB"/>
-            </a:solidFill>
-          </a:ln>
-        </p:spPr>
-        <p:style>
-          <a:lnRef idx="2">
-            <a:schemeClr val="accent1">
-              <a:shade val="50000"/>
-            </a:schemeClr>
-          </a:lnRef>
-          <a:fillRef idx="1">
-            <a:schemeClr val="accent1"/>
-          </a:fillRef>
-          <a:effectRef idx="0">
-            <a:schemeClr val="accent1"/>
-          </a:effectRef>
-          <a:fontRef idx="minor">
-            <a:schemeClr val="lt1"/>
-          </a:fontRef>
-        </p:style>
-        <p:txBody>
-          <a:bodyPr rot="0" spcFirstLastPara="0" vertOverflow="overflow" horzOverflow="overflow" vert="horz" wrap="square" lIns="91440" tIns="45720" rIns="91440" bIns="45720" numCol="1" spcCol="0" rtlCol="0" fromWordArt="0" anchor="ctr" anchorCtr="0" forceAA="0" compatLnSpc="1">
-            <a:prstTxWarp prst="textNoShape">
-              <a:avLst/>
-            </a:prstTxWarp>
-            <a:noAutofit/>
-          </a:bodyPr>
-          <a:lstStyle/>
-          <a:p>
-            <a:pPr algn="ctr">
-              <a:lnSpc>
-                <a:spcPct val="114000"/>
-              </a:lnSpc>
-            </a:pPr>
-            <a:r>
-              <a:rPr lang="en-US" sz="1400" dirty="0">
-                <a:solidFill>
-                  <a:schemeClr val="bg1"/>
-                </a:solidFill>
-              </a:rPr>
-              <a:t>Waveform Synthesis</a:t>
-            </a:r>
-          </a:p>
-        </p:txBody>
-      </p:sp>
-      <p:sp>
-        <p:nvSpPr>
           <p:cNvPr id="27" name="Rechteck 26">
             <a:extLst>
               <a:ext uri="{FF2B5EF4-FFF2-40B4-BE49-F238E27FC236}">
@@ -21612,8 +21345,8 @@
         </p:nvSpPr>
         <p:spPr>
           <a:xfrm>
-            <a:off x="4719151" y="4445479"/>
-            <a:ext cx="2583349" cy="276999"/>
+            <a:off x="3940538" y="4298289"/>
+            <a:ext cx="4286455" cy="400110"/>
           </a:xfrm>
           <a:prstGeom prst="rect">
             <a:avLst/>
@@ -21627,7 +21360,7 @@
           <a:lstStyle/>
           <a:p>
             <a:r>
-              <a:rPr lang="en-US" sz="1200" b="1" dirty="0">
+              <a:rPr lang="en-US" sz="2000" b="1" dirty="0">
                 <a:ln w="0">
                   <a:solidFill>
                     <a:srgbClr val="DAD7CB"/>
@@ -21646,7 +21379,7 @@
               </a:rPr>
               <a:t>Speech Parameters Trajectories</a:t>
             </a:r>
-            <a:endParaRPr lang="en-US" sz="1200" b="1" cap="none" spc="0" dirty="0">
+            <a:endParaRPr lang="en-US" sz="2000" b="1" cap="none" spc="0" dirty="0">
               <a:ln w="0">
                 <a:solidFill>
                   <a:srgbClr val="DAD7CB"/>
@@ -21668,72 +21401,6 @@
       </p:sp>
       <p:sp>
         <p:nvSpPr>
-          <p:cNvPr id="31" name="Pfeil: nach unten 30">
-            <a:extLst>
-              <a:ext uri="{FF2B5EF4-FFF2-40B4-BE49-F238E27FC236}">
-                <a16:creationId xmlns:a16="http://schemas.microsoft.com/office/drawing/2014/main" id="{61E8129C-4D4E-488B-A083-9EB511800728}"/>
-              </a:ext>
-            </a:extLst>
-          </p:cNvPr>
-          <p:cNvSpPr/>
-          <p:nvPr/>
-        </p:nvSpPr>
-        <p:spPr>
-          <a:xfrm>
-            <a:off x="4418712" y="4473731"/>
-            <a:ext cx="305601" cy="220497"/>
-          </a:xfrm>
-          <a:prstGeom prst="downArrow">
-            <a:avLst>
-              <a:gd name="adj1" fmla="val 45325"/>
-              <a:gd name="adj2" fmla="val 53139"/>
-            </a:avLst>
-          </a:prstGeom>
-          <a:solidFill>
-            <a:srgbClr val="DAD7CB"/>
-          </a:solidFill>
-          <a:ln>
-            <a:solidFill>
-              <a:srgbClr val="DAD7CB"/>
-            </a:solidFill>
-          </a:ln>
-        </p:spPr>
-        <p:style>
-          <a:lnRef idx="2">
-            <a:schemeClr val="accent1">
-              <a:shade val="50000"/>
-            </a:schemeClr>
-          </a:lnRef>
-          <a:fillRef idx="1">
-            <a:schemeClr val="accent1"/>
-          </a:fillRef>
-          <a:effectRef idx="0">
-            <a:schemeClr val="accent1"/>
-          </a:effectRef>
-          <a:fontRef idx="minor">
-            <a:schemeClr val="lt1"/>
-          </a:fontRef>
-        </p:style>
-        <p:txBody>
-          <a:bodyPr rot="0" spcFirstLastPara="0" vertOverflow="overflow" horzOverflow="overflow" vert="horz" wrap="square" lIns="91440" tIns="45720" rIns="91440" bIns="45720" numCol="1" spcCol="0" rtlCol="0" fromWordArt="0" anchor="t" anchorCtr="0" forceAA="0" compatLnSpc="1">
-            <a:prstTxWarp prst="textNoShape">
-              <a:avLst/>
-            </a:prstTxWarp>
-            <a:noAutofit/>
-          </a:bodyPr>
-          <a:lstStyle/>
-          <a:p>
-            <a:pPr algn="ctr">
-              <a:lnSpc>
-                <a:spcPct val="114000"/>
-              </a:lnSpc>
-            </a:pPr>
-            <a:endParaRPr lang="en-US" dirty="0"/>
-          </a:p>
-        </p:txBody>
-      </p:sp>
-      <p:sp>
-        <p:nvSpPr>
           <p:cNvPr id="11" name="Rechteck 10">
             <a:extLst>
               <a:ext uri="{FF2B5EF4-FFF2-40B4-BE49-F238E27FC236}">
@@ -21746,7 +21413,7 @@
         </p:nvSpPr>
         <p:spPr>
           <a:xfrm>
-            <a:off x="3660515" y="5302764"/>
+            <a:off x="2643470" y="5505941"/>
             <a:ext cx="1826142" cy="646331"/>
           </a:xfrm>
           <a:prstGeom prst="rect">
@@ -21801,72 +21468,6 @@
           </a:p>
         </p:txBody>
       </p:sp>
-      <p:sp>
-        <p:nvSpPr>
-          <p:cNvPr id="32" name="Pfeil: nach unten 31">
-            <a:extLst>
-              <a:ext uri="{FF2B5EF4-FFF2-40B4-BE49-F238E27FC236}">
-                <a16:creationId xmlns:a16="http://schemas.microsoft.com/office/drawing/2014/main" id="{ECF39615-5C3B-4AF4-A6A8-5B2AE8EB710F}"/>
-              </a:ext>
-            </a:extLst>
-          </p:cNvPr>
-          <p:cNvSpPr/>
-          <p:nvPr/>
-        </p:nvSpPr>
-        <p:spPr>
-          <a:xfrm>
-            <a:off x="4413550" y="5183786"/>
-            <a:ext cx="305601" cy="220497"/>
-          </a:xfrm>
-          <a:prstGeom prst="downArrow">
-            <a:avLst>
-              <a:gd name="adj1" fmla="val 45325"/>
-              <a:gd name="adj2" fmla="val 53139"/>
-            </a:avLst>
-          </a:prstGeom>
-          <a:solidFill>
-            <a:srgbClr val="DAD7CB"/>
-          </a:solidFill>
-          <a:ln>
-            <a:solidFill>
-              <a:srgbClr val="DAD7CB"/>
-            </a:solidFill>
-          </a:ln>
-        </p:spPr>
-        <p:style>
-          <a:lnRef idx="2">
-            <a:schemeClr val="accent1">
-              <a:shade val="50000"/>
-            </a:schemeClr>
-          </a:lnRef>
-          <a:fillRef idx="1">
-            <a:schemeClr val="accent1"/>
-          </a:fillRef>
-          <a:effectRef idx="0">
-            <a:schemeClr val="accent1"/>
-          </a:effectRef>
-          <a:fontRef idx="minor">
-            <a:schemeClr val="lt1"/>
-          </a:fontRef>
-        </p:style>
-        <p:txBody>
-          <a:bodyPr rot="0" spcFirstLastPara="0" vertOverflow="overflow" horzOverflow="overflow" vert="horz" wrap="square" lIns="91440" tIns="45720" rIns="91440" bIns="45720" numCol="1" spcCol="0" rtlCol="0" fromWordArt="0" anchor="t" anchorCtr="0" forceAA="0" compatLnSpc="1">
-            <a:prstTxWarp prst="textNoShape">
-              <a:avLst/>
-            </a:prstTxWarp>
-            <a:noAutofit/>
-          </a:bodyPr>
-          <a:lstStyle/>
-          <a:p>
-            <a:pPr algn="ctr">
-              <a:lnSpc>
-                <a:spcPct val="114000"/>
-              </a:lnSpc>
-            </a:pPr>
-            <a:endParaRPr lang="en-US" dirty="0"/>
-          </a:p>
-        </p:txBody>
-      </p:sp>
       <p:grpSp>
         <p:nvGrpSpPr>
           <p:cNvPr id="53" name="Gruppieren 52">
@@ -21881,10 +21482,10 @@
         </p:nvGrpSpPr>
         <p:grpSpPr>
           <a:xfrm>
-            <a:off x="1538042" y="2628662"/>
-            <a:ext cx="1427408" cy="2490345"/>
-            <a:chOff x="1538042" y="2628662"/>
-            <a:chExt cx="1427408" cy="2490345"/>
+            <a:off x="36706" y="1834182"/>
+            <a:ext cx="1937558" cy="3411043"/>
+            <a:chOff x="1083878" y="2634712"/>
+            <a:chExt cx="1937558" cy="3411043"/>
           </a:xfrm>
         </p:grpSpPr>
         <p:grpSp>
@@ -21901,10 +21502,10 @@
           </p:nvGrpSpPr>
           <p:grpSpPr>
             <a:xfrm>
-              <a:off x="1538042" y="2628662"/>
-              <a:ext cx="1141658" cy="1741517"/>
-              <a:chOff x="1667433" y="2628662"/>
-              <a:chExt cx="1141658" cy="1741517"/>
+              <a:off x="1083878" y="2663554"/>
+              <a:ext cx="1619354" cy="2384341"/>
+              <a:chOff x="1213269" y="2663554"/>
+              <a:chExt cx="1619354" cy="2384341"/>
             </a:xfrm>
           </p:grpSpPr>
           <p:sp>
@@ -21921,8 +21522,8 @@
             </p:nvSpPr>
             <p:spPr>
               <a:xfrm>
-                <a:off x="1667433" y="2628662"/>
-                <a:ext cx="1141658" cy="338554"/>
+                <a:off x="1213269" y="2663554"/>
+                <a:ext cx="1619354" cy="461665"/>
               </a:xfrm>
               <a:prstGeom prst="rect">
                 <a:avLst/>
@@ -21935,9 +21536,9 @@
               </a:bodyPr>
               <a:lstStyle/>
               <a:p>
-                <a:pPr algn="ctr"/>
+                <a:pPr algn="r"/>
                 <a:r>
-                  <a:rPr lang="de-DE" sz="1600" b="1" cap="none" spc="0" dirty="0">
+                  <a:rPr lang="de-DE" sz="2400" b="1" cap="none" spc="0" dirty="0">
                     <a:ln w="0">
                       <a:solidFill>
                         <a:srgbClr val="DAD7CB"/>
@@ -21956,7 +21557,7 @@
                   </a:rPr>
                   <a:t>Front-end</a:t>
                 </a:r>
-                <a:endParaRPr lang="de-DE" sz="4000" b="1" cap="none" spc="0" dirty="0">
+                <a:endParaRPr lang="de-DE" sz="5400" b="1" cap="none" spc="0" dirty="0">
                   <a:ln w="0">
                     <a:solidFill>
                       <a:srgbClr val="DAD7CB"/>
@@ -21990,8 +21591,8 @@
             </p:nvSpPr>
             <p:spPr>
               <a:xfrm>
-                <a:off x="1702698" y="4031625"/>
-                <a:ext cx="1106393" cy="338554"/>
+                <a:off x="1256681" y="4586230"/>
+                <a:ext cx="1571264" cy="461665"/>
               </a:xfrm>
               <a:prstGeom prst="rect">
                 <a:avLst/>
@@ -22004,9 +21605,9 @@
               </a:bodyPr>
               <a:lstStyle/>
               <a:p>
-                <a:pPr algn="ctr"/>
+                <a:pPr algn="r"/>
                 <a:r>
-                  <a:rPr lang="de-DE" sz="1600" b="1" cap="none" spc="0" dirty="0">
+                  <a:rPr lang="de-DE" sz="2400" b="1" cap="none" spc="0" dirty="0">
                     <a:ln w="0">
                       <a:solidFill>
                         <a:srgbClr val="DAD7CB"/>
@@ -22025,7 +21626,7 @@
                   </a:rPr>
                   <a:t>Back-end</a:t>
                 </a:r>
-                <a:endParaRPr lang="de-DE" sz="3200" b="1" cap="none" spc="0" dirty="0">
+                <a:endParaRPr lang="de-DE" sz="4400" b="1" cap="none" spc="0" dirty="0">
                   <a:ln w="0">
                     <a:solidFill>
                       <a:srgbClr val="DAD7CB"/>
@@ -22060,13 +21661,13 @@
           </p:nvSpPr>
           <p:spPr>
             <a:xfrm>
-              <a:off x="2679700" y="3329331"/>
-              <a:ext cx="285750" cy="1789676"/>
+              <a:off x="2735686" y="3588372"/>
+              <a:ext cx="285750" cy="2457383"/>
             </a:xfrm>
             <a:prstGeom prst="leftBrace">
               <a:avLst/>
             </a:prstGeom>
-            <a:ln>
+            <a:ln w="19050">
               <a:solidFill>
                 <a:srgbClr val="0065BD"/>
               </a:solidFill>
@@ -22109,13 +21710,13 @@
           </p:nvSpPr>
           <p:spPr>
             <a:xfrm>
-              <a:off x="2679700" y="2634712"/>
-              <a:ext cx="285750" cy="360000"/>
+              <a:off x="2735686" y="2634712"/>
+              <a:ext cx="285750" cy="533950"/>
             </a:xfrm>
             <a:prstGeom prst="leftBrace">
               <a:avLst/>
             </a:prstGeom>
-            <a:ln>
+            <a:ln w="19050">
               <a:solidFill>
                 <a:srgbClr val="0065BD"/>
               </a:solidFill>
@@ -22147,10 +21748,10 @@
       </p:grpSp>
       <p:grpSp>
         <p:nvGrpSpPr>
-          <p:cNvPr id="2" name="Gruppieren 1">
+          <p:cNvPr id="67" name="Gruppieren 66">
             <a:extLst>
               <a:ext uri="{FF2B5EF4-FFF2-40B4-BE49-F238E27FC236}">
-                <a16:creationId xmlns:a16="http://schemas.microsoft.com/office/drawing/2014/main" id="{56FF23E0-5F07-4505-83CF-8CC6FDBD71C1}"/>
+                <a16:creationId xmlns:a16="http://schemas.microsoft.com/office/drawing/2014/main" id="{31721DFB-6A58-4643-9B59-F5BBBA377456}"/>
               </a:ext>
             </a:extLst>
           </p:cNvPr>
@@ -22159,10 +21760,10 @@
         </p:nvGrpSpPr>
         <p:grpSpPr>
           <a:xfrm>
-            <a:off x="4738201" y="1938110"/>
-            <a:ext cx="2928324" cy="1391221"/>
-            <a:chOff x="4738201" y="1938110"/>
-            <a:chExt cx="2928324" cy="1391221"/>
+            <a:off x="3940538" y="886657"/>
+            <a:ext cx="4002079" cy="1898401"/>
+            <a:chOff x="3940538" y="886657"/>
+            <a:chExt cx="4002079" cy="1898401"/>
           </a:xfrm>
         </p:grpSpPr>
         <p:sp>
@@ -22179,8 +21780,8 @@
           </p:nvSpPr>
           <p:spPr>
             <a:xfrm>
-              <a:off x="4738201" y="3014582"/>
-              <a:ext cx="1439817" cy="276999"/>
+              <a:off x="3940538" y="2378528"/>
+              <a:ext cx="2279791" cy="400110"/>
             </a:xfrm>
             <a:prstGeom prst="rect">
               <a:avLst/>
@@ -22194,7 +21795,7 @@
             <a:lstStyle/>
             <a:p>
               <a:r>
-                <a:rPr lang="en-US" sz="1200" b="1" cap="none" spc="0" dirty="0">
+                <a:rPr lang="en-US" sz="2000" b="1" cap="none" spc="0" dirty="0">
                   <a:ln w="0">
                     <a:solidFill>
                       <a:srgbClr val="DAD7CB"/>
@@ -22218,10 +21819,10 @@
         </p:sp>
         <p:grpSp>
           <p:nvGrpSpPr>
-            <p:cNvPr id="33" name="Gruppieren 32">
+            <p:cNvPr id="66" name="Gruppieren 65">
               <a:extLst>
                 <a:ext uri="{FF2B5EF4-FFF2-40B4-BE49-F238E27FC236}">
-                  <a16:creationId xmlns:a16="http://schemas.microsoft.com/office/drawing/2014/main" id="{139B1D50-51BB-40C9-97EA-1C23223DFACE}"/>
+                  <a16:creationId xmlns:a16="http://schemas.microsoft.com/office/drawing/2014/main" id="{396CB418-168B-4545-B447-709E2DE169EB}"/>
                 </a:ext>
               </a:extLst>
             </p:cNvPr>
@@ -22230,10 +21831,10 @@
           </p:nvGrpSpPr>
           <p:grpSpPr>
             <a:xfrm>
-              <a:off x="6178018" y="1938110"/>
-              <a:ext cx="1488507" cy="1391221"/>
-              <a:chOff x="6178018" y="1938110"/>
-              <a:chExt cx="1488507" cy="1391221"/>
+              <a:off x="6220329" y="886657"/>
+              <a:ext cx="1722288" cy="1898401"/>
+              <a:chOff x="6220329" y="886657"/>
+              <a:chExt cx="1722288" cy="1898401"/>
             </a:xfrm>
           </p:grpSpPr>
           <p:sp>
@@ -22250,8 +21851,8 @@
             </p:nvSpPr>
             <p:spPr>
               <a:xfrm>
-                <a:off x="6782147" y="3009710"/>
-                <a:ext cx="877163" cy="276999"/>
+                <a:off x="6706377" y="2415726"/>
+                <a:ext cx="1223413" cy="369332"/>
               </a:xfrm>
               <a:prstGeom prst="rect">
                 <a:avLst/>
@@ -22266,7 +21867,7 @@
               <a:p>
                 <a:pPr algn="ctr"/>
                 <a:r>
-                  <a:rPr lang="en-US" sz="1200" b="1" cap="none" spc="0" dirty="0">
+                  <a:rPr lang="en-US" b="1" cap="none" spc="0" dirty="0">
                     <a:ln w="0">
                       <a:solidFill>
                         <a:srgbClr val="DAD7CB"/>
@@ -22302,8 +21903,8 @@
             </p:nvSpPr>
             <p:spPr>
               <a:xfrm>
-                <a:off x="6841637" y="2745402"/>
-                <a:ext cx="766557" cy="276999"/>
+                <a:off x="6789734" y="2011191"/>
+                <a:ext cx="1056701" cy="369332"/>
               </a:xfrm>
               <a:prstGeom prst="rect">
                 <a:avLst/>
@@ -22318,7 +21919,7 @@
               <a:p>
                 <a:pPr algn="ctr"/>
                 <a:r>
-                  <a:rPr lang="en-US" sz="1200" b="1" cap="none" spc="0" dirty="0">
+                  <a:rPr lang="en-US" b="1" cap="none" spc="0" dirty="0">
                     <a:ln w="0">
                       <a:solidFill>
                         <a:srgbClr val="DAD7CB"/>
@@ -22354,8 +21955,8 @@
             </p:nvSpPr>
             <p:spPr>
               <a:xfrm>
-                <a:off x="6932606" y="2455931"/>
-                <a:ext cx="576248" cy="276999"/>
+                <a:off x="6932883" y="1610596"/>
+                <a:ext cx="770404" cy="369332"/>
               </a:xfrm>
               <a:prstGeom prst="rect">
                 <a:avLst/>
@@ -22370,7 +21971,7 @@
               <a:p>
                 <a:pPr algn="ctr"/>
                 <a:r>
-                  <a:rPr lang="en-US" sz="1200" b="1" cap="none" spc="0" dirty="0">
+                  <a:rPr lang="en-US" b="1" cap="none" spc="0" dirty="0">
                     <a:ln w="0">
                       <a:solidFill>
                         <a:srgbClr val="DAD7CB"/>
@@ -22406,8 +22007,8 @@
             </p:nvSpPr>
             <p:spPr>
               <a:xfrm>
-                <a:off x="6872718" y="2202418"/>
-                <a:ext cx="696024" cy="276999"/>
+                <a:off x="6841034" y="1244273"/>
+                <a:ext cx="954107" cy="369332"/>
               </a:xfrm>
               <a:prstGeom prst="rect">
                 <a:avLst/>
@@ -22422,7 +22023,7 @@
               <a:p>
                 <a:pPr algn="ctr"/>
                 <a:r>
-                  <a:rPr lang="en-US" sz="1200" b="1" cap="none" spc="0" dirty="0">
+                  <a:rPr lang="en-US" b="1" cap="none" spc="0" dirty="0">
                     <a:ln w="0">
                       <a:solidFill>
                         <a:srgbClr val="DAD7CB"/>
@@ -22458,8 +22059,8 @@
             </p:nvSpPr>
             <p:spPr>
               <a:xfrm>
-                <a:off x="6774934" y="1938110"/>
-                <a:ext cx="891591" cy="276999"/>
+                <a:off x="6693557" y="886657"/>
+                <a:ext cx="1249060" cy="369332"/>
               </a:xfrm>
               <a:prstGeom prst="rect">
                 <a:avLst/>
@@ -22474,7 +22075,7 @@
               <a:p>
                 <a:pPr algn="ctr"/>
                 <a:r>
-                  <a:rPr lang="en-US" sz="1200" b="1" cap="none" spc="0" dirty="0">
+                  <a:rPr lang="en-US" b="1" cap="none" spc="0" dirty="0">
                     <a:ln w="0">
                       <a:solidFill>
                         <a:srgbClr val="DAD7CB"/>
@@ -22513,13 +22114,13 @@
             </p:nvCxnSpPr>
             <p:spPr>
               <a:xfrm>
-                <a:off x="6178018" y="3153082"/>
-                <a:ext cx="604129" cy="176249"/>
+                <a:off x="6220329" y="2578583"/>
+                <a:ext cx="486048" cy="190087"/>
               </a:xfrm>
               <a:prstGeom prst="line">
                 <a:avLst/>
               </a:prstGeom>
-              <a:ln>
+              <a:ln w="19050">
                 <a:solidFill>
                   <a:srgbClr val="0065BD"/>
                 </a:solidFill>
@@ -22557,13 +22158,13 @@
             </p:nvCxnSpPr>
             <p:spPr>
               <a:xfrm flipV="1">
-                <a:off x="6178018" y="1947846"/>
-                <a:ext cx="596916" cy="1205236"/>
+                <a:off x="6220329" y="894704"/>
+                <a:ext cx="528851" cy="1683879"/>
               </a:xfrm>
               <a:prstGeom prst="line">
                 <a:avLst/>
               </a:prstGeom>
-              <a:ln>
+              <a:ln w="19050">
                 <a:solidFill>
                   <a:srgbClr val="0065BD"/>
                 </a:solidFill>
@@ -22600,10 +22201,10 @@
         </p:nvGrpSpPr>
         <p:grpSpPr>
           <a:xfrm>
-            <a:off x="4738201" y="3572656"/>
-            <a:ext cx="3785030" cy="597468"/>
-            <a:chOff x="4738201" y="3572656"/>
-            <a:chExt cx="3785030" cy="597468"/>
+            <a:off x="3940538" y="3081574"/>
+            <a:ext cx="5213381" cy="819603"/>
+            <a:chOff x="3492879" y="3414697"/>
+            <a:chExt cx="5213381" cy="819603"/>
           </a:xfrm>
         </p:grpSpPr>
         <p:sp>
@@ -22620,8 +22221,8 @@
           </p:nvSpPr>
           <p:spPr>
             <a:xfrm>
-              <a:off x="4738201" y="3732322"/>
-              <a:ext cx="1516761" cy="276999"/>
+              <a:off x="3492879" y="3669150"/>
+              <a:ext cx="2408032" cy="400110"/>
             </a:xfrm>
             <a:prstGeom prst="rect">
               <a:avLst/>
@@ -22635,7 +22236,7 @@
             <a:lstStyle/>
             <a:p>
               <a:r>
-                <a:rPr lang="en-US" sz="1200" b="1" cap="none" spc="0" dirty="0">
+                <a:rPr lang="en-US" sz="2000" b="1" cap="none" spc="0" dirty="0">
                   <a:ln w="0">
                     <a:solidFill>
                       <a:srgbClr val="DAD7CB"/>
@@ -22671,10 +22272,10 @@
           </p:nvGrpSpPr>
           <p:grpSpPr>
             <a:xfrm>
-              <a:off x="6254962" y="3572656"/>
-              <a:ext cx="2268269" cy="597468"/>
-              <a:chOff x="6254962" y="3572656"/>
-              <a:chExt cx="2268269" cy="597468"/>
+              <a:off x="5900911" y="3414697"/>
+              <a:ext cx="2805349" cy="819603"/>
+              <a:chOff x="5900911" y="3414697"/>
+              <a:chExt cx="2805349" cy="819603"/>
             </a:xfrm>
           </p:grpSpPr>
           <p:sp>
@@ -22691,8 +22292,8 @@
             </p:nvSpPr>
             <p:spPr>
               <a:xfrm>
-                <a:off x="6790865" y="3572656"/>
-                <a:ext cx="1667444" cy="276999"/>
+                <a:off x="6097854" y="3414697"/>
+                <a:ext cx="2416046" cy="369332"/>
               </a:xfrm>
               <a:prstGeom prst="rect">
                 <a:avLst/>
@@ -22707,7 +22308,7 @@
               <a:p>
                 <a:pPr algn="ctr"/>
                 <a:r>
-                  <a:rPr lang="en-US" sz="1200" b="1" cap="none" spc="0" dirty="0">
+                  <a:rPr lang="en-US" b="1" cap="none" spc="0" dirty="0">
                     <a:ln w="0">
                       <a:solidFill>
                         <a:srgbClr val="DAD7CB"/>
@@ -22743,8 +22344,8 @@
             </p:nvSpPr>
             <p:spPr>
               <a:xfrm>
-                <a:off x="6725944" y="3893125"/>
-                <a:ext cx="1797287" cy="276999"/>
+                <a:off x="6097854" y="3864968"/>
+                <a:ext cx="2608406" cy="369332"/>
               </a:xfrm>
               <a:prstGeom prst="rect">
                 <a:avLst/>
@@ -22759,7 +22360,7 @@
               <a:p>
                 <a:pPr algn="ctr"/>
                 <a:r>
-                  <a:rPr lang="en-US" sz="1200" b="1" cap="none" spc="0" dirty="0">
+                  <a:rPr lang="en-US" b="1" cap="none" spc="0" dirty="0">
                     <a:ln w="0">
                       <a:solidFill>
                         <a:srgbClr val="DAD7CB"/>
@@ -22798,13 +22399,13 @@
             </p:nvCxnSpPr>
             <p:spPr>
               <a:xfrm flipV="1">
-                <a:off x="6254962" y="3586195"/>
-                <a:ext cx="535903" cy="284627"/>
+                <a:off x="5900911" y="3479063"/>
+                <a:ext cx="196943" cy="390142"/>
               </a:xfrm>
               <a:prstGeom prst="line">
                 <a:avLst/>
               </a:prstGeom>
-              <a:ln>
+              <a:ln w="19050">
                 <a:solidFill>
                   <a:srgbClr val="0065BD"/>
                 </a:solidFill>
@@ -22842,13 +22443,13 @@
             </p:nvCxnSpPr>
             <p:spPr>
               <a:xfrm>
-                <a:off x="6254962" y="3870822"/>
-                <a:ext cx="519972" cy="284626"/>
+                <a:off x="5900911" y="3869205"/>
+                <a:ext cx="206274" cy="355275"/>
               </a:xfrm>
               <a:prstGeom prst="line">
                 <a:avLst/>
               </a:prstGeom>
-              <a:ln>
+              <a:ln w="19050">
                 <a:solidFill>
                   <a:srgbClr val="0065BD"/>
                 </a:solidFill>
@@ -22885,7 +22486,7 @@
         </p:nvSpPr>
         <p:spPr>
           <a:xfrm>
-            <a:off x="3912585" y="6064076"/>
+            <a:off x="2902776" y="6265432"/>
             <a:ext cx="1307530" cy="128625"/>
           </a:xfrm>
           <a:prstGeom prst="rect">
@@ -22916,6 +22517,511 @@
               </a:rPr>
               <a:t>visualization</a:t>
             </a:r>
+          </a:p>
+        </p:txBody>
+      </p:sp>
+      <p:sp>
+        <p:nvSpPr>
+          <p:cNvPr id="46" name="Rechteck: abgerundete Ecken 45">
+            <a:extLst>
+              <a:ext uri="{FF2B5EF4-FFF2-40B4-BE49-F238E27FC236}">
+                <a16:creationId xmlns:a16="http://schemas.microsoft.com/office/drawing/2014/main" id="{A5C5F32C-E104-4749-8749-A9657BE1C5DE}"/>
+              </a:ext>
+            </a:extLst>
+          </p:cNvPr>
+          <p:cNvSpPr/>
+          <p:nvPr/>
+        </p:nvSpPr>
+        <p:spPr>
+          <a:xfrm>
+            <a:off x="2116541" y="3746534"/>
+            <a:ext cx="2880000" cy="540000"/>
+          </a:xfrm>
+          <a:prstGeom prst="roundRect">
+            <a:avLst/>
+          </a:prstGeom>
+          <a:solidFill>
+            <a:srgbClr val="0065BD"/>
+          </a:solidFill>
+          <a:ln>
+            <a:solidFill>
+              <a:srgbClr val="DAD7CB"/>
+            </a:solidFill>
+          </a:ln>
+        </p:spPr>
+        <p:style>
+          <a:lnRef idx="2">
+            <a:schemeClr val="accent1">
+              <a:shade val="50000"/>
+            </a:schemeClr>
+          </a:lnRef>
+          <a:fillRef idx="1">
+            <a:schemeClr val="accent1"/>
+          </a:fillRef>
+          <a:effectRef idx="0">
+            <a:schemeClr val="accent1"/>
+          </a:effectRef>
+          <a:fontRef idx="minor">
+            <a:schemeClr val="lt1"/>
+          </a:fontRef>
+        </p:style>
+        <p:txBody>
+          <a:bodyPr rot="0" spcFirstLastPara="0" vertOverflow="overflow" horzOverflow="overflow" vert="horz" wrap="square" lIns="91440" tIns="45720" rIns="91440" bIns="46800" numCol="1" spcCol="0" rtlCol="0" fromWordArt="0" anchor="ctr" anchorCtr="0" forceAA="0" compatLnSpc="1">
+            <a:prstTxWarp prst="textNoShape">
+              <a:avLst/>
+            </a:prstTxWarp>
+            <a:noAutofit/>
+          </a:bodyPr>
+          <a:lstStyle/>
+          <a:p>
+            <a:pPr algn="ctr">
+              <a:spcAft>
+                <a:spcPts val="600"/>
+              </a:spcAft>
+            </a:pPr>
+            <a:r>
+              <a:rPr lang="de-DE" sz="2000" dirty="0">
+                <a:solidFill>
+                  <a:schemeClr val="bg1"/>
+                </a:solidFill>
+              </a:rPr>
+              <a:t>Parameter Generation</a:t>
+            </a:r>
+            <a:endParaRPr lang="en-US" sz="2800" dirty="0">
+              <a:solidFill>
+                <a:schemeClr val="bg1"/>
+              </a:solidFill>
+            </a:endParaRPr>
+          </a:p>
+        </p:txBody>
+      </p:sp>
+      <p:sp>
+        <p:nvSpPr>
+          <p:cNvPr id="48" name="Rechteck: abgerundete Ecken 47">
+            <a:extLst>
+              <a:ext uri="{FF2B5EF4-FFF2-40B4-BE49-F238E27FC236}">
+                <a16:creationId xmlns:a16="http://schemas.microsoft.com/office/drawing/2014/main" id="{1A4E37C5-F16E-4898-94E7-845191D66E9D}"/>
+              </a:ext>
+            </a:extLst>
+          </p:cNvPr>
+          <p:cNvSpPr/>
+          <p:nvPr/>
+        </p:nvSpPr>
+        <p:spPr>
+          <a:xfrm>
+            <a:off x="2116541" y="2787842"/>
+            <a:ext cx="2880000" cy="540000"/>
+          </a:xfrm>
+          <a:prstGeom prst="roundRect">
+            <a:avLst/>
+          </a:prstGeom>
+          <a:solidFill>
+            <a:srgbClr val="0065BD"/>
+          </a:solidFill>
+          <a:ln>
+            <a:solidFill>
+              <a:srgbClr val="DAD7CB"/>
+            </a:solidFill>
+          </a:ln>
+        </p:spPr>
+        <p:style>
+          <a:lnRef idx="2">
+            <a:schemeClr val="accent1">
+              <a:shade val="50000"/>
+            </a:schemeClr>
+          </a:lnRef>
+          <a:fillRef idx="1">
+            <a:schemeClr val="accent1"/>
+          </a:fillRef>
+          <a:effectRef idx="0">
+            <a:schemeClr val="accent1"/>
+          </a:effectRef>
+          <a:fontRef idx="minor">
+            <a:schemeClr val="lt1"/>
+          </a:fontRef>
+        </p:style>
+        <p:txBody>
+          <a:bodyPr rot="0" spcFirstLastPara="0" vertOverflow="overflow" horzOverflow="overflow" vert="horz" wrap="square" lIns="91440" tIns="45720" rIns="91440" bIns="46800" numCol="1" spcCol="0" rtlCol="0" fromWordArt="0" anchor="ctr" anchorCtr="0" forceAA="0" compatLnSpc="1">
+            <a:prstTxWarp prst="textNoShape">
+              <a:avLst/>
+            </a:prstTxWarp>
+            <a:noAutofit/>
+          </a:bodyPr>
+          <a:lstStyle/>
+          <a:p>
+            <a:pPr algn="ctr">
+              <a:spcAft>
+                <a:spcPts val="600"/>
+              </a:spcAft>
+            </a:pPr>
+            <a:r>
+              <a:rPr lang="de-DE" sz="2000" dirty="0" err="1">
+                <a:solidFill>
+                  <a:schemeClr val="bg1"/>
+                </a:solidFill>
+              </a:rPr>
+              <a:t>Acoustic</a:t>
+            </a:r>
+            <a:r>
+              <a:rPr lang="de-DE" sz="2000" dirty="0">
+                <a:solidFill>
+                  <a:schemeClr val="bg1"/>
+                </a:solidFill>
+              </a:rPr>
+              <a:t> Model</a:t>
+            </a:r>
+            <a:endParaRPr lang="en-US" sz="2800" dirty="0">
+              <a:solidFill>
+                <a:schemeClr val="bg1"/>
+              </a:solidFill>
+            </a:endParaRPr>
+          </a:p>
+        </p:txBody>
+      </p:sp>
+      <p:sp>
+        <p:nvSpPr>
+          <p:cNvPr id="49" name="Rechteck: abgerundete Ecken 48">
+            <a:extLst>
+              <a:ext uri="{FF2B5EF4-FFF2-40B4-BE49-F238E27FC236}">
+                <a16:creationId xmlns:a16="http://schemas.microsoft.com/office/drawing/2014/main" id="{1A77FC51-0E4A-4E1D-AE8A-3E82DFE3E1C5}"/>
+              </a:ext>
+            </a:extLst>
+          </p:cNvPr>
+          <p:cNvSpPr/>
+          <p:nvPr/>
+        </p:nvSpPr>
+        <p:spPr>
+          <a:xfrm>
+            <a:off x="2116541" y="4705226"/>
+            <a:ext cx="2880000" cy="540000"/>
+          </a:xfrm>
+          <a:prstGeom prst="roundRect">
+            <a:avLst/>
+          </a:prstGeom>
+          <a:solidFill>
+            <a:srgbClr val="0065BD"/>
+          </a:solidFill>
+          <a:ln>
+            <a:solidFill>
+              <a:srgbClr val="DAD7CB"/>
+            </a:solidFill>
+          </a:ln>
+        </p:spPr>
+        <p:style>
+          <a:lnRef idx="2">
+            <a:schemeClr val="accent1">
+              <a:shade val="50000"/>
+            </a:schemeClr>
+          </a:lnRef>
+          <a:fillRef idx="1">
+            <a:schemeClr val="accent1"/>
+          </a:fillRef>
+          <a:effectRef idx="0">
+            <a:schemeClr val="accent1"/>
+          </a:effectRef>
+          <a:fontRef idx="minor">
+            <a:schemeClr val="lt1"/>
+          </a:fontRef>
+        </p:style>
+        <p:txBody>
+          <a:bodyPr rot="0" spcFirstLastPara="0" vertOverflow="overflow" horzOverflow="overflow" vert="horz" wrap="square" lIns="91440" tIns="45720" rIns="91440" bIns="46800" numCol="1" spcCol="0" rtlCol="0" fromWordArt="0" anchor="ctr" anchorCtr="0" forceAA="0" compatLnSpc="1">
+            <a:prstTxWarp prst="textNoShape">
+              <a:avLst/>
+            </a:prstTxWarp>
+            <a:noAutofit/>
+          </a:bodyPr>
+          <a:lstStyle/>
+          <a:p>
+            <a:pPr algn="ctr">
+              <a:spcAft>
+                <a:spcPts val="600"/>
+              </a:spcAft>
+            </a:pPr>
+            <a:r>
+              <a:rPr lang="de-DE" sz="2000" dirty="0" err="1">
+                <a:solidFill>
+                  <a:schemeClr val="bg1"/>
+                </a:solidFill>
+              </a:rPr>
+              <a:t>Waveform</a:t>
+            </a:r>
+            <a:r>
+              <a:rPr lang="de-DE" sz="2000" dirty="0">
+                <a:solidFill>
+                  <a:schemeClr val="bg1"/>
+                </a:solidFill>
+              </a:rPr>
+              <a:t> Synthesis</a:t>
+            </a:r>
+            <a:endParaRPr lang="en-US" sz="2800" dirty="0">
+              <a:solidFill>
+                <a:schemeClr val="bg1"/>
+              </a:solidFill>
+            </a:endParaRPr>
+          </a:p>
+        </p:txBody>
+      </p:sp>
+      <p:sp>
+        <p:nvSpPr>
+          <p:cNvPr id="50" name="Pfeil: nach unten 49">
+            <a:extLst>
+              <a:ext uri="{FF2B5EF4-FFF2-40B4-BE49-F238E27FC236}">
+                <a16:creationId xmlns:a16="http://schemas.microsoft.com/office/drawing/2014/main" id="{B0AFF13B-A090-4CFF-8681-3156CBD2ECF9}"/>
+              </a:ext>
+            </a:extLst>
+          </p:cNvPr>
+          <p:cNvSpPr/>
+          <p:nvPr/>
+        </p:nvSpPr>
+        <p:spPr>
+          <a:xfrm>
+            <a:off x="3344750" y="2428840"/>
+            <a:ext cx="413428" cy="298294"/>
+          </a:xfrm>
+          <a:prstGeom prst="downArrow">
+            <a:avLst>
+              <a:gd name="adj1" fmla="val 45325"/>
+              <a:gd name="adj2" fmla="val 53139"/>
+            </a:avLst>
+          </a:prstGeom>
+          <a:solidFill>
+            <a:srgbClr val="DAD7CB"/>
+          </a:solidFill>
+          <a:ln>
+            <a:solidFill>
+              <a:srgbClr val="DAD7CB"/>
+            </a:solidFill>
+          </a:ln>
+        </p:spPr>
+        <p:style>
+          <a:lnRef idx="2">
+            <a:schemeClr val="accent1">
+              <a:shade val="50000"/>
+            </a:schemeClr>
+          </a:lnRef>
+          <a:fillRef idx="1">
+            <a:schemeClr val="accent1"/>
+          </a:fillRef>
+          <a:effectRef idx="0">
+            <a:schemeClr val="accent1"/>
+          </a:effectRef>
+          <a:fontRef idx="minor">
+            <a:schemeClr val="lt1"/>
+          </a:fontRef>
+        </p:style>
+        <p:txBody>
+          <a:bodyPr rot="0" spcFirstLastPara="0" vertOverflow="overflow" horzOverflow="overflow" vert="horz" wrap="square" lIns="91440" tIns="45720" rIns="91440" bIns="45720" numCol="1" spcCol="0" rtlCol="0" fromWordArt="0" anchor="t" anchorCtr="0" forceAA="0" compatLnSpc="1">
+            <a:prstTxWarp prst="textNoShape">
+              <a:avLst/>
+            </a:prstTxWarp>
+            <a:noAutofit/>
+          </a:bodyPr>
+          <a:lstStyle/>
+          <a:p>
+            <a:pPr algn="ctr">
+              <a:lnSpc>
+                <a:spcPct val="114000"/>
+              </a:lnSpc>
+            </a:pPr>
+            <a:endParaRPr lang="en-US" dirty="0"/>
+          </a:p>
+        </p:txBody>
+      </p:sp>
+      <p:sp>
+        <p:nvSpPr>
+          <p:cNvPr id="51" name="Pfeil: nach unten 50">
+            <a:extLst>
+              <a:ext uri="{FF2B5EF4-FFF2-40B4-BE49-F238E27FC236}">
+                <a16:creationId xmlns:a16="http://schemas.microsoft.com/office/drawing/2014/main" id="{F83607F8-A09E-48DA-89A3-24C5AF51934E}"/>
+              </a:ext>
+            </a:extLst>
+          </p:cNvPr>
+          <p:cNvSpPr/>
+          <p:nvPr/>
+        </p:nvSpPr>
+        <p:spPr>
+          <a:xfrm>
+            <a:off x="3344750" y="3388550"/>
+            <a:ext cx="413428" cy="298294"/>
+          </a:xfrm>
+          <a:prstGeom prst="downArrow">
+            <a:avLst>
+              <a:gd name="adj1" fmla="val 45325"/>
+              <a:gd name="adj2" fmla="val 53139"/>
+            </a:avLst>
+          </a:prstGeom>
+          <a:solidFill>
+            <a:srgbClr val="DAD7CB"/>
+          </a:solidFill>
+          <a:ln>
+            <a:solidFill>
+              <a:srgbClr val="DAD7CB"/>
+            </a:solidFill>
+          </a:ln>
+        </p:spPr>
+        <p:style>
+          <a:lnRef idx="2">
+            <a:schemeClr val="accent1">
+              <a:shade val="50000"/>
+            </a:schemeClr>
+          </a:lnRef>
+          <a:fillRef idx="1">
+            <a:schemeClr val="accent1"/>
+          </a:fillRef>
+          <a:effectRef idx="0">
+            <a:schemeClr val="accent1"/>
+          </a:effectRef>
+          <a:fontRef idx="minor">
+            <a:schemeClr val="lt1"/>
+          </a:fontRef>
+        </p:style>
+        <p:txBody>
+          <a:bodyPr rot="0" spcFirstLastPara="0" vertOverflow="overflow" horzOverflow="overflow" vert="horz" wrap="square" lIns="91440" tIns="45720" rIns="91440" bIns="45720" numCol="1" spcCol="0" rtlCol="0" fromWordArt="0" anchor="t" anchorCtr="0" forceAA="0" compatLnSpc="1">
+            <a:prstTxWarp prst="textNoShape">
+              <a:avLst/>
+            </a:prstTxWarp>
+            <a:noAutofit/>
+          </a:bodyPr>
+          <a:lstStyle/>
+          <a:p>
+            <a:pPr algn="ctr">
+              <a:lnSpc>
+                <a:spcPct val="114000"/>
+              </a:lnSpc>
+            </a:pPr>
+            <a:endParaRPr lang="en-US" dirty="0"/>
+          </a:p>
+        </p:txBody>
+      </p:sp>
+      <p:sp>
+        <p:nvSpPr>
+          <p:cNvPr id="52" name="Pfeil: nach unten 51">
+            <a:extLst>
+              <a:ext uri="{FF2B5EF4-FFF2-40B4-BE49-F238E27FC236}">
+                <a16:creationId xmlns:a16="http://schemas.microsoft.com/office/drawing/2014/main" id="{1F82F26D-3209-4028-B650-28DBA06552FD}"/>
+              </a:ext>
+            </a:extLst>
+          </p:cNvPr>
+          <p:cNvSpPr/>
+          <p:nvPr/>
+        </p:nvSpPr>
+        <p:spPr>
+          <a:xfrm>
+            <a:off x="3343417" y="4349197"/>
+            <a:ext cx="413428" cy="298294"/>
+          </a:xfrm>
+          <a:prstGeom prst="downArrow">
+            <a:avLst>
+              <a:gd name="adj1" fmla="val 45325"/>
+              <a:gd name="adj2" fmla="val 53139"/>
+            </a:avLst>
+          </a:prstGeom>
+          <a:solidFill>
+            <a:srgbClr val="DAD7CB"/>
+          </a:solidFill>
+          <a:ln>
+            <a:solidFill>
+              <a:srgbClr val="DAD7CB"/>
+            </a:solidFill>
+          </a:ln>
+        </p:spPr>
+        <p:style>
+          <a:lnRef idx="2">
+            <a:schemeClr val="accent1">
+              <a:shade val="50000"/>
+            </a:schemeClr>
+          </a:lnRef>
+          <a:fillRef idx="1">
+            <a:schemeClr val="accent1"/>
+          </a:fillRef>
+          <a:effectRef idx="0">
+            <a:schemeClr val="accent1"/>
+          </a:effectRef>
+          <a:fontRef idx="minor">
+            <a:schemeClr val="lt1"/>
+          </a:fontRef>
+        </p:style>
+        <p:txBody>
+          <a:bodyPr rot="0" spcFirstLastPara="0" vertOverflow="overflow" horzOverflow="overflow" vert="horz" wrap="square" lIns="91440" tIns="45720" rIns="91440" bIns="45720" numCol="1" spcCol="0" rtlCol="0" fromWordArt="0" anchor="t" anchorCtr="0" forceAA="0" compatLnSpc="1">
+            <a:prstTxWarp prst="textNoShape">
+              <a:avLst/>
+            </a:prstTxWarp>
+            <a:noAutofit/>
+          </a:bodyPr>
+          <a:lstStyle/>
+          <a:p>
+            <a:pPr algn="ctr">
+              <a:lnSpc>
+                <a:spcPct val="114000"/>
+              </a:lnSpc>
+            </a:pPr>
+            <a:endParaRPr lang="en-US" dirty="0"/>
+          </a:p>
+        </p:txBody>
+      </p:sp>
+      <p:sp>
+        <p:nvSpPr>
+          <p:cNvPr id="58" name="Pfeil: nach unten 57">
+            <a:extLst>
+              <a:ext uri="{FF2B5EF4-FFF2-40B4-BE49-F238E27FC236}">
+                <a16:creationId xmlns:a16="http://schemas.microsoft.com/office/drawing/2014/main" id="{EFD97C23-46B0-4E0E-A8F1-FD60E9C232DF}"/>
+              </a:ext>
+            </a:extLst>
+          </p:cNvPr>
+          <p:cNvSpPr/>
+          <p:nvPr/>
+        </p:nvSpPr>
+        <p:spPr>
+          <a:xfrm>
+            <a:off x="3343417" y="5307356"/>
+            <a:ext cx="413428" cy="298294"/>
+          </a:xfrm>
+          <a:prstGeom prst="downArrow">
+            <a:avLst>
+              <a:gd name="adj1" fmla="val 45325"/>
+              <a:gd name="adj2" fmla="val 53139"/>
+            </a:avLst>
+          </a:prstGeom>
+          <a:solidFill>
+            <a:srgbClr val="DAD7CB"/>
+          </a:solidFill>
+          <a:ln>
+            <a:solidFill>
+              <a:srgbClr val="DAD7CB"/>
+            </a:solidFill>
+          </a:ln>
+        </p:spPr>
+        <p:style>
+          <a:lnRef idx="2">
+            <a:schemeClr val="accent1">
+              <a:shade val="50000"/>
+            </a:schemeClr>
+          </a:lnRef>
+          <a:fillRef idx="1">
+            <a:schemeClr val="accent1"/>
+          </a:fillRef>
+          <a:effectRef idx="0">
+            <a:schemeClr val="accent1"/>
+          </a:effectRef>
+          <a:fontRef idx="minor">
+            <a:schemeClr val="lt1"/>
+          </a:fontRef>
+        </p:style>
+        <p:txBody>
+          <a:bodyPr rot="0" spcFirstLastPara="0" vertOverflow="overflow" horzOverflow="overflow" vert="horz" wrap="square" lIns="91440" tIns="45720" rIns="91440" bIns="45720" numCol="1" spcCol="0" rtlCol="0" fromWordArt="0" anchor="t" anchorCtr="0" forceAA="0" compatLnSpc="1">
+            <a:prstTxWarp prst="textNoShape">
+              <a:avLst/>
+            </a:prstTxWarp>
+            <a:noAutofit/>
+          </a:bodyPr>
+          <a:lstStyle/>
+          <a:p>
+            <a:pPr algn="ctr">
+              <a:lnSpc>
+                <a:spcPct val="114000"/>
+              </a:lnSpc>
+            </a:pPr>
+            <a:endParaRPr lang="en-US" dirty="0"/>
           </a:p>
         </p:txBody>
       </p:sp>
@@ -23008,7 +23114,7 @@
                                           </p:stCondLst>
                                         </p:cTn>
                                         <p:tgtEl>
-                                          <p:spTgt spid="2"/>
+                                          <p:spTgt spid="67"/>
                                         </p:tgtEl>
                                         <p:attrNameLst>
                                           <p:attrName>style.visibility</p:attrName>
@@ -24852,12 +24958,65 @@
             <p:ph idx="10"/>
           </p:nvPr>
         </p:nvSpPr>
-        <p:spPr/>
+        <p:spPr>
+          <a:xfrm>
+            <a:off x="319088" y="1323117"/>
+            <a:ext cx="8508999" cy="4321903"/>
+          </a:xfrm>
+        </p:spPr>
         <p:txBody>
           <a:bodyPr/>
           <a:lstStyle/>
           <a:p>
+            <a:r>
+              <a:rPr lang="de-DE" dirty="0"/>
+              <a:t>Class </a:t>
+            </a:r>
+            <a:r>
+              <a:rPr lang="de-DE" dirty="0" err="1"/>
+              <a:t>of</a:t>
+            </a:r>
+            <a:r>
+              <a:rPr lang="de-DE" dirty="0"/>
+              <a:t> </a:t>
+            </a:r>
+            <a:r>
+              <a:rPr lang="en-US" dirty="0"/>
+              <a:t>machine learning techniques</a:t>
+            </a:r>
+          </a:p>
+          <a:p>
+            <a:r>
+              <a:rPr lang="en-US" dirty="0"/>
+              <a:t>feature extraction and pattern analysis </a:t>
+            </a:r>
+          </a:p>
+          <a:p>
+            <a:r>
+              <a:rPr lang="en-US" dirty="0"/>
+              <a:t>many connected layers of non-linear information processing</a:t>
+            </a:r>
+          </a:p>
+          <a:p>
             <a:endParaRPr lang="en-US" dirty="0"/>
+          </a:p>
+          <a:p>
+            <a:r>
+              <a:rPr lang="en-US" dirty="0"/>
+              <a:t>Drastically increased chip processing abilities (e.g., GPU units), </a:t>
+            </a:r>
+          </a:p>
+          <a:p>
+            <a:r>
+              <a:rPr lang="en-US" dirty="0"/>
+              <a:t>the significantly lowered cost of computing hardware, </a:t>
+            </a:r>
+          </a:p>
+          <a:p>
+            <a:r>
+              <a:rPr lang="en-US" dirty="0"/>
+              <a:t>Recent advances in machine learning and signal/information processing research.</a:t>
+            </a:r>
           </a:p>
         </p:txBody>
       </p:sp>
@@ -24928,6 +25087,105 @@
           </a:p>
         </p:txBody>
       </p:sp>
+      <p:grpSp>
+        <p:nvGrpSpPr>
+          <p:cNvPr id="7" name="Gruppieren 6">
+            <a:extLst>
+              <a:ext uri="{FF2B5EF4-FFF2-40B4-BE49-F238E27FC236}">
+                <a16:creationId xmlns:a16="http://schemas.microsoft.com/office/drawing/2014/main" id="{D7638658-2B0A-4A6B-A00E-2387DF2815D6}"/>
+              </a:ext>
+            </a:extLst>
+          </p:cNvPr>
+          <p:cNvGrpSpPr/>
+          <p:nvPr/>
+        </p:nvGrpSpPr>
+        <p:grpSpPr>
+          <a:xfrm>
+            <a:off x="4152738" y="3510313"/>
+            <a:ext cx="4280637" cy="2548853"/>
+            <a:chOff x="2338362" y="3359021"/>
+            <a:chExt cx="4280637" cy="2548853"/>
+          </a:xfrm>
+        </p:grpSpPr>
+        <p:pic>
+          <p:nvPicPr>
+            <p:cNvPr id="5" name="Grafik 4">
+              <a:extLst>
+                <a:ext uri="{FF2B5EF4-FFF2-40B4-BE49-F238E27FC236}">
+                  <a16:creationId xmlns:a16="http://schemas.microsoft.com/office/drawing/2014/main" id="{FFA3371F-A3DD-4B83-BE1F-244021C667E5}"/>
+                </a:ext>
+              </a:extLst>
+            </p:cNvPr>
+            <p:cNvPicPr>
+              <a:picLocks noChangeAspect="1"/>
+            </p:cNvPicPr>
+            <p:nvPr/>
+          </p:nvPicPr>
+          <p:blipFill>
+            <a:blip r:embed="rId2"/>
+            <a:stretch>
+              <a:fillRect/>
+            </a:stretch>
+          </p:blipFill>
+          <p:spPr>
+            <a:xfrm>
+              <a:off x="2338362" y="3359021"/>
+              <a:ext cx="4280637" cy="2420228"/>
+            </a:xfrm>
+            <a:prstGeom prst="rect">
+              <a:avLst/>
+            </a:prstGeom>
+          </p:spPr>
+        </p:pic>
+        <p:sp>
+          <p:nvSpPr>
+            <p:cNvPr id="6" name="Textfeld 5">
+              <a:extLst>
+                <a:ext uri="{FF2B5EF4-FFF2-40B4-BE49-F238E27FC236}">
+                  <a16:creationId xmlns:a16="http://schemas.microsoft.com/office/drawing/2014/main" id="{12B24E00-434E-4320-BAF4-0E00911F0127}"/>
+                </a:ext>
+              </a:extLst>
+            </p:cNvPr>
+            <p:cNvSpPr txBox="1"/>
+            <p:nvPr/>
+          </p:nvSpPr>
+          <p:spPr>
+            <a:xfrm>
+              <a:off x="3824915" y="5779249"/>
+              <a:ext cx="1307530" cy="128625"/>
+            </a:xfrm>
+            <a:prstGeom prst="rect">
+              <a:avLst/>
+            </a:prstGeom>
+            <a:noFill/>
+          </p:spPr>
+          <p:txBody>
+            <a:bodyPr wrap="square" lIns="0" tIns="0" rIns="0" bIns="0" rtlCol="0">
+              <a:spAutoFit/>
+            </a:bodyPr>
+            <a:lstStyle/>
+            <a:p>
+              <a:pPr algn="ctr">
+                <a:lnSpc>
+                  <a:spcPct val="114000"/>
+                </a:lnSpc>
+              </a:pPr>
+              <a:r>
+                <a:rPr lang="de-DE" sz="800" dirty="0">
+                  <a:latin typeface="+mn-lt"/>
+                </a:rPr>
+                <a:t>Source: Own </a:t>
+              </a:r>
+              <a:r>
+                <a:rPr lang="en-US" sz="800" dirty="0">
+                  <a:latin typeface="+mn-lt"/>
+                </a:rPr>
+                <a:t>visualization</a:t>
+              </a:r>
+            </a:p>
+          </p:txBody>
+        </p:sp>
+      </p:grpSp>
     </p:spTree>
     <p:extLst>
       <p:ext uri="{BB962C8B-B14F-4D97-AF65-F5344CB8AC3E}">
@@ -25055,9 +25313,9 @@
         <p:grpSpPr>
           <a:xfrm>
             <a:off x="2017985" y="1122808"/>
-            <a:ext cx="5200360" cy="5130054"/>
+            <a:ext cx="5200360" cy="4952330"/>
             <a:chOff x="2377316" y="1907634"/>
-            <a:chExt cx="4397618" cy="4338164"/>
+            <a:chExt cx="4397618" cy="4187874"/>
           </a:xfrm>
         </p:grpSpPr>
         <p:grpSp>
@@ -25075,9 +25333,9 @@
           <p:grpSpPr>
             <a:xfrm>
               <a:off x="2377316" y="2229323"/>
-              <a:ext cx="4397618" cy="4016475"/>
+              <a:ext cx="4397618" cy="3866185"/>
               <a:chOff x="3086098" y="2860829"/>
-              <a:chExt cx="3485167" cy="3183107"/>
+              <a:chExt cx="3485167" cy="3064000"/>
             </a:xfrm>
           </p:grpSpPr>
           <p:sp>
@@ -25095,7 +25353,7 @@
             <p:spPr>
               <a:xfrm>
                 <a:off x="3086098" y="5830763"/>
-                <a:ext cx="3485167" cy="213173"/>
+                <a:ext cx="3485167" cy="94066"/>
               </a:xfrm>
               <a:prstGeom prst="rect">
                 <a:avLst/>
@@ -25127,7 +25385,7 @@
                 </a:r>
                 <a:r>
                   <a:rPr lang="en-US" sz="800" dirty="0"/>
-                  <a:t>IEEE International Conference on Acoustics, Speech and Signal Processing</a:t>
+                  <a:t>ICASSP’13</a:t>
                 </a:r>
                 <a:endParaRPr lang="en-US" sz="800" dirty="0">
                   <a:latin typeface="+mn-lt"/>
@@ -27815,109 +28073,32 @@
             <p:ph idx="10"/>
           </p:nvPr>
         </p:nvSpPr>
-        <p:spPr/>
+        <p:spPr>
+          <a:xfrm>
+            <a:off x="319088" y="1323118"/>
+            <a:ext cx="8583028" cy="562832"/>
+          </a:xfrm>
+        </p:spPr>
         <p:txBody>
           <a:bodyPr/>
           <a:lstStyle/>
           <a:p>
-            <a:r>
-              <a:rPr lang="en-US" sz="2000" dirty="0"/>
-              <a:t>Introducing a DNN into the front-end of a TTS-System</a:t>
-            </a:r>
-          </a:p>
-          <a:p>
-            <a:endParaRPr lang="en-US" dirty="0"/>
-          </a:p>
-          <a:p>
-            <a:pPr marL="342900" indent="-342900">
-              <a:lnSpc>
-                <a:spcPct val="200000"/>
-              </a:lnSpc>
-              <a:buAutoNum type="arabicPeriod"/>
+            <a:pPr>
               <a:tabLst>
-                <a:tab pos="3233738" algn="l"/>
+                <a:tab pos="5830888" algn="l"/>
               </a:tabLst>
             </a:pPr>
             <a:r>
-              <a:rPr lang="en-US" dirty="0"/>
-              <a:t>Syllabification (SYL)		</a:t>
-            </a:r>
-            <a:r>
-              <a:rPr lang="en-US" dirty="0">
-                <a:sym typeface="Wingdings" panose="05000000000000000000" pitchFamily="2" charset="2"/>
-              </a:rPr>
-              <a:t></a:t>
-            </a:r>
-            <a:r>
-              <a:rPr lang="en-US" dirty="0"/>
-              <a:t>  extraction of syllables</a:t>
-            </a:r>
-          </a:p>
-          <a:p>
-            <a:pPr marL="342900" indent="-342900">
-              <a:lnSpc>
-                <a:spcPct val="200000"/>
-              </a:lnSpc>
-              <a:buAutoNum type="arabicPeriod"/>
-            </a:pPr>
-            <a:r>
-              <a:rPr lang="en-US" dirty="0"/>
-              <a:t>Phonetic transcription (PT)	</a:t>
-            </a:r>
-            <a:r>
-              <a:rPr lang="en-US" dirty="0">
+              <a:rPr lang="en-US" sz="1800" dirty="0">
                 <a:sym typeface="Wingdings" panose="05000000000000000000" pitchFamily="2" charset="2"/>
               </a:rPr>
               <a:t> </a:t>
             </a:r>
             <a:r>
-              <a:rPr lang="en-US" dirty="0"/>
-              <a:t>extraction of phonemes</a:t>
-            </a:r>
-          </a:p>
-          <a:p>
-            <a:pPr marL="342900" indent="-342900">
-              <a:lnSpc>
-                <a:spcPct val="200000"/>
-              </a:lnSpc>
-              <a:buAutoNum type="arabicPeriod"/>
-            </a:pPr>
-            <a:r>
-              <a:rPr lang="en-US" dirty="0"/>
-              <a:t>Part-of-speech tagging (POT)	</a:t>
-            </a:r>
-            <a:r>
-              <a:rPr lang="en-US" dirty="0">
-                <a:sym typeface="Wingdings" panose="05000000000000000000" pitchFamily="2" charset="2"/>
-              </a:rPr>
-              <a:t> </a:t>
-            </a:r>
-            <a:r>
-              <a:rPr lang="en-US" dirty="0"/>
-              <a:t>assigning each word a unified tag</a:t>
-            </a:r>
-          </a:p>
-          <a:p>
-            <a:pPr marL="342900" indent="-342900">
-              <a:lnSpc>
-                <a:spcPct val="200000"/>
-              </a:lnSpc>
-              <a:buAutoNum type="arabicPeriod"/>
-            </a:pPr>
-            <a:r>
-              <a:rPr lang="en-US" dirty="0"/>
-              <a:t>Lexical stress prediction (LSP)	</a:t>
-            </a:r>
-            <a:r>
-              <a:rPr lang="en-US" dirty="0">
-                <a:sym typeface="Wingdings" panose="05000000000000000000" pitchFamily="2" charset="2"/>
-              </a:rPr>
-              <a:t> </a:t>
-            </a:r>
-            <a:r>
-              <a:rPr lang="en-US" dirty="0"/>
-              <a:t>decision if to stress a syllable</a:t>
-            </a:r>
+              <a:rPr lang="en-US" sz="1800" dirty="0"/>
+              <a:t>Introducing a DNN into the front-end of a TTS-System to decrease the model size</a:t>
+            </a:r>
+            <a:endParaRPr lang="en-US" dirty="0"/>
           </a:p>
         </p:txBody>
       </p:sp>
@@ -27974,7 +28155,7 @@
           <a:p>
             <a:r>
               <a:rPr lang="en-US" dirty="0"/>
-              <a:t>One Approach to Decrease the Model Size</a:t>
+              <a:t>Speech Synthesis on Mobile Devices</a:t>
             </a:r>
           </a:p>
         </p:txBody>
@@ -27993,8 +28174,299 @@
         </p:nvSpPr>
         <p:spPr>
           <a:xfrm>
-            <a:off x="1526400" y="5124919"/>
-            <a:ext cx="2299366" cy="634754"/>
+            <a:off x="1624370" y="2242430"/>
+            <a:ext cx="3992135" cy="2585579"/>
+          </a:xfrm>
+          <a:prstGeom prst="roundRect">
+            <a:avLst>
+              <a:gd name="adj" fmla="val 7826"/>
+            </a:avLst>
+          </a:prstGeom>
+          <a:solidFill>
+            <a:srgbClr val="0065BD"/>
+          </a:solidFill>
+          <a:ln>
+            <a:solidFill>
+              <a:srgbClr val="DAD7CB"/>
+            </a:solidFill>
+          </a:ln>
+        </p:spPr>
+        <p:style>
+          <a:lnRef idx="2">
+            <a:schemeClr val="accent1">
+              <a:shade val="50000"/>
+            </a:schemeClr>
+          </a:lnRef>
+          <a:fillRef idx="1">
+            <a:schemeClr val="accent1"/>
+          </a:fillRef>
+          <a:effectRef idx="0">
+            <a:schemeClr val="accent1"/>
+          </a:effectRef>
+          <a:fontRef idx="minor">
+            <a:schemeClr val="lt1"/>
+          </a:fontRef>
+        </p:style>
+        <p:txBody>
+          <a:bodyPr rot="0" spcFirstLastPara="0" vertOverflow="overflow" horzOverflow="overflow" vert="horz" wrap="square" lIns="91440" tIns="45720" rIns="91440" bIns="45720" numCol="1" spcCol="0" rtlCol="0" fromWordArt="0" anchor="ctr" anchorCtr="0" forceAA="0" compatLnSpc="1">
+            <a:prstTxWarp prst="textNoShape">
+              <a:avLst/>
+            </a:prstTxWarp>
+            <a:noAutofit/>
+          </a:bodyPr>
+          <a:lstStyle/>
+          <a:p>
+            <a:pPr lvl="0" algn="ctr">
+              <a:lnSpc>
+                <a:spcPct val="150000"/>
+              </a:lnSpc>
+              <a:spcAft>
+                <a:spcPts val="600"/>
+              </a:spcAft>
+            </a:pPr>
+            <a:r>
+              <a:rPr lang="de-DE" sz="2000" b="1" dirty="0">
+                <a:solidFill>
+                  <a:schemeClr val="bg1"/>
+                </a:solidFill>
+              </a:rPr>
+              <a:t>Front-End</a:t>
+            </a:r>
+            <a:endParaRPr lang="en-US" sz="2000" b="1" dirty="0">
+              <a:solidFill>
+                <a:schemeClr val="bg1"/>
+              </a:solidFill>
+            </a:endParaRPr>
+          </a:p>
+          <a:p>
+            <a:pPr marL="342900" lvl="0" indent="-342900">
+              <a:lnSpc>
+                <a:spcPct val="150000"/>
+              </a:lnSpc>
+              <a:buAutoNum type="arabicPeriod"/>
+            </a:pPr>
+            <a:r>
+              <a:rPr lang="en-US" b="1" dirty="0">
+                <a:solidFill>
+                  <a:schemeClr val="bg1"/>
+                </a:solidFill>
+              </a:rPr>
+              <a:t>Syllabification (SYL) </a:t>
+            </a:r>
+          </a:p>
+          <a:p>
+            <a:pPr marL="342900" lvl="0" indent="-342900">
+              <a:lnSpc>
+                <a:spcPct val="150000"/>
+              </a:lnSpc>
+              <a:buAutoNum type="arabicPeriod"/>
+            </a:pPr>
+            <a:r>
+              <a:rPr lang="en-US" b="1" dirty="0">
+                <a:solidFill>
+                  <a:schemeClr val="bg1"/>
+                </a:solidFill>
+              </a:rPr>
+              <a:t>Phonetic transcription (PT)</a:t>
+            </a:r>
+          </a:p>
+          <a:p>
+            <a:pPr marL="342900" lvl="0" indent="-342900">
+              <a:lnSpc>
+                <a:spcPct val="150000"/>
+              </a:lnSpc>
+              <a:buAutoNum type="arabicPeriod"/>
+            </a:pPr>
+            <a:r>
+              <a:rPr lang="en-US" b="1" dirty="0">
+                <a:solidFill>
+                  <a:schemeClr val="bg1"/>
+                </a:solidFill>
+              </a:rPr>
+              <a:t>Part-of-speech tagging (POT)</a:t>
+            </a:r>
+          </a:p>
+          <a:p>
+            <a:pPr marL="342900" lvl="0" indent="-342900">
+              <a:lnSpc>
+                <a:spcPct val="150000"/>
+              </a:lnSpc>
+              <a:buAutoNum type="arabicPeriod"/>
+            </a:pPr>
+            <a:r>
+              <a:rPr lang="en-US" b="1" dirty="0">
+                <a:solidFill>
+                  <a:schemeClr val="bg1"/>
+                </a:solidFill>
+              </a:rPr>
+              <a:t>Lexical stress prediction (LSP)</a:t>
+            </a:r>
+          </a:p>
+        </p:txBody>
+      </p:sp>
+      <p:sp>
+        <p:nvSpPr>
+          <p:cNvPr id="6" name="Rechteck 5">
+            <a:extLst>
+              <a:ext uri="{FF2B5EF4-FFF2-40B4-BE49-F238E27FC236}">
+                <a16:creationId xmlns:a16="http://schemas.microsoft.com/office/drawing/2014/main" id="{3C3C75DF-459E-4AB7-B30D-086ED5180793}"/>
+              </a:ext>
+            </a:extLst>
+          </p:cNvPr>
+          <p:cNvSpPr/>
+          <p:nvPr/>
+        </p:nvSpPr>
+        <p:spPr>
+          <a:xfrm>
+            <a:off x="-13074" y="3212052"/>
+            <a:ext cx="1099404" cy="646331"/>
+          </a:xfrm>
+          <a:prstGeom prst="rect">
+            <a:avLst/>
+          </a:prstGeom>
+          <a:noFill/>
+        </p:spPr>
+        <p:txBody>
+          <a:bodyPr wrap="none" lIns="91440" tIns="45720" rIns="91440" bIns="45720">
+            <a:spAutoFit/>
+          </a:bodyPr>
+          <a:lstStyle/>
+          <a:p>
+            <a:pPr algn="ctr"/>
+            <a:r>
+              <a:rPr lang="de-DE" sz="3600" b="1" cap="none" spc="0" dirty="0">
+                <a:ln w="0">
+                  <a:solidFill>
+                    <a:srgbClr val="DAD7CB"/>
+                  </a:solidFill>
+                </a:ln>
+                <a:solidFill>
+                  <a:srgbClr val="0065BD"/>
+                </a:solidFill>
+                <a:effectLst>
+                  <a:outerShdw blurRad="38100" dist="25400" dir="5400000" algn="ctr" rotWithShape="0">
+                    <a:srgbClr val="6E747A">
+                      <a:alpha val="43000"/>
+                    </a:srgbClr>
+                  </a:outerShdw>
+                </a:effectLst>
+              </a:rPr>
+              <a:t>Text</a:t>
+            </a:r>
+            <a:endParaRPr lang="de-DE" sz="5400" b="1" cap="none" spc="0" dirty="0">
+              <a:ln w="0">
+                <a:solidFill>
+                  <a:srgbClr val="DAD7CB"/>
+                </a:solidFill>
+              </a:ln>
+              <a:solidFill>
+                <a:srgbClr val="0065BD"/>
+              </a:solidFill>
+              <a:effectLst>
+                <a:outerShdw blurRad="38100" dist="25400" dir="5400000" algn="ctr" rotWithShape="0">
+                  <a:srgbClr val="6E747A">
+                    <a:alpha val="43000"/>
+                  </a:srgbClr>
+                </a:outerShdw>
+              </a:effectLst>
+            </a:endParaRPr>
+          </a:p>
+        </p:txBody>
+      </p:sp>
+      <p:sp>
+        <p:nvSpPr>
+          <p:cNvPr id="8" name="Rechteck: abgerundete Ecken 7">
+            <a:extLst>
+              <a:ext uri="{FF2B5EF4-FFF2-40B4-BE49-F238E27FC236}">
+                <a16:creationId xmlns:a16="http://schemas.microsoft.com/office/drawing/2014/main" id="{D8C1718A-0EDA-4538-A548-D5AB92DFA47F}"/>
+              </a:ext>
+            </a:extLst>
+          </p:cNvPr>
+          <p:cNvSpPr/>
+          <p:nvPr/>
+        </p:nvSpPr>
+        <p:spPr>
+          <a:xfrm>
+            <a:off x="6102217" y="5388366"/>
+            <a:ext cx="2734582" cy="758096"/>
+          </a:xfrm>
+          <a:prstGeom prst="roundRect">
+            <a:avLst/>
+          </a:prstGeom>
+          <a:solidFill>
+            <a:srgbClr val="0065BD"/>
+          </a:solidFill>
+          <a:ln>
+            <a:solidFill>
+              <a:srgbClr val="DAD7CB"/>
+            </a:solidFill>
+          </a:ln>
+        </p:spPr>
+        <p:style>
+          <a:lnRef idx="2">
+            <a:schemeClr val="accent1">
+              <a:shade val="50000"/>
+            </a:schemeClr>
+          </a:lnRef>
+          <a:fillRef idx="1">
+            <a:schemeClr val="accent1"/>
+          </a:fillRef>
+          <a:effectRef idx="0">
+            <a:schemeClr val="accent1"/>
+          </a:effectRef>
+          <a:fontRef idx="minor">
+            <a:schemeClr val="lt1"/>
+          </a:fontRef>
+        </p:style>
+        <p:txBody>
+          <a:bodyPr rot="0" spcFirstLastPara="0" vertOverflow="overflow" horzOverflow="overflow" vert="horz" wrap="square" lIns="91440" tIns="45720" rIns="91440" bIns="45720" numCol="1" spcCol="0" rtlCol="0" fromWordArt="0" anchor="ctr" anchorCtr="0" forceAA="0" compatLnSpc="1">
+            <a:prstTxWarp prst="textNoShape">
+              <a:avLst/>
+            </a:prstTxWarp>
+            <a:noAutofit/>
+          </a:bodyPr>
+          <a:lstStyle/>
+          <a:p>
+            <a:pPr lvl="0" algn="ctr">
+              <a:lnSpc>
+                <a:spcPct val="150000"/>
+              </a:lnSpc>
+              <a:spcAft>
+                <a:spcPts val="600"/>
+              </a:spcAft>
+            </a:pPr>
+            <a:r>
+              <a:rPr lang="de-DE" sz="2000" b="1" dirty="0">
+                <a:solidFill>
+                  <a:schemeClr val="bg1"/>
+                </a:solidFill>
+              </a:rPr>
+              <a:t>Back-End</a:t>
+            </a:r>
+            <a:endParaRPr lang="en-US" sz="2000" b="1" dirty="0">
+              <a:solidFill>
+                <a:schemeClr val="bg1"/>
+              </a:solidFill>
+            </a:endParaRPr>
+          </a:p>
+        </p:txBody>
+      </p:sp>
+      <p:sp>
+        <p:nvSpPr>
+          <p:cNvPr id="9" name="Rechteck: abgerundete Ecken 8">
+            <a:extLst>
+              <a:ext uri="{FF2B5EF4-FFF2-40B4-BE49-F238E27FC236}">
+                <a16:creationId xmlns:a16="http://schemas.microsoft.com/office/drawing/2014/main" id="{9B129D37-9912-4EB4-8A72-32E982878246}"/>
+              </a:ext>
+            </a:extLst>
+          </p:cNvPr>
+          <p:cNvSpPr/>
+          <p:nvPr/>
+        </p:nvSpPr>
+        <p:spPr>
+          <a:xfrm>
+            <a:off x="6167534" y="2242427"/>
+            <a:ext cx="2734582" cy="2585579"/>
           </a:xfrm>
           <a:prstGeom prst="roundRect">
             <a:avLst/>
@@ -28033,16 +28505,636 @@
           <a:p>
             <a:pPr lvl="0" algn="ctr">
               <a:lnSpc>
-                <a:spcPct val="114000"/>
+                <a:spcPct val="150000"/>
               </a:lnSpc>
+              <a:spcAft>
+                <a:spcPts val="600"/>
+              </a:spcAft>
             </a:pPr>
             <a:r>
-              <a:rPr lang="de-DE" sz="1400" b="1" dirty="0">
+              <a:rPr lang="de-DE" sz="2000" b="1" dirty="0" err="1">
                 <a:solidFill>
                   <a:srgbClr val="0065BD"/>
                 </a:solidFill>
               </a:rPr>
-              <a:t>Boxes</a:t>
+              <a:t>Context</a:t>
+            </a:r>
+            <a:r>
+              <a:rPr lang="de-DE" sz="2000" b="1" dirty="0">
+                <a:solidFill>
+                  <a:srgbClr val="0065BD"/>
+                </a:solidFill>
+              </a:rPr>
+              <a:t> Features</a:t>
+            </a:r>
+            <a:endParaRPr lang="en-US" sz="2000" b="1" dirty="0">
+              <a:solidFill>
+                <a:srgbClr val="0065BD"/>
+              </a:solidFill>
+            </a:endParaRPr>
+          </a:p>
+          <a:p>
+            <a:pPr marL="342900" lvl="0" indent="-342900">
+              <a:lnSpc>
+                <a:spcPct val="150000"/>
+              </a:lnSpc>
+              <a:buAutoNum type="arabicPeriod"/>
+            </a:pPr>
+            <a:r>
+              <a:rPr lang="en-US" b="1" dirty="0">
+                <a:solidFill>
+                  <a:srgbClr val="0065BD"/>
+                </a:solidFill>
+              </a:rPr>
+              <a:t>Syllables </a:t>
+            </a:r>
+          </a:p>
+          <a:p>
+            <a:pPr marL="342900" lvl="0" indent="-342900">
+              <a:lnSpc>
+                <a:spcPct val="150000"/>
+              </a:lnSpc>
+              <a:buAutoNum type="arabicPeriod"/>
+            </a:pPr>
+            <a:r>
+              <a:rPr lang="en-US" b="1" dirty="0">
+                <a:solidFill>
+                  <a:srgbClr val="0065BD"/>
+                </a:solidFill>
+              </a:rPr>
+              <a:t>Phonemes</a:t>
+            </a:r>
+          </a:p>
+          <a:p>
+            <a:pPr marL="342900" lvl="0" indent="-342900">
+              <a:lnSpc>
+                <a:spcPct val="150000"/>
+              </a:lnSpc>
+              <a:buAutoNum type="arabicPeriod"/>
+            </a:pPr>
+            <a:r>
+              <a:rPr lang="en-US" b="1" dirty="0">
+                <a:solidFill>
+                  <a:srgbClr val="0065BD"/>
+                </a:solidFill>
+              </a:rPr>
+              <a:t>Unified tags</a:t>
+            </a:r>
+          </a:p>
+          <a:p>
+            <a:pPr marL="342900" lvl="0" indent="-342900">
+              <a:lnSpc>
+                <a:spcPct val="150000"/>
+              </a:lnSpc>
+              <a:buAutoNum type="arabicPeriod"/>
+            </a:pPr>
+            <a:r>
+              <a:rPr lang="de-DE" b="1" dirty="0">
+                <a:solidFill>
+                  <a:srgbClr val="0065BD"/>
+                </a:solidFill>
+              </a:rPr>
+              <a:t>S</a:t>
+            </a:r>
+            <a:r>
+              <a:rPr lang="en-US" b="1" dirty="0">
+                <a:solidFill>
+                  <a:srgbClr val="0065BD"/>
+                </a:solidFill>
+              </a:rPr>
+              <a:t>tress on syllable</a:t>
+            </a:r>
+            <a:endParaRPr lang="en-US" sz="2000" b="1" dirty="0">
+              <a:solidFill>
+                <a:srgbClr val="0065BD"/>
+              </a:solidFill>
+            </a:endParaRPr>
+          </a:p>
+        </p:txBody>
+      </p:sp>
+      <p:sp>
+        <p:nvSpPr>
+          <p:cNvPr id="11" name="Rechteck 10">
+            <a:extLst>
+              <a:ext uri="{FF2B5EF4-FFF2-40B4-BE49-F238E27FC236}">
+                <a16:creationId xmlns:a16="http://schemas.microsoft.com/office/drawing/2014/main" id="{6DFF16E4-DC2C-4157-8006-A4220CF7F1CE}"/>
+              </a:ext>
+            </a:extLst>
+          </p:cNvPr>
+          <p:cNvSpPr/>
+          <p:nvPr/>
+        </p:nvSpPr>
+        <p:spPr>
+          <a:xfrm>
+            <a:off x="3853805" y="5444247"/>
+            <a:ext cx="1826142" cy="646331"/>
+          </a:xfrm>
+          <a:prstGeom prst="rect">
+            <a:avLst/>
+          </a:prstGeom>
+          <a:noFill/>
+        </p:spPr>
+        <p:txBody>
+          <a:bodyPr wrap="none" lIns="91440" tIns="45720" rIns="91440" bIns="45720">
+            <a:spAutoFit/>
+          </a:bodyPr>
+          <a:lstStyle/>
+          <a:p>
+            <a:pPr algn="ctr"/>
+            <a:r>
+              <a:rPr lang="de-DE" sz="3600" b="1" cap="none" spc="0" dirty="0">
+                <a:ln w="0">
+                  <a:solidFill>
+                    <a:srgbClr val="DAD7CB"/>
+                  </a:solidFill>
+                </a:ln>
+                <a:solidFill>
+                  <a:srgbClr val="0065BD"/>
+                </a:solidFill>
+                <a:effectLst>
+                  <a:outerShdw blurRad="38100" dist="25400" dir="5400000" algn="ctr" rotWithShape="0">
+                    <a:srgbClr val="6E747A">
+                      <a:alpha val="43000"/>
+                    </a:srgbClr>
+                  </a:outerShdw>
+                </a:effectLst>
+              </a:rPr>
+              <a:t>Speech</a:t>
+            </a:r>
+            <a:endParaRPr lang="de-DE" sz="5400" b="1" cap="none" spc="0" dirty="0">
+              <a:ln w="0">
+                <a:solidFill>
+                  <a:srgbClr val="DAD7CB"/>
+                </a:solidFill>
+              </a:ln>
+              <a:solidFill>
+                <a:srgbClr val="0065BD"/>
+              </a:solidFill>
+              <a:effectLst>
+                <a:outerShdw blurRad="38100" dist="25400" dir="5400000" algn="ctr" rotWithShape="0">
+                  <a:srgbClr val="6E747A">
+                    <a:alpha val="43000"/>
+                  </a:srgbClr>
+                </a:outerShdw>
+              </a:effectLst>
+            </a:endParaRPr>
+          </a:p>
+        </p:txBody>
+      </p:sp>
+      <p:sp>
+        <p:nvSpPr>
+          <p:cNvPr id="13" name="Gleichschenkliges Dreieck 12">
+            <a:extLst>
+              <a:ext uri="{FF2B5EF4-FFF2-40B4-BE49-F238E27FC236}">
+                <a16:creationId xmlns:a16="http://schemas.microsoft.com/office/drawing/2014/main" id="{03CE4E87-6DCE-4A77-9EF8-0C8D600ACD25}"/>
+              </a:ext>
+            </a:extLst>
+          </p:cNvPr>
+          <p:cNvSpPr/>
+          <p:nvPr/>
+        </p:nvSpPr>
+        <p:spPr>
+          <a:xfrm rot="5400000">
+            <a:off x="5003783" y="3387608"/>
+            <a:ext cx="1776472" cy="295216"/>
+          </a:xfrm>
+          <a:prstGeom prst="triangle">
+            <a:avLst/>
+          </a:prstGeom>
+          <a:solidFill>
+            <a:srgbClr val="DAD7CB"/>
+          </a:solidFill>
+          <a:ln>
+            <a:solidFill>
+              <a:srgbClr val="DAD7CB"/>
+            </a:solidFill>
+          </a:ln>
+        </p:spPr>
+        <p:style>
+          <a:lnRef idx="2">
+            <a:schemeClr val="accent1">
+              <a:shade val="50000"/>
+            </a:schemeClr>
+          </a:lnRef>
+          <a:fillRef idx="1">
+            <a:schemeClr val="accent1"/>
+          </a:fillRef>
+          <a:effectRef idx="0">
+            <a:schemeClr val="accent1"/>
+          </a:effectRef>
+          <a:fontRef idx="minor">
+            <a:schemeClr val="lt1"/>
+          </a:fontRef>
+        </p:style>
+        <p:txBody>
+          <a:bodyPr rot="0" spcFirstLastPara="0" vertOverflow="overflow" horzOverflow="overflow" vert="horz" wrap="square" lIns="91440" tIns="45720" rIns="91440" bIns="45720" numCol="1" spcCol="0" rtlCol="0" fromWordArt="0" anchor="t" anchorCtr="0" forceAA="0" compatLnSpc="1">
+            <a:prstTxWarp prst="textNoShape">
+              <a:avLst/>
+            </a:prstTxWarp>
+            <a:noAutofit/>
+          </a:bodyPr>
+          <a:lstStyle/>
+          <a:p>
+            <a:pPr algn="ctr">
+              <a:lnSpc>
+                <a:spcPct val="114000"/>
+              </a:lnSpc>
+            </a:pPr>
+            <a:endParaRPr lang="en-US" dirty="0"/>
+          </a:p>
+        </p:txBody>
+      </p:sp>
+      <p:sp>
+        <p:nvSpPr>
+          <p:cNvPr id="14" name="Gleichschenkliges Dreieck 13">
+            <a:extLst>
+              <a:ext uri="{FF2B5EF4-FFF2-40B4-BE49-F238E27FC236}">
+                <a16:creationId xmlns:a16="http://schemas.microsoft.com/office/drawing/2014/main" id="{C1C2EEE7-2DEB-40E6-B1CB-90B905B54109}"/>
+              </a:ext>
+            </a:extLst>
+          </p:cNvPr>
+          <p:cNvSpPr/>
+          <p:nvPr/>
+        </p:nvSpPr>
+        <p:spPr>
+          <a:xfrm rot="10800000">
+            <a:off x="6581272" y="4986530"/>
+            <a:ext cx="1776472" cy="295216"/>
+          </a:xfrm>
+          <a:prstGeom prst="triangle">
+            <a:avLst/>
+          </a:prstGeom>
+          <a:solidFill>
+            <a:srgbClr val="DAD7CB"/>
+          </a:solidFill>
+          <a:ln>
+            <a:solidFill>
+              <a:srgbClr val="DAD7CB"/>
+            </a:solidFill>
+          </a:ln>
+        </p:spPr>
+        <p:style>
+          <a:lnRef idx="2">
+            <a:schemeClr val="accent1">
+              <a:shade val="50000"/>
+            </a:schemeClr>
+          </a:lnRef>
+          <a:fillRef idx="1">
+            <a:schemeClr val="accent1"/>
+          </a:fillRef>
+          <a:effectRef idx="0">
+            <a:schemeClr val="accent1"/>
+          </a:effectRef>
+          <a:fontRef idx="minor">
+            <a:schemeClr val="lt1"/>
+          </a:fontRef>
+        </p:style>
+        <p:txBody>
+          <a:bodyPr rot="0" spcFirstLastPara="0" vertOverflow="overflow" horzOverflow="overflow" vert="horz" wrap="square" lIns="91440" tIns="45720" rIns="91440" bIns="45720" numCol="1" spcCol="0" rtlCol="0" fromWordArt="0" anchor="t" anchorCtr="0" forceAA="0" compatLnSpc="1">
+            <a:prstTxWarp prst="textNoShape">
+              <a:avLst/>
+            </a:prstTxWarp>
+            <a:noAutofit/>
+          </a:bodyPr>
+          <a:lstStyle/>
+          <a:p>
+            <a:pPr algn="ctr">
+              <a:lnSpc>
+                <a:spcPct val="114000"/>
+              </a:lnSpc>
+            </a:pPr>
+            <a:endParaRPr lang="en-US" dirty="0"/>
+          </a:p>
+        </p:txBody>
+      </p:sp>
+      <p:sp>
+        <p:nvSpPr>
+          <p:cNvPr id="15" name="Pfeil: nach unten 14">
+            <a:extLst>
+              <a:ext uri="{FF2B5EF4-FFF2-40B4-BE49-F238E27FC236}">
+                <a16:creationId xmlns:a16="http://schemas.microsoft.com/office/drawing/2014/main" id="{19A3FD7A-473F-459C-A5DE-04E23485CD06}"/>
+              </a:ext>
+            </a:extLst>
+          </p:cNvPr>
+          <p:cNvSpPr/>
+          <p:nvPr/>
+        </p:nvSpPr>
+        <p:spPr>
+          <a:xfrm rot="16200000">
+            <a:off x="1085982" y="3409549"/>
+            <a:ext cx="411758" cy="297090"/>
+          </a:xfrm>
+          <a:prstGeom prst="downArrow">
+            <a:avLst>
+              <a:gd name="adj1" fmla="val 45325"/>
+              <a:gd name="adj2" fmla="val 53139"/>
+            </a:avLst>
+          </a:prstGeom>
+          <a:solidFill>
+            <a:srgbClr val="DAD7CB"/>
+          </a:solidFill>
+          <a:ln>
+            <a:solidFill>
+              <a:srgbClr val="DAD7CB"/>
+            </a:solidFill>
+          </a:ln>
+        </p:spPr>
+        <p:style>
+          <a:lnRef idx="2">
+            <a:schemeClr val="accent1">
+              <a:shade val="50000"/>
+            </a:schemeClr>
+          </a:lnRef>
+          <a:fillRef idx="1">
+            <a:schemeClr val="accent1"/>
+          </a:fillRef>
+          <a:effectRef idx="0">
+            <a:schemeClr val="accent1"/>
+          </a:effectRef>
+          <a:fontRef idx="minor">
+            <a:schemeClr val="lt1"/>
+          </a:fontRef>
+        </p:style>
+        <p:txBody>
+          <a:bodyPr rot="0" spcFirstLastPara="0" vertOverflow="overflow" horzOverflow="overflow" vert="horz" wrap="square" lIns="91440" tIns="45720" rIns="91440" bIns="45720" numCol="1" spcCol="0" rtlCol="0" fromWordArt="0" anchor="t" anchorCtr="0" forceAA="0" compatLnSpc="1">
+            <a:prstTxWarp prst="textNoShape">
+              <a:avLst/>
+            </a:prstTxWarp>
+            <a:noAutofit/>
+          </a:bodyPr>
+          <a:lstStyle/>
+          <a:p>
+            <a:pPr algn="ctr">
+              <a:lnSpc>
+                <a:spcPct val="114000"/>
+              </a:lnSpc>
+            </a:pPr>
+            <a:endParaRPr lang="en-US" dirty="0"/>
+          </a:p>
+        </p:txBody>
+      </p:sp>
+      <p:sp>
+        <p:nvSpPr>
+          <p:cNvPr id="16" name="Pfeil: nach unten 15">
+            <a:extLst>
+              <a:ext uri="{FF2B5EF4-FFF2-40B4-BE49-F238E27FC236}">
+                <a16:creationId xmlns:a16="http://schemas.microsoft.com/office/drawing/2014/main" id="{8BE110FE-33E8-455A-9A9B-87C83B1A192D}"/>
+              </a:ext>
+            </a:extLst>
+          </p:cNvPr>
+          <p:cNvSpPr/>
+          <p:nvPr/>
+        </p:nvSpPr>
+        <p:spPr>
+          <a:xfrm rot="5400000">
+            <a:off x="5685203" y="5618868"/>
+            <a:ext cx="411758" cy="297090"/>
+          </a:xfrm>
+          <a:prstGeom prst="downArrow">
+            <a:avLst>
+              <a:gd name="adj1" fmla="val 45325"/>
+              <a:gd name="adj2" fmla="val 53139"/>
+            </a:avLst>
+          </a:prstGeom>
+          <a:solidFill>
+            <a:srgbClr val="DAD7CB"/>
+          </a:solidFill>
+          <a:ln>
+            <a:solidFill>
+              <a:srgbClr val="DAD7CB"/>
+            </a:solidFill>
+          </a:ln>
+        </p:spPr>
+        <p:style>
+          <a:lnRef idx="2">
+            <a:schemeClr val="accent1">
+              <a:shade val="50000"/>
+            </a:schemeClr>
+          </a:lnRef>
+          <a:fillRef idx="1">
+            <a:schemeClr val="accent1"/>
+          </a:fillRef>
+          <a:effectRef idx="0">
+            <a:schemeClr val="accent1"/>
+          </a:effectRef>
+          <a:fontRef idx="minor">
+            <a:schemeClr val="lt1"/>
+          </a:fontRef>
+        </p:style>
+        <p:txBody>
+          <a:bodyPr rot="0" spcFirstLastPara="0" vertOverflow="overflow" horzOverflow="overflow" vert="horz" wrap="square" lIns="91440" tIns="45720" rIns="91440" bIns="45720" numCol="1" spcCol="0" rtlCol="0" fromWordArt="0" anchor="t" anchorCtr="0" forceAA="0" compatLnSpc="1">
+            <a:prstTxWarp prst="textNoShape">
+              <a:avLst/>
+            </a:prstTxWarp>
+            <a:noAutofit/>
+          </a:bodyPr>
+          <a:lstStyle/>
+          <a:p>
+            <a:pPr algn="ctr">
+              <a:lnSpc>
+                <a:spcPct val="114000"/>
+              </a:lnSpc>
+            </a:pPr>
+            <a:endParaRPr lang="en-US" dirty="0"/>
+          </a:p>
+        </p:txBody>
+      </p:sp>
+      <p:grpSp>
+        <p:nvGrpSpPr>
+          <p:cNvPr id="20" name="Gruppieren 19">
+            <a:extLst>
+              <a:ext uri="{FF2B5EF4-FFF2-40B4-BE49-F238E27FC236}">
+                <a16:creationId xmlns:a16="http://schemas.microsoft.com/office/drawing/2014/main" id="{B702F79D-4136-4B1A-969A-23EC7C173AB1}"/>
+              </a:ext>
+            </a:extLst>
+          </p:cNvPr>
+          <p:cNvGrpSpPr/>
+          <p:nvPr/>
+        </p:nvGrpSpPr>
+        <p:grpSpPr>
+          <a:xfrm>
+            <a:off x="1530220" y="2114783"/>
+            <a:ext cx="7473821" cy="3221335"/>
+            <a:chOff x="1530220" y="2114783"/>
+            <a:chExt cx="7473821" cy="3221335"/>
+          </a:xfrm>
+        </p:grpSpPr>
+        <p:sp>
+          <p:nvSpPr>
+            <p:cNvPr id="18" name="Rechteck 17">
+              <a:extLst>
+                <a:ext uri="{FF2B5EF4-FFF2-40B4-BE49-F238E27FC236}">
+                  <a16:creationId xmlns:a16="http://schemas.microsoft.com/office/drawing/2014/main" id="{96F0A895-00CC-4512-9206-7D0E077C4775}"/>
+                </a:ext>
+              </a:extLst>
+            </p:cNvPr>
+            <p:cNvSpPr/>
+            <p:nvPr/>
+          </p:nvSpPr>
+          <p:spPr>
+            <a:xfrm>
+              <a:off x="1530220" y="2114783"/>
+              <a:ext cx="7473821" cy="2793119"/>
+            </a:xfrm>
+            <a:prstGeom prst="rect">
+              <a:avLst/>
+            </a:prstGeom>
+            <a:noFill/>
+            <a:ln w="38100">
+              <a:solidFill>
+                <a:srgbClr val="E37222"/>
+              </a:solidFill>
+              <a:prstDash val="sysDash"/>
+            </a:ln>
+          </p:spPr>
+          <p:style>
+            <a:lnRef idx="2">
+              <a:schemeClr val="accent1">
+                <a:shade val="50000"/>
+              </a:schemeClr>
+            </a:lnRef>
+            <a:fillRef idx="1">
+              <a:schemeClr val="accent1"/>
+            </a:fillRef>
+            <a:effectRef idx="0">
+              <a:schemeClr val="accent1"/>
+            </a:effectRef>
+            <a:fontRef idx="minor">
+              <a:schemeClr val="lt1"/>
+            </a:fontRef>
+          </p:style>
+          <p:txBody>
+            <a:bodyPr rot="0" spcFirstLastPara="0" vertOverflow="overflow" horzOverflow="overflow" vert="horz" wrap="square" lIns="91440" tIns="45720" rIns="91440" bIns="45720" numCol="1" spcCol="0" rtlCol="0" fromWordArt="0" anchor="t" anchorCtr="0" forceAA="0" compatLnSpc="1">
+              <a:prstTxWarp prst="textNoShape">
+                <a:avLst/>
+              </a:prstTxWarp>
+              <a:noAutofit/>
+            </a:bodyPr>
+            <a:lstStyle/>
+            <a:p>
+              <a:pPr algn="ctr">
+                <a:lnSpc>
+                  <a:spcPct val="114000"/>
+                </a:lnSpc>
+              </a:pPr>
+              <a:endParaRPr lang="en-US" dirty="0"/>
+            </a:p>
+          </p:txBody>
+        </p:sp>
+        <p:sp>
+          <p:nvSpPr>
+            <p:cNvPr id="19" name="Rechteck 18">
+              <a:extLst>
+                <a:ext uri="{FF2B5EF4-FFF2-40B4-BE49-F238E27FC236}">
+                  <a16:creationId xmlns:a16="http://schemas.microsoft.com/office/drawing/2014/main" id="{B14998C3-6F12-4C77-9F21-5F1925F856EF}"/>
+                </a:ext>
+              </a:extLst>
+            </p:cNvPr>
+            <p:cNvSpPr/>
+            <p:nvPr/>
+          </p:nvSpPr>
+          <p:spPr>
+            <a:xfrm>
+              <a:off x="1750778" y="4936008"/>
+              <a:ext cx="1922322" cy="400110"/>
+            </a:xfrm>
+            <a:prstGeom prst="rect">
+              <a:avLst/>
+            </a:prstGeom>
+            <a:noFill/>
+          </p:spPr>
+          <p:txBody>
+            <a:bodyPr wrap="none" lIns="91440" tIns="45720" rIns="91440" bIns="45720">
+              <a:spAutoFit/>
+            </a:bodyPr>
+            <a:lstStyle/>
+            <a:p>
+              <a:pPr algn="ctr"/>
+              <a:r>
+                <a:rPr lang="de-DE" sz="2000" b="1" cap="none" spc="0" dirty="0">
+                  <a:ln w="0">
+                    <a:solidFill>
+                      <a:srgbClr val="DAD7CB"/>
+                    </a:solidFill>
+                  </a:ln>
+                  <a:solidFill>
+                    <a:srgbClr val="E37222"/>
+                  </a:solidFill>
+                  <a:effectLst>
+                    <a:outerShdw blurRad="38100" dist="25400" dir="5400000" algn="ctr" rotWithShape="0">
+                      <a:srgbClr val="6E747A">
+                        <a:alpha val="43000"/>
+                      </a:srgbClr>
+                    </a:outerShdw>
+                  </a:effectLst>
+                </a:rPr>
+                <a:t>Multiple DNNs</a:t>
+              </a:r>
+              <a:endParaRPr lang="de-DE" sz="4000" b="1" cap="none" spc="0" dirty="0">
+                <a:ln w="0">
+                  <a:solidFill>
+                    <a:srgbClr val="DAD7CB"/>
+                  </a:solidFill>
+                </a:ln>
+                <a:solidFill>
+                  <a:srgbClr val="E37222"/>
+                </a:solidFill>
+                <a:effectLst>
+                  <a:outerShdw blurRad="38100" dist="25400" dir="5400000" algn="ctr" rotWithShape="0">
+                    <a:srgbClr val="6E747A">
+                      <a:alpha val="43000"/>
+                    </a:srgbClr>
+                  </a:outerShdw>
+                </a:effectLst>
+              </a:endParaRPr>
+            </a:p>
+          </p:txBody>
+        </p:sp>
+      </p:grpSp>
+      <p:sp>
+        <p:nvSpPr>
+          <p:cNvPr id="21" name="Textfeld 20">
+            <a:extLst>
+              <a:ext uri="{FF2B5EF4-FFF2-40B4-BE49-F238E27FC236}">
+                <a16:creationId xmlns:a16="http://schemas.microsoft.com/office/drawing/2014/main" id="{5EDCE0B1-F88B-4B96-837B-C9C31D111459}"/>
+              </a:ext>
+            </a:extLst>
+          </p:cNvPr>
+          <p:cNvSpPr txBox="1"/>
+          <p:nvPr/>
+        </p:nvSpPr>
+        <p:spPr>
+          <a:xfrm>
+            <a:off x="3919824" y="6225165"/>
+            <a:ext cx="1307530" cy="128625"/>
+          </a:xfrm>
+          <a:prstGeom prst="rect">
+            <a:avLst/>
+          </a:prstGeom>
+          <a:noFill/>
+        </p:spPr>
+        <p:txBody>
+          <a:bodyPr wrap="square" lIns="0" tIns="0" rIns="0" bIns="0" rtlCol="0">
+            <a:spAutoFit/>
+          </a:bodyPr>
+          <a:lstStyle/>
+          <a:p>
+            <a:pPr algn="ctr">
+              <a:lnSpc>
+                <a:spcPct val="114000"/>
+              </a:lnSpc>
+            </a:pPr>
+            <a:r>
+              <a:rPr lang="de-DE" sz="800" dirty="0">
+                <a:latin typeface="+mn-lt"/>
+              </a:rPr>
+              <a:t>Source: Own </a:t>
+            </a:r>
+            <a:r>
+              <a:rPr lang="en-US" sz="800" dirty="0">
+                <a:latin typeface="+mn-lt"/>
+              </a:rPr>
+              <a:t>visualization</a:t>
             </a:r>
           </a:p>
         </p:txBody>
@@ -28140,11 +29232,250 @@
                                           </p:stCondLst>
                                         </p:cTn>
                                         <p:tgtEl>
-                                          <p:spTgt spid="2">
-                                            <p:txEl>
-                                              <p:pRg st="2" end="2"/>
-                                            </p:txEl>
-                                          </p:spTgt>
+                                          <p:spTgt spid="5"/>
+                                        </p:tgtEl>
+                                        <p:attrNameLst>
+                                          <p:attrName>style.visibility</p:attrName>
+                                        </p:attrNameLst>
+                                      </p:cBhvr>
+                                      <p:to>
+                                        <p:strVal val="visible"/>
+                                      </p:to>
+                                    </p:set>
+                                  </p:childTnLst>
+                                </p:cTn>
+                              </p:par>
+                              <p:par>
+                                <p:cTn id="11" presetID="1" presetClass="entr" presetSubtype="0" fill="hold" grpId="0" nodeType="withEffect">
+                                  <p:stCondLst>
+                                    <p:cond delay="0"/>
+                                  </p:stCondLst>
+                                  <p:childTnLst>
+                                    <p:set>
+                                      <p:cBhvr>
+                                        <p:cTn id="12" dur="1" fill="hold">
+                                          <p:stCondLst>
+                                            <p:cond delay="0"/>
+                                          </p:stCondLst>
+                                        </p:cTn>
+                                        <p:tgtEl>
+                                          <p:spTgt spid="8"/>
+                                        </p:tgtEl>
+                                        <p:attrNameLst>
+                                          <p:attrName>style.visibility</p:attrName>
+                                        </p:attrNameLst>
+                                      </p:cBhvr>
+                                      <p:to>
+                                        <p:strVal val="visible"/>
+                                      </p:to>
+                                    </p:set>
+                                  </p:childTnLst>
+                                </p:cTn>
+                              </p:par>
+                              <p:par>
+                                <p:cTn id="13" presetID="1" presetClass="entr" presetSubtype="0" fill="hold" grpId="0" nodeType="withEffect">
+                                  <p:stCondLst>
+                                    <p:cond delay="0"/>
+                                  </p:stCondLst>
+                                  <p:childTnLst>
+                                    <p:set>
+                                      <p:cBhvr>
+                                        <p:cTn id="14" dur="1" fill="hold">
+                                          <p:stCondLst>
+                                            <p:cond delay="0"/>
+                                          </p:stCondLst>
+                                        </p:cTn>
+                                        <p:tgtEl>
+                                          <p:spTgt spid="9"/>
+                                        </p:tgtEl>
+                                        <p:attrNameLst>
+                                          <p:attrName>style.visibility</p:attrName>
+                                        </p:attrNameLst>
+                                      </p:cBhvr>
+                                      <p:to>
+                                        <p:strVal val="visible"/>
+                                      </p:to>
+                                    </p:set>
+                                  </p:childTnLst>
+                                </p:cTn>
+                              </p:par>
+                              <p:par>
+                                <p:cTn id="15" presetID="1" presetClass="entr" presetSubtype="0" fill="hold" grpId="0" nodeType="withEffect">
+                                  <p:stCondLst>
+                                    <p:cond delay="0"/>
+                                  </p:stCondLst>
+                                  <p:childTnLst>
+                                    <p:set>
+                                      <p:cBhvr>
+                                        <p:cTn id="16" dur="1" fill="hold">
+                                          <p:stCondLst>
+                                            <p:cond delay="0"/>
+                                          </p:stCondLst>
+                                        </p:cTn>
+                                        <p:tgtEl>
+                                          <p:spTgt spid="11"/>
+                                        </p:tgtEl>
+                                        <p:attrNameLst>
+                                          <p:attrName>style.visibility</p:attrName>
+                                        </p:attrNameLst>
+                                      </p:cBhvr>
+                                      <p:to>
+                                        <p:strVal val="visible"/>
+                                      </p:to>
+                                    </p:set>
+                                  </p:childTnLst>
+                                </p:cTn>
+                              </p:par>
+                              <p:par>
+                                <p:cTn id="17" presetID="1" presetClass="entr" presetSubtype="0" fill="hold" grpId="0" nodeType="withEffect">
+                                  <p:stCondLst>
+                                    <p:cond delay="0"/>
+                                  </p:stCondLst>
+                                  <p:childTnLst>
+                                    <p:set>
+                                      <p:cBhvr>
+                                        <p:cTn id="18" dur="1" fill="hold">
+                                          <p:stCondLst>
+                                            <p:cond delay="0"/>
+                                          </p:stCondLst>
+                                        </p:cTn>
+                                        <p:tgtEl>
+                                          <p:spTgt spid="13"/>
+                                        </p:tgtEl>
+                                        <p:attrNameLst>
+                                          <p:attrName>style.visibility</p:attrName>
+                                        </p:attrNameLst>
+                                      </p:cBhvr>
+                                      <p:to>
+                                        <p:strVal val="visible"/>
+                                      </p:to>
+                                    </p:set>
+                                  </p:childTnLst>
+                                </p:cTn>
+                              </p:par>
+                              <p:par>
+                                <p:cTn id="19" presetID="1" presetClass="entr" presetSubtype="0" fill="hold" grpId="0" nodeType="withEffect">
+                                  <p:stCondLst>
+                                    <p:cond delay="0"/>
+                                  </p:stCondLst>
+                                  <p:childTnLst>
+                                    <p:set>
+                                      <p:cBhvr>
+                                        <p:cTn id="20" dur="1" fill="hold">
+                                          <p:stCondLst>
+                                            <p:cond delay="0"/>
+                                          </p:stCondLst>
+                                        </p:cTn>
+                                        <p:tgtEl>
+                                          <p:spTgt spid="14"/>
+                                        </p:tgtEl>
+                                        <p:attrNameLst>
+                                          <p:attrName>style.visibility</p:attrName>
+                                        </p:attrNameLst>
+                                      </p:cBhvr>
+                                      <p:to>
+                                        <p:strVal val="visible"/>
+                                      </p:to>
+                                    </p:set>
+                                  </p:childTnLst>
+                                </p:cTn>
+                              </p:par>
+                              <p:par>
+                                <p:cTn id="21" presetID="1" presetClass="entr" presetSubtype="0" fill="hold" grpId="0" nodeType="withEffect">
+                                  <p:stCondLst>
+                                    <p:cond delay="0"/>
+                                  </p:stCondLst>
+                                  <p:childTnLst>
+                                    <p:set>
+                                      <p:cBhvr>
+                                        <p:cTn id="22" dur="1" fill="hold">
+                                          <p:stCondLst>
+                                            <p:cond delay="0"/>
+                                          </p:stCondLst>
+                                        </p:cTn>
+                                        <p:tgtEl>
+                                          <p:spTgt spid="15"/>
+                                        </p:tgtEl>
+                                        <p:attrNameLst>
+                                          <p:attrName>style.visibility</p:attrName>
+                                        </p:attrNameLst>
+                                      </p:cBhvr>
+                                      <p:to>
+                                        <p:strVal val="visible"/>
+                                      </p:to>
+                                    </p:set>
+                                  </p:childTnLst>
+                                </p:cTn>
+                              </p:par>
+                              <p:par>
+                                <p:cTn id="23" presetID="1" presetClass="entr" presetSubtype="0" fill="hold" grpId="0" nodeType="withEffect">
+                                  <p:stCondLst>
+                                    <p:cond delay="0"/>
+                                  </p:stCondLst>
+                                  <p:childTnLst>
+                                    <p:set>
+                                      <p:cBhvr>
+                                        <p:cTn id="24" dur="1" fill="hold">
+                                          <p:stCondLst>
+                                            <p:cond delay="0"/>
+                                          </p:stCondLst>
+                                        </p:cTn>
+                                        <p:tgtEl>
+                                          <p:spTgt spid="16"/>
+                                        </p:tgtEl>
+                                        <p:attrNameLst>
+                                          <p:attrName>style.visibility</p:attrName>
+                                        </p:attrNameLst>
+                                      </p:cBhvr>
+                                      <p:to>
+                                        <p:strVal val="visible"/>
+                                      </p:to>
+                                    </p:set>
+                                  </p:childTnLst>
+                                </p:cTn>
+                              </p:par>
+                              <p:par>
+                                <p:cTn id="25" presetID="1" presetClass="entr" presetSubtype="0" fill="hold" grpId="0" nodeType="withEffect">
+                                  <p:stCondLst>
+                                    <p:cond delay="0"/>
+                                  </p:stCondLst>
+                                  <p:childTnLst>
+                                    <p:set>
+                                      <p:cBhvr>
+                                        <p:cTn id="26" dur="1" fill="hold">
+                                          <p:stCondLst>
+                                            <p:cond delay="0"/>
+                                          </p:stCondLst>
+                                        </p:cTn>
+                                        <p:tgtEl>
+                                          <p:spTgt spid="6"/>
+                                        </p:tgtEl>
+                                        <p:attrNameLst>
+                                          <p:attrName>style.visibility</p:attrName>
+                                        </p:attrNameLst>
+                                      </p:cBhvr>
+                                      <p:to>
+                                        <p:strVal val="visible"/>
+                                      </p:to>
+                                    </p:set>
+                                  </p:childTnLst>
+                                </p:cTn>
+                              </p:par>
+                              <p:par>
+                                <p:cTn id="27" presetID="1" presetClass="entr" presetSubtype="0" fill="hold" grpId="0" nodeType="withEffect">
+                                  <p:stCondLst>
+                                    <p:cond delay="0"/>
+                                  </p:stCondLst>
+                                  <p:childTnLst>
+                                    <p:set>
+                                      <p:cBhvr>
+                                        <p:cTn id="28" dur="1" fill="hold">
+                                          <p:stCondLst>
+                                            <p:cond delay="0"/>
+                                          </p:stCondLst>
+                                        </p:cTn>
+                                        <p:tgtEl>
+                                          <p:spTgt spid="21"/>
                                         </p:tgtEl>
                                         <p:attrNameLst>
                                           <p:attrName>style.visibility</p:attrName>
@@ -28164,179 +29495,32 @@
                     </p:cTn>
                   </p:par>
                   <p:par>
-                    <p:cTn id="11" fill="hold">
+                    <p:cTn id="29" fill="hold">
                       <p:stCondLst>
                         <p:cond delay="indefinite"/>
                       </p:stCondLst>
                       <p:childTnLst>
                         <p:par>
-                          <p:cTn id="12" fill="hold">
+                          <p:cTn id="30" fill="hold">
                             <p:stCondLst>
                               <p:cond delay="0"/>
                             </p:stCondLst>
                             <p:childTnLst>
                               <p:par>
-                                <p:cTn id="13" presetID="1" presetClass="entr" presetSubtype="0" fill="hold" grpId="0" nodeType="clickEffect">
+                                <p:cTn id="31" presetID="1" presetClass="entr" presetSubtype="0" fill="hold" nodeType="clickEffect">
                                   <p:stCondLst>
                                     <p:cond delay="0"/>
                                   </p:stCondLst>
                                   <p:childTnLst>
                                     <p:set>
                                       <p:cBhvr>
-                                        <p:cTn id="14" dur="1" fill="hold">
+                                        <p:cTn id="32" dur="1" fill="hold">
                                           <p:stCondLst>
                                             <p:cond delay="0"/>
                                           </p:stCondLst>
                                         </p:cTn>
                                         <p:tgtEl>
-                                          <p:spTgt spid="2">
-                                            <p:txEl>
-                                              <p:pRg st="3" end="3"/>
-                                            </p:txEl>
-                                          </p:spTgt>
-                                        </p:tgtEl>
-                                        <p:attrNameLst>
-                                          <p:attrName>style.visibility</p:attrName>
-                                        </p:attrNameLst>
-                                      </p:cBhvr>
-                                      <p:to>
-                                        <p:strVal val="visible"/>
-                                      </p:to>
-                                    </p:set>
-                                  </p:childTnLst>
-                                </p:cTn>
-                              </p:par>
-                            </p:childTnLst>
-                          </p:cTn>
-                        </p:par>
-                      </p:childTnLst>
-                    </p:cTn>
-                  </p:par>
-                  <p:par>
-                    <p:cTn id="15" fill="hold">
-                      <p:stCondLst>
-                        <p:cond delay="indefinite"/>
-                      </p:stCondLst>
-                      <p:childTnLst>
-                        <p:par>
-                          <p:cTn id="16" fill="hold">
-                            <p:stCondLst>
-                              <p:cond delay="0"/>
-                            </p:stCondLst>
-                            <p:childTnLst>
-                              <p:par>
-                                <p:cTn id="17" presetID="1" presetClass="entr" presetSubtype="0" fill="hold" grpId="0" nodeType="clickEffect">
-                                  <p:stCondLst>
-                                    <p:cond delay="0"/>
-                                  </p:stCondLst>
-                                  <p:childTnLst>
-                                    <p:set>
-                                      <p:cBhvr>
-                                        <p:cTn id="18" dur="1" fill="hold">
-                                          <p:stCondLst>
-                                            <p:cond delay="0"/>
-                                          </p:stCondLst>
-                                        </p:cTn>
-                                        <p:tgtEl>
-                                          <p:spTgt spid="2">
-                                            <p:txEl>
-                                              <p:pRg st="4" end="4"/>
-                                            </p:txEl>
-                                          </p:spTgt>
-                                        </p:tgtEl>
-                                        <p:attrNameLst>
-                                          <p:attrName>style.visibility</p:attrName>
-                                        </p:attrNameLst>
-                                      </p:cBhvr>
-                                      <p:to>
-                                        <p:strVal val="visible"/>
-                                      </p:to>
-                                    </p:set>
-                                  </p:childTnLst>
-                                </p:cTn>
-                              </p:par>
-                            </p:childTnLst>
-                          </p:cTn>
-                        </p:par>
-                      </p:childTnLst>
-                    </p:cTn>
-                  </p:par>
-                  <p:par>
-                    <p:cTn id="19" fill="hold">
-                      <p:stCondLst>
-                        <p:cond delay="indefinite"/>
-                      </p:stCondLst>
-                      <p:childTnLst>
-                        <p:par>
-                          <p:cTn id="20" fill="hold">
-                            <p:stCondLst>
-                              <p:cond delay="0"/>
-                            </p:stCondLst>
-                            <p:childTnLst>
-                              <p:par>
-                                <p:cTn id="21" presetID="1" presetClass="entr" presetSubtype="0" fill="hold" grpId="0" nodeType="clickEffect">
-                                  <p:stCondLst>
-                                    <p:cond delay="0"/>
-                                  </p:stCondLst>
-                                  <p:childTnLst>
-                                    <p:set>
-                                      <p:cBhvr>
-                                        <p:cTn id="22" dur="1" fill="hold">
-                                          <p:stCondLst>
-                                            <p:cond delay="0"/>
-                                          </p:stCondLst>
-                                        </p:cTn>
-                                        <p:tgtEl>
-                                          <p:spTgt spid="2">
-                                            <p:txEl>
-                                              <p:pRg st="5" end="5"/>
-                                            </p:txEl>
-                                          </p:spTgt>
-                                        </p:tgtEl>
-                                        <p:attrNameLst>
-                                          <p:attrName>style.visibility</p:attrName>
-                                        </p:attrNameLst>
-                                      </p:cBhvr>
-                                      <p:to>
-                                        <p:strVal val="visible"/>
-                                      </p:to>
-                                    </p:set>
-                                  </p:childTnLst>
-                                </p:cTn>
-                              </p:par>
-                            </p:childTnLst>
-                          </p:cTn>
-                        </p:par>
-                      </p:childTnLst>
-                    </p:cTn>
-                  </p:par>
-                  <p:par>
-                    <p:cTn id="23" fill="hold">
-                      <p:stCondLst>
-                        <p:cond delay="indefinite"/>
-                      </p:stCondLst>
-                      <p:childTnLst>
-                        <p:par>
-                          <p:cTn id="24" fill="hold">
-                            <p:stCondLst>
-                              <p:cond delay="0"/>
-                            </p:stCondLst>
-                            <p:childTnLst>
-                              <p:par>
-                                <p:cTn id="25" presetID="1" presetClass="entr" presetSubtype="0" fill="hold" grpId="0" nodeType="clickEffect">
-                                  <p:stCondLst>
-                                    <p:cond delay="0"/>
-                                  </p:stCondLst>
-                                  <p:childTnLst>
-                                    <p:set>
-                                      <p:cBhvr>
-                                        <p:cTn id="26" dur="1" fill="hold">
-                                          <p:stCondLst>
-                                            <p:cond delay="0"/>
-                                          </p:stCondLst>
-                                        </p:cTn>
-                                        <p:tgtEl>
-                                          <p:spTgt spid="5"/>
+                                          <p:spTgt spid="20"/>
                                         </p:tgtEl>
                                         <p:attrNameLst>
                                           <p:attrName>style.visibility</p:attrName>
@@ -28378,7 +29562,16 @@
     </p:tnLst>
     <p:bldLst>
       <p:bldP spid="2" grpId="0" uiExpand="1" build="p"/>
-      <p:bldP spid="5" grpId="0" uiExpand="1" animBg="1"/>
+      <p:bldP spid="5" grpId="0" animBg="1"/>
+      <p:bldP spid="6" grpId="0"/>
+      <p:bldP spid="8" grpId="0" animBg="1"/>
+      <p:bldP spid="9" grpId="0" animBg="1"/>
+      <p:bldP spid="11" grpId="0"/>
+      <p:bldP spid="13" grpId="0" animBg="1"/>
+      <p:bldP spid="14" grpId="0" animBg="1"/>
+      <p:bldP spid="15" grpId="0" animBg="1"/>
+      <p:bldP spid="16" grpId="0" animBg="1"/>
+      <p:bldP spid="21" grpId="0"/>
     </p:bldLst>
   </p:timing>
 </p:sld>
@@ -28662,7 +29855,7 @@
         <p:spPr>
           <a:xfrm>
             <a:off x="1259986" y="3869840"/>
-            <a:ext cx="6624025" cy="268984"/>
+            <a:ext cx="6624025" cy="140359"/>
           </a:xfrm>
           <a:prstGeom prst="rect">
             <a:avLst/>
@@ -28702,44 +29895,7 @@
               <a:rPr lang="en-US" sz="800" dirty="0">
                 <a:latin typeface="+mn-lt"/>
               </a:rPr>
-              <a:t>Robust deep-learning models for text-to-speech synthesis support on embedded devices, Proceedings of the 7th</a:t>
-            </a:r>
-          </a:p>
-          <a:p>
-            <a:pPr algn="ctr">
-              <a:lnSpc>
-                <a:spcPct val="114000"/>
-              </a:lnSpc>
-            </a:pPr>
-            <a:r>
-              <a:rPr lang="en-US" sz="800" dirty="0">
-                <a:latin typeface="+mn-lt"/>
-              </a:rPr>
-              <a:t>International Conference on Management of Computational and Collective </a:t>
-            </a:r>
-            <a:r>
-              <a:rPr lang="en-US" sz="800" dirty="0" err="1">
-                <a:latin typeface="+mn-lt"/>
-              </a:rPr>
-              <a:t>intElligence</a:t>
-            </a:r>
-            <a:r>
-              <a:rPr lang="en-US" sz="800" dirty="0">
-                <a:latin typeface="+mn-lt"/>
-              </a:rPr>
-              <a:t> in Digital </a:t>
-            </a:r>
-            <a:r>
-              <a:rPr lang="en-US" sz="800" dirty="0" err="1">
-                <a:latin typeface="+mn-lt"/>
-              </a:rPr>
-              <a:t>EcoSystems</a:t>
-            </a:r>
-            <a:r>
-              <a:rPr lang="en-US" sz="800" dirty="0">
-                <a:latin typeface="+mn-lt"/>
-              </a:rPr>
-              <a:t> (MEDES ’15)</a:t>
+              <a:t>Robust deep-learning models for text-to-speech synthesis support on embedded devices, MEDES ’15</a:t>
             </a:r>
           </a:p>
         </p:txBody>
@@ -31139,7 +32295,961 @@
         </p:nvSpPr>
         <p:spPr>
           <a:xfrm>
-            <a:off x="319088" y="1978720"/>
+            <a:off x="317934" y="1206832"/>
+            <a:ext cx="8508999" cy="4136945"/>
+          </a:xfrm>
+        </p:spPr>
+        <p:txBody>
+          <a:bodyPr/>
+          <a:lstStyle/>
+          <a:p>
+            <a:r>
+              <a:rPr lang="en-US" sz="2000" b="1" dirty="0">
+                <a:solidFill>
+                  <a:schemeClr val="tx1"/>
+                </a:solidFill>
+              </a:rPr>
+              <a:t>Speech synthesis is an important technology </a:t>
+            </a:r>
+          </a:p>
+          <a:p>
+            <a:pPr marL="285750" indent="-285750">
+              <a:buFont typeface="Wingdings" panose="05000000000000000000" pitchFamily="2" charset="2"/>
+              <a:buChar char="à"/>
+            </a:pPr>
+            <a:r>
+              <a:rPr lang="en-US" sz="1800" dirty="0">
+                <a:solidFill>
+                  <a:schemeClr val="tx1"/>
+                </a:solidFill>
+                <a:sym typeface="Wingdings" panose="05000000000000000000" pitchFamily="2" charset="2"/>
+              </a:rPr>
+              <a:t>Huge research volume</a:t>
+            </a:r>
+          </a:p>
+          <a:p>
+            <a:pPr marL="285750" indent="-285750">
+              <a:buFont typeface="Wingdings" panose="05000000000000000000" pitchFamily="2" charset="2"/>
+              <a:buChar char="à"/>
+            </a:pPr>
+            <a:r>
+              <a:rPr lang="en-US" sz="1800" dirty="0">
+                <a:solidFill>
+                  <a:schemeClr val="tx1"/>
+                </a:solidFill>
+              </a:rPr>
+              <a:t>Practical relevance with many application</a:t>
+            </a:r>
+          </a:p>
+          <a:p>
+            <a:pPr>
+              <a:spcBef>
+                <a:spcPts val="1800"/>
+              </a:spcBef>
+            </a:pPr>
+            <a:r>
+              <a:rPr lang="en-US" sz="2000" b="1" dirty="0">
+                <a:solidFill>
+                  <a:schemeClr val="tx1"/>
+                </a:solidFill>
+              </a:rPr>
+              <a:t>Deep learning models have emerged in the last decade</a:t>
+            </a:r>
+          </a:p>
+          <a:p>
+            <a:pPr marL="342900" indent="-342900">
+              <a:buFont typeface="Wingdings" panose="05000000000000000000" pitchFamily="2" charset="2"/>
+              <a:buChar char="à"/>
+            </a:pPr>
+            <a:r>
+              <a:rPr lang="de-DE" sz="1800" dirty="0" err="1">
+                <a:solidFill>
+                  <a:schemeClr val="tx1"/>
+                </a:solidFill>
+                <a:sym typeface="Wingdings" panose="05000000000000000000" pitchFamily="2" charset="2"/>
+              </a:rPr>
+              <a:t>Strength</a:t>
+            </a:r>
+            <a:r>
+              <a:rPr lang="de-DE" sz="1800" dirty="0">
+                <a:solidFill>
+                  <a:schemeClr val="tx1"/>
+                </a:solidFill>
+                <a:sym typeface="Wingdings" panose="05000000000000000000" pitchFamily="2" charset="2"/>
+              </a:rPr>
+              <a:t>: Mapping </a:t>
+            </a:r>
+            <a:r>
+              <a:rPr lang="de-DE" sz="1800" dirty="0" err="1">
+                <a:solidFill>
+                  <a:schemeClr val="tx1"/>
+                </a:solidFill>
+                <a:sym typeface="Wingdings" panose="05000000000000000000" pitchFamily="2" charset="2"/>
+              </a:rPr>
+              <a:t>complex</a:t>
+            </a:r>
+            <a:r>
+              <a:rPr lang="de-DE" sz="1800" dirty="0">
+                <a:solidFill>
+                  <a:schemeClr val="tx1"/>
+                </a:solidFill>
+                <a:sym typeface="Wingdings" panose="05000000000000000000" pitchFamily="2" charset="2"/>
+              </a:rPr>
+              <a:t> </a:t>
+            </a:r>
+            <a:r>
+              <a:rPr lang="de-DE" sz="1800" dirty="0" err="1">
+                <a:solidFill>
+                  <a:schemeClr val="tx1"/>
+                </a:solidFill>
+                <a:sym typeface="Wingdings" panose="05000000000000000000" pitchFamily="2" charset="2"/>
+              </a:rPr>
+              <a:t>input</a:t>
+            </a:r>
+            <a:r>
+              <a:rPr lang="de-DE" sz="1800" dirty="0">
+                <a:solidFill>
+                  <a:schemeClr val="tx1"/>
+                </a:solidFill>
+                <a:sym typeface="Wingdings" panose="05000000000000000000" pitchFamily="2" charset="2"/>
+              </a:rPr>
+              <a:t> </a:t>
+            </a:r>
+            <a:r>
+              <a:rPr lang="de-DE" sz="1800" dirty="0" err="1">
+                <a:solidFill>
+                  <a:schemeClr val="tx1"/>
+                </a:solidFill>
+                <a:sym typeface="Wingdings" panose="05000000000000000000" pitchFamily="2" charset="2"/>
+              </a:rPr>
+              <a:t>features</a:t>
+            </a:r>
+            <a:r>
+              <a:rPr lang="de-DE" sz="1800" dirty="0">
+                <a:solidFill>
+                  <a:schemeClr val="tx1"/>
+                </a:solidFill>
+                <a:sym typeface="Wingdings" panose="05000000000000000000" pitchFamily="2" charset="2"/>
+              </a:rPr>
+              <a:t> </a:t>
+            </a:r>
+            <a:r>
+              <a:rPr lang="de-DE" sz="1800" dirty="0" err="1">
+                <a:solidFill>
+                  <a:schemeClr val="tx1"/>
+                </a:solidFill>
+                <a:sym typeface="Wingdings" panose="05000000000000000000" pitchFamily="2" charset="2"/>
+              </a:rPr>
+              <a:t>to</a:t>
+            </a:r>
+            <a:r>
+              <a:rPr lang="de-DE" sz="1800" dirty="0">
+                <a:solidFill>
+                  <a:schemeClr val="tx1"/>
+                </a:solidFill>
+                <a:sym typeface="Wingdings" panose="05000000000000000000" pitchFamily="2" charset="2"/>
+              </a:rPr>
+              <a:t> simple </a:t>
+            </a:r>
+            <a:r>
+              <a:rPr lang="de-DE" sz="1800" dirty="0" err="1">
+                <a:solidFill>
+                  <a:schemeClr val="tx1"/>
+                </a:solidFill>
+                <a:sym typeface="Wingdings" panose="05000000000000000000" pitchFamily="2" charset="2"/>
+              </a:rPr>
+              <a:t>output</a:t>
+            </a:r>
+            <a:r>
+              <a:rPr lang="de-DE" sz="1800" dirty="0">
+                <a:solidFill>
+                  <a:schemeClr val="tx1"/>
+                </a:solidFill>
+                <a:sym typeface="Wingdings" panose="05000000000000000000" pitchFamily="2" charset="2"/>
+              </a:rPr>
+              <a:t> </a:t>
+            </a:r>
+            <a:r>
+              <a:rPr lang="de-DE" sz="1800" dirty="0" err="1">
+                <a:solidFill>
+                  <a:schemeClr val="tx1"/>
+                </a:solidFill>
+                <a:sym typeface="Wingdings" panose="05000000000000000000" pitchFamily="2" charset="2"/>
+              </a:rPr>
+              <a:t>features</a:t>
+            </a:r>
+            <a:endParaRPr lang="de-DE" sz="1800" dirty="0">
+              <a:solidFill>
+                <a:schemeClr val="tx1"/>
+              </a:solidFill>
+              <a:sym typeface="Wingdings" panose="05000000000000000000" pitchFamily="2" charset="2"/>
+            </a:endParaRPr>
+          </a:p>
+          <a:p>
+            <a:pPr marL="342900" indent="-342900">
+              <a:buFont typeface="Wingdings" panose="05000000000000000000" pitchFamily="2" charset="2"/>
+              <a:buChar char="à"/>
+            </a:pPr>
+            <a:r>
+              <a:rPr lang="de-DE" sz="1800" dirty="0">
+                <a:solidFill>
+                  <a:schemeClr val="tx1"/>
+                </a:solidFill>
+                <a:sym typeface="Wingdings" panose="05000000000000000000" pitchFamily="2" charset="2"/>
+              </a:rPr>
+              <a:t>Deep </a:t>
+            </a:r>
+            <a:r>
+              <a:rPr lang="de-DE" sz="1800" dirty="0" err="1">
+                <a:solidFill>
+                  <a:schemeClr val="tx1"/>
+                </a:solidFill>
+                <a:sym typeface="Wingdings" panose="05000000000000000000" pitchFamily="2" charset="2"/>
+              </a:rPr>
+              <a:t>learning</a:t>
+            </a:r>
+            <a:r>
+              <a:rPr lang="de-DE" sz="1800" dirty="0">
+                <a:solidFill>
+                  <a:schemeClr val="tx1"/>
+                </a:solidFill>
+                <a:sym typeface="Wingdings" panose="05000000000000000000" pitchFamily="2" charset="2"/>
+              </a:rPr>
+              <a:t> </a:t>
+            </a:r>
+            <a:r>
+              <a:rPr lang="de-DE" sz="1800" dirty="0" err="1">
+                <a:solidFill>
+                  <a:schemeClr val="tx1"/>
+                </a:solidFill>
+                <a:sym typeface="Wingdings" panose="05000000000000000000" pitchFamily="2" charset="2"/>
+              </a:rPr>
+              <a:t>can</a:t>
+            </a:r>
+            <a:r>
+              <a:rPr lang="de-DE" sz="1800" dirty="0">
+                <a:solidFill>
+                  <a:schemeClr val="tx1"/>
+                </a:solidFill>
+                <a:sym typeface="Wingdings" panose="05000000000000000000" pitchFamily="2" charset="2"/>
+              </a:rPr>
+              <a:t> </a:t>
+            </a:r>
+            <a:r>
+              <a:rPr lang="de-DE" sz="1800" dirty="0" err="1">
+                <a:solidFill>
+                  <a:schemeClr val="tx1"/>
+                </a:solidFill>
+                <a:sym typeface="Wingdings" panose="05000000000000000000" pitchFamily="2" charset="2"/>
+              </a:rPr>
+              <a:t>be</a:t>
+            </a:r>
+            <a:r>
+              <a:rPr lang="de-DE" sz="1800" dirty="0">
+                <a:solidFill>
+                  <a:schemeClr val="tx1"/>
+                </a:solidFill>
+                <a:sym typeface="Wingdings" panose="05000000000000000000" pitchFamily="2" charset="2"/>
+              </a:rPr>
+              <a:t> </a:t>
+            </a:r>
+            <a:r>
+              <a:rPr lang="de-DE" sz="1800" dirty="0" err="1">
+                <a:solidFill>
+                  <a:schemeClr val="tx1"/>
+                </a:solidFill>
+                <a:sym typeface="Wingdings" panose="05000000000000000000" pitchFamily="2" charset="2"/>
+              </a:rPr>
+              <a:t>used</a:t>
+            </a:r>
+            <a:r>
+              <a:rPr lang="de-DE" sz="1800" dirty="0">
+                <a:solidFill>
+                  <a:schemeClr val="tx1"/>
+                </a:solidFill>
+                <a:sym typeface="Wingdings" panose="05000000000000000000" pitchFamily="2" charset="2"/>
+              </a:rPr>
+              <a:t> </a:t>
+            </a:r>
+            <a:r>
+              <a:rPr lang="de-DE" sz="1800" dirty="0" err="1">
+                <a:solidFill>
+                  <a:schemeClr val="tx1"/>
+                </a:solidFill>
+                <a:sym typeface="Wingdings" panose="05000000000000000000" pitchFamily="2" charset="2"/>
+              </a:rPr>
+              <a:t>to</a:t>
+            </a:r>
+            <a:r>
+              <a:rPr lang="de-DE" sz="1800" dirty="0">
+                <a:solidFill>
+                  <a:schemeClr val="tx1"/>
+                </a:solidFill>
+                <a:sym typeface="Wingdings" panose="05000000000000000000" pitchFamily="2" charset="2"/>
+              </a:rPr>
+              <a:t> </a:t>
+            </a:r>
+            <a:r>
+              <a:rPr lang="de-DE" sz="1800" dirty="0" err="1">
+                <a:solidFill>
+                  <a:schemeClr val="tx1"/>
+                </a:solidFill>
+                <a:sym typeface="Wingdings" panose="05000000000000000000" pitchFamily="2" charset="2"/>
+              </a:rPr>
+              <a:t>improve</a:t>
+            </a:r>
+            <a:r>
+              <a:rPr lang="de-DE" sz="1800" dirty="0">
+                <a:solidFill>
+                  <a:schemeClr val="tx1"/>
+                </a:solidFill>
+                <a:sym typeface="Wingdings" panose="05000000000000000000" pitchFamily="2" charset="2"/>
+              </a:rPr>
+              <a:t> </a:t>
+            </a:r>
+            <a:r>
+              <a:rPr lang="de-DE" sz="1800" dirty="0" err="1">
+                <a:solidFill>
+                  <a:schemeClr val="tx1"/>
+                </a:solidFill>
+                <a:sym typeface="Wingdings" panose="05000000000000000000" pitchFamily="2" charset="2"/>
+              </a:rPr>
+              <a:t>speech</a:t>
+            </a:r>
+            <a:r>
+              <a:rPr lang="de-DE" sz="1800" dirty="0">
+                <a:solidFill>
+                  <a:schemeClr val="tx1"/>
+                </a:solidFill>
+                <a:sym typeface="Wingdings" panose="05000000000000000000" pitchFamily="2" charset="2"/>
+              </a:rPr>
+              <a:t> </a:t>
+            </a:r>
+            <a:r>
+              <a:rPr lang="de-DE" sz="1800" dirty="0" err="1">
+                <a:solidFill>
+                  <a:schemeClr val="tx1"/>
+                </a:solidFill>
+                <a:sym typeface="Wingdings" panose="05000000000000000000" pitchFamily="2" charset="2"/>
+              </a:rPr>
+              <a:t>synthesis</a:t>
+            </a:r>
+            <a:endParaRPr lang="en-US" sz="1800" dirty="0">
+              <a:solidFill>
+                <a:schemeClr val="tx1"/>
+              </a:solidFill>
+            </a:endParaRPr>
+          </a:p>
+          <a:p>
+            <a:pPr>
+              <a:spcBef>
+                <a:spcPts val="1800"/>
+              </a:spcBef>
+            </a:pPr>
+            <a:r>
+              <a:rPr lang="en-US" sz="2000" b="1" dirty="0"/>
+              <a:t>Huge number of mobile devices</a:t>
+            </a:r>
+          </a:p>
+          <a:p>
+            <a:pPr marL="342900" indent="-342900">
+              <a:buFont typeface="Wingdings" panose="05000000000000000000" pitchFamily="2" charset="2"/>
+              <a:buChar char="à"/>
+            </a:pPr>
+            <a:r>
+              <a:rPr lang="en-US" sz="1800" dirty="0">
+                <a:solidFill>
+                  <a:schemeClr val="tx1"/>
+                </a:solidFill>
+                <a:sym typeface="Wingdings" panose="05000000000000000000" pitchFamily="2" charset="2"/>
+              </a:rPr>
+              <a:t>Need for robust and resource-efficient implementations</a:t>
+            </a:r>
+          </a:p>
+          <a:p>
+            <a:pPr marL="342900" indent="-342900">
+              <a:buFont typeface="Wingdings" panose="05000000000000000000" pitchFamily="2" charset="2"/>
+              <a:buChar char="à"/>
+            </a:pPr>
+            <a:r>
+              <a:rPr lang="en-US" sz="1800" dirty="0">
+                <a:solidFill>
+                  <a:schemeClr val="tx1"/>
+                </a:solidFill>
+                <a:sym typeface="Wingdings" panose="05000000000000000000" pitchFamily="2" charset="2"/>
+              </a:rPr>
+              <a:t>Deep learning model</a:t>
+            </a:r>
+            <a:r>
+              <a:rPr lang="de-DE" sz="1800" dirty="0">
+                <a:solidFill>
+                  <a:schemeClr val="tx1"/>
+                </a:solidFill>
+                <a:sym typeface="Wingdings" panose="05000000000000000000" pitchFamily="2" charset="2"/>
+              </a:rPr>
+              <a:t>s </a:t>
+            </a:r>
+            <a:r>
+              <a:rPr lang="en-US" sz="1800" dirty="0">
+                <a:solidFill>
+                  <a:schemeClr val="tx1"/>
+                </a:solidFill>
+                <a:sym typeface="Wingdings" panose="05000000000000000000" pitchFamily="2" charset="2"/>
+              </a:rPr>
+              <a:t>can be used to achieve this</a:t>
+            </a:r>
+          </a:p>
+          <a:p>
+            <a:pPr marL="285750" indent="-285750">
+              <a:lnSpc>
+                <a:spcPct val="200000"/>
+              </a:lnSpc>
+              <a:buFont typeface="Wingdings" panose="05000000000000000000" pitchFamily="2" charset="2"/>
+              <a:buChar char="à"/>
+            </a:pPr>
+            <a:endParaRPr lang="de-DE" dirty="0">
+              <a:solidFill>
+                <a:schemeClr val="tx1"/>
+              </a:solidFill>
+            </a:endParaRPr>
+          </a:p>
+        </p:txBody>
+      </p:sp>
+      <p:sp>
+        <p:nvSpPr>
+          <p:cNvPr id="2" name="Flussdiagramm: Datenträger mit sequenziellem Zugriff 1">
+            <a:extLst>
+              <a:ext uri="{FF2B5EF4-FFF2-40B4-BE49-F238E27FC236}">
+                <a16:creationId xmlns:a16="http://schemas.microsoft.com/office/drawing/2014/main" id="{7197EF2E-AD87-42D4-B086-AA3901699FBB}"/>
+              </a:ext>
+            </a:extLst>
+          </p:cNvPr>
+          <p:cNvSpPr/>
+          <p:nvPr/>
+        </p:nvSpPr>
+        <p:spPr>
+          <a:xfrm>
+            <a:off x="7363603" y="4813140"/>
+            <a:ext cx="1538343" cy="1538343"/>
+          </a:xfrm>
+          <a:prstGeom prst="flowChartMagneticTape">
+            <a:avLst/>
+          </a:prstGeom>
+          <a:ln>
+            <a:noFill/>
+          </a:ln>
+        </p:spPr>
+        <p:style>
+          <a:lnRef idx="2">
+            <a:schemeClr val="accent1">
+              <a:shade val="50000"/>
+            </a:schemeClr>
+          </a:lnRef>
+          <a:fillRef idx="1">
+            <a:schemeClr val="accent1"/>
+          </a:fillRef>
+          <a:effectRef idx="0">
+            <a:schemeClr val="accent1"/>
+          </a:effectRef>
+          <a:fontRef idx="minor">
+            <a:schemeClr val="lt1"/>
+          </a:fontRef>
+        </p:style>
+        <p:txBody>
+          <a:bodyPr rot="0" spcFirstLastPara="0" vertOverflow="overflow" horzOverflow="overflow" vert="horz" wrap="square" lIns="91440" tIns="45720" rIns="91440" bIns="45720" numCol="1" spcCol="0" rtlCol="0" fromWordArt="0" anchor="ctr" anchorCtr="0" forceAA="0" compatLnSpc="1">
+            <a:prstTxWarp prst="textNoShape">
+              <a:avLst/>
+            </a:prstTxWarp>
+            <a:noAutofit/>
+          </a:bodyPr>
+          <a:lstStyle/>
+          <a:p>
+            <a:pPr algn="ctr">
+              <a:lnSpc>
+                <a:spcPct val="114000"/>
+              </a:lnSpc>
+            </a:pPr>
+            <a:r>
+              <a:rPr lang="de-DE" dirty="0"/>
+              <a:t>Speech sample</a:t>
+            </a:r>
+            <a:endParaRPr lang="en-US" dirty="0"/>
+          </a:p>
+        </p:txBody>
+      </p:sp>
+    </p:spTree>
+    <p:extLst>
+      <p:ext uri="{BB962C8B-B14F-4D97-AF65-F5344CB8AC3E}">
+        <p14:creationId xmlns:p14="http://schemas.microsoft.com/office/powerpoint/2010/main" val="1631079468"/>
+      </p:ext>
+    </p:extLst>
+  </p:cSld>
+  <p:clrMapOvr>
+    <a:masterClrMapping/>
+  </p:clrMapOvr>
+  <p:timing>
+    <p:tnLst>
+      <p:par>
+        <p:cTn id="1" dur="indefinite" restart="never" nodeType="tmRoot">
+          <p:childTnLst>
+            <p:seq concurrent="1" nextAc="seek">
+              <p:cTn id="2" dur="indefinite" nodeType="mainSeq">
+                <p:childTnLst>
+                  <p:par>
+                    <p:cTn id="3" fill="hold">
+                      <p:stCondLst>
+                        <p:cond delay="indefinite"/>
+                      </p:stCondLst>
+                      <p:childTnLst>
+                        <p:par>
+                          <p:cTn id="4" fill="hold">
+                            <p:stCondLst>
+                              <p:cond delay="0"/>
+                            </p:stCondLst>
+                            <p:childTnLst>
+                              <p:par>
+                                <p:cTn id="5" presetID="1" presetClass="entr" presetSubtype="0" fill="hold" grpId="0" nodeType="clickEffect">
+                                  <p:stCondLst>
+                                    <p:cond delay="0"/>
+                                  </p:stCondLst>
+                                  <p:childTnLst>
+                                    <p:set>
+                                      <p:cBhvr>
+                                        <p:cTn id="6" dur="1" fill="hold">
+                                          <p:stCondLst>
+                                            <p:cond delay="0"/>
+                                          </p:stCondLst>
+                                        </p:cTn>
+                                        <p:tgtEl>
+                                          <p:spTgt spid="6">
+                                            <p:txEl>
+                                              <p:pRg st="0" end="0"/>
+                                            </p:txEl>
+                                          </p:spTgt>
+                                        </p:tgtEl>
+                                        <p:attrNameLst>
+                                          <p:attrName>style.visibility</p:attrName>
+                                        </p:attrNameLst>
+                                      </p:cBhvr>
+                                      <p:to>
+                                        <p:strVal val="visible"/>
+                                      </p:to>
+                                    </p:set>
+                                  </p:childTnLst>
+                                </p:cTn>
+                              </p:par>
+                              <p:par>
+                                <p:cTn id="7" presetID="1" presetClass="entr" presetSubtype="0" fill="hold" grpId="0" nodeType="withEffect">
+                                  <p:stCondLst>
+                                    <p:cond delay="0"/>
+                                  </p:stCondLst>
+                                  <p:childTnLst>
+                                    <p:set>
+                                      <p:cBhvr>
+                                        <p:cTn id="8" dur="1" fill="hold">
+                                          <p:stCondLst>
+                                            <p:cond delay="0"/>
+                                          </p:stCondLst>
+                                        </p:cTn>
+                                        <p:tgtEl>
+                                          <p:spTgt spid="6">
+                                            <p:txEl>
+                                              <p:pRg st="1" end="1"/>
+                                            </p:txEl>
+                                          </p:spTgt>
+                                        </p:tgtEl>
+                                        <p:attrNameLst>
+                                          <p:attrName>style.visibility</p:attrName>
+                                        </p:attrNameLst>
+                                      </p:cBhvr>
+                                      <p:to>
+                                        <p:strVal val="visible"/>
+                                      </p:to>
+                                    </p:set>
+                                  </p:childTnLst>
+                                </p:cTn>
+                              </p:par>
+                              <p:par>
+                                <p:cTn id="9" presetID="1" presetClass="entr" presetSubtype="0" fill="hold" grpId="0" nodeType="withEffect">
+                                  <p:stCondLst>
+                                    <p:cond delay="0"/>
+                                  </p:stCondLst>
+                                  <p:childTnLst>
+                                    <p:set>
+                                      <p:cBhvr>
+                                        <p:cTn id="10" dur="1" fill="hold">
+                                          <p:stCondLst>
+                                            <p:cond delay="0"/>
+                                          </p:stCondLst>
+                                        </p:cTn>
+                                        <p:tgtEl>
+                                          <p:spTgt spid="6">
+                                            <p:txEl>
+                                              <p:pRg st="2" end="2"/>
+                                            </p:txEl>
+                                          </p:spTgt>
+                                        </p:tgtEl>
+                                        <p:attrNameLst>
+                                          <p:attrName>style.visibility</p:attrName>
+                                        </p:attrNameLst>
+                                      </p:cBhvr>
+                                      <p:to>
+                                        <p:strVal val="visible"/>
+                                      </p:to>
+                                    </p:set>
+                                  </p:childTnLst>
+                                </p:cTn>
+                              </p:par>
+                            </p:childTnLst>
+                          </p:cTn>
+                        </p:par>
+                      </p:childTnLst>
+                    </p:cTn>
+                  </p:par>
+                  <p:par>
+                    <p:cTn id="11" fill="hold">
+                      <p:stCondLst>
+                        <p:cond delay="indefinite"/>
+                      </p:stCondLst>
+                      <p:childTnLst>
+                        <p:par>
+                          <p:cTn id="12" fill="hold">
+                            <p:stCondLst>
+                              <p:cond delay="0"/>
+                            </p:stCondLst>
+                            <p:childTnLst>
+                              <p:par>
+                                <p:cTn id="13" presetID="1" presetClass="entr" presetSubtype="0" fill="hold" grpId="0" nodeType="clickEffect">
+                                  <p:stCondLst>
+                                    <p:cond delay="0"/>
+                                  </p:stCondLst>
+                                  <p:childTnLst>
+                                    <p:set>
+                                      <p:cBhvr>
+                                        <p:cTn id="14" dur="1" fill="hold">
+                                          <p:stCondLst>
+                                            <p:cond delay="0"/>
+                                          </p:stCondLst>
+                                        </p:cTn>
+                                        <p:tgtEl>
+                                          <p:spTgt spid="6">
+                                            <p:txEl>
+                                              <p:pRg st="3" end="3"/>
+                                            </p:txEl>
+                                          </p:spTgt>
+                                        </p:tgtEl>
+                                        <p:attrNameLst>
+                                          <p:attrName>style.visibility</p:attrName>
+                                        </p:attrNameLst>
+                                      </p:cBhvr>
+                                      <p:to>
+                                        <p:strVal val="visible"/>
+                                      </p:to>
+                                    </p:set>
+                                  </p:childTnLst>
+                                </p:cTn>
+                              </p:par>
+                              <p:par>
+                                <p:cTn id="15" presetID="1" presetClass="entr" presetSubtype="0" fill="hold" grpId="0" nodeType="withEffect">
+                                  <p:stCondLst>
+                                    <p:cond delay="0"/>
+                                  </p:stCondLst>
+                                  <p:childTnLst>
+                                    <p:set>
+                                      <p:cBhvr>
+                                        <p:cTn id="16" dur="1" fill="hold">
+                                          <p:stCondLst>
+                                            <p:cond delay="0"/>
+                                          </p:stCondLst>
+                                        </p:cTn>
+                                        <p:tgtEl>
+                                          <p:spTgt spid="6">
+                                            <p:txEl>
+                                              <p:pRg st="4" end="4"/>
+                                            </p:txEl>
+                                          </p:spTgt>
+                                        </p:tgtEl>
+                                        <p:attrNameLst>
+                                          <p:attrName>style.visibility</p:attrName>
+                                        </p:attrNameLst>
+                                      </p:cBhvr>
+                                      <p:to>
+                                        <p:strVal val="visible"/>
+                                      </p:to>
+                                    </p:set>
+                                  </p:childTnLst>
+                                </p:cTn>
+                              </p:par>
+                              <p:par>
+                                <p:cTn id="17" presetID="1" presetClass="entr" presetSubtype="0" fill="hold" grpId="0" nodeType="withEffect">
+                                  <p:stCondLst>
+                                    <p:cond delay="0"/>
+                                  </p:stCondLst>
+                                  <p:childTnLst>
+                                    <p:set>
+                                      <p:cBhvr>
+                                        <p:cTn id="18" dur="1" fill="hold">
+                                          <p:stCondLst>
+                                            <p:cond delay="0"/>
+                                          </p:stCondLst>
+                                        </p:cTn>
+                                        <p:tgtEl>
+                                          <p:spTgt spid="6">
+                                            <p:txEl>
+                                              <p:pRg st="5" end="5"/>
+                                            </p:txEl>
+                                          </p:spTgt>
+                                        </p:tgtEl>
+                                        <p:attrNameLst>
+                                          <p:attrName>style.visibility</p:attrName>
+                                        </p:attrNameLst>
+                                      </p:cBhvr>
+                                      <p:to>
+                                        <p:strVal val="visible"/>
+                                      </p:to>
+                                    </p:set>
+                                  </p:childTnLst>
+                                </p:cTn>
+                              </p:par>
+                            </p:childTnLst>
+                          </p:cTn>
+                        </p:par>
+                      </p:childTnLst>
+                    </p:cTn>
+                  </p:par>
+                  <p:par>
+                    <p:cTn id="19" fill="hold">
+                      <p:stCondLst>
+                        <p:cond delay="indefinite"/>
+                      </p:stCondLst>
+                      <p:childTnLst>
+                        <p:par>
+                          <p:cTn id="20" fill="hold">
+                            <p:stCondLst>
+                              <p:cond delay="0"/>
+                            </p:stCondLst>
+                            <p:childTnLst>
+                              <p:par>
+                                <p:cTn id="21" presetID="1" presetClass="entr" presetSubtype="0" fill="hold" grpId="0" nodeType="clickEffect">
+                                  <p:stCondLst>
+                                    <p:cond delay="0"/>
+                                  </p:stCondLst>
+                                  <p:childTnLst>
+                                    <p:set>
+                                      <p:cBhvr>
+                                        <p:cTn id="22" dur="1" fill="hold">
+                                          <p:stCondLst>
+                                            <p:cond delay="0"/>
+                                          </p:stCondLst>
+                                        </p:cTn>
+                                        <p:tgtEl>
+                                          <p:spTgt spid="6">
+                                            <p:txEl>
+                                              <p:pRg st="6" end="6"/>
+                                            </p:txEl>
+                                          </p:spTgt>
+                                        </p:tgtEl>
+                                        <p:attrNameLst>
+                                          <p:attrName>style.visibility</p:attrName>
+                                        </p:attrNameLst>
+                                      </p:cBhvr>
+                                      <p:to>
+                                        <p:strVal val="visible"/>
+                                      </p:to>
+                                    </p:set>
+                                  </p:childTnLst>
+                                </p:cTn>
+                              </p:par>
+                              <p:par>
+                                <p:cTn id="23" presetID="1" presetClass="entr" presetSubtype="0" fill="hold" grpId="0" nodeType="withEffect">
+                                  <p:stCondLst>
+                                    <p:cond delay="0"/>
+                                  </p:stCondLst>
+                                  <p:childTnLst>
+                                    <p:set>
+                                      <p:cBhvr>
+                                        <p:cTn id="24" dur="1" fill="hold">
+                                          <p:stCondLst>
+                                            <p:cond delay="0"/>
+                                          </p:stCondLst>
+                                        </p:cTn>
+                                        <p:tgtEl>
+                                          <p:spTgt spid="6">
+                                            <p:txEl>
+                                              <p:pRg st="7" end="7"/>
+                                            </p:txEl>
+                                          </p:spTgt>
+                                        </p:tgtEl>
+                                        <p:attrNameLst>
+                                          <p:attrName>style.visibility</p:attrName>
+                                        </p:attrNameLst>
+                                      </p:cBhvr>
+                                      <p:to>
+                                        <p:strVal val="visible"/>
+                                      </p:to>
+                                    </p:set>
+                                  </p:childTnLst>
+                                </p:cTn>
+                              </p:par>
+                              <p:par>
+                                <p:cTn id="25" presetID="1" presetClass="entr" presetSubtype="0" fill="hold" grpId="0" nodeType="withEffect">
+                                  <p:stCondLst>
+                                    <p:cond delay="0"/>
+                                  </p:stCondLst>
+                                  <p:childTnLst>
+                                    <p:set>
+                                      <p:cBhvr>
+                                        <p:cTn id="26" dur="1" fill="hold">
+                                          <p:stCondLst>
+                                            <p:cond delay="0"/>
+                                          </p:stCondLst>
+                                        </p:cTn>
+                                        <p:tgtEl>
+                                          <p:spTgt spid="6">
+                                            <p:txEl>
+                                              <p:pRg st="8" end="8"/>
+                                            </p:txEl>
+                                          </p:spTgt>
+                                        </p:tgtEl>
+                                        <p:attrNameLst>
+                                          <p:attrName>style.visibility</p:attrName>
+                                        </p:attrNameLst>
+                                      </p:cBhvr>
+                                      <p:to>
+                                        <p:strVal val="visible"/>
+                                      </p:to>
+                                    </p:set>
+                                  </p:childTnLst>
+                                </p:cTn>
+                              </p:par>
+                            </p:childTnLst>
+                          </p:cTn>
+                        </p:par>
+                      </p:childTnLst>
+                    </p:cTn>
+                  </p:par>
+                </p:childTnLst>
+              </p:cTn>
+              <p:prevCondLst>
+                <p:cond evt="onPrev" delay="0">
+                  <p:tgtEl>
+                    <p:sldTgt/>
+                  </p:tgtEl>
+                </p:cond>
+              </p:prevCondLst>
+              <p:nextCondLst>
+                <p:cond evt="onNext" delay="0">
+                  <p:tgtEl>
+                    <p:sldTgt/>
+                  </p:tgtEl>
+                </p:cond>
+              </p:nextCondLst>
+            </p:seq>
+          </p:childTnLst>
+        </p:cTn>
+      </p:par>
+    </p:tnLst>
+    <p:bldLst>
+      <p:bldP spid="6" grpId="0" uiExpand="1" build="p"/>
+    </p:bldLst>
+  </p:timing>
+</p:sld>
+</file>
+
+<file path=ppt/slides/slide22.xml><?xml version="1.0" encoding="utf-8"?>
+<p:sld xmlns:a="http://schemas.openxmlformats.org/drawingml/2006/main" xmlns:r="http://schemas.openxmlformats.org/officeDocument/2006/relationships" xmlns:p="http://schemas.openxmlformats.org/presentationml/2006/main">
+  <p:cSld>
+    <p:spTree>
+      <p:nvGrpSpPr>
+        <p:cNvPr id="1" name=""/>
+        <p:cNvGrpSpPr/>
+        <p:nvPr/>
+      </p:nvGrpSpPr>
+      <p:grpSpPr>
+        <a:xfrm>
+          <a:off x="0" y="0"/>
+          <a:ext cx="0" cy="0"/>
+          <a:chOff x="0" y="0"/>
+          <a:chExt cx="0" cy="0"/>
+        </a:xfrm>
+      </p:grpSpPr>
+      <p:sp>
+        <p:nvSpPr>
+          <p:cNvPr id="3" name="Foliennummernplatzhalter 2">
+            <a:extLst>
+              <a:ext uri="{FF2B5EF4-FFF2-40B4-BE49-F238E27FC236}">
+                <a16:creationId xmlns:a16="http://schemas.microsoft.com/office/drawing/2014/main" id="{A366489A-8C80-4D71-99AB-A1991302B570}"/>
+              </a:ext>
+            </a:extLst>
+          </p:cNvPr>
+          <p:cNvSpPr>
+            <a:spLocks noGrp="1"/>
+          </p:cNvSpPr>
+          <p:nvPr>
+            <p:ph type="sldNum" sz="quarter" idx="11"/>
+          </p:nvPr>
+        </p:nvSpPr>
+        <p:spPr/>
+        <p:txBody>
+          <a:bodyPr/>
+          <a:lstStyle/>
+          <a:p>
+            <a:fld id="{CE58CB1E-F828-4F11-99E0-327109AF9DA4}" type="slidenum">
+              <a:rPr lang="de-DE" smtClean="0"/>
+              <a:pPr/>
+              <a:t>22</a:t>
+            </a:fld>
+            <a:endParaRPr lang="de-DE" dirty="0"/>
+          </a:p>
+        </p:txBody>
+      </p:sp>
+      <p:sp>
+        <p:nvSpPr>
+          <p:cNvPr id="4" name="Titel 3">
+            <a:extLst>
+              <a:ext uri="{FF2B5EF4-FFF2-40B4-BE49-F238E27FC236}">
+                <a16:creationId xmlns:a16="http://schemas.microsoft.com/office/drawing/2014/main" id="{36ADE80A-1283-4AF4-A236-A4BF09D9B274}"/>
+              </a:ext>
+            </a:extLst>
+          </p:cNvPr>
+          <p:cNvSpPr>
+            <a:spLocks noGrp="1"/>
+          </p:cNvSpPr>
+          <p:nvPr>
+            <p:ph type="title"/>
+          </p:nvPr>
+        </p:nvSpPr>
+        <p:spPr/>
+        <p:txBody>
+          <a:bodyPr/>
+          <a:lstStyle/>
+          <a:p>
+            <a:r>
+              <a:rPr lang="en-US" dirty="0"/>
+              <a:t>Conclusions</a:t>
+            </a:r>
+          </a:p>
+        </p:txBody>
+      </p:sp>
+      <p:sp>
+        <p:nvSpPr>
+          <p:cNvPr id="6" name="Inhaltsplatzhalter 1">
+            <a:extLst>
+              <a:ext uri="{FF2B5EF4-FFF2-40B4-BE49-F238E27FC236}">
+                <a16:creationId xmlns:a16="http://schemas.microsoft.com/office/drawing/2014/main" id="{58A1E258-94EF-416A-9D10-EA9DB5B6DB07}"/>
+              </a:ext>
+            </a:extLst>
+          </p:cNvPr>
+          <p:cNvSpPr>
+            <a:spLocks noGrp="1"/>
+          </p:cNvSpPr>
+          <p:nvPr>
+            <p:ph idx="10"/>
+          </p:nvPr>
+        </p:nvSpPr>
+        <p:spPr>
+          <a:xfrm>
+            <a:off x="317934" y="1206832"/>
             <a:ext cx="8508999" cy="4136945"/>
           </a:xfrm>
         </p:spPr>
@@ -31349,7 +33459,7 @@
     </p:spTree>
     <p:extLst>
       <p:ext uri="{BB962C8B-B14F-4D97-AF65-F5344CB8AC3E}">
-        <p14:creationId xmlns:p14="http://schemas.microsoft.com/office/powerpoint/2010/main" val="1631079468"/>
+        <p14:creationId xmlns:p14="http://schemas.microsoft.com/office/powerpoint/2010/main" val="3613375775"/>
       </p:ext>
     </p:extLst>
   </p:cSld>
@@ -31686,7 +33796,7 @@
 </p:sld>
 </file>
 
-<file path=ppt/slides/slide22.xml><?xml version="1.0" encoding="utf-8"?>
+<file path=ppt/slides/slide23.xml><?xml version="1.0" encoding="utf-8"?>
 <p:sld xmlns:a="http://schemas.openxmlformats.org/drawingml/2006/main" xmlns:r="http://schemas.openxmlformats.org/officeDocument/2006/relationships" xmlns:p="http://schemas.openxmlformats.org/presentationml/2006/main">
   <p:cSld>
     <p:spTree>
@@ -31727,7 +33837,7 @@
             <a:fld id="{CE58CB1E-F828-4F11-99E0-327109AF9DA4}" type="slidenum">
               <a:rPr lang="de-DE" smtClean="0"/>
               <a:pPr/>
-              <a:t>22</a:t>
+              <a:t>23</a:t>
             </a:fld>
             <a:endParaRPr lang="de-DE" dirty="0"/>
           </a:p>
@@ -31780,7 +33890,7 @@
 </p:sld>
 </file>
 
-<file path=ppt/slides/slide23.xml><?xml version="1.0" encoding="utf-8"?>
+<file path=ppt/slides/slide24.xml><?xml version="1.0" encoding="utf-8"?>
 <p:sld xmlns:a="http://schemas.openxmlformats.org/drawingml/2006/main" xmlns:r="http://schemas.openxmlformats.org/officeDocument/2006/relationships" xmlns:p="http://schemas.openxmlformats.org/presentationml/2006/main" show="0">
   <p:cSld>
     <p:spTree>
@@ -31821,7 +33931,7 @@
             <a:fld id="{CE58CB1E-F828-4F11-99E0-327109AF9DA4}" type="slidenum">
               <a:rPr lang="de-DE" smtClean="0"/>
               <a:pPr/>
-              <a:t>23</a:t>
+              <a:t>24</a:t>
             </a:fld>
             <a:endParaRPr lang="de-DE" dirty="0"/>
           </a:p>
@@ -31877,7 +33987,7 @@
           <p:nvPr>
             <p:extLst>
               <p:ext uri="{D42A27DB-BD31-4B8C-83A1-F6EECF244321}">
-                <p14:modId xmlns:p14="http://schemas.microsoft.com/office/powerpoint/2010/main" val="1959505647"/>
+                <p14:modId xmlns:p14="http://schemas.microsoft.com/office/powerpoint/2010/main" val="4217026344"/>
               </p:ext>
             </p:extLst>
           </p:nvPr>
@@ -32231,7 +34341,7 @@
 </p:sld>
 </file>
 
-<file path=ppt/slides/slide24.xml><?xml version="1.0" encoding="utf-8"?>
+<file path=ppt/slides/slide25.xml><?xml version="1.0" encoding="utf-8"?>
 <p:sld xmlns:a="http://schemas.openxmlformats.org/drawingml/2006/main" xmlns:r="http://schemas.openxmlformats.org/officeDocument/2006/relationships" xmlns:p="http://schemas.openxmlformats.org/presentationml/2006/main" show="0">
   <p:cSld>
     <p:spTree>
@@ -32272,7 +34382,7 @@
             <a:fld id="{CE58CB1E-F828-4F11-99E0-327109AF9DA4}" type="slidenum">
               <a:rPr lang="de-DE" smtClean="0"/>
               <a:pPr/>
-              <a:t>24</a:t>
+              <a:t>25</a:t>
             </a:fld>
             <a:endParaRPr lang="de-DE" dirty="0"/>
           </a:p>
@@ -32360,7 +34470,7 @@
         <p:spPr>
           <a:xfrm>
             <a:off x="1176909" y="5761634"/>
-            <a:ext cx="6624025" cy="268984"/>
+            <a:ext cx="6624025" cy="128625"/>
           </a:xfrm>
           <a:prstGeom prst="rect">
             <a:avLst/>
@@ -32388,20 +34498,7 @@
               <a:rPr lang="en-US" sz="800" dirty="0">
                 <a:latin typeface="+mn-lt"/>
               </a:rPr>
-              <a:t>Statistical Parametric Speech Synthesis, </a:t>
-            </a:r>
-          </a:p>
-          <a:p>
-            <a:pPr algn="ctr">
-              <a:lnSpc>
-                <a:spcPct val="114000"/>
-              </a:lnSpc>
-            </a:pPr>
-            <a:r>
-              <a:rPr lang="en-US" sz="800" dirty="0">
-                <a:latin typeface="+mn-lt"/>
-              </a:rPr>
-              <a:t>IEEE International Conference on Acoustics, Speech and Signal Processing - ICASSP ’07</a:t>
+              <a:t>Statistical Parametric Speech Synthesis, ICASSP ’07</a:t>
             </a:r>
           </a:p>
         </p:txBody>
@@ -32419,7 +34516,7 @@
 </p:sld>
 </file>
 
-<file path=ppt/slides/slide25.xml><?xml version="1.0" encoding="utf-8"?>
+<file path=ppt/slides/slide26.xml><?xml version="1.0" encoding="utf-8"?>
 <p:sld xmlns:a="http://schemas.openxmlformats.org/drawingml/2006/main" xmlns:r="http://schemas.openxmlformats.org/officeDocument/2006/relationships" xmlns:p="http://schemas.openxmlformats.org/presentationml/2006/main" show="0">
   <p:cSld>
     <p:spTree>
@@ -32582,7 +34679,7 @@
             <a:fld id="{CE58CB1E-F828-4F11-99E0-327109AF9DA4}" type="slidenum">
               <a:rPr lang="de-DE" smtClean="0"/>
               <a:pPr/>
-              <a:t>25</a:t>
+              <a:t>26</a:t>
             </a:fld>
             <a:endParaRPr lang="de-DE" dirty="0"/>
           </a:p>
@@ -32716,7 +34813,7 @@
 </p:sld>
 </file>
 
-<file path=ppt/slides/slide26.xml><?xml version="1.0" encoding="utf-8"?>
+<file path=ppt/slides/slide27.xml><?xml version="1.0" encoding="utf-8"?>
 <p:sld xmlns:a="http://schemas.openxmlformats.org/drawingml/2006/main" xmlns:r="http://schemas.openxmlformats.org/officeDocument/2006/relationships" xmlns:p="http://schemas.openxmlformats.org/presentationml/2006/main" show="0">
   <p:cSld>
     <p:spTree>
@@ -32885,7 +34982,7 @@
             <a:fld id="{CE58CB1E-F828-4F11-99E0-327109AF9DA4}" type="slidenum">
               <a:rPr lang="de-DE" smtClean="0"/>
               <a:pPr/>
-              <a:t>26</a:t>
+              <a:t>27</a:t>
             </a:fld>
             <a:endParaRPr lang="de-DE" dirty="0"/>
           </a:p>
@@ -33272,7 +35369,7 @@
               <a:rPr lang="en-US" sz="800" dirty="0">
                 <a:latin typeface="+mn-lt"/>
               </a:rPr>
-              <a:t>Statistical Parametric Speech Synthesis, IEEE International Conference on Acoustics, Speech and Signal Processing - ICASSP ’07</a:t>
+              <a:t>Statistical Parametric Speech Synthesis, ICASSP ’07</a:t>
             </a:r>
           </a:p>
         </p:txBody>
@@ -33290,7 +35387,7 @@
 </p:sld>
 </file>
 
-<file path=ppt/slides/slide27.xml><?xml version="1.0" encoding="utf-8"?>
+<file path=ppt/slides/slide28.xml><?xml version="1.0" encoding="utf-8"?>
 <p:sld xmlns:a="http://schemas.openxmlformats.org/drawingml/2006/main" xmlns:r="http://schemas.openxmlformats.org/officeDocument/2006/relationships" xmlns:p="http://schemas.openxmlformats.org/presentationml/2006/main" show="0">
   <p:cSld>
     <p:spTree>
@@ -33381,7 +35478,7 @@
             <a:fld id="{CE58CB1E-F828-4F11-99E0-327109AF9DA4}" type="slidenum">
               <a:rPr lang="de-DE" smtClean="0"/>
               <a:pPr/>
-              <a:t>27</a:t>
+              <a:t>28</a:t>
             </a:fld>
             <a:endParaRPr lang="de-DE" dirty="0"/>
           </a:p>
@@ -34581,22 +36678,28 @@
               <a:buAutoNum type="arabicPeriod"/>
             </a:pPr>
             <a:r>
-              <a:rPr lang="en-US" dirty="0"/>
+              <a:rPr lang="en-US" sz="1800" b="1" dirty="0"/>
               <a:t>Intro</a:t>
             </a:r>
           </a:p>
           <a:p>
             <a:pPr marL="342900" indent="-342900">
+              <a:spcBef>
+                <a:spcPts val="600"/>
+              </a:spcBef>
               <a:buFont typeface="+mj-lt"/>
               <a:buAutoNum type="arabicPeriod"/>
             </a:pPr>
             <a:r>
-              <a:rPr lang="en-US" dirty="0"/>
+              <a:rPr lang="en-US" sz="1800" b="1" dirty="0"/>
               <a:t>Conventional Speech Synthesis</a:t>
             </a:r>
           </a:p>
           <a:p>
             <a:pPr marL="519113" lvl="1" indent="-342900">
+              <a:lnSpc>
+                <a:spcPct val="150000"/>
+              </a:lnSpc>
               <a:buFont typeface="+mj-lt"/>
               <a:buAutoNum type="alphaLcParenR"/>
             </a:pPr>
@@ -34607,131 +36710,371 @@
           </a:p>
           <a:p>
             <a:pPr marL="519113" lvl="1" indent="-342900">
+              <a:lnSpc>
+                <a:spcPct val="150000"/>
+              </a:lnSpc>
               <a:buFont typeface="+mj-lt"/>
               <a:buAutoNum type="alphaLcParenR"/>
             </a:pPr>
             <a:r>
               <a:rPr lang="en-US" dirty="0"/>
-              <a:t>HMM-based Synthesis		</a:t>
+              <a:t>HMM-based Synthesis			</a:t>
             </a:r>
             <a:r>
               <a:rPr lang="en-US" dirty="0">
                 <a:sym typeface="Wingdings" panose="05000000000000000000" pitchFamily="2" charset="2"/>
               </a:rPr>
-              <a:t> one paper</a:t>
+              <a:t> Black et al. (2007), ICASSP ’07</a:t>
             </a:r>
             <a:endParaRPr lang="en-US" dirty="0"/>
           </a:p>
           <a:p>
             <a:pPr marL="342900" indent="-342900">
+              <a:spcBef>
+                <a:spcPts val="600"/>
+              </a:spcBef>
               <a:buFont typeface="+mj-lt"/>
               <a:buAutoNum type="arabicPeriod"/>
             </a:pPr>
             <a:r>
-              <a:rPr lang="en-US" dirty="0"/>
-              <a:t>SPSS with Deep Learning Models</a:t>
+              <a:rPr lang="en-US" sz="1800" b="1" dirty="0"/>
+              <a:t>Speech Synthesis with Deep Learning Models</a:t>
             </a:r>
           </a:p>
           <a:p>
             <a:pPr marL="519113" lvl="1" indent="-342900">
+              <a:lnSpc>
+                <a:spcPct val="150000"/>
+              </a:lnSpc>
               <a:buFont typeface="+mj-lt"/>
               <a:buAutoNum type="alphaLcParenR"/>
             </a:pPr>
             <a:r>
               <a:rPr lang="en-US" dirty="0"/>
-              <a:t>One specific approach		</a:t>
+              <a:t>One Specific Approach for Improvement	</a:t>
             </a:r>
             <a:r>
               <a:rPr lang="en-US" dirty="0">
                 <a:sym typeface="Wingdings" panose="05000000000000000000" pitchFamily="2" charset="2"/>
               </a:rPr>
-              <a:t> one paper</a:t>
+              <a:t> Zen et al. (2013), ICASSP ’13</a:t>
             </a:r>
             <a:endParaRPr lang="en-US" dirty="0"/>
           </a:p>
           <a:p>
             <a:pPr marL="519113" lvl="1" indent="-342900">
+              <a:lnSpc>
+                <a:spcPct val="150000"/>
+              </a:lnSpc>
               <a:buFont typeface="+mj-lt"/>
               <a:buAutoNum type="alphaLcParenR"/>
             </a:pPr>
             <a:r>
-              <a:rPr lang="en-US" dirty="0" err="1"/>
-              <a:t>Asdf</a:t>
-            </a:r>
-            <a:r>
               <a:rPr lang="en-US" dirty="0"/>
-              <a:t>			</a:t>
+              <a:t>Other Ways for Improvement		</a:t>
             </a:r>
             <a:r>
               <a:rPr lang="en-US" dirty="0">
                 <a:sym typeface="Wingdings" panose="05000000000000000000" pitchFamily="2" charset="2"/>
               </a:rPr>
-              <a:t> one paper</a:t>
+              <a:t> Hashimoto et al. (2015), ICASSP ’13</a:t>
             </a:r>
             <a:endParaRPr lang="en-US" dirty="0"/>
           </a:p>
           <a:p>
             <a:pPr marL="342900" indent="-342900">
+              <a:spcBef>
+                <a:spcPts val="600"/>
+              </a:spcBef>
               <a:buFont typeface="+mj-lt"/>
               <a:buAutoNum type="arabicPeriod"/>
             </a:pPr>
             <a:r>
-              <a:rPr lang="en-US" dirty="0" err="1"/>
-              <a:t>Asdf</a:t>
-            </a:r>
-            <a:endParaRPr lang="en-US" dirty="0"/>
+              <a:rPr lang="en-US" sz="1800" b="1" dirty="0"/>
+              <a:t>Speech Synthesis on Mobile Devices</a:t>
+            </a:r>
           </a:p>
           <a:p>
             <a:pPr marL="519113" lvl="1" indent="-342900">
+              <a:lnSpc>
+                <a:spcPct val="150000"/>
+              </a:lnSpc>
               <a:buFont typeface="+mj-lt"/>
               <a:buAutoNum type="alphaLcParenR"/>
             </a:pPr>
             <a:r>
-              <a:rPr lang="en-US" dirty="0" err="1"/>
-              <a:t>Asdf</a:t>
-            </a:r>
-            <a:r>
               <a:rPr lang="en-US" dirty="0"/>
-              <a:t>			</a:t>
+              <a:t>Motivation and Challenges	</a:t>
+            </a:r>
+          </a:p>
+          <a:p>
+            <a:pPr marL="519113" lvl="1" indent="-342900">
+              <a:lnSpc>
+                <a:spcPct val="150000"/>
+              </a:lnSpc>
+              <a:buFont typeface="+mj-lt"/>
+              <a:buAutoNum type="alphaLcParenR"/>
+            </a:pPr>
+            <a:r>
+              <a:rPr lang="en-US" dirty="0"/>
+              <a:t>Optimized HMM-based Synthesis		</a:t>
             </a:r>
             <a:r>
               <a:rPr lang="en-US" dirty="0">
                 <a:sym typeface="Wingdings" panose="05000000000000000000" pitchFamily="2" charset="2"/>
               </a:rPr>
-              <a:t> one paper</a:t>
-            </a:r>
-            <a:endParaRPr lang="en-US" dirty="0"/>
+              <a:t> </a:t>
+            </a:r>
+            <a:r>
+              <a:rPr lang="en-US" dirty="0" err="1"/>
+              <a:t>Tóth</a:t>
+            </a:r>
+            <a:r>
+              <a:rPr lang="en-US" dirty="0"/>
+              <a:t> et al. (2012), JACIII ’12</a:t>
+            </a:r>
           </a:p>
           <a:p>
             <a:pPr marL="519113" lvl="1" indent="-342900">
+              <a:lnSpc>
+                <a:spcPct val="150000"/>
+              </a:lnSpc>
               <a:buFont typeface="+mj-lt"/>
               <a:buAutoNum type="alphaLcParenR"/>
             </a:pPr>
             <a:r>
-              <a:rPr lang="en-US" dirty="0" err="1"/>
-              <a:t>Asdf</a:t>
-            </a:r>
-            <a:r>
               <a:rPr lang="en-US" dirty="0"/>
-              <a:t>			</a:t>
+              <a:t>Deep Learning-based Synthesis		</a:t>
             </a:r>
             <a:r>
               <a:rPr lang="en-US" dirty="0">
                 <a:sym typeface="Wingdings" panose="05000000000000000000" pitchFamily="2" charset="2"/>
               </a:rPr>
-              <a:t> one paper</a:t>
+              <a:t> </a:t>
+            </a:r>
+            <a:r>
+              <a:rPr lang="en-US" dirty="0" err="1"/>
+              <a:t>Boroş</a:t>
+            </a:r>
+            <a:r>
+              <a:rPr lang="en-US" dirty="0"/>
+              <a:t> et al. (2015)</a:t>
+            </a:r>
+            <a:r>
+              <a:rPr lang="en-US" dirty="0">
+                <a:sym typeface="Wingdings" panose="05000000000000000000" pitchFamily="2" charset="2"/>
+              </a:rPr>
+              <a:t>, MEDES ’15</a:t>
             </a:r>
             <a:endParaRPr lang="en-US" dirty="0"/>
           </a:p>
           <a:p>
             <a:pPr marL="342900" indent="-342900">
+              <a:spcBef>
+                <a:spcPts val="600"/>
+              </a:spcBef>
               <a:buFont typeface="+mj-lt"/>
               <a:buAutoNum type="arabicPeriod"/>
             </a:pPr>
             <a:r>
-              <a:rPr lang="en-US" dirty="0"/>
+              <a:rPr lang="en-US" sz="1800" b="1" dirty="0"/>
               <a:t>Conclusions</a:t>
             </a:r>
+          </a:p>
+        </p:txBody>
+      </p:sp>
+      <p:sp>
+        <p:nvSpPr>
+          <p:cNvPr id="6" name="Rechteck: abgerundete Ecken 5">
+            <a:extLst>
+              <a:ext uri="{FF2B5EF4-FFF2-40B4-BE49-F238E27FC236}">
+                <a16:creationId xmlns:a16="http://schemas.microsoft.com/office/drawing/2014/main" id="{E9EE7A46-9781-4695-ABAC-E96A7B1BE982}"/>
+              </a:ext>
+            </a:extLst>
+          </p:cNvPr>
+          <p:cNvSpPr/>
+          <p:nvPr/>
+        </p:nvSpPr>
+        <p:spPr>
+          <a:xfrm>
+            <a:off x="149542" y="3504032"/>
+            <a:ext cx="8122099" cy="317377"/>
+          </a:xfrm>
+          <a:prstGeom prst="roundRect">
+            <a:avLst/>
+          </a:prstGeom>
+          <a:noFill/>
+          <a:ln w="28575">
+            <a:solidFill>
+              <a:srgbClr val="0065BD"/>
+            </a:solidFill>
+          </a:ln>
+        </p:spPr>
+        <p:style>
+          <a:lnRef idx="2">
+            <a:schemeClr val="accent1">
+              <a:shade val="50000"/>
+            </a:schemeClr>
+          </a:lnRef>
+          <a:fillRef idx="1">
+            <a:schemeClr val="accent1"/>
+          </a:fillRef>
+          <a:effectRef idx="0">
+            <a:schemeClr val="accent1"/>
+          </a:effectRef>
+          <a:fontRef idx="minor">
+            <a:schemeClr val="lt1"/>
+          </a:fontRef>
+        </p:style>
+        <p:txBody>
+          <a:bodyPr rot="0" spcFirstLastPara="0" vertOverflow="overflow" horzOverflow="overflow" vert="horz" wrap="square" lIns="91440" tIns="45720" rIns="91440" bIns="45720" numCol="1" spcCol="0" rtlCol="0" fromWordArt="0" anchor="ctr" anchorCtr="0" forceAA="0" compatLnSpc="1">
+            <a:prstTxWarp prst="textNoShape">
+              <a:avLst/>
+            </a:prstTxWarp>
+            <a:noAutofit/>
+          </a:bodyPr>
+          <a:lstStyle/>
+          <a:p>
+            <a:pPr lvl="0" algn="ctr">
+              <a:lnSpc>
+                <a:spcPct val="114000"/>
+              </a:lnSpc>
+            </a:pPr>
+            <a:endParaRPr lang="de-DE" sz="1400" b="1" dirty="0">
+              <a:solidFill>
+                <a:srgbClr val="0065BD"/>
+              </a:solidFill>
+            </a:endParaRPr>
+          </a:p>
+        </p:txBody>
+      </p:sp>
+      <p:sp>
+        <p:nvSpPr>
+          <p:cNvPr id="7" name="Rechteck: abgerundete Ecken 6">
+            <a:extLst>
+              <a:ext uri="{FF2B5EF4-FFF2-40B4-BE49-F238E27FC236}">
+                <a16:creationId xmlns:a16="http://schemas.microsoft.com/office/drawing/2014/main" id="{EA82030C-0B3F-4626-95BD-368D88F1D0AE}"/>
+              </a:ext>
+            </a:extLst>
+          </p:cNvPr>
+          <p:cNvSpPr/>
+          <p:nvPr/>
+        </p:nvSpPr>
+        <p:spPr>
+          <a:xfrm>
+            <a:off x="149543" y="5432680"/>
+            <a:ext cx="8122098" cy="317377"/>
+          </a:xfrm>
+          <a:prstGeom prst="roundRect">
+            <a:avLst/>
+          </a:prstGeom>
+          <a:noFill/>
+          <a:ln w="28575">
+            <a:solidFill>
+              <a:srgbClr val="0065BD"/>
+            </a:solidFill>
+          </a:ln>
+        </p:spPr>
+        <p:style>
+          <a:lnRef idx="2">
+            <a:schemeClr val="accent1">
+              <a:shade val="50000"/>
+            </a:schemeClr>
+          </a:lnRef>
+          <a:fillRef idx="1">
+            <a:schemeClr val="accent1"/>
+          </a:fillRef>
+          <a:effectRef idx="0">
+            <a:schemeClr val="accent1"/>
+          </a:effectRef>
+          <a:fontRef idx="minor">
+            <a:schemeClr val="lt1"/>
+          </a:fontRef>
+        </p:style>
+        <p:txBody>
+          <a:bodyPr rot="0" spcFirstLastPara="0" vertOverflow="overflow" horzOverflow="overflow" vert="horz" wrap="square" lIns="91440" tIns="45720" rIns="91440" bIns="45720" numCol="1" spcCol="0" rtlCol="0" fromWordArt="0" anchor="ctr" anchorCtr="0" forceAA="0" compatLnSpc="1">
+            <a:prstTxWarp prst="textNoShape">
+              <a:avLst/>
+            </a:prstTxWarp>
+            <a:noAutofit/>
+          </a:bodyPr>
+          <a:lstStyle/>
+          <a:p>
+            <a:pPr lvl="0" algn="ctr">
+              <a:lnSpc>
+                <a:spcPct val="114000"/>
+              </a:lnSpc>
+            </a:pPr>
+            <a:endParaRPr lang="de-DE" sz="1400" b="1" dirty="0">
+              <a:solidFill>
+                <a:srgbClr val="0065BD"/>
+              </a:solidFill>
+            </a:endParaRPr>
+          </a:p>
+        </p:txBody>
+      </p:sp>
+      <p:sp>
+        <p:nvSpPr>
+          <p:cNvPr id="8" name="Rechteck: abgerundete Ecken 7">
+            <a:extLst>
+              <a:ext uri="{FF2B5EF4-FFF2-40B4-BE49-F238E27FC236}">
+                <a16:creationId xmlns:a16="http://schemas.microsoft.com/office/drawing/2014/main" id="{C3A925C6-530C-4F62-B37F-7A0C08A8CED0}"/>
+              </a:ext>
+            </a:extLst>
+          </p:cNvPr>
+          <p:cNvSpPr/>
+          <p:nvPr/>
+        </p:nvSpPr>
+        <p:spPr>
+          <a:xfrm>
+            <a:off x="149543" y="2281172"/>
+            <a:ext cx="3371424" cy="317377"/>
+          </a:xfrm>
+          <a:prstGeom prst="roundRect">
+            <a:avLst/>
+          </a:prstGeom>
+          <a:noFill/>
+          <a:ln w="28575">
+            <a:solidFill>
+              <a:srgbClr val="0065BD"/>
+            </a:solidFill>
+          </a:ln>
+        </p:spPr>
+        <p:style>
+          <a:lnRef idx="2">
+            <a:schemeClr val="accent1">
+              <a:shade val="50000"/>
+            </a:schemeClr>
+          </a:lnRef>
+          <a:fillRef idx="1">
+            <a:schemeClr val="accent1"/>
+          </a:fillRef>
+          <a:effectRef idx="0">
+            <a:schemeClr val="accent1"/>
+          </a:effectRef>
+          <a:fontRef idx="minor">
+            <a:schemeClr val="lt1"/>
+          </a:fontRef>
+        </p:style>
+        <p:txBody>
+          <a:bodyPr rot="0" spcFirstLastPara="0" vertOverflow="overflow" horzOverflow="overflow" vert="horz" wrap="square" lIns="91440" tIns="45720" rIns="91440" bIns="45720" numCol="1" spcCol="0" rtlCol="0" fromWordArt="0" anchor="ctr" anchorCtr="0" forceAA="0" compatLnSpc="1">
+            <a:prstTxWarp prst="textNoShape">
+              <a:avLst/>
+            </a:prstTxWarp>
+            <a:noAutofit/>
+          </a:bodyPr>
+          <a:lstStyle/>
+          <a:p>
+            <a:pPr lvl="0" algn="ctr">
+              <a:lnSpc>
+                <a:spcPct val="114000"/>
+              </a:lnSpc>
+            </a:pPr>
+            <a:endParaRPr lang="de-DE" sz="1400" b="1" dirty="0">
+              <a:solidFill>
+                <a:srgbClr val="0065BD"/>
+              </a:solidFill>
+            </a:endParaRPr>
           </a:p>
         </p:txBody>
       </p:sp>
@@ -34745,6 +37088,602 @@
   <p:clrMapOvr>
     <a:masterClrMapping/>
   </p:clrMapOvr>
+  <p:timing>
+    <p:tnLst>
+      <p:par>
+        <p:cTn id="1" dur="indefinite" restart="never" nodeType="tmRoot">
+          <p:childTnLst>
+            <p:seq concurrent="1" nextAc="seek">
+              <p:cTn id="2" dur="indefinite" nodeType="mainSeq">
+                <p:childTnLst>
+                  <p:par>
+                    <p:cTn id="3" fill="hold">
+                      <p:stCondLst>
+                        <p:cond delay="indefinite"/>
+                      </p:stCondLst>
+                      <p:childTnLst>
+                        <p:par>
+                          <p:cTn id="4" fill="hold">
+                            <p:stCondLst>
+                              <p:cond delay="0"/>
+                            </p:stCondLst>
+                            <p:childTnLst>
+                              <p:par>
+                                <p:cTn id="5" presetID="1" presetClass="entr" presetSubtype="0" fill="hold" nodeType="clickEffect">
+                                  <p:stCondLst>
+                                    <p:cond delay="0"/>
+                                  </p:stCondLst>
+                                  <p:childTnLst>
+                                    <p:set>
+                                      <p:cBhvr>
+                                        <p:cTn id="6" dur="1" fill="hold">
+                                          <p:stCondLst>
+                                            <p:cond delay="0"/>
+                                          </p:stCondLst>
+                                        </p:cTn>
+                                        <p:tgtEl>
+                                          <p:spTgt spid="5">
+                                            <p:txEl>
+                                              <p:pRg st="0" end="0"/>
+                                            </p:txEl>
+                                          </p:spTgt>
+                                        </p:tgtEl>
+                                        <p:attrNameLst>
+                                          <p:attrName>style.visibility</p:attrName>
+                                        </p:attrNameLst>
+                                      </p:cBhvr>
+                                      <p:to>
+                                        <p:strVal val="visible"/>
+                                      </p:to>
+                                    </p:set>
+                                  </p:childTnLst>
+                                </p:cTn>
+                              </p:par>
+                            </p:childTnLst>
+                          </p:cTn>
+                        </p:par>
+                      </p:childTnLst>
+                    </p:cTn>
+                  </p:par>
+                  <p:par>
+                    <p:cTn id="7" fill="hold">
+                      <p:stCondLst>
+                        <p:cond delay="indefinite"/>
+                      </p:stCondLst>
+                      <p:childTnLst>
+                        <p:par>
+                          <p:cTn id="8" fill="hold">
+                            <p:stCondLst>
+                              <p:cond delay="0"/>
+                            </p:stCondLst>
+                            <p:childTnLst>
+                              <p:par>
+                                <p:cTn id="9" presetID="1" presetClass="entr" presetSubtype="0" fill="hold" nodeType="clickEffect">
+                                  <p:stCondLst>
+                                    <p:cond delay="0"/>
+                                  </p:stCondLst>
+                                  <p:childTnLst>
+                                    <p:set>
+                                      <p:cBhvr>
+                                        <p:cTn id="10" dur="1" fill="hold">
+                                          <p:stCondLst>
+                                            <p:cond delay="0"/>
+                                          </p:stCondLst>
+                                        </p:cTn>
+                                        <p:tgtEl>
+                                          <p:spTgt spid="5">
+                                            <p:txEl>
+                                              <p:pRg st="1" end="1"/>
+                                            </p:txEl>
+                                          </p:spTgt>
+                                        </p:tgtEl>
+                                        <p:attrNameLst>
+                                          <p:attrName>style.visibility</p:attrName>
+                                        </p:attrNameLst>
+                                      </p:cBhvr>
+                                      <p:to>
+                                        <p:strVal val="visible"/>
+                                      </p:to>
+                                    </p:set>
+                                  </p:childTnLst>
+                                </p:cTn>
+                              </p:par>
+                              <p:par>
+                                <p:cTn id="11" presetID="1" presetClass="entr" presetSubtype="0" fill="hold" nodeType="withEffect">
+                                  <p:stCondLst>
+                                    <p:cond delay="0"/>
+                                  </p:stCondLst>
+                                  <p:childTnLst>
+                                    <p:set>
+                                      <p:cBhvr>
+                                        <p:cTn id="12" dur="1" fill="hold">
+                                          <p:stCondLst>
+                                            <p:cond delay="0"/>
+                                          </p:stCondLst>
+                                        </p:cTn>
+                                        <p:tgtEl>
+                                          <p:spTgt spid="5">
+                                            <p:txEl>
+                                              <p:pRg st="2" end="2"/>
+                                            </p:txEl>
+                                          </p:spTgt>
+                                        </p:tgtEl>
+                                        <p:attrNameLst>
+                                          <p:attrName>style.visibility</p:attrName>
+                                        </p:attrNameLst>
+                                      </p:cBhvr>
+                                      <p:to>
+                                        <p:strVal val="visible"/>
+                                      </p:to>
+                                    </p:set>
+                                  </p:childTnLst>
+                                </p:cTn>
+                              </p:par>
+                              <p:par>
+                                <p:cTn id="13" presetID="1" presetClass="entr" presetSubtype="0" fill="hold" nodeType="withEffect">
+                                  <p:stCondLst>
+                                    <p:cond delay="0"/>
+                                  </p:stCondLst>
+                                  <p:childTnLst>
+                                    <p:set>
+                                      <p:cBhvr>
+                                        <p:cTn id="14" dur="1" fill="hold">
+                                          <p:stCondLst>
+                                            <p:cond delay="0"/>
+                                          </p:stCondLst>
+                                        </p:cTn>
+                                        <p:tgtEl>
+                                          <p:spTgt spid="5">
+                                            <p:txEl>
+                                              <p:pRg st="3" end="3"/>
+                                            </p:txEl>
+                                          </p:spTgt>
+                                        </p:tgtEl>
+                                        <p:attrNameLst>
+                                          <p:attrName>style.visibility</p:attrName>
+                                        </p:attrNameLst>
+                                      </p:cBhvr>
+                                      <p:to>
+                                        <p:strVal val="visible"/>
+                                      </p:to>
+                                    </p:set>
+                                  </p:childTnLst>
+                                </p:cTn>
+                              </p:par>
+                            </p:childTnLst>
+                          </p:cTn>
+                        </p:par>
+                      </p:childTnLst>
+                    </p:cTn>
+                  </p:par>
+                  <p:par>
+                    <p:cTn id="15" fill="hold">
+                      <p:stCondLst>
+                        <p:cond delay="indefinite"/>
+                      </p:stCondLst>
+                      <p:childTnLst>
+                        <p:par>
+                          <p:cTn id="16" fill="hold">
+                            <p:stCondLst>
+                              <p:cond delay="0"/>
+                            </p:stCondLst>
+                            <p:childTnLst>
+                              <p:par>
+                                <p:cTn id="17" presetID="1" presetClass="entr" presetSubtype="0" fill="hold" nodeType="clickEffect">
+                                  <p:stCondLst>
+                                    <p:cond delay="0"/>
+                                  </p:stCondLst>
+                                  <p:childTnLst>
+                                    <p:set>
+                                      <p:cBhvr>
+                                        <p:cTn id="18" dur="1" fill="hold">
+                                          <p:stCondLst>
+                                            <p:cond delay="0"/>
+                                          </p:stCondLst>
+                                        </p:cTn>
+                                        <p:tgtEl>
+                                          <p:spTgt spid="5">
+                                            <p:txEl>
+                                              <p:pRg st="4" end="4"/>
+                                            </p:txEl>
+                                          </p:spTgt>
+                                        </p:tgtEl>
+                                        <p:attrNameLst>
+                                          <p:attrName>style.visibility</p:attrName>
+                                        </p:attrNameLst>
+                                      </p:cBhvr>
+                                      <p:to>
+                                        <p:strVal val="visible"/>
+                                      </p:to>
+                                    </p:set>
+                                  </p:childTnLst>
+                                </p:cTn>
+                              </p:par>
+                              <p:par>
+                                <p:cTn id="19" presetID="1" presetClass="entr" presetSubtype="0" fill="hold" nodeType="withEffect">
+                                  <p:stCondLst>
+                                    <p:cond delay="0"/>
+                                  </p:stCondLst>
+                                  <p:childTnLst>
+                                    <p:set>
+                                      <p:cBhvr>
+                                        <p:cTn id="20" dur="1" fill="hold">
+                                          <p:stCondLst>
+                                            <p:cond delay="0"/>
+                                          </p:stCondLst>
+                                        </p:cTn>
+                                        <p:tgtEl>
+                                          <p:spTgt spid="5">
+                                            <p:txEl>
+                                              <p:pRg st="5" end="5"/>
+                                            </p:txEl>
+                                          </p:spTgt>
+                                        </p:tgtEl>
+                                        <p:attrNameLst>
+                                          <p:attrName>style.visibility</p:attrName>
+                                        </p:attrNameLst>
+                                      </p:cBhvr>
+                                      <p:to>
+                                        <p:strVal val="visible"/>
+                                      </p:to>
+                                    </p:set>
+                                  </p:childTnLst>
+                                </p:cTn>
+                              </p:par>
+                              <p:par>
+                                <p:cTn id="21" presetID="1" presetClass="entr" presetSubtype="0" fill="hold" nodeType="withEffect">
+                                  <p:stCondLst>
+                                    <p:cond delay="0"/>
+                                  </p:stCondLst>
+                                  <p:childTnLst>
+                                    <p:set>
+                                      <p:cBhvr>
+                                        <p:cTn id="22" dur="1" fill="hold">
+                                          <p:stCondLst>
+                                            <p:cond delay="0"/>
+                                          </p:stCondLst>
+                                        </p:cTn>
+                                        <p:tgtEl>
+                                          <p:spTgt spid="5">
+                                            <p:txEl>
+                                              <p:pRg st="6" end="6"/>
+                                            </p:txEl>
+                                          </p:spTgt>
+                                        </p:tgtEl>
+                                        <p:attrNameLst>
+                                          <p:attrName>style.visibility</p:attrName>
+                                        </p:attrNameLst>
+                                      </p:cBhvr>
+                                      <p:to>
+                                        <p:strVal val="visible"/>
+                                      </p:to>
+                                    </p:set>
+                                  </p:childTnLst>
+                                </p:cTn>
+                              </p:par>
+                            </p:childTnLst>
+                          </p:cTn>
+                        </p:par>
+                      </p:childTnLst>
+                    </p:cTn>
+                  </p:par>
+                  <p:par>
+                    <p:cTn id="23" fill="hold">
+                      <p:stCondLst>
+                        <p:cond delay="indefinite"/>
+                      </p:stCondLst>
+                      <p:childTnLst>
+                        <p:par>
+                          <p:cTn id="24" fill="hold">
+                            <p:stCondLst>
+                              <p:cond delay="0"/>
+                            </p:stCondLst>
+                            <p:childTnLst>
+                              <p:par>
+                                <p:cTn id="25" presetID="1" presetClass="entr" presetSubtype="0" fill="hold" nodeType="clickEffect">
+                                  <p:stCondLst>
+                                    <p:cond delay="0"/>
+                                  </p:stCondLst>
+                                  <p:childTnLst>
+                                    <p:set>
+                                      <p:cBhvr>
+                                        <p:cTn id="26" dur="1" fill="hold">
+                                          <p:stCondLst>
+                                            <p:cond delay="0"/>
+                                          </p:stCondLst>
+                                        </p:cTn>
+                                        <p:tgtEl>
+                                          <p:spTgt spid="5">
+                                            <p:txEl>
+                                              <p:pRg st="7" end="7"/>
+                                            </p:txEl>
+                                          </p:spTgt>
+                                        </p:tgtEl>
+                                        <p:attrNameLst>
+                                          <p:attrName>style.visibility</p:attrName>
+                                        </p:attrNameLst>
+                                      </p:cBhvr>
+                                      <p:to>
+                                        <p:strVal val="visible"/>
+                                      </p:to>
+                                    </p:set>
+                                  </p:childTnLst>
+                                </p:cTn>
+                              </p:par>
+                              <p:par>
+                                <p:cTn id="27" presetID="1" presetClass="entr" presetSubtype="0" fill="hold" nodeType="withEffect">
+                                  <p:stCondLst>
+                                    <p:cond delay="0"/>
+                                  </p:stCondLst>
+                                  <p:childTnLst>
+                                    <p:set>
+                                      <p:cBhvr>
+                                        <p:cTn id="28" dur="1" fill="hold">
+                                          <p:stCondLst>
+                                            <p:cond delay="0"/>
+                                          </p:stCondLst>
+                                        </p:cTn>
+                                        <p:tgtEl>
+                                          <p:spTgt spid="5">
+                                            <p:txEl>
+                                              <p:pRg st="8" end="8"/>
+                                            </p:txEl>
+                                          </p:spTgt>
+                                        </p:tgtEl>
+                                        <p:attrNameLst>
+                                          <p:attrName>style.visibility</p:attrName>
+                                        </p:attrNameLst>
+                                      </p:cBhvr>
+                                      <p:to>
+                                        <p:strVal val="visible"/>
+                                      </p:to>
+                                    </p:set>
+                                  </p:childTnLst>
+                                </p:cTn>
+                              </p:par>
+                              <p:par>
+                                <p:cTn id="29" presetID="1" presetClass="entr" presetSubtype="0" fill="hold" nodeType="withEffect">
+                                  <p:stCondLst>
+                                    <p:cond delay="0"/>
+                                  </p:stCondLst>
+                                  <p:childTnLst>
+                                    <p:set>
+                                      <p:cBhvr>
+                                        <p:cTn id="30" dur="1" fill="hold">
+                                          <p:stCondLst>
+                                            <p:cond delay="0"/>
+                                          </p:stCondLst>
+                                        </p:cTn>
+                                        <p:tgtEl>
+                                          <p:spTgt spid="5">
+                                            <p:txEl>
+                                              <p:pRg st="9" end="9"/>
+                                            </p:txEl>
+                                          </p:spTgt>
+                                        </p:tgtEl>
+                                        <p:attrNameLst>
+                                          <p:attrName>style.visibility</p:attrName>
+                                        </p:attrNameLst>
+                                      </p:cBhvr>
+                                      <p:to>
+                                        <p:strVal val="visible"/>
+                                      </p:to>
+                                    </p:set>
+                                  </p:childTnLst>
+                                </p:cTn>
+                              </p:par>
+                              <p:par>
+                                <p:cTn id="31" presetID="1" presetClass="entr" presetSubtype="0" fill="hold" nodeType="withEffect">
+                                  <p:stCondLst>
+                                    <p:cond delay="0"/>
+                                  </p:stCondLst>
+                                  <p:childTnLst>
+                                    <p:set>
+                                      <p:cBhvr>
+                                        <p:cTn id="32" dur="1" fill="hold">
+                                          <p:stCondLst>
+                                            <p:cond delay="0"/>
+                                          </p:stCondLst>
+                                        </p:cTn>
+                                        <p:tgtEl>
+                                          <p:spTgt spid="5">
+                                            <p:txEl>
+                                              <p:pRg st="10" end="10"/>
+                                            </p:txEl>
+                                          </p:spTgt>
+                                        </p:tgtEl>
+                                        <p:attrNameLst>
+                                          <p:attrName>style.visibility</p:attrName>
+                                        </p:attrNameLst>
+                                      </p:cBhvr>
+                                      <p:to>
+                                        <p:strVal val="visible"/>
+                                      </p:to>
+                                    </p:set>
+                                  </p:childTnLst>
+                                </p:cTn>
+                              </p:par>
+                            </p:childTnLst>
+                          </p:cTn>
+                        </p:par>
+                      </p:childTnLst>
+                    </p:cTn>
+                  </p:par>
+                  <p:par>
+                    <p:cTn id="33" fill="hold">
+                      <p:stCondLst>
+                        <p:cond delay="indefinite"/>
+                      </p:stCondLst>
+                      <p:childTnLst>
+                        <p:par>
+                          <p:cTn id="34" fill="hold">
+                            <p:stCondLst>
+                              <p:cond delay="0"/>
+                            </p:stCondLst>
+                            <p:childTnLst>
+                              <p:par>
+                                <p:cTn id="35" presetID="1" presetClass="entr" presetSubtype="0" fill="hold" nodeType="clickEffect">
+                                  <p:stCondLst>
+                                    <p:cond delay="0"/>
+                                  </p:stCondLst>
+                                  <p:childTnLst>
+                                    <p:set>
+                                      <p:cBhvr>
+                                        <p:cTn id="36" dur="1" fill="hold">
+                                          <p:stCondLst>
+                                            <p:cond delay="0"/>
+                                          </p:stCondLst>
+                                        </p:cTn>
+                                        <p:tgtEl>
+                                          <p:spTgt spid="5">
+                                            <p:txEl>
+                                              <p:pRg st="11" end="11"/>
+                                            </p:txEl>
+                                          </p:spTgt>
+                                        </p:tgtEl>
+                                        <p:attrNameLst>
+                                          <p:attrName>style.visibility</p:attrName>
+                                        </p:attrNameLst>
+                                      </p:cBhvr>
+                                      <p:to>
+                                        <p:strVal val="visible"/>
+                                      </p:to>
+                                    </p:set>
+                                  </p:childTnLst>
+                                </p:cTn>
+                              </p:par>
+                            </p:childTnLst>
+                          </p:cTn>
+                        </p:par>
+                      </p:childTnLst>
+                    </p:cTn>
+                  </p:par>
+                  <p:par>
+                    <p:cTn id="37" fill="hold">
+                      <p:stCondLst>
+                        <p:cond delay="indefinite"/>
+                      </p:stCondLst>
+                      <p:childTnLst>
+                        <p:par>
+                          <p:cTn id="38" fill="hold">
+                            <p:stCondLst>
+                              <p:cond delay="0"/>
+                            </p:stCondLst>
+                            <p:childTnLst>
+                              <p:par>
+                                <p:cTn id="39" presetID="1" presetClass="entr" presetSubtype="0" fill="hold" grpId="0" nodeType="clickEffect">
+                                  <p:stCondLst>
+                                    <p:cond delay="0"/>
+                                  </p:stCondLst>
+                                  <p:childTnLst>
+                                    <p:set>
+                                      <p:cBhvr>
+                                        <p:cTn id="40" dur="1" fill="hold">
+                                          <p:stCondLst>
+                                            <p:cond delay="0"/>
+                                          </p:stCondLst>
+                                        </p:cTn>
+                                        <p:tgtEl>
+                                          <p:spTgt spid="6"/>
+                                        </p:tgtEl>
+                                        <p:attrNameLst>
+                                          <p:attrName>style.visibility</p:attrName>
+                                        </p:attrNameLst>
+                                      </p:cBhvr>
+                                      <p:to>
+                                        <p:strVal val="visible"/>
+                                      </p:to>
+                                    </p:set>
+                                  </p:childTnLst>
+                                </p:cTn>
+                              </p:par>
+                              <p:par>
+                                <p:cTn id="41" presetID="1" presetClass="entr" presetSubtype="0" fill="hold" grpId="0" nodeType="withEffect">
+                                  <p:stCondLst>
+                                    <p:cond delay="0"/>
+                                  </p:stCondLst>
+                                  <p:childTnLst>
+                                    <p:set>
+                                      <p:cBhvr>
+                                        <p:cTn id="42" dur="1" fill="hold">
+                                          <p:stCondLst>
+                                            <p:cond delay="0"/>
+                                          </p:stCondLst>
+                                        </p:cTn>
+                                        <p:tgtEl>
+                                          <p:spTgt spid="7"/>
+                                        </p:tgtEl>
+                                        <p:attrNameLst>
+                                          <p:attrName>style.visibility</p:attrName>
+                                        </p:attrNameLst>
+                                      </p:cBhvr>
+                                      <p:to>
+                                        <p:strVal val="visible"/>
+                                      </p:to>
+                                    </p:set>
+                                  </p:childTnLst>
+                                </p:cTn>
+                              </p:par>
+                              <p:par>
+                                <p:cTn id="43" presetID="1" presetClass="entr" presetSubtype="0" fill="hold" grpId="0" nodeType="withEffect">
+                                  <p:stCondLst>
+                                    <p:cond delay="0"/>
+                                  </p:stCondLst>
+                                  <p:childTnLst>
+                                    <p:set>
+                                      <p:cBhvr>
+                                        <p:cTn id="44" dur="1" fill="hold">
+                                          <p:stCondLst>
+                                            <p:cond delay="0"/>
+                                          </p:stCondLst>
+                                        </p:cTn>
+                                        <p:tgtEl>
+                                          <p:spTgt spid="8"/>
+                                        </p:tgtEl>
+                                        <p:attrNameLst>
+                                          <p:attrName>style.visibility</p:attrName>
+                                        </p:attrNameLst>
+                                      </p:cBhvr>
+                                      <p:to>
+                                        <p:strVal val="visible"/>
+                                      </p:to>
+                                    </p:set>
+                                  </p:childTnLst>
+                                </p:cTn>
+                              </p:par>
+                            </p:childTnLst>
+                          </p:cTn>
+                        </p:par>
+                      </p:childTnLst>
+                    </p:cTn>
+                  </p:par>
+                </p:childTnLst>
+              </p:cTn>
+              <p:prevCondLst>
+                <p:cond evt="onPrev" delay="0">
+                  <p:tgtEl>
+                    <p:sldTgt/>
+                  </p:tgtEl>
+                </p:cond>
+              </p:prevCondLst>
+              <p:nextCondLst>
+                <p:cond evt="onNext" delay="0">
+                  <p:tgtEl>
+                    <p:sldTgt/>
+                  </p:tgtEl>
+                </p:cond>
+              </p:nextCondLst>
+            </p:seq>
+          </p:childTnLst>
+        </p:cTn>
+      </p:par>
+    </p:tnLst>
+    <p:bldLst>
+      <p:bldP spid="6" grpId="0" animBg="1"/>
+      <p:bldP spid="7" grpId="0" animBg="1"/>
+      <p:bldP spid="8" grpId="0" animBg="1"/>
+    </p:bldLst>
+  </p:timing>
 </p:sld>
 </file>
 
@@ -37793,7 +40732,7 @@
         <p:spPr>
           <a:xfrm>
             <a:off x="942025" y="5952549"/>
-            <a:ext cx="7272909" cy="421077"/>
+            <a:ext cx="7272909" cy="280718"/>
           </a:xfrm>
           <a:prstGeom prst="rect">
             <a:avLst/>
@@ -37827,34 +40766,7 @@
             </a:r>
             <a:r>
               <a:rPr lang="en-US" sz="800" dirty="0"/>
-              <a:t>Robust deep-learning models for text-to-speech synthesis support on embedded devices, Proceedings of the 7th</a:t>
-            </a:r>
-          </a:p>
-          <a:p>
-            <a:pPr algn="ctr">
-              <a:lnSpc>
-                <a:spcPct val="114000"/>
-              </a:lnSpc>
-            </a:pPr>
-            <a:r>
-              <a:rPr lang="en-US" sz="800" dirty="0"/>
-              <a:t>International Conference on Management of Computational and Collective </a:t>
-            </a:r>
-            <a:r>
-              <a:rPr lang="en-US" sz="800" dirty="0" err="1"/>
-              <a:t>intElligence</a:t>
-            </a:r>
-            <a:r>
-              <a:rPr lang="en-US" sz="800" dirty="0"/>
-              <a:t> in Digital </a:t>
-            </a:r>
-            <a:r>
-              <a:rPr lang="en-US" sz="800" dirty="0" err="1"/>
-              <a:t>EcoSystems</a:t>
-            </a:r>
-            <a:r>
-              <a:rPr lang="en-US" sz="800" dirty="0"/>
-              <a:t> (MEDES ’15)</a:t>
+              <a:t>Robust deep-learning models for text-to-speech synthesis support on embedded devices, MEDES’15</a:t>
             </a:r>
           </a:p>
           <a:p>

--- a/pres/Final_Presentation_V03.pptx
+++ b/pres/Final_Presentation_V03.pptx
@@ -10,10 +10,10 @@
     <p:sldMasterId id="2147483697" r:id="rId6"/>
   </p:sldMasterIdLst>
   <p:notesMasterIdLst>
-    <p:notesMasterId r:id="rId35"/>
+    <p:notesMasterId r:id="rId33"/>
   </p:notesMasterIdLst>
   <p:handoutMasterIdLst>
-    <p:handoutMasterId r:id="rId36"/>
+    <p:handoutMasterId r:id="rId34"/>
   </p:handoutMasterIdLst>
   <p:sldIdLst>
     <p:sldId id="403" r:id="rId7"/>
@@ -37,13 +37,11 @@
     <p:sldId id="430" r:id="rId25"/>
     <p:sldId id="438" r:id="rId26"/>
     <p:sldId id="407" r:id="rId27"/>
-    <p:sldId id="440" r:id="rId28"/>
-    <p:sldId id="409" r:id="rId29"/>
-    <p:sldId id="423" r:id="rId30"/>
-    <p:sldId id="432" r:id="rId31"/>
+    <p:sldId id="423" r:id="rId28"/>
+    <p:sldId id="432" r:id="rId29"/>
+    <p:sldId id="417" r:id="rId30"/>
+    <p:sldId id="419" r:id="rId31"/>
     <p:sldId id="411" r:id="rId32"/>
-    <p:sldId id="417" r:id="rId33"/>
-    <p:sldId id="419" r:id="rId34"/>
   </p:sldIdLst>
   <p:sldSz cx="9144000" cy="6858000" type="screen4x3"/>
   <p:notesSz cx="9925050" cy="6665913"/>
@@ -214,17 +212,15 @@
           <p14:sldIdLst>
             <p14:sldId id="438"/>
             <p14:sldId id="407"/>
-            <p14:sldId id="440"/>
-            <p14:sldId id="409"/>
           </p14:sldIdLst>
         </p14:section>
         <p14:section name="Backup" id="{01028BB3-2A12-4CDE-8052-5EDDD686E288}">
           <p14:sldIdLst>
             <p14:sldId id="423"/>
             <p14:sldId id="432"/>
-            <p14:sldId id="411"/>
             <p14:sldId id="417"/>
             <p14:sldId id="419"/>
+            <p14:sldId id="411"/>
           </p14:sldIdLst>
         </p14:section>
       </p14:sectionLst>
@@ -2229,14 +2225,14 @@
             </a:lnSpc>
           </a:pPr>
           <a:r>
-            <a:rPr lang="en-US" sz="1400" dirty="0">
+            <a:rPr lang="en-US" sz="2800" dirty="0">
               <a:solidFill>
                 <a:schemeClr val="bg1"/>
               </a:solidFill>
             </a:rPr>
             <a:t>Mobile devices</a:t>
           </a:r>
-          <a:endParaRPr lang="de-DE" sz="1400" b="1" dirty="0">
+          <a:endParaRPr lang="de-DE" sz="2800" b="1" dirty="0">
             <a:solidFill>
               <a:schemeClr val="bg1"/>
             </a:solidFill>
@@ -2251,7 +2247,7 @@
         <a:bodyPr/>
         <a:lstStyle/>
         <a:p>
-          <a:endParaRPr lang="de-DE">
+          <a:endParaRPr lang="de-DE" sz="2400">
             <a:solidFill>
               <a:schemeClr val="bg1"/>
             </a:solidFill>
@@ -2266,7 +2262,7 @@
         <a:bodyPr/>
         <a:lstStyle/>
         <a:p>
-          <a:endParaRPr lang="de-DE">
+          <a:endParaRPr lang="de-DE" sz="2400">
             <a:solidFill>
               <a:schemeClr val="bg1"/>
             </a:solidFill>
@@ -2291,7 +2287,7 @@
         <a:lstStyle/>
         <a:p>
           <a:r>
-            <a:rPr lang="de-DE" sz="1400" dirty="0">
+            <a:rPr lang="de-DE" sz="1800" dirty="0">
               <a:solidFill>
                 <a:schemeClr val="bg1"/>
               </a:solidFill>
@@ -2299,14 +2295,14 @@
             <a:t>Real-time </a:t>
           </a:r>
           <a:r>
-            <a:rPr lang="de-DE" sz="1400" dirty="0" err="1">
+            <a:rPr lang="de-DE" sz="1800" dirty="0" err="1">
               <a:solidFill>
                 <a:schemeClr val="bg1"/>
               </a:solidFill>
             </a:rPr>
             <a:t>responsiveness</a:t>
           </a:r>
-          <a:endParaRPr lang="de-DE" sz="1400" dirty="0">
+          <a:endParaRPr lang="de-DE" sz="1800" dirty="0">
             <a:solidFill>
               <a:schemeClr val="bg1"/>
             </a:solidFill>
@@ -2321,7 +2317,7 @@
         <a:bodyPr/>
         <a:lstStyle/>
         <a:p>
-          <a:endParaRPr lang="de-DE">
+          <a:endParaRPr lang="de-DE" sz="2400">
             <a:solidFill>
               <a:schemeClr val="bg1"/>
             </a:solidFill>
@@ -2336,7 +2332,7 @@
         <a:bodyPr/>
         <a:lstStyle/>
         <a:p>
-          <a:endParaRPr lang="de-DE">
+          <a:endParaRPr lang="de-DE" sz="2400">
             <a:solidFill>
               <a:schemeClr val="bg1"/>
             </a:solidFill>
@@ -2361,7 +2357,7 @@
         <a:lstStyle/>
         <a:p>
           <a:r>
-            <a:rPr lang="de-DE" sz="1400" dirty="0">
+            <a:rPr lang="de-DE" sz="1800" dirty="0">
               <a:solidFill>
                 <a:schemeClr val="bg1"/>
               </a:solidFill>
@@ -2369,14 +2365,14 @@
             <a:t>Memory </a:t>
           </a:r>
           <a:r>
-            <a:rPr lang="de-DE" sz="1400" dirty="0" err="1">
+            <a:rPr lang="de-DE" sz="1800" dirty="0" err="1">
               <a:solidFill>
                 <a:schemeClr val="bg1"/>
               </a:solidFill>
             </a:rPr>
             <a:t>constraints</a:t>
           </a:r>
-          <a:endParaRPr lang="de-DE" sz="1400" dirty="0">
+          <a:endParaRPr lang="de-DE" sz="1800" dirty="0">
             <a:solidFill>
               <a:schemeClr val="bg1"/>
             </a:solidFill>
@@ -2391,7 +2387,7 @@
         <a:bodyPr/>
         <a:lstStyle/>
         <a:p>
-          <a:endParaRPr lang="de-DE">
+          <a:endParaRPr lang="de-DE" sz="2400">
             <a:solidFill>
               <a:schemeClr val="bg1"/>
             </a:solidFill>
@@ -2406,7 +2402,7 @@
         <a:bodyPr/>
         <a:lstStyle/>
         <a:p>
-          <a:endParaRPr lang="de-DE">
+          <a:endParaRPr lang="de-DE" sz="2400">
             <a:solidFill>
               <a:schemeClr val="bg1"/>
             </a:solidFill>
@@ -2431,7 +2427,7 @@
         <a:lstStyle/>
         <a:p>
           <a:r>
-            <a:rPr lang="de-DE" sz="1400" dirty="0">
+            <a:rPr lang="de-DE" sz="1800" dirty="0">
               <a:solidFill>
                 <a:schemeClr val="bg1"/>
               </a:solidFill>
@@ -2439,14 +2435,14 @@
             <a:t>Power </a:t>
           </a:r>
           <a:r>
-            <a:rPr lang="de-DE" sz="1400" dirty="0" err="1">
+            <a:rPr lang="de-DE" sz="1800" dirty="0" err="1">
               <a:solidFill>
                 <a:schemeClr val="bg1"/>
               </a:solidFill>
             </a:rPr>
             <a:t>consumption</a:t>
           </a:r>
-          <a:endParaRPr lang="de-DE" sz="1400" dirty="0">
+          <a:endParaRPr lang="de-DE" sz="1800" dirty="0">
             <a:solidFill>
               <a:schemeClr val="bg1"/>
             </a:solidFill>
@@ -2461,7 +2457,7 @@
         <a:bodyPr/>
         <a:lstStyle/>
         <a:p>
-          <a:endParaRPr lang="de-DE">
+          <a:endParaRPr lang="de-DE" sz="2400">
             <a:solidFill>
               <a:schemeClr val="bg1"/>
             </a:solidFill>
@@ -2476,7 +2472,7 @@
         <a:bodyPr/>
         <a:lstStyle/>
         <a:p>
-          <a:endParaRPr lang="de-DE">
+          <a:endParaRPr lang="de-DE" sz="2400">
             <a:solidFill>
               <a:schemeClr val="bg1"/>
             </a:solidFill>
@@ -2514,7 +2510,7 @@
       <dgm:spPr/>
     </dgm:pt>
     <dgm:pt modelId="{31A3DF99-8659-406C-BEE7-F39AD2297B83}" type="pres">
-      <dgm:prSet presAssocID="{2A5BBEC4-1208-41F4-BB3F-4D0AFBB6E704}" presName="text0" presStyleLbl="node1" presStyleIdx="1" presStyleCnt="4" custScaleX="220355" custScaleY="66106">
+      <dgm:prSet presAssocID="{2A5BBEC4-1208-41F4-BB3F-4D0AFBB6E704}" presName="text0" presStyleLbl="node1" presStyleIdx="1" presStyleCnt="4" custScaleX="261612" custScaleY="65403">
         <dgm:presLayoutVars>
           <dgm:bulletEnabled val="1"/>
         </dgm:presLayoutVars>
@@ -2526,7 +2522,7 @@
       <dgm:spPr/>
     </dgm:pt>
     <dgm:pt modelId="{3249EC3E-C3A9-4AD5-A894-47E93FED7D96}" type="pres">
-      <dgm:prSet presAssocID="{8CB7F9F2-964C-4FE6-8FAC-BEB6AF627E9F}" presName="text0" presStyleLbl="node1" presStyleIdx="2" presStyleCnt="4" custScaleX="220355" custScaleY="66106">
+      <dgm:prSet presAssocID="{8CB7F9F2-964C-4FE6-8FAC-BEB6AF627E9F}" presName="text0" presStyleLbl="node1" presStyleIdx="2" presStyleCnt="4" custScaleX="261612" custScaleY="65403">
         <dgm:presLayoutVars>
           <dgm:bulletEnabled val="1"/>
         </dgm:presLayoutVars>
@@ -2538,7 +2534,7 @@
       <dgm:spPr/>
     </dgm:pt>
     <dgm:pt modelId="{45C214AA-913B-4D9D-9BF7-794B9B2AAB9F}" type="pres">
-      <dgm:prSet presAssocID="{5973B48E-E351-4BE9-BCBF-B8314B1AAF89}" presName="text0" presStyleLbl="node1" presStyleIdx="3" presStyleCnt="4" custScaleX="220355" custScaleY="66106">
+      <dgm:prSet presAssocID="{5973B48E-E351-4BE9-BCBF-B8314B1AAF89}" presName="text0" presStyleLbl="node1" presStyleIdx="3" presStyleCnt="4" custScaleX="261612" custScaleY="65403">
         <dgm:presLayoutVars>
           <dgm:bulletEnabled val="1"/>
         </dgm:presLayoutVars>
@@ -3079,8 +3075,8 @@
       </dsp:nvSpPr>
       <dsp:spPr>
         <a:xfrm>
-          <a:off x="1632776" y="1539838"/>
-          <a:ext cx="1882749" cy="1376805"/>
+          <a:off x="2200453" y="2075202"/>
+          <a:ext cx="2537334" cy="1855487"/>
         </a:xfrm>
         <a:prstGeom prst="roundRect">
           <a:avLst/>
@@ -3111,12 +3107,12 @@
         </a:fontRef>
       </dsp:style>
       <dsp:txBody>
-        <a:bodyPr spcFirstLastPara="0" vert="horz" wrap="square" lIns="35560" tIns="35560" rIns="35560" bIns="35560" numCol="1" spcCol="1270" anchor="ctr" anchorCtr="0">
+        <a:bodyPr spcFirstLastPara="0" vert="horz" wrap="square" lIns="71120" tIns="71120" rIns="71120" bIns="71120" numCol="1" spcCol="1270" anchor="ctr" anchorCtr="0">
           <a:noAutofit/>
         </a:bodyPr>
         <a:lstStyle/>
         <a:p>
-          <a:pPr marL="0" lvl="0" indent="0" algn="ctr" defTabSz="622300">
+          <a:pPr marL="0" lvl="0" indent="0" algn="ctr" defTabSz="1244600">
             <a:lnSpc>
               <a:spcPct val="125000"/>
             </a:lnSpc>
@@ -3129,14 +3125,14 @@
             <a:buNone/>
           </a:pPr>
           <a:r>
-            <a:rPr lang="en-US" sz="1400" kern="1200" dirty="0">
+            <a:rPr lang="en-US" sz="2800" kern="1200" dirty="0">
               <a:solidFill>
                 <a:schemeClr val="bg1"/>
               </a:solidFill>
             </a:rPr>
             <a:t>Mobile devices</a:t>
           </a:r>
-          <a:endParaRPr lang="de-DE" sz="1400" b="1" kern="1200" dirty="0">
+          <a:endParaRPr lang="de-DE" sz="2800" b="1" kern="1200" dirty="0">
             <a:solidFill>
               <a:schemeClr val="bg1"/>
             </a:solidFill>
@@ -3144,8 +3140,8 @@
         </a:p>
       </dsp:txBody>
       <dsp:txXfrm>
-        <a:off x="1699986" y="1607048"/>
-        <a:ext cx="1748329" cy="1242385"/>
+        <a:off x="2291030" y="2165779"/>
+        <a:ext cx="2356180" cy="1674333"/>
       </dsp:txXfrm>
     </dsp:sp>
     <dsp:sp modelId="{4C29F58F-00D9-43F6-8D88-025F6A292C3F}">
@@ -3155,8 +3151,8 @@
       </dsp:nvSpPr>
       <dsp:spPr>
         <a:xfrm rot="16196622">
-          <a:off x="2251769" y="1218449"/>
-          <a:ext cx="642778" cy="0"/>
+          <a:off x="3032718" y="1640139"/>
+          <a:ext cx="870126" cy="0"/>
         </a:xfrm>
         <a:custGeom>
           <a:avLst/>
@@ -3170,7 +3166,7 @@
                 <a:pt x="0" y="0"/>
               </a:moveTo>
               <a:lnTo>
-                <a:pt x="642778" y="0"/>
+                <a:pt x="870126" y="0"/>
               </a:lnTo>
             </a:path>
           </a:pathLst>
@@ -3210,8 +3206,8 @@
       </dsp:nvSpPr>
       <dsp:spPr>
         <a:xfrm>
-          <a:off x="1672577" y="357064"/>
-          <a:ext cx="1800000" cy="539996"/>
+          <a:off x="2026999" y="485076"/>
+          <a:ext cx="2880001" cy="720000"/>
         </a:xfrm>
         <a:prstGeom prst="roundRect">
           <a:avLst/>
@@ -3242,12 +3238,12 @@
         </a:fontRef>
       </dsp:style>
       <dsp:txBody>
-        <a:bodyPr spcFirstLastPara="0" vert="horz" wrap="square" lIns="35560" tIns="35560" rIns="35560" bIns="35560" numCol="1" spcCol="1270" anchor="ctr" anchorCtr="0">
+        <a:bodyPr spcFirstLastPara="0" vert="horz" wrap="square" lIns="45720" tIns="45720" rIns="45720" bIns="45720" numCol="1" spcCol="1270" anchor="ctr" anchorCtr="0">
           <a:noAutofit/>
         </a:bodyPr>
         <a:lstStyle/>
         <a:p>
-          <a:pPr marL="0" lvl="0" indent="0" algn="ctr" defTabSz="622300">
+          <a:pPr marL="0" lvl="0" indent="0" algn="ctr" defTabSz="800100">
             <a:lnSpc>
               <a:spcPct val="90000"/>
             </a:lnSpc>
@@ -3260,7 +3256,7 @@
             <a:buNone/>
           </a:pPr>
           <a:r>
-            <a:rPr lang="de-DE" sz="1400" kern="1200" dirty="0">
+            <a:rPr lang="de-DE" sz="1800" kern="1200" dirty="0">
               <a:solidFill>
                 <a:schemeClr val="bg1"/>
               </a:solidFill>
@@ -3268,14 +3264,14 @@
             <a:t>Power </a:t>
           </a:r>
           <a:r>
-            <a:rPr lang="de-DE" sz="1400" kern="1200" dirty="0" err="1">
+            <a:rPr lang="de-DE" sz="1800" kern="1200" dirty="0" err="1">
               <a:solidFill>
                 <a:schemeClr val="bg1"/>
               </a:solidFill>
             </a:rPr>
             <a:t>consumption</a:t>
           </a:r>
-          <a:endParaRPr lang="de-DE" sz="1400" kern="1200" dirty="0">
+          <a:endParaRPr lang="de-DE" sz="1800" kern="1200" dirty="0">
             <a:solidFill>
               <a:schemeClr val="bg1"/>
             </a:solidFill>
@@ -3283,8 +3279,8 @@
         </a:p>
       </dsp:txBody>
       <dsp:txXfrm>
-        <a:off x="1698937" y="383424"/>
-        <a:ext cx="1747280" cy="487276"/>
+        <a:off x="2062147" y="520224"/>
+        <a:ext cx="2809705" cy="649704"/>
       </dsp:txXfrm>
     </dsp:sp>
     <dsp:sp modelId="{87B76314-E5F3-4C3D-9A52-689AB841A118}">
@@ -3294,8 +3290,8 @@
       </dsp:nvSpPr>
       <dsp:spPr>
         <a:xfrm rot="2202896">
-          <a:off x="3455684" y="3041792"/>
-          <a:ext cx="418669" cy="0"/>
+          <a:off x="4656499" y="4101282"/>
+          <a:ext cx="570702" cy="0"/>
         </a:xfrm>
         <a:custGeom>
           <a:avLst/>
@@ -3309,7 +3305,7 @@
                 <a:pt x="0" y="0"/>
               </a:moveTo>
               <a:lnTo>
-                <a:pt x="418669" y="0"/>
+                <a:pt x="570702" y="0"/>
               </a:lnTo>
             </a:path>
           </a:pathLst>
@@ -3349,8 +3345,8 @@
       </dsp:nvSpPr>
       <dsp:spPr>
         <a:xfrm>
-          <a:off x="3294859" y="3166939"/>
-          <a:ext cx="1800000" cy="539996"/>
+          <a:off x="4213308" y="4271875"/>
+          <a:ext cx="2880001" cy="720000"/>
         </a:xfrm>
         <a:prstGeom prst="roundRect">
           <a:avLst/>
@@ -3381,12 +3377,12 @@
         </a:fontRef>
       </dsp:style>
       <dsp:txBody>
-        <a:bodyPr spcFirstLastPara="0" vert="horz" wrap="square" lIns="35560" tIns="35560" rIns="35560" bIns="35560" numCol="1" spcCol="1270" anchor="ctr" anchorCtr="0">
+        <a:bodyPr spcFirstLastPara="0" vert="horz" wrap="square" lIns="45720" tIns="45720" rIns="45720" bIns="45720" numCol="1" spcCol="1270" anchor="ctr" anchorCtr="0">
           <a:noAutofit/>
         </a:bodyPr>
         <a:lstStyle/>
         <a:p>
-          <a:pPr marL="0" lvl="0" indent="0" algn="ctr" defTabSz="622300">
+          <a:pPr marL="0" lvl="0" indent="0" algn="ctr" defTabSz="800100">
             <a:lnSpc>
               <a:spcPct val="90000"/>
             </a:lnSpc>
@@ -3399,7 +3395,7 @@
             <a:buNone/>
           </a:pPr>
           <a:r>
-            <a:rPr lang="de-DE" sz="1400" kern="1200" dirty="0">
+            <a:rPr lang="de-DE" sz="1800" kern="1200" dirty="0">
               <a:solidFill>
                 <a:schemeClr val="bg1"/>
               </a:solidFill>
@@ -3407,14 +3403,14 @@
             <a:t>Memory </a:t>
           </a:r>
           <a:r>
-            <a:rPr lang="de-DE" sz="1400" kern="1200" dirty="0" err="1">
+            <a:rPr lang="de-DE" sz="1800" kern="1200" dirty="0" err="1">
               <a:solidFill>
                 <a:schemeClr val="bg1"/>
               </a:solidFill>
             </a:rPr>
             <a:t>constraints</a:t>
           </a:r>
-          <a:endParaRPr lang="de-DE" sz="1400" kern="1200" dirty="0">
+          <a:endParaRPr lang="de-DE" sz="1800" kern="1200" dirty="0">
             <a:solidFill>
               <a:schemeClr val="bg1"/>
             </a:solidFill>
@@ -3422,8 +3418,8 @@
         </a:p>
       </dsp:txBody>
       <dsp:txXfrm>
-        <a:off x="3321219" y="3193299"/>
-        <a:ext cx="1747280" cy="487276"/>
+        <a:off x="4248456" y="4307023"/>
+        <a:ext cx="2809705" cy="649704"/>
       </dsp:txXfrm>
     </dsp:sp>
     <dsp:sp modelId="{ECB5DE8D-14F8-45E6-AE84-C80B4B780DF7}">
@@ -3433,8 +3429,8 @@
       </dsp:nvSpPr>
       <dsp:spPr>
         <a:xfrm rot="8600300">
-          <a:off x="1271568" y="3041792"/>
-          <a:ext cx="419191" cy="0"/>
+          <a:off x="1707822" y="4101282"/>
+          <a:ext cx="571415" cy="0"/>
         </a:xfrm>
         <a:custGeom>
           <a:avLst/>
@@ -3448,7 +3444,7 @@
                 <a:pt x="0" y="0"/>
               </a:moveTo>
               <a:lnTo>
-                <a:pt x="419191" y="0"/>
+                <a:pt x="571415" y="0"/>
               </a:lnTo>
             </a:path>
           </a:pathLst>
@@ -3488,8 +3484,8 @@
       </dsp:nvSpPr>
       <dsp:spPr>
         <a:xfrm>
-          <a:off x="50295" y="3166939"/>
-          <a:ext cx="1800000" cy="539996"/>
+          <a:off x="-159309" y="4271875"/>
+          <a:ext cx="2880001" cy="720000"/>
         </a:xfrm>
         <a:prstGeom prst="roundRect">
           <a:avLst/>
@@ -3520,12 +3516,12 @@
         </a:fontRef>
       </dsp:style>
       <dsp:txBody>
-        <a:bodyPr spcFirstLastPara="0" vert="horz" wrap="square" lIns="35560" tIns="35560" rIns="35560" bIns="35560" numCol="1" spcCol="1270" anchor="ctr" anchorCtr="0">
+        <a:bodyPr spcFirstLastPara="0" vert="horz" wrap="square" lIns="45720" tIns="45720" rIns="45720" bIns="45720" numCol="1" spcCol="1270" anchor="ctr" anchorCtr="0">
           <a:noAutofit/>
         </a:bodyPr>
         <a:lstStyle/>
         <a:p>
-          <a:pPr marL="0" lvl="0" indent="0" algn="ctr" defTabSz="622300">
+          <a:pPr marL="0" lvl="0" indent="0" algn="ctr" defTabSz="800100">
             <a:lnSpc>
               <a:spcPct val="90000"/>
             </a:lnSpc>
@@ -3538,7 +3534,7 @@
             <a:buNone/>
           </a:pPr>
           <a:r>
-            <a:rPr lang="de-DE" sz="1400" kern="1200" dirty="0">
+            <a:rPr lang="de-DE" sz="1800" kern="1200" dirty="0">
               <a:solidFill>
                 <a:schemeClr val="bg1"/>
               </a:solidFill>
@@ -3546,14 +3542,14 @@
             <a:t>Real-time </a:t>
           </a:r>
           <a:r>
-            <a:rPr lang="de-DE" sz="1400" kern="1200" dirty="0" err="1">
+            <a:rPr lang="de-DE" sz="1800" kern="1200" dirty="0" err="1">
               <a:solidFill>
                 <a:schemeClr val="bg1"/>
               </a:solidFill>
             </a:rPr>
             <a:t>responsiveness</a:t>
           </a:r>
-          <a:endParaRPr lang="de-DE" sz="1400" kern="1200" dirty="0">
+          <a:endParaRPr lang="de-DE" sz="1800" kern="1200" dirty="0">
             <a:solidFill>
               <a:schemeClr val="bg1"/>
             </a:solidFill>
@@ -3561,8 +3557,8 @@
         </a:p>
       </dsp:txBody>
       <dsp:txXfrm>
-        <a:off x="76655" y="3193299"/>
-        <a:ext cx="1747280" cy="487276"/>
+        <a:off x="-124161" y="4307023"/>
+        <a:ext cx="2809705" cy="649704"/>
       </dsp:txXfrm>
     </dsp:sp>
   </dsp:spTree>
@@ -10659,82 +10655,39 @@
         </p:nvSpPr>
         <p:spPr/>
         <p:txBody>
-          <a:bodyPr/>
+          <a:bodyPr>
+            <a:normAutofit lnSpcReduction="10000"/>
+          </a:bodyPr>
           <a:lstStyle/>
           <a:p>
-            <a:pPr marL="285750" indent="-285750">
-              <a:buFont typeface="Arial" panose="020B0604020202020204" pitchFamily="34" charset="0"/>
-              <a:buChar char="•"/>
+            <a:pPr marL="0" marR="0" lvl="0" indent="0" algn="l" defTabSz="914400" rtl="0" eaLnBrk="1" fontAlgn="base" latinLnBrk="0" hangingPunct="1">
+              <a:lnSpc>
+                <a:spcPct val="100000"/>
+              </a:lnSpc>
+              <a:spcBef>
+                <a:spcPct val="30000"/>
+              </a:spcBef>
+              <a:spcAft>
+                <a:spcPct val="0"/>
+              </a:spcAft>
+              <a:buClrTx/>
+              <a:buSzTx/>
+              <a:buFontTx/>
+              <a:buNone/>
+              <a:tabLst/>
+              <a:defRPr/>
             </a:pPr>
             <a:r>
-              <a:rPr lang="de-DE" dirty="0" err="1"/>
-              <a:t>Tremendous</a:t>
-            </a:r>
-            <a:r>
-              <a:rPr lang="de-DE" dirty="0"/>
-              <a:t> </a:t>
-            </a:r>
-            <a:r>
-              <a:rPr lang="de-DE" dirty="0" err="1"/>
-              <a:t>reduction</a:t>
-            </a:r>
-            <a:r>
-              <a:rPr lang="de-DE" dirty="0"/>
-              <a:t> </a:t>
-            </a:r>
-            <a:r>
-              <a:rPr lang="de-DE" dirty="0" err="1"/>
-              <a:t>of</a:t>
-            </a:r>
-            <a:r>
-              <a:rPr lang="de-DE" dirty="0"/>
-              <a:t> </a:t>
-            </a:r>
-            <a:r>
-              <a:rPr lang="de-DE" dirty="0" err="1"/>
-              <a:t>footprint</a:t>
-            </a:r>
-            <a:r>
-              <a:rPr lang="de-DE" dirty="0"/>
-              <a:t> </a:t>
-            </a:r>
-            <a:r>
-              <a:rPr lang="de-DE" dirty="0" err="1"/>
-              <a:t>size</a:t>
-            </a:r>
-            <a:endParaRPr lang="de-DE" dirty="0"/>
-          </a:p>
-          <a:p>
-            <a:pPr marL="285750" indent="-285750">
-              <a:buFont typeface="Arial" panose="020B0604020202020204" pitchFamily="34" charset="0"/>
-              <a:buChar char="•"/>
-            </a:pPr>
-            <a:r>
-              <a:rPr lang="de-DE" dirty="0" err="1"/>
-              <a:t>Accuracy</a:t>
-            </a:r>
-            <a:r>
-              <a:rPr lang="de-DE" dirty="0"/>
-              <a:t> not </a:t>
-            </a:r>
-            <a:r>
-              <a:rPr lang="de-DE" dirty="0" err="1"/>
-              <a:t>significantly</a:t>
-            </a:r>
-            <a:r>
-              <a:rPr lang="de-DE" dirty="0"/>
-              <a:t> </a:t>
-            </a:r>
-            <a:r>
-              <a:rPr lang="de-DE" dirty="0" err="1"/>
-              <a:t>decreased</a:t>
-            </a:r>
-            <a:endParaRPr lang="de-DE" dirty="0"/>
-          </a:p>
-          <a:p>
-            <a:endParaRPr lang="de-DE" dirty="0"/>
-          </a:p>
-          <a:p>
+              <a:rPr lang="en-US" sz="1200" b="1" i="0" u="none" strike="noStrike" kern="1200" baseline="0" dirty="0">
+                <a:solidFill>
+                  <a:schemeClr val="tx1"/>
+                </a:solidFill>
+                <a:latin typeface="Arial" pitchFamily="34" charset="0"/>
+                <a:ea typeface="+mn-ea"/>
+                <a:cs typeface="Arial" pitchFamily="34" charset="0"/>
+              </a:rPr>
+              <a:t>Syllabification</a:t>
+            </a:r>
             <a:r>
               <a:rPr lang="en-US" sz="1200" b="0" i="0" u="none" strike="noStrike" kern="1200" baseline="0" dirty="0">
                 <a:solidFill>
@@ -10744,8 +10697,372 @@
                 <a:ea typeface="+mn-ea"/>
                 <a:cs typeface="Arial" pitchFamily="34" charset="0"/>
               </a:rPr>
-              <a:t>As reference system, the Margin Infused Relaxed Algorithm (MIRA) is used.</a:t>
-            </a:r>
+              <a:t>: the decomposition of words into their phonological units.</a:t>
+            </a:r>
+          </a:p>
+          <a:p>
+            <a:endParaRPr lang="de-DE" dirty="0"/>
+          </a:p>
+          <a:p>
+            <a:r>
+              <a:rPr lang="en-US" sz="1200" b="1" i="0" u="none" strike="noStrike" kern="1200" baseline="0" dirty="0">
+                <a:solidFill>
+                  <a:schemeClr val="tx1"/>
+                </a:solidFill>
+                <a:latin typeface="Arial" pitchFamily="34" charset="0"/>
+                <a:ea typeface="+mn-ea"/>
+                <a:cs typeface="Arial" pitchFamily="34" charset="0"/>
+              </a:rPr>
+              <a:t>Phonetic transcription</a:t>
+            </a:r>
+            <a:r>
+              <a:rPr lang="en-US" sz="1200" b="0" i="0" u="none" strike="noStrike" kern="1200" baseline="0" dirty="0">
+                <a:solidFill>
+                  <a:schemeClr val="tx1"/>
+                </a:solidFill>
+                <a:latin typeface="Arial" pitchFamily="34" charset="0"/>
+                <a:ea typeface="+mn-ea"/>
+                <a:cs typeface="Arial" pitchFamily="34" charset="0"/>
+              </a:rPr>
+              <a:t>: the process of “translation” from letters to phonemes (also known as letter-to-sound or grapheme-to-phoneme translation)</a:t>
+            </a:r>
+            <a:endParaRPr lang="de-DE" sz="1200" b="0" i="0" u="none" strike="noStrike" kern="1200" baseline="0" dirty="0">
+              <a:solidFill>
+                <a:schemeClr val="tx1"/>
+              </a:solidFill>
+              <a:latin typeface="Arial" pitchFamily="34" charset="0"/>
+              <a:ea typeface="+mn-ea"/>
+              <a:cs typeface="Arial" pitchFamily="34" charset="0"/>
+            </a:endParaRPr>
+          </a:p>
+          <a:p>
+            <a:endParaRPr lang="en-US" sz="1200" b="0" i="0" u="none" strike="noStrike" kern="1200" baseline="0" dirty="0">
+              <a:solidFill>
+                <a:schemeClr val="tx1"/>
+              </a:solidFill>
+              <a:latin typeface="Arial" pitchFamily="34" charset="0"/>
+              <a:ea typeface="+mn-ea"/>
+              <a:cs typeface="Arial" pitchFamily="34" charset="0"/>
+            </a:endParaRPr>
+          </a:p>
+          <a:p>
+            <a:r>
+              <a:rPr lang="en-US" sz="1200" b="1" i="0" u="none" strike="noStrike" kern="1200" baseline="0" dirty="0">
+                <a:solidFill>
+                  <a:schemeClr val="tx1"/>
+                </a:solidFill>
+                <a:latin typeface="Arial" pitchFamily="34" charset="0"/>
+                <a:ea typeface="+mn-ea"/>
+                <a:cs typeface="Arial" pitchFamily="34" charset="0"/>
+              </a:rPr>
+              <a:t>Part-of-speech (POS) tagging </a:t>
+            </a:r>
+            <a:r>
+              <a:rPr lang="en-US" sz="1200" b="0" i="0" u="none" strike="noStrike" kern="1200" baseline="0" dirty="0">
+                <a:solidFill>
+                  <a:schemeClr val="tx1"/>
+                </a:solidFill>
+                <a:latin typeface="Arial" pitchFamily="34" charset="0"/>
+                <a:ea typeface="+mn-ea"/>
+                <a:cs typeface="Arial" pitchFamily="34" charset="0"/>
+              </a:rPr>
+              <a:t>is the process of assigning each word in a sentence its uniquely interpretable tag - its part of speech. </a:t>
+            </a:r>
+          </a:p>
+          <a:p>
+            <a:pPr marL="171450" indent="-171450">
+              <a:buFont typeface="Wingdings" panose="05000000000000000000" pitchFamily="2" charset="2"/>
+              <a:buChar char="à"/>
+            </a:pPr>
+            <a:r>
+              <a:rPr lang="en-US" sz="1200" b="0" i="0" u="none" strike="noStrike" kern="1200" baseline="0" dirty="0">
+                <a:solidFill>
+                  <a:schemeClr val="tx1"/>
+                </a:solidFill>
+                <a:latin typeface="Arial" pitchFamily="34" charset="0"/>
+                <a:ea typeface="+mn-ea"/>
+                <a:cs typeface="Arial" pitchFamily="34" charset="0"/>
+              </a:rPr>
+              <a:t>choose the correct pronunciation for a homophone word</a:t>
+            </a:r>
+          </a:p>
+          <a:p>
+            <a:pPr marL="0" indent="0">
+              <a:buFont typeface="Wingdings" panose="05000000000000000000" pitchFamily="2" charset="2"/>
+              <a:buNone/>
+            </a:pPr>
+            <a:r>
+              <a:rPr lang="de-DE" sz="1200" b="0" i="0" u="none" strike="noStrike" kern="1200" baseline="0" dirty="0">
+                <a:solidFill>
+                  <a:schemeClr val="tx1"/>
+                </a:solidFill>
+                <a:latin typeface="Arial" pitchFamily="34" charset="0"/>
+                <a:ea typeface="+mn-ea"/>
+                <a:cs typeface="Arial" pitchFamily="34" charset="0"/>
+              </a:rPr>
+              <a:t>N: </a:t>
+            </a:r>
+            <a:r>
+              <a:rPr lang="de-DE" sz="1200" b="0" i="0" u="none" strike="noStrike" kern="1200" baseline="0" dirty="0" err="1">
+                <a:solidFill>
+                  <a:schemeClr val="tx1"/>
+                </a:solidFill>
+                <a:latin typeface="Arial" pitchFamily="34" charset="0"/>
+                <a:ea typeface="+mn-ea"/>
+                <a:cs typeface="Arial" pitchFamily="34" charset="0"/>
+              </a:rPr>
+              <a:t>Nouns</a:t>
+            </a:r>
+            <a:r>
+              <a:rPr lang="de-DE" sz="1200" b="0" i="0" u="none" strike="noStrike" kern="1200" baseline="0" dirty="0">
+                <a:solidFill>
+                  <a:schemeClr val="tx1"/>
+                </a:solidFill>
+                <a:latin typeface="Arial" pitchFamily="34" charset="0"/>
+                <a:ea typeface="+mn-ea"/>
+                <a:cs typeface="Arial" pitchFamily="34" charset="0"/>
+              </a:rPr>
+              <a:t>    V: Verbs     A: </a:t>
+            </a:r>
+            <a:r>
+              <a:rPr lang="de-DE" sz="1200" b="0" i="0" u="none" strike="noStrike" kern="1200" baseline="0" dirty="0" err="1">
+                <a:solidFill>
+                  <a:schemeClr val="tx1"/>
+                </a:solidFill>
+                <a:latin typeface="Arial" pitchFamily="34" charset="0"/>
+                <a:ea typeface="+mn-ea"/>
+                <a:cs typeface="Arial" pitchFamily="34" charset="0"/>
+              </a:rPr>
+              <a:t>Adjectives</a:t>
+            </a:r>
+            <a:r>
+              <a:rPr lang="de-DE" sz="1200" b="0" i="0" u="none" strike="noStrike" kern="1200" baseline="0" dirty="0">
+                <a:solidFill>
+                  <a:schemeClr val="tx1"/>
+                </a:solidFill>
+                <a:latin typeface="Arial" pitchFamily="34" charset="0"/>
+                <a:ea typeface="+mn-ea"/>
+                <a:cs typeface="Arial" pitchFamily="34" charset="0"/>
+              </a:rPr>
+              <a:t>      R: Adverbs</a:t>
+            </a:r>
+          </a:p>
+          <a:p>
+            <a:pPr marL="0" indent="0">
+              <a:buFont typeface="Wingdings" panose="05000000000000000000" pitchFamily="2" charset="2"/>
+              <a:buNone/>
+            </a:pPr>
+            <a:r>
+              <a:rPr lang="de-DE" sz="1200" b="0" i="0" u="none" strike="noStrike" kern="1200" baseline="0" dirty="0">
+                <a:solidFill>
+                  <a:schemeClr val="tx1"/>
+                </a:solidFill>
+                <a:latin typeface="Arial" pitchFamily="34" charset="0"/>
+                <a:ea typeface="+mn-ea"/>
+                <a:cs typeface="Arial" pitchFamily="34" charset="0"/>
+              </a:rPr>
+              <a:t>feminine/</a:t>
+            </a:r>
+            <a:r>
+              <a:rPr lang="de-DE" sz="1200" b="0" i="0" u="none" strike="noStrike" kern="1200" baseline="0" dirty="0" err="1">
+                <a:solidFill>
+                  <a:schemeClr val="tx1"/>
+                </a:solidFill>
+                <a:latin typeface="Arial" pitchFamily="34" charset="0"/>
+                <a:ea typeface="+mn-ea"/>
+                <a:cs typeface="Arial" pitchFamily="34" charset="0"/>
+              </a:rPr>
+              <a:t>maskular</a:t>
+            </a:r>
+            <a:r>
+              <a:rPr lang="de-DE" sz="1200" b="0" i="0" u="none" strike="noStrike" kern="1200" baseline="0" dirty="0">
+                <a:solidFill>
+                  <a:schemeClr val="tx1"/>
+                </a:solidFill>
+                <a:latin typeface="Arial" pitchFamily="34" charset="0"/>
+                <a:ea typeface="+mn-ea"/>
+                <a:cs typeface="Arial" pitchFamily="34" charset="0"/>
+              </a:rPr>
+              <a:t>, </a:t>
+            </a:r>
+            <a:r>
+              <a:rPr lang="de-DE" sz="1200" b="0" i="0" u="none" strike="noStrike" kern="1200" baseline="0" dirty="0" err="1">
+                <a:solidFill>
+                  <a:schemeClr val="tx1"/>
+                </a:solidFill>
+                <a:latin typeface="Arial" pitchFamily="34" charset="0"/>
+                <a:ea typeface="+mn-ea"/>
+                <a:cs typeface="Arial" pitchFamily="34" charset="0"/>
+              </a:rPr>
+              <a:t>singular</a:t>
+            </a:r>
+            <a:r>
+              <a:rPr lang="de-DE" sz="1200" b="0" i="0" u="none" strike="noStrike" kern="1200" baseline="0" dirty="0">
+                <a:solidFill>
+                  <a:schemeClr val="tx1"/>
+                </a:solidFill>
+                <a:latin typeface="Arial" pitchFamily="34" charset="0"/>
+                <a:ea typeface="+mn-ea"/>
+                <a:cs typeface="Arial" pitchFamily="34" charset="0"/>
+              </a:rPr>
+              <a:t>/</a:t>
+            </a:r>
+            <a:r>
+              <a:rPr lang="de-DE" sz="1200" b="0" i="0" u="none" strike="noStrike" kern="1200" baseline="0" dirty="0" err="1">
+                <a:solidFill>
+                  <a:schemeClr val="tx1"/>
+                </a:solidFill>
+                <a:latin typeface="Arial" pitchFamily="34" charset="0"/>
+                <a:ea typeface="+mn-ea"/>
+                <a:cs typeface="Arial" pitchFamily="34" charset="0"/>
+              </a:rPr>
+              <a:t>plular</a:t>
+            </a:r>
+            <a:r>
+              <a:rPr lang="de-DE" sz="1200" b="0" i="0" u="none" strike="noStrike" kern="1200" baseline="0" dirty="0">
+                <a:solidFill>
+                  <a:schemeClr val="tx1"/>
+                </a:solidFill>
+                <a:latin typeface="Arial" pitchFamily="34" charset="0"/>
+                <a:ea typeface="+mn-ea"/>
+                <a:cs typeface="Arial" pitchFamily="34" charset="0"/>
+              </a:rPr>
+              <a:t>, </a:t>
+            </a:r>
+            <a:r>
+              <a:rPr lang="de-DE" sz="1200" b="0" i="0" u="none" strike="noStrike" kern="1200" baseline="0" dirty="0" err="1">
+                <a:solidFill>
+                  <a:schemeClr val="tx1"/>
+                </a:solidFill>
+                <a:latin typeface="Arial" pitchFamily="34" charset="0"/>
+                <a:ea typeface="+mn-ea"/>
+                <a:cs typeface="Arial" pitchFamily="34" charset="0"/>
+              </a:rPr>
+              <a:t>cases</a:t>
+            </a:r>
+            <a:endParaRPr lang="en-US" sz="1200" b="0" i="0" u="none" strike="noStrike" kern="1200" baseline="0" dirty="0">
+              <a:solidFill>
+                <a:schemeClr val="tx1"/>
+              </a:solidFill>
+              <a:latin typeface="Arial" pitchFamily="34" charset="0"/>
+              <a:ea typeface="+mn-ea"/>
+              <a:cs typeface="Arial" pitchFamily="34" charset="0"/>
+            </a:endParaRPr>
+          </a:p>
+          <a:p>
+            <a:endParaRPr lang="de-DE" sz="1200" b="0" i="0" u="none" strike="noStrike" kern="1200" baseline="0" dirty="0">
+              <a:solidFill>
+                <a:schemeClr val="tx1"/>
+              </a:solidFill>
+              <a:latin typeface="Arial" pitchFamily="34" charset="0"/>
+              <a:ea typeface="+mn-ea"/>
+              <a:cs typeface="Arial" pitchFamily="34" charset="0"/>
+            </a:endParaRPr>
+          </a:p>
+          <a:p>
+            <a:pPr marL="0" marR="0" lvl="0" indent="0" algn="l" defTabSz="914400" rtl="0" eaLnBrk="1" fontAlgn="base" latinLnBrk="0" hangingPunct="1">
+              <a:lnSpc>
+                <a:spcPct val="100000"/>
+              </a:lnSpc>
+              <a:spcBef>
+                <a:spcPct val="30000"/>
+              </a:spcBef>
+              <a:spcAft>
+                <a:spcPct val="0"/>
+              </a:spcAft>
+              <a:buClrTx/>
+              <a:buSzTx/>
+              <a:buFontTx/>
+              <a:buNone/>
+              <a:tabLst/>
+              <a:defRPr/>
+            </a:pPr>
+            <a:r>
+              <a:rPr lang="en-US" sz="1200" b="1" i="0" u="none" strike="noStrike" kern="1200" baseline="0" dirty="0">
+                <a:solidFill>
+                  <a:schemeClr val="tx1"/>
+                </a:solidFill>
+                <a:latin typeface="Arial" pitchFamily="34" charset="0"/>
+                <a:ea typeface="+mn-ea"/>
+                <a:cs typeface="Arial" pitchFamily="34" charset="0"/>
+              </a:rPr>
+              <a:t>Lexical stress prediction</a:t>
+            </a:r>
+            <a:r>
+              <a:rPr lang="en-US" sz="1200" b="0" i="0" u="none" strike="noStrike" kern="1200" baseline="0" dirty="0">
+                <a:solidFill>
+                  <a:schemeClr val="tx1"/>
+                </a:solidFill>
+                <a:latin typeface="Arial" pitchFamily="34" charset="0"/>
+                <a:ea typeface="+mn-ea"/>
+                <a:cs typeface="Arial" pitchFamily="34" charset="0"/>
+              </a:rPr>
+              <a:t>: Certain syllables inside a word have a higher prominence compared to its neighboring syllables, giving the word a specific sound. </a:t>
+            </a:r>
+          </a:p>
+          <a:p>
+            <a:pPr marL="0" marR="0" lvl="0" indent="0" algn="l" defTabSz="914400" rtl="0" eaLnBrk="1" fontAlgn="base" latinLnBrk="0" hangingPunct="1">
+              <a:lnSpc>
+                <a:spcPct val="100000"/>
+              </a:lnSpc>
+              <a:spcBef>
+                <a:spcPct val="30000"/>
+              </a:spcBef>
+              <a:spcAft>
+                <a:spcPct val="0"/>
+              </a:spcAft>
+              <a:buClrTx/>
+              <a:buSzTx/>
+              <a:buFontTx/>
+              <a:buNone/>
+              <a:tabLst/>
+              <a:defRPr/>
+            </a:pPr>
+            <a:r>
+              <a:rPr lang="en-US" sz="1200" b="0" i="0" u="none" strike="noStrike" kern="1200" baseline="0" dirty="0">
+                <a:solidFill>
+                  <a:schemeClr val="tx1"/>
+                </a:solidFill>
+                <a:latin typeface="Arial" pitchFamily="34" charset="0"/>
+                <a:ea typeface="+mn-ea"/>
+                <a:cs typeface="Arial" pitchFamily="34" charset="0"/>
+                <a:sym typeface="Wingdings" panose="05000000000000000000" pitchFamily="2" charset="2"/>
+              </a:rPr>
+              <a:t> </a:t>
+            </a:r>
+            <a:r>
+              <a:rPr lang="en-US" sz="1200" b="0" i="0" u="none" strike="noStrike" kern="1200" baseline="0" dirty="0">
+                <a:solidFill>
+                  <a:schemeClr val="tx1"/>
+                </a:solidFill>
+                <a:latin typeface="Arial" pitchFamily="34" charset="0"/>
+                <a:ea typeface="+mn-ea"/>
+                <a:cs typeface="Arial" pitchFamily="34" charset="0"/>
+              </a:rPr>
+              <a:t>choose the correct pronunciation for a homophone word</a:t>
+            </a:r>
+          </a:p>
+          <a:p>
+            <a:endParaRPr lang="de-DE" sz="1200" b="0" i="0" u="none" strike="noStrike" kern="1200" baseline="0" dirty="0">
+              <a:solidFill>
+                <a:schemeClr val="tx1"/>
+              </a:solidFill>
+              <a:latin typeface="Arial" pitchFamily="34" charset="0"/>
+              <a:ea typeface="+mn-ea"/>
+              <a:cs typeface="Arial" pitchFamily="34" charset="0"/>
+            </a:endParaRPr>
+          </a:p>
+          <a:p>
+            <a:endParaRPr lang="en-US" sz="1200" b="0" i="0" u="none" strike="noStrike" kern="1200" baseline="0" dirty="0">
+              <a:solidFill>
+                <a:schemeClr val="tx1"/>
+              </a:solidFill>
+              <a:latin typeface="Arial" pitchFamily="34" charset="0"/>
+              <a:ea typeface="+mn-ea"/>
+              <a:cs typeface="Arial" pitchFamily="34" charset="0"/>
+            </a:endParaRPr>
+          </a:p>
+          <a:p>
             <a:endParaRPr lang="en-US" dirty="0"/>
           </a:p>
         </p:txBody>
@@ -10773,7 +11090,7 @@
               <a:pPr>
                 <a:defRPr/>
               </a:pPr>
-              <a:t>19</a:t>
+              <a:t>18</a:t>
             </a:fld>
             <a:endParaRPr lang="en-GB"/>
           </a:p>
@@ -10782,7 +11099,7 @@
     </p:spTree>
     <p:extLst>
       <p:ext uri="{BB962C8B-B14F-4D97-AF65-F5344CB8AC3E}">
-        <p14:creationId xmlns:p14="http://schemas.microsoft.com/office/powerpoint/2010/main" val="1302609574"/>
+        <p14:creationId xmlns:p14="http://schemas.microsoft.com/office/powerpoint/2010/main" val="1801823156"/>
       </p:ext>
     </p:extLst>
   </p:cSld>
@@ -10836,6 +11153,90 @@
           <a:bodyPr/>
           <a:lstStyle/>
           <a:p>
+            <a:pPr marL="285750" indent="-285750">
+              <a:buFont typeface="Arial" panose="020B0604020202020204" pitchFamily="34" charset="0"/>
+              <a:buChar char="•"/>
+            </a:pPr>
+            <a:r>
+              <a:rPr lang="de-DE" dirty="0" err="1"/>
+              <a:t>Tremendous</a:t>
+            </a:r>
+            <a:r>
+              <a:rPr lang="de-DE" dirty="0"/>
+              <a:t> </a:t>
+            </a:r>
+            <a:r>
+              <a:rPr lang="de-DE" dirty="0" err="1"/>
+              <a:t>reduction</a:t>
+            </a:r>
+            <a:r>
+              <a:rPr lang="de-DE" dirty="0"/>
+              <a:t> </a:t>
+            </a:r>
+            <a:r>
+              <a:rPr lang="de-DE" dirty="0" err="1"/>
+              <a:t>of</a:t>
+            </a:r>
+            <a:r>
+              <a:rPr lang="de-DE" dirty="0"/>
+              <a:t> </a:t>
+            </a:r>
+            <a:r>
+              <a:rPr lang="de-DE" dirty="0" err="1"/>
+              <a:t>footprint</a:t>
+            </a:r>
+            <a:r>
+              <a:rPr lang="de-DE" dirty="0"/>
+              <a:t> </a:t>
+            </a:r>
+            <a:r>
+              <a:rPr lang="de-DE" dirty="0" err="1"/>
+              <a:t>size</a:t>
+            </a:r>
+            <a:endParaRPr lang="de-DE" dirty="0"/>
+          </a:p>
+          <a:p>
+            <a:pPr marL="285750" indent="-285750">
+              <a:buFont typeface="Arial" panose="020B0604020202020204" pitchFamily="34" charset="0"/>
+              <a:buChar char="•"/>
+            </a:pPr>
+            <a:r>
+              <a:rPr lang="de-DE" dirty="0" err="1"/>
+              <a:t>Accuracy</a:t>
+            </a:r>
+            <a:r>
+              <a:rPr lang="de-DE" dirty="0"/>
+              <a:t> not </a:t>
+            </a:r>
+            <a:r>
+              <a:rPr lang="de-DE" dirty="0" err="1"/>
+              <a:t>significantly</a:t>
+            </a:r>
+            <a:r>
+              <a:rPr lang="de-DE" dirty="0"/>
+              <a:t> </a:t>
+            </a:r>
+            <a:r>
+              <a:rPr lang="de-DE" dirty="0" err="1"/>
+              <a:t>decreased</a:t>
+            </a:r>
+            <a:endParaRPr lang="de-DE" dirty="0"/>
+          </a:p>
+          <a:p>
+            <a:endParaRPr lang="de-DE" dirty="0"/>
+          </a:p>
+          <a:p>
+            <a:r>
+              <a:rPr lang="en-US" sz="1200" b="0" i="0" u="none" strike="noStrike" kern="1200" baseline="0" dirty="0">
+                <a:solidFill>
+                  <a:schemeClr val="tx1"/>
+                </a:solidFill>
+                <a:latin typeface="Arial" pitchFamily="34" charset="0"/>
+                <a:ea typeface="+mn-ea"/>
+                <a:cs typeface="Arial" pitchFamily="34" charset="0"/>
+              </a:rPr>
+              <a:t>As reference system, the Margin Infused Relaxed Algorithm (MIRA) is used.</a:t>
+            </a:r>
             <a:endParaRPr lang="en-US" dirty="0"/>
           </a:p>
         </p:txBody>
@@ -10863,7 +11264,7 @@
               <a:pPr>
                 <a:defRPr/>
               </a:pPr>
-              <a:t>21</a:t>
+              <a:t>19</a:t>
             </a:fld>
             <a:endParaRPr lang="en-GB"/>
           </a:p>
@@ -10872,7 +11273,7 @@
     </p:spTree>
     <p:extLst>
       <p:ext uri="{BB962C8B-B14F-4D97-AF65-F5344CB8AC3E}">
-        <p14:creationId xmlns:p14="http://schemas.microsoft.com/office/powerpoint/2010/main" val="1195070833"/>
+        <p14:creationId xmlns:p14="http://schemas.microsoft.com/office/powerpoint/2010/main" val="1302609574"/>
       </p:ext>
     </p:extLst>
   </p:cSld>
@@ -10926,106 +11327,6 @@
           <a:bodyPr/>
           <a:lstStyle/>
           <a:p>
-            <a:pPr marL="285750" indent="-285750">
-              <a:buFont typeface="Wingdings" panose="05000000000000000000" pitchFamily="2" charset="2"/>
-              <a:buChar char="à"/>
-            </a:pPr>
-            <a:endParaRPr lang="en-US" dirty="0">
-              <a:sym typeface="Wingdings" panose="05000000000000000000" pitchFamily="2" charset="2"/>
-            </a:endParaRPr>
-          </a:p>
-          <a:p>
-            <a:pPr marL="285750" indent="-285750">
-              <a:buFont typeface="Wingdings" panose="05000000000000000000" pitchFamily="2" charset="2"/>
-              <a:buChar char="à"/>
-            </a:pPr>
-            <a:r>
-              <a:rPr lang="en-US" dirty="0">
-                <a:sym typeface="Wingdings" panose="05000000000000000000" pitchFamily="2" charset="2"/>
-              </a:rPr>
-              <a:t>Speech as extension</a:t>
-            </a:r>
-          </a:p>
-          <a:p>
-            <a:pPr marL="285750" indent="-285750">
-              <a:buFont typeface="Wingdings" panose="05000000000000000000" pitchFamily="2" charset="2"/>
-              <a:buChar char="à"/>
-            </a:pPr>
-            <a:r>
-              <a:rPr lang="de-DE" dirty="0">
-                <a:sym typeface="Wingdings" panose="05000000000000000000" pitchFamily="2" charset="2"/>
-              </a:rPr>
-              <a:t>S</a:t>
-            </a:r>
-            <a:r>
-              <a:rPr lang="en-US" dirty="0" err="1">
-                <a:sym typeface="Wingdings" panose="05000000000000000000" pitchFamily="2" charset="2"/>
-              </a:rPr>
-              <a:t>peech</a:t>
-            </a:r>
-            <a:r>
-              <a:rPr lang="en-US" dirty="0">
-                <a:sym typeface="Wingdings" panose="05000000000000000000" pitchFamily="2" charset="2"/>
-              </a:rPr>
-              <a:t> as main output</a:t>
-            </a:r>
-          </a:p>
-          <a:p>
-            <a:pPr marL="285750" indent="-285750">
-              <a:buFont typeface="Wingdings" panose="05000000000000000000" pitchFamily="2" charset="2"/>
-              <a:buChar char="à"/>
-            </a:pPr>
-            <a:r>
-              <a:rPr lang="de-DE" dirty="0">
-                <a:sym typeface="Wingdings" panose="05000000000000000000" pitchFamily="2" charset="2"/>
-              </a:rPr>
-              <a:t>Help </a:t>
-            </a:r>
-            <a:r>
-              <a:rPr lang="de-DE" dirty="0" err="1">
-                <a:sym typeface="Wingdings" panose="05000000000000000000" pitchFamily="2" charset="2"/>
-              </a:rPr>
-              <a:t>visually</a:t>
-            </a:r>
-            <a:r>
-              <a:rPr lang="de-DE" dirty="0">
-                <a:sym typeface="Wingdings" panose="05000000000000000000" pitchFamily="2" charset="2"/>
-              </a:rPr>
-              <a:t> </a:t>
-            </a:r>
-            <a:r>
-              <a:rPr lang="de-DE" dirty="0" err="1">
-                <a:sym typeface="Wingdings" panose="05000000000000000000" pitchFamily="2" charset="2"/>
-              </a:rPr>
-              <a:t>impaired</a:t>
-            </a:r>
-            <a:r>
-              <a:rPr lang="de-DE" dirty="0">
-                <a:sym typeface="Wingdings" panose="05000000000000000000" pitchFamily="2" charset="2"/>
-              </a:rPr>
-              <a:t> </a:t>
-            </a:r>
-            <a:r>
-              <a:rPr lang="de-DE" dirty="0" err="1">
-                <a:sym typeface="Wingdings" panose="05000000000000000000" pitchFamily="2" charset="2"/>
-              </a:rPr>
-              <a:t>or</a:t>
-            </a:r>
-            <a:r>
-              <a:rPr lang="de-DE" dirty="0">
-                <a:sym typeface="Wingdings" panose="05000000000000000000" pitchFamily="2" charset="2"/>
-              </a:rPr>
-              <a:t> blind </a:t>
-            </a:r>
-            <a:r>
-              <a:rPr lang="de-DE" dirty="0" err="1">
-                <a:sym typeface="Wingdings" panose="05000000000000000000" pitchFamily="2" charset="2"/>
-              </a:rPr>
-              <a:t>people</a:t>
-            </a:r>
-            <a:endParaRPr lang="en-US" dirty="0"/>
-          </a:p>
-          <a:p>
             <a:endParaRPr lang="en-US" dirty="0"/>
           </a:p>
         </p:txBody>
@@ -11053,7 +11354,197 @@
               <a:pPr>
                 <a:defRPr/>
               </a:pPr>
-              <a:t>24</a:t>
+              <a:t>21</a:t>
+            </a:fld>
+            <a:endParaRPr lang="en-GB"/>
+          </a:p>
+        </p:txBody>
+      </p:sp>
+    </p:spTree>
+    <p:extLst>
+      <p:ext uri="{BB962C8B-B14F-4D97-AF65-F5344CB8AC3E}">
+        <p14:creationId xmlns:p14="http://schemas.microsoft.com/office/powerpoint/2010/main" val="1195070833"/>
+      </p:ext>
+    </p:extLst>
+  </p:cSld>
+  <p:clrMapOvr>
+    <a:masterClrMapping/>
+  </p:clrMapOvr>
+</p:notes>
+</file>
+
+<file path=ppt/notesSlides/notesSlide13.xml><?xml version="1.0" encoding="utf-8"?>
+<p:notes xmlns:a="http://schemas.openxmlformats.org/drawingml/2006/main" xmlns:r="http://schemas.openxmlformats.org/officeDocument/2006/relationships" xmlns:p="http://schemas.openxmlformats.org/presentationml/2006/main">
+  <p:cSld>
+    <p:spTree>
+      <p:nvGrpSpPr>
+        <p:cNvPr id="1" name=""/>
+        <p:cNvGrpSpPr/>
+        <p:nvPr/>
+      </p:nvGrpSpPr>
+      <p:grpSpPr>
+        <a:xfrm>
+          <a:off x="0" y="0"/>
+          <a:ext cx="0" cy="0"/>
+          <a:chOff x="0" y="0"/>
+          <a:chExt cx="0" cy="0"/>
+        </a:xfrm>
+      </p:grpSpPr>
+      <p:sp>
+        <p:nvSpPr>
+          <p:cNvPr id="2" name="Folienbildplatzhalter 1"/>
+          <p:cNvSpPr>
+            <a:spLocks noGrp="1" noRot="1" noChangeAspect="1"/>
+          </p:cNvSpPr>
+          <p:nvPr>
+            <p:ph type="sldImg"/>
+          </p:nvPr>
+        </p:nvSpPr>
+        <p:spPr/>
+      </p:sp>
+      <p:sp>
+        <p:nvSpPr>
+          <p:cNvPr id="3" name="Notizenplatzhalter 2"/>
+          <p:cNvSpPr>
+            <a:spLocks noGrp="1"/>
+          </p:cNvSpPr>
+          <p:nvPr>
+            <p:ph type="body" idx="1"/>
+          </p:nvPr>
+        </p:nvSpPr>
+        <p:spPr/>
+        <p:txBody>
+          <a:bodyPr/>
+          <a:lstStyle/>
+          <a:p>
+            <a:pPr marL="285750" indent="-285750">
+              <a:buFont typeface="Wingdings" panose="05000000000000000000" pitchFamily="2" charset="2"/>
+              <a:buChar char="à"/>
+            </a:pPr>
+            <a:endParaRPr lang="en-US" dirty="0">
+              <a:sym typeface="Wingdings" panose="05000000000000000000" pitchFamily="2" charset="2"/>
+            </a:endParaRPr>
+          </a:p>
+          <a:p>
+            <a:pPr marL="285750" indent="-285750">
+              <a:buFont typeface="Wingdings" panose="05000000000000000000" pitchFamily="2" charset="2"/>
+              <a:buChar char="à"/>
+            </a:pPr>
+            <a:r>
+              <a:rPr lang="en-US" dirty="0">
+                <a:sym typeface="Wingdings" panose="05000000000000000000" pitchFamily="2" charset="2"/>
+              </a:rPr>
+              <a:t>Speech as extension</a:t>
+            </a:r>
+          </a:p>
+          <a:p>
+            <a:pPr marL="285750" indent="-285750">
+              <a:buFont typeface="Wingdings" panose="05000000000000000000" pitchFamily="2" charset="2"/>
+              <a:buChar char="à"/>
+            </a:pPr>
+            <a:r>
+              <a:rPr lang="de-DE" dirty="0">
+                <a:sym typeface="Wingdings" panose="05000000000000000000" pitchFamily="2" charset="2"/>
+              </a:rPr>
+              <a:t>S</a:t>
+            </a:r>
+            <a:r>
+              <a:rPr lang="en-US" dirty="0" err="1">
+                <a:sym typeface="Wingdings" panose="05000000000000000000" pitchFamily="2" charset="2"/>
+              </a:rPr>
+              <a:t>peech</a:t>
+            </a:r>
+            <a:r>
+              <a:rPr lang="en-US" dirty="0">
+                <a:sym typeface="Wingdings" panose="05000000000000000000" pitchFamily="2" charset="2"/>
+              </a:rPr>
+              <a:t> as main output</a:t>
+            </a:r>
+          </a:p>
+          <a:p>
+            <a:pPr marL="285750" indent="-285750">
+              <a:buFont typeface="Wingdings" panose="05000000000000000000" pitchFamily="2" charset="2"/>
+              <a:buChar char="à"/>
+            </a:pPr>
+            <a:r>
+              <a:rPr lang="de-DE" dirty="0">
+                <a:sym typeface="Wingdings" panose="05000000000000000000" pitchFamily="2" charset="2"/>
+              </a:rPr>
+              <a:t>Help </a:t>
+            </a:r>
+            <a:r>
+              <a:rPr lang="de-DE" dirty="0" err="1">
+                <a:sym typeface="Wingdings" panose="05000000000000000000" pitchFamily="2" charset="2"/>
+              </a:rPr>
+              <a:t>visually</a:t>
+            </a:r>
+            <a:r>
+              <a:rPr lang="de-DE" dirty="0">
+                <a:sym typeface="Wingdings" panose="05000000000000000000" pitchFamily="2" charset="2"/>
+              </a:rPr>
+              <a:t> </a:t>
+            </a:r>
+            <a:r>
+              <a:rPr lang="de-DE" dirty="0" err="1">
+                <a:sym typeface="Wingdings" panose="05000000000000000000" pitchFamily="2" charset="2"/>
+              </a:rPr>
+              <a:t>impaired</a:t>
+            </a:r>
+            <a:r>
+              <a:rPr lang="de-DE" dirty="0">
+                <a:sym typeface="Wingdings" panose="05000000000000000000" pitchFamily="2" charset="2"/>
+              </a:rPr>
+              <a:t> </a:t>
+            </a:r>
+            <a:r>
+              <a:rPr lang="de-DE" dirty="0" err="1">
+                <a:sym typeface="Wingdings" panose="05000000000000000000" pitchFamily="2" charset="2"/>
+              </a:rPr>
+              <a:t>or</a:t>
+            </a:r>
+            <a:r>
+              <a:rPr lang="de-DE" dirty="0">
+                <a:sym typeface="Wingdings" panose="05000000000000000000" pitchFamily="2" charset="2"/>
+              </a:rPr>
+              <a:t> blind </a:t>
+            </a:r>
+            <a:r>
+              <a:rPr lang="de-DE" dirty="0" err="1">
+                <a:sym typeface="Wingdings" panose="05000000000000000000" pitchFamily="2" charset="2"/>
+              </a:rPr>
+              <a:t>people</a:t>
+            </a:r>
+            <a:endParaRPr lang="en-US" dirty="0"/>
+          </a:p>
+          <a:p>
+            <a:endParaRPr lang="en-US" dirty="0"/>
+          </a:p>
+        </p:txBody>
+      </p:sp>
+      <p:sp>
+        <p:nvSpPr>
+          <p:cNvPr id="4" name="Foliennummernplatzhalter 3"/>
+          <p:cNvSpPr>
+            <a:spLocks noGrp="1"/>
+          </p:cNvSpPr>
+          <p:nvPr>
+            <p:ph type="sldNum" sz="quarter" idx="10"/>
+          </p:nvPr>
+        </p:nvSpPr>
+        <p:spPr/>
+        <p:txBody>
+          <a:bodyPr/>
+          <a:lstStyle/>
+          <a:p>
+            <a:pPr>
+              <a:defRPr/>
+            </a:pPr>
+            <a:fld id="{00AFC6D0-44D5-4EB7-828F-6F464F83D79A}" type="slidenum">
+              <a:rPr lang="en-GB" smtClean="0"/>
+              <a:pPr>
+                <a:defRPr/>
+              </a:pPr>
+              <a:t>22</a:t>
             </a:fld>
             <a:endParaRPr lang="en-GB"/>
           </a:p>
@@ -11072,7 +11563,7 @@
 </p:notes>
 </file>
 
-<file path=ppt/notesSlides/notesSlide13.xml><?xml version="1.0" encoding="utf-8"?>
+<file path=ppt/notesSlides/notesSlide14.xml><?xml version="1.0" encoding="utf-8"?>
 <p:notes xmlns:a="http://schemas.openxmlformats.org/drawingml/2006/main" xmlns:r="http://schemas.openxmlformats.org/officeDocument/2006/relationships" xmlns:p="http://schemas.openxmlformats.org/presentationml/2006/main">
   <p:cSld>
     <p:spTree>
@@ -12553,48 +13044,74 @@
           <a:bodyPr/>
           <a:lstStyle/>
           <a:p>
-            <a:pPr marL="285750" indent="-285750">
+            <a:pPr marL="171450" indent="-171450">
+              <a:buFont typeface="Arial" panose="020B0604020202020204" pitchFamily="34" charset="0"/>
+              <a:buChar char="•"/>
+            </a:pPr>
+            <a:r>
+              <a:rPr lang="en-US" dirty="0"/>
+              <a:t>Drastically increased chip processing abilities (e.g., GPU units)</a:t>
+            </a:r>
+          </a:p>
+          <a:p>
+            <a:pPr marL="171450" indent="-171450">
+              <a:buFont typeface="Arial" panose="020B0604020202020204" pitchFamily="34" charset="0"/>
+              <a:buChar char="•"/>
+            </a:pPr>
+            <a:r>
+              <a:rPr lang="en-US" dirty="0"/>
+              <a:t>Significantly lowered cost of computing hardware</a:t>
+            </a:r>
+          </a:p>
+          <a:p>
+            <a:pPr marL="171450" indent="-171450">
+              <a:buFont typeface="Arial" panose="020B0604020202020204" pitchFamily="34" charset="0"/>
+              <a:buChar char="•"/>
+            </a:pPr>
+            <a:r>
+              <a:rPr lang="en-US" dirty="0"/>
+              <a:t>Recent advances in machine learning and signal/information processing research</a:t>
+            </a:r>
+          </a:p>
+          <a:p>
+            <a:pPr marL="171450" indent="-171450">
+              <a:buFont typeface="Arial" panose="020B0604020202020204" pitchFamily="34" charset="0"/>
+              <a:buChar char="•"/>
+            </a:pPr>
+            <a:endParaRPr lang="de-DE" dirty="0"/>
+          </a:p>
+          <a:p>
+            <a:pPr marL="171450" marR="0" lvl="0" indent="-171450" algn="l" defTabSz="914400" rtl="0" eaLnBrk="1" fontAlgn="base" latinLnBrk="0" hangingPunct="1">
               <a:lnSpc>
                 <a:spcPct val="100000"/>
               </a:lnSpc>
+              <a:spcBef>
+                <a:spcPct val="30000"/>
+              </a:spcBef>
               <a:spcAft>
-                <a:spcPts val="1200"/>
+                <a:spcPct val="0"/>
               </a:spcAft>
+              <a:buClrTx/>
+              <a:buSzTx/>
               <a:buFont typeface="Arial" panose="020B0604020202020204" pitchFamily="34" charset="0"/>
               <a:buChar char="•"/>
+              <a:tabLst/>
+              <a:defRPr/>
             </a:pPr>
             <a:r>
+              <a:rPr lang="de-DE" dirty="0" err="1"/>
+              <a:t>Used</a:t>
+            </a:r>
+            <a:r>
               <a:rPr lang="en-US" dirty="0"/>
-              <a:t>Using a Deep Neural Network (DNN) as acoustic model</a:t>
-            </a:r>
-          </a:p>
-          <a:p>
-            <a:pPr marL="285750" indent="-285750">
-              <a:lnSpc>
-                <a:spcPct val="100000"/>
-              </a:lnSpc>
-              <a:spcAft>
-                <a:spcPts val="1200"/>
-              </a:spcAft>
+              <a:t> for feature extraction and pattern analysis </a:t>
+            </a:r>
+          </a:p>
+          <a:p>
+            <a:pPr marL="0" indent="0">
               <a:buFont typeface="Arial" panose="020B0604020202020204" pitchFamily="34" charset="0"/>
-              <a:buChar char="•"/>
+              <a:buNone/>
             </a:pPr>
-            <a:r>
-              <a:rPr lang="de-DE" dirty="0" err="1"/>
-              <a:t>Only</a:t>
-            </a:r>
-            <a:r>
-              <a:rPr lang="de-DE" dirty="0"/>
-              <a:t> </a:t>
-            </a:r>
-            <a:r>
-              <a:rPr lang="de-DE" dirty="0" err="1"/>
-              <a:t>modification</a:t>
-            </a:r>
-            <a:r>
-              <a:rPr lang="de-DE" dirty="0"/>
-              <a:t> in Back-end</a:t>
-            </a:r>
             <a:endParaRPr lang="en-US" dirty="0"/>
           </a:p>
         </p:txBody>
@@ -12622,7 +13139,7 @@
               <a:pPr>
                 <a:defRPr/>
               </a:pPr>
-              <a:t>15</a:t>
+              <a:t>14</a:t>
             </a:fld>
             <a:endParaRPr lang="en-GB"/>
           </a:p>
@@ -12631,7 +13148,7 @@
     </p:spTree>
     <p:extLst>
       <p:ext uri="{BB962C8B-B14F-4D97-AF65-F5344CB8AC3E}">
-        <p14:creationId xmlns:p14="http://schemas.microsoft.com/office/powerpoint/2010/main" val="3142891854"/>
+        <p14:creationId xmlns:p14="http://schemas.microsoft.com/office/powerpoint/2010/main" val="1046389641"/>
       </p:ext>
     </p:extLst>
   </p:cSld>
@@ -12685,66 +13202,47 @@
           <a:bodyPr/>
           <a:lstStyle/>
           <a:p>
-            <a:pPr marL="0" marR="0" lvl="0" indent="0" algn="l" defTabSz="914400" rtl="0" eaLnBrk="1" fontAlgn="base" latinLnBrk="0" hangingPunct="1">
+            <a:pPr marL="285750" indent="-285750">
               <a:lnSpc>
                 <a:spcPct val="100000"/>
               </a:lnSpc>
-              <a:spcBef>
-                <a:spcPct val="30000"/>
-              </a:spcBef>
               <a:spcAft>
-                <a:spcPct val="0"/>
+                <a:spcPts val="1200"/>
               </a:spcAft>
-              <a:buClrTx/>
-              <a:buSzTx/>
-              <a:buFontTx/>
-              <a:buNone/>
-              <a:tabLst/>
-              <a:defRPr/>
+              <a:buFont typeface="Arial" panose="020B0604020202020204" pitchFamily="34" charset="0"/>
+              <a:buChar char="•"/>
             </a:pPr>
             <a:r>
               <a:rPr lang="en-US" dirty="0"/>
-              <a:t>The DNN-based systems consistently outperformed the HMM-based ones in voiced/unvoiced classification and aperiodicity prediction. The DNN-based systems with many layers were similar to or better than the HMM-based ones in Mel-cepstral distortion. On the other hand, the HMM-based systems outperformed the DNN-based ones in log F0 prediction in most cases.</a:t>
-            </a:r>
-            <a:endParaRPr lang="de-DE" b="1" dirty="0"/>
-          </a:p>
-          <a:p>
-            <a:endParaRPr lang="de-DE" dirty="0"/>
-          </a:p>
-          <a:p>
-            <a:r>
-              <a:rPr lang="en-US" sz="1200" b="0" i="0" u="none" strike="noStrike" kern="1200" baseline="0" dirty="0">
-                <a:solidFill>
-                  <a:schemeClr val="tx1"/>
-                </a:solidFill>
-                <a:latin typeface="Arial" pitchFamily="34" charset="0"/>
-                <a:ea typeface="+mn-ea"/>
-                <a:cs typeface="Arial" pitchFamily="34" charset="0"/>
-              </a:rPr>
-              <a:t>the DNN-based systems were preferred significantly to the HMM-based ones in all three model sizes. The subjects reported that the DNN-based systems were less muffled.</a:t>
-            </a:r>
-          </a:p>
-          <a:p>
-            <a:endParaRPr lang="de-DE" sz="1200" b="0" i="0" u="none" strike="noStrike" kern="1200" baseline="0" dirty="0">
-              <a:solidFill>
-                <a:schemeClr val="tx1"/>
-              </a:solidFill>
-              <a:latin typeface="Arial" pitchFamily="34" charset="0"/>
-              <a:ea typeface="+mn-ea"/>
-              <a:cs typeface="Arial" pitchFamily="34" charset="0"/>
-            </a:endParaRPr>
-          </a:p>
-          <a:p>
-            <a:r>
-              <a:rPr lang="en-US" sz="1200" b="0" i="0" u="none" strike="noStrike" kern="1200" baseline="0" dirty="0">
-                <a:solidFill>
-                  <a:schemeClr val="tx1"/>
-                </a:solidFill>
-                <a:latin typeface="Arial" pitchFamily="34" charset="0"/>
-                <a:ea typeface="+mn-ea"/>
-                <a:cs typeface="Arial" pitchFamily="34" charset="0"/>
-              </a:rPr>
-              <a:t>The authors expect that better prediction of Mel-cepstral coefficients by the DNN-based systems contributed to the preference.</a:t>
+              <a:t>Using a Deep Neural Network (DNN) as acoustic model</a:t>
+            </a:r>
+          </a:p>
+          <a:p>
+            <a:pPr marL="285750" indent="-285750">
+              <a:lnSpc>
+                <a:spcPct val="100000"/>
+              </a:lnSpc>
+              <a:spcAft>
+                <a:spcPts val="1200"/>
+              </a:spcAft>
+              <a:buFont typeface="Arial" panose="020B0604020202020204" pitchFamily="34" charset="0"/>
+              <a:buChar char="•"/>
+            </a:pPr>
+            <a:r>
+              <a:rPr lang="de-DE" dirty="0" err="1"/>
+              <a:t>Only</a:t>
+            </a:r>
+            <a:r>
+              <a:rPr lang="de-DE" dirty="0"/>
+              <a:t> </a:t>
+            </a:r>
+            <a:r>
+              <a:rPr lang="de-DE" dirty="0" err="1"/>
+              <a:t>modification</a:t>
+            </a:r>
+            <a:r>
+              <a:rPr lang="de-DE" dirty="0"/>
+              <a:t> in Back-end</a:t>
             </a:r>
             <a:endParaRPr lang="en-US" dirty="0"/>
           </a:p>
@@ -12773,7 +13271,7 @@
               <a:pPr>
                 <a:defRPr/>
               </a:pPr>
-              <a:t>16</a:t>
+              <a:t>15</a:t>
             </a:fld>
             <a:endParaRPr lang="en-GB"/>
           </a:p>
@@ -12782,7 +13280,7 @@
     </p:spTree>
     <p:extLst>
       <p:ext uri="{BB962C8B-B14F-4D97-AF65-F5344CB8AC3E}">
-        <p14:creationId xmlns:p14="http://schemas.microsoft.com/office/powerpoint/2010/main" val="373799104"/>
+        <p14:creationId xmlns:p14="http://schemas.microsoft.com/office/powerpoint/2010/main" val="3142891854"/>
       </p:ext>
     </p:extLst>
   </p:cSld>
@@ -12833,9 +13331,7 @@
         </p:nvSpPr>
         <p:spPr/>
         <p:txBody>
-          <a:bodyPr>
-            <a:normAutofit lnSpcReduction="10000"/>
-          </a:bodyPr>
+          <a:bodyPr/>
           <a:lstStyle/>
           <a:p>
             <a:pPr marL="0" marR="0" lvl="0" indent="0" algn="l" defTabSz="914400" rtl="0" eaLnBrk="1" fontAlgn="base" latinLnBrk="0" hangingPunct="1">
@@ -12856,16 +13352,15 @@
               <a:defRPr/>
             </a:pPr>
             <a:r>
-              <a:rPr lang="en-US" sz="1200" b="1" i="0" u="none" strike="noStrike" kern="1200" baseline="0" dirty="0">
-                <a:solidFill>
-                  <a:schemeClr val="tx1"/>
-                </a:solidFill>
-                <a:latin typeface="Arial" pitchFamily="34" charset="0"/>
-                <a:ea typeface="+mn-ea"/>
-                <a:cs typeface="Arial" pitchFamily="34" charset="0"/>
-              </a:rPr>
-              <a:t>Syllabification</a:t>
-            </a:r>
+              <a:rPr lang="en-US" dirty="0"/>
+              <a:t>The DNN-based systems consistently outperformed the HMM-based ones in voiced/unvoiced classification and aperiodicity prediction. The DNN-based systems with many layers were similar to or better than the HMM-based ones in Mel-cepstral distortion. On the other hand, the HMM-based systems outperformed the DNN-based ones in log F0 prediction in most cases.</a:t>
+            </a:r>
+            <a:endParaRPr lang="de-DE" b="1" dirty="0"/>
+          </a:p>
+          <a:p>
+            <a:endParaRPr lang="de-DE" dirty="0"/>
+          </a:p>
+          <a:p>
             <a:r>
               <a:rPr lang="en-US" sz="1200" b="0" i="0" u="none" strike="noStrike" kern="1200" baseline="0" dirty="0">
                 <a:solidFill>
@@ -12875,24 +13370,20 @@
                 <a:ea typeface="+mn-ea"/>
                 <a:cs typeface="Arial" pitchFamily="34" charset="0"/>
               </a:rPr>
-              <a:t>: the decomposition of words into their phonological units.</a:t>
-            </a:r>
-          </a:p>
-          <a:p>
-            <a:endParaRPr lang="de-DE" dirty="0"/>
-          </a:p>
-          <a:p>
-            <a:r>
-              <a:rPr lang="en-US" sz="1200" b="1" i="0" u="none" strike="noStrike" kern="1200" baseline="0" dirty="0">
-                <a:solidFill>
-                  <a:schemeClr val="tx1"/>
-                </a:solidFill>
-                <a:latin typeface="Arial" pitchFamily="34" charset="0"/>
-                <a:ea typeface="+mn-ea"/>
-                <a:cs typeface="Arial" pitchFamily="34" charset="0"/>
-              </a:rPr>
-              <a:t>Phonetic transcription</a:t>
-            </a:r>
+              <a:t>the DNN-based systems were preferred significantly to the HMM-based ones in all three model sizes. The subjects reported that the DNN-based systems were less muffled.</a:t>
+            </a:r>
+          </a:p>
+          <a:p>
+            <a:endParaRPr lang="de-DE" sz="1200" b="0" i="0" u="none" strike="noStrike" kern="1200" baseline="0" dirty="0">
+              <a:solidFill>
+                <a:schemeClr val="tx1"/>
+              </a:solidFill>
+              <a:latin typeface="Arial" pitchFamily="34" charset="0"/>
+              <a:ea typeface="+mn-ea"/>
+              <a:cs typeface="Arial" pitchFamily="34" charset="0"/>
+            </a:endParaRPr>
+          </a:p>
+          <a:p>
             <a:r>
               <a:rPr lang="en-US" sz="1200" b="0" i="0" u="none" strike="noStrike" kern="1200" baseline="0" dirty="0">
                 <a:solidFill>
@@ -12902,345 +13393,8 @@
                 <a:ea typeface="+mn-ea"/>
                 <a:cs typeface="Arial" pitchFamily="34" charset="0"/>
               </a:rPr>
-              <a:t>: the process of “translation” from letters to phonemes (also known as letter-to-sound or grapheme-to-phoneme translation)</a:t>
-            </a:r>
-            <a:endParaRPr lang="de-DE" sz="1200" b="0" i="0" u="none" strike="noStrike" kern="1200" baseline="0" dirty="0">
-              <a:solidFill>
-                <a:schemeClr val="tx1"/>
-              </a:solidFill>
-              <a:latin typeface="Arial" pitchFamily="34" charset="0"/>
-              <a:ea typeface="+mn-ea"/>
-              <a:cs typeface="Arial" pitchFamily="34" charset="0"/>
-            </a:endParaRPr>
-          </a:p>
-          <a:p>
-            <a:endParaRPr lang="en-US" sz="1200" b="0" i="0" u="none" strike="noStrike" kern="1200" baseline="0" dirty="0">
-              <a:solidFill>
-                <a:schemeClr val="tx1"/>
-              </a:solidFill>
-              <a:latin typeface="Arial" pitchFamily="34" charset="0"/>
-              <a:ea typeface="+mn-ea"/>
-              <a:cs typeface="Arial" pitchFamily="34" charset="0"/>
-            </a:endParaRPr>
-          </a:p>
-          <a:p>
-            <a:r>
-              <a:rPr lang="en-US" sz="1200" b="1" i="0" u="none" strike="noStrike" kern="1200" baseline="0" dirty="0">
-                <a:solidFill>
-                  <a:schemeClr val="tx1"/>
-                </a:solidFill>
-                <a:latin typeface="Arial" pitchFamily="34" charset="0"/>
-                <a:ea typeface="+mn-ea"/>
-                <a:cs typeface="Arial" pitchFamily="34" charset="0"/>
-              </a:rPr>
-              <a:t>Part-of-speech (POS) tagging </a:t>
-            </a:r>
-            <a:r>
-              <a:rPr lang="en-US" sz="1200" b="0" i="0" u="none" strike="noStrike" kern="1200" baseline="0" dirty="0">
-                <a:solidFill>
-                  <a:schemeClr val="tx1"/>
-                </a:solidFill>
-                <a:latin typeface="Arial" pitchFamily="34" charset="0"/>
-                <a:ea typeface="+mn-ea"/>
-                <a:cs typeface="Arial" pitchFamily="34" charset="0"/>
-              </a:rPr>
-              <a:t>is the process of assigning each word in a sentence its uniquely interpretable tag - its part of speech. </a:t>
-            </a:r>
-          </a:p>
-          <a:p>
-            <a:pPr marL="171450" indent="-171450">
-              <a:buFont typeface="Wingdings" panose="05000000000000000000" pitchFamily="2" charset="2"/>
-              <a:buChar char="à"/>
-            </a:pPr>
-            <a:r>
-              <a:rPr lang="en-US" sz="1200" b="0" i="0" u="none" strike="noStrike" kern="1200" baseline="0" dirty="0">
-                <a:solidFill>
-                  <a:schemeClr val="tx1"/>
-                </a:solidFill>
-                <a:latin typeface="Arial" pitchFamily="34" charset="0"/>
-                <a:ea typeface="+mn-ea"/>
-                <a:cs typeface="Arial" pitchFamily="34" charset="0"/>
-              </a:rPr>
-              <a:t>choose the correct pronunciation for a homophone word</a:t>
-            </a:r>
-          </a:p>
-          <a:p>
-            <a:pPr marL="0" indent="0">
-              <a:buFont typeface="Wingdings" panose="05000000000000000000" pitchFamily="2" charset="2"/>
-              <a:buNone/>
-            </a:pPr>
-            <a:r>
-              <a:rPr lang="de-DE" sz="1200" b="0" i="0" u="none" strike="noStrike" kern="1200" baseline="0" dirty="0">
-                <a:solidFill>
-                  <a:schemeClr val="tx1"/>
-                </a:solidFill>
-                <a:latin typeface="Arial" pitchFamily="34" charset="0"/>
-                <a:ea typeface="+mn-ea"/>
-                <a:cs typeface="Arial" pitchFamily="34" charset="0"/>
-              </a:rPr>
-              <a:t>N: </a:t>
-            </a:r>
-            <a:r>
-              <a:rPr lang="de-DE" sz="1200" b="0" i="0" u="none" strike="noStrike" kern="1200" baseline="0" dirty="0" err="1">
-                <a:solidFill>
-                  <a:schemeClr val="tx1"/>
-                </a:solidFill>
-                <a:latin typeface="Arial" pitchFamily="34" charset="0"/>
-                <a:ea typeface="+mn-ea"/>
-                <a:cs typeface="Arial" pitchFamily="34" charset="0"/>
-              </a:rPr>
-              <a:t>Nouns</a:t>
-            </a:r>
-            <a:r>
-              <a:rPr lang="de-DE" sz="1200" b="0" i="0" u="none" strike="noStrike" kern="1200" baseline="0" dirty="0">
-                <a:solidFill>
-                  <a:schemeClr val="tx1"/>
-                </a:solidFill>
-                <a:latin typeface="Arial" pitchFamily="34" charset="0"/>
-                <a:ea typeface="+mn-ea"/>
-                <a:cs typeface="Arial" pitchFamily="34" charset="0"/>
-              </a:rPr>
-              <a:t>    V: Verbs     A: </a:t>
-            </a:r>
-            <a:r>
-              <a:rPr lang="de-DE" sz="1200" b="0" i="0" u="none" strike="noStrike" kern="1200" baseline="0" dirty="0" err="1">
-                <a:solidFill>
-                  <a:schemeClr val="tx1"/>
-                </a:solidFill>
-                <a:latin typeface="Arial" pitchFamily="34" charset="0"/>
-                <a:ea typeface="+mn-ea"/>
-                <a:cs typeface="Arial" pitchFamily="34" charset="0"/>
-              </a:rPr>
-              <a:t>Adjectives</a:t>
-            </a:r>
-            <a:r>
-              <a:rPr lang="de-DE" sz="1200" b="0" i="0" u="none" strike="noStrike" kern="1200" baseline="0" dirty="0">
-                <a:solidFill>
-                  <a:schemeClr val="tx1"/>
-                </a:solidFill>
-                <a:latin typeface="Arial" pitchFamily="34" charset="0"/>
-                <a:ea typeface="+mn-ea"/>
-                <a:cs typeface="Arial" pitchFamily="34" charset="0"/>
-              </a:rPr>
-              <a:t>      R: Adverbs</a:t>
-            </a:r>
-          </a:p>
-          <a:p>
-            <a:pPr marL="0" indent="0">
-              <a:buFont typeface="Wingdings" panose="05000000000000000000" pitchFamily="2" charset="2"/>
-              <a:buNone/>
-            </a:pPr>
-            <a:r>
-              <a:rPr lang="de-DE" sz="1200" b="0" i="0" u="none" strike="noStrike" kern="1200" baseline="0" dirty="0">
-                <a:solidFill>
-                  <a:schemeClr val="tx1"/>
-                </a:solidFill>
-                <a:latin typeface="Arial" pitchFamily="34" charset="0"/>
-                <a:ea typeface="+mn-ea"/>
-                <a:cs typeface="Arial" pitchFamily="34" charset="0"/>
-              </a:rPr>
-              <a:t>feminine/</a:t>
-            </a:r>
-            <a:r>
-              <a:rPr lang="de-DE" sz="1200" b="0" i="0" u="none" strike="noStrike" kern="1200" baseline="0" dirty="0" err="1">
-                <a:solidFill>
-                  <a:schemeClr val="tx1"/>
-                </a:solidFill>
-                <a:latin typeface="Arial" pitchFamily="34" charset="0"/>
-                <a:ea typeface="+mn-ea"/>
-                <a:cs typeface="Arial" pitchFamily="34" charset="0"/>
-              </a:rPr>
-              <a:t>maskular</a:t>
-            </a:r>
-            <a:r>
-              <a:rPr lang="de-DE" sz="1200" b="0" i="0" u="none" strike="noStrike" kern="1200" baseline="0" dirty="0">
-                <a:solidFill>
-                  <a:schemeClr val="tx1"/>
-                </a:solidFill>
-                <a:latin typeface="Arial" pitchFamily="34" charset="0"/>
-                <a:ea typeface="+mn-ea"/>
-                <a:cs typeface="Arial" pitchFamily="34" charset="0"/>
-              </a:rPr>
-              <a:t>, </a:t>
-            </a:r>
-            <a:r>
-              <a:rPr lang="de-DE" sz="1200" b="0" i="0" u="none" strike="noStrike" kern="1200" baseline="0" dirty="0" err="1">
-                <a:solidFill>
-                  <a:schemeClr val="tx1"/>
-                </a:solidFill>
-                <a:latin typeface="Arial" pitchFamily="34" charset="0"/>
-                <a:ea typeface="+mn-ea"/>
-                <a:cs typeface="Arial" pitchFamily="34" charset="0"/>
-              </a:rPr>
-              <a:t>singular</a:t>
-            </a:r>
-            <a:r>
-              <a:rPr lang="de-DE" sz="1200" b="0" i="0" u="none" strike="noStrike" kern="1200" baseline="0" dirty="0">
-                <a:solidFill>
-                  <a:schemeClr val="tx1"/>
-                </a:solidFill>
-                <a:latin typeface="Arial" pitchFamily="34" charset="0"/>
-                <a:ea typeface="+mn-ea"/>
-                <a:cs typeface="Arial" pitchFamily="34" charset="0"/>
-              </a:rPr>
-              <a:t>/</a:t>
-            </a:r>
-            <a:r>
-              <a:rPr lang="de-DE" sz="1200" b="0" i="0" u="none" strike="noStrike" kern="1200" baseline="0" dirty="0" err="1">
-                <a:solidFill>
-                  <a:schemeClr val="tx1"/>
-                </a:solidFill>
-                <a:latin typeface="Arial" pitchFamily="34" charset="0"/>
-                <a:ea typeface="+mn-ea"/>
-                <a:cs typeface="Arial" pitchFamily="34" charset="0"/>
-              </a:rPr>
-              <a:t>plular</a:t>
-            </a:r>
-            <a:r>
-              <a:rPr lang="de-DE" sz="1200" b="0" i="0" u="none" strike="noStrike" kern="1200" baseline="0" dirty="0">
-                <a:solidFill>
-                  <a:schemeClr val="tx1"/>
-                </a:solidFill>
-                <a:latin typeface="Arial" pitchFamily="34" charset="0"/>
-                <a:ea typeface="+mn-ea"/>
-                <a:cs typeface="Arial" pitchFamily="34" charset="0"/>
-              </a:rPr>
-              <a:t>, </a:t>
-            </a:r>
-            <a:r>
-              <a:rPr lang="de-DE" sz="1200" b="0" i="0" u="none" strike="noStrike" kern="1200" baseline="0" dirty="0" err="1">
-                <a:solidFill>
-                  <a:schemeClr val="tx1"/>
-                </a:solidFill>
-                <a:latin typeface="Arial" pitchFamily="34" charset="0"/>
-                <a:ea typeface="+mn-ea"/>
-                <a:cs typeface="Arial" pitchFamily="34" charset="0"/>
-              </a:rPr>
-              <a:t>cases</a:t>
-            </a:r>
-            <a:endParaRPr lang="en-US" sz="1200" b="0" i="0" u="none" strike="noStrike" kern="1200" baseline="0" dirty="0">
-              <a:solidFill>
-                <a:schemeClr val="tx1"/>
-              </a:solidFill>
-              <a:latin typeface="Arial" pitchFamily="34" charset="0"/>
-              <a:ea typeface="+mn-ea"/>
-              <a:cs typeface="Arial" pitchFamily="34" charset="0"/>
-            </a:endParaRPr>
-          </a:p>
-          <a:p>
-            <a:endParaRPr lang="de-DE" sz="1200" b="0" i="0" u="none" strike="noStrike" kern="1200" baseline="0" dirty="0">
-              <a:solidFill>
-                <a:schemeClr val="tx1"/>
-              </a:solidFill>
-              <a:latin typeface="Arial" pitchFamily="34" charset="0"/>
-              <a:ea typeface="+mn-ea"/>
-              <a:cs typeface="Arial" pitchFamily="34" charset="0"/>
-            </a:endParaRPr>
-          </a:p>
-          <a:p>
-            <a:pPr marL="0" marR="0" lvl="0" indent="0" algn="l" defTabSz="914400" rtl="0" eaLnBrk="1" fontAlgn="base" latinLnBrk="0" hangingPunct="1">
-              <a:lnSpc>
-                <a:spcPct val="100000"/>
-              </a:lnSpc>
-              <a:spcBef>
-                <a:spcPct val="30000"/>
-              </a:spcBef>
-              <a:spcAft>
-                <a:spcPct val="0"/>
-              </a:spcAft>
-              <a:buClrTx/>
-              <a:buSzTx/>
-              <a:buFontTx/>
-              <a:buNone/>
-              <a:tabLst/>
-              <a:defRPr/>
-            </a:pPr>
-            <a:r>
-              <a:rPr lang="en-US" sz="1200" b="1" i="0" u="none" strike="noStrike" kern="1200" baseline="0" dirty="0">
-                <a:solidFill>
-                  <a:schemeClr val="tx1"/>
-                </a:solidFill>
-                <a:latin typeface="Arial" pitchFamily="34" charset="0"/>
-                <a:ea typeface="+mn-ea"/>
-                <a:cs typeface="Arial" pitchFamily="34" charset="0"/>
-              </a:rPr>
-              <a:t>Lexical stress prediction</a:t>
-            </a:r>
-            <a:r>
-              <a:rPr lang="en-US" sz="1200" b="0" i="0" u="none" strike="noStrike" kern="1200" baseline="0" dirty="0">
-                <a:solidFill>
-                  <a:schemeClr val="tx1"/>
-                </a:solidFill>
-                <a:latin typeface="Arial" pitchFamily="34" charset="0"/>
-                <a:ea typeface="+mn-ea"/>
-                <a:cs typeface="Arial" pitchFamily="34" charset="0"/>
-              </a:rPr>
-              <a:t>: Certain syllables inside a word have a higher prominence compared to its neighboring syllables, giving the word a specific sound. </a:t>
-            </a:r>
-          </a:p>
-          <a:p>
-            <a:pPr marL="0" marR="0" lvl="0" indent="0" algn="l" defTabSz="914400" rtl="0" eaLnBrk="1" fontAlgn="base" latinLnBrk="0" hangingPunct="1">
-              <a:lnSpc>
-                <a:spcPct val="100000"/>
-              </a:lnSpc>
-              <a:spcBef>
-                <a:spcPct val="30000"/>
-              </a:spcBef>
-              <a:spcAft>
-                <a:spcPct val="0"/>
-              </a:spcAft>
-              <a:buClrTx/>
-              <a:buSzTx/>
-              <a:buFontTx/>
-              <a:buNone/>
-              <a:tabLst/>
-              <a:defRPr/>
-            </a:pPr>
-            <a:r>
-              <a:rPr lang="en-US" sz="1200" b="0" i="0" u="none" strike="noStrike" kern="1200" baseline="0" dirty="0">
-                <a:solidFill>
-                  <a:schemeClr val="tx1"/>
-                </a:solidFill>
-                <a:latin typeface="Arial" pitchFamily="34" charset="0"/>
-                <a:ea typeface="+mn-ea"/>
-                <a:cs typeface="Arial" pitchFamily="34" charset="0"/>
-                <a:sym typeface="Wingdings" panose="05000000000000000000" pitchFamily="2" charset="2"/>
-              </a:rPr>
-              <a:t> </a:t>
-            </a:r>
-            <a:r>
-              <a:rPr lang="en-US" sz="1200" b="0" i="0" u="none" strike="noStrike" kern="1200" baseline="0" dirty="0">
-                <a:solidFill>
-                  <a:schemeClr val="tx1"/>
-                </a:solidFill>
-                <a:latin typeface="Arial" pitchFamily="34" charset="0"/>
-                <a:ea typeface="+mn-ea"/>
-                <a:cs typeface="Arial" pitchFamily="34" charset="0"/>
-              </a:rPr>
-              <a:t>choose the correct pronunciation for a homophone word</a:t>
-            </a:r>
-          </a:p>
-          <a:p>
-            <a:endParaRPr lang="de-DE" sz="1200" b="0" i="0" u="none" strike="noStrike" kern="1200" baseline="0" dirty="0">
-              <a:solidFill>
-                <a:schemeClr val="tx1"/>
-              </a:solidFill>
-              <a:latin typeface="Arial" pitchFamily="34" charset="0"/>
-              <a:ea typeface="+mn-ea"/>
-              <a:cs typeface="Arial" pitchFamily="34" charset="0"/>
-            </a:endParaRPr>
-          </a:p>
-          <a:p>
-            <a:endParaRPr lang="en-US" sz="1200" b="0" i="0" u="none" strike="noStrike" kern="1200" baseline="0" dirty="0">
-              <a:solidFill>
-                <a:schemeClr val="tx1"/>
-              </a:solidFill>
-              <a:latin typeface="Arial" pitchFamily="34" charset="0"/>
-              <a:ea typeface="+mn-ea"/>
-              <a:cs typeface="Arial" pitchFamily="34" charset="0"/>
-            </a:endParaRPr>
-          </a:p>
-          <a:p>
+              <a:t>The authors expect that better prediction of Mel-cepstral coefficients by the DNN-based systems contributed to the preference.</a:t>
+            </a:r>
             <a:endParaRPr lang="en-US" dirty="0"/>
           </a:p>
         </p:txBody>
@@ -13268,7 +13422,7 @@
               <a:pPr>
                 <a:defRPr/>
               </a:pPr>
-              <a:t>18</a:t>
+              <a:t>16</a:t>
             </a:fld>
             <a:endParaRPr lang="en-GB"/>
           </a:p>
@@ -13277,7 +13431,7 @@
     </p:spTree>
     <p:extLst>
       <p:ext uri="{BB962C8B-B14F-4D97-AF65-F5344CB8AC3E}">
-        <p14:creationId xmlns:p14="http://schemas.microsoft.com/office/powerpoint/2010/main" val="1801823156"/>
+        <p14:creationId xmlns:p14="http://schemas.microsoft.com/office/powerpoint/2010/main" val="373799104"/>
       </p:ext>
     </p:extLst>
   </p:cSld>
@@ -24968,6 +25122,10 @@
           <a:bodyPr/>
           <a:lstStyle/>
           <a:p>
+            <a:pPr marL="285750" indent="-285750">
+              <a:buFont typeface="Arial" panose="020B0604020202020204" pitchFamily="34" charset="0"/>
+              <a:buChar char="•"/>
+            </a:pPr>
             <a:r>
               <a:rPr lang="de-DE" dirty="0"/>
               <a:t>Class </a:t>
@@ -24982,41 +25140,103 @@
             </a:r>
             <a:r>
               <a:rPr lang="en-US" dirty="0"/>
-              <a:t>machine learning techniques</a:t>
-            </a:r>
-          </a:p>
-          <a:p>
+              <a:t>machine learning techniques with more than one hidden layer</a:t>
+            </a:r>
+          </a:p>
+          <a:p>
+            <a:pPr marL="285750" indent="-285750">
+              <a:buFont typeface="Arial" panose="020B0604020202020204" pitchFamily="34" charset="0"/>
+              <a:buChar char="•"/>
+            </a:pPr>
+            <a:r>
+              <a:rPr lang="de-DE" dirty="0" err="1"/>
+              <a:t>Neural</a:t>
+            </a:r>
+            <a:r>
+              <a:rPr lang="de-DE" dirty="0"/>
+              <a:t> Network </a:t>
+            </a:r>
             <a:r>
               <a:rPr lang="en-US" dirty="0"/>
-              <a:t>feature extraction and pattern analysis </a:t>
-            </a:r>
-          </a:p>
-          <a:p>
+              <a:t>consisting of many connected layers</a:t>
+            </a:r>
+          </a:p>
+          <a:p>
+            <a:pPr marL="285750" indent="-285750">
+              <a:buFont typeface="Arial" panose="020B0604020202020204" pitchFamily="34" charset="0"/>
+              <a:buChar char="•"/>
+            </a:pPr>
+            <a:r>
+              <a:rPr lang="de-DE" dirty="0"/>
+              <a:t>E</a:t>
+            </a:r>
             <a:r>
               <a:rPr lang="en-US" dirty="0"/>
-              <a:t>many connected layers of non-linear information processing</a:t>
-            </a:r>
-          </a:p>
-          <a:p>
+              <a:t>merged in the last decade</a:t>
+            </a:r>
+          </a:p>
+          <a:p>
+            <a:pPr marL="285750" indent="-285750">
+              <a:buFont typeface="Arial" panose="020B0604020202020204" pitchFamily="34" charset="0"/>
+              <a:buChar char="•"/>
+            </a:pPr>
+            <a:r>
+              <a:rPr lang="de-DE" dirty="0"/>
+              <a:t>A</a:t>
+            </a:r>
+            <a:r>
+              <a:rPr lang="en-US" dirty="0" err="1"/>
+              <a:t>dvantages</a:t>
+            </a:r>
+            <a:r>
+              <a:rPr lang="en-US" dirty="0"/>
+              <a:t>:</a:t>
+            </a:r>
+          </a:p>
+          <a:p>
+            <a:pPr marL="461963" lvl="1" indent="-285750">
+              <a:buFont typeface="Arial" panose="020B0604020202020204" pitchFamily="34" charset="0"/>
+              <a:buChar char="•"/>
+            </a:pPr>
+            <a:r>
+              <a:rPr lang="de-DE" dirty="0"/>
+              <a:t>A</a:t>
+            </a:r>
+            <a:r>
+              <a:rPr lang="en-US" dirty="0" err="1"/>
+              <a:t>sdf</a:t>
+            </a:r>
             <a:endParaRPr lang="en-US" dirty="0"/>
           </a:p>
           <a:p>
-            <a:r>
-              <a:rPr lang="en-US" dirty="0"/>
-              <a:t>Drastically increased chip processing abilities (e.g., GPU units), </a:t>
-            </a:r>
-          </a:p>
-          <a:p>
-            <a:r>
-              <a:rPr lang="en-US" dirty="0"/>
-              <a:t>the significantly lowered cost of computing hardware, </a:t>
-            </a:r>
-          </a:p>
-          <a:p>
-            <a:r>
-              <a:rPr lang="en-US" dirty="0"/>
-              <a:t>Recent advances in machine learning and signal/information processing research.</a:t>
-            </a:r>
+            <a:pPr marL="461963" lvl="1" indent="-285750">
+              <a:buFont typeface="Arial" panose="020B0604020202020204" pitchFamily="34" charset="0"/>
+              <a:buChar char="•"/>
+            </a:pPr>
+            <a:r>
+              <a:rPr lang="de-DE" dirty="0"/>
+              <a:t>A</a:t>
+            </a:r>
+            <a:r>
+              <a:rPr lang="en-US" dirty="0" err="1"/>
+              <a:t>sdf</a:t>
+            </a:r>
+            <a:endParaRPr lang="en-US" dirty="0"/>
+          </a:p>
+          <a:p>
+            <a:pPr marL="461963" lvl="1" indent="-285750">
+              <a:buFont typeface="Arial" panose="020B0604020202020204" pitchFamily="34" charset="0"/>
+              <a:buChar char="•"/>
+            </a:pPr>
+            <a:r>
+              <a:rPr lang="de-DE" dirty="0"/>
+              <a:t>a</a:t>
+            </a:r>
+            <a:r>
+              <a:rPr lang="en-US" dirty="0" err="1"/>
+              <a:t>sdf</a:t>
+            </a:r>
+            <a:endParaRPr lang="en-US" dirty="0"/>
           </a:p>
         </p:txBody>
       </p:sp>
@@ -25101,7 +25321,7 @@
         </p:nvGrpSpPr>
         <p:grpSpPr>
           <a:xfrm>
-            <a:off x="4152738" y="3510313"/>
+            <a:off x="4152738" y="3365347"/>
             <a:ext cx="4280637" cy="2548853"/>
             <a:chOff x="2338362" y="3359021"/>
             <a:chExt cx="4280637" cy="2548853"/>
@@ -25122,7 +25342,7 @@
             <p:nvPr/>
           </p:nvPicPr>
           <p:blipFill>
-            <a:blip r:embed="rId2"/>
+            <a:blip r:embed="rId3"/>
             <a:stretch>
               <a:fillRect/>
             </a:stretch>
@@ -32296,7 +32516,7 @@
         <p:spPr>
           <a:xfrm>
             <a:off x="317934" y="1206832"/>
-            <a:ext cx="8508999" cy="4136945"/>
+            <a:ext cx="8508999" cy="4363544"/>
           </a:xfrm>
         </p:spPr>
         <p:txBody>
@@ -32698,15 +32918,6 @@
               </a:rPr>
               <a:t>can be used to achieve this</a:t>
             </a:r>
-          </a:p>
-          <a:p>
-            <a:pPr marL="285750" indent="-285750">
-              <a:lnSpc>
-                <a:spcPct val="200000"/>
-              </a:lnSpc>
-              <a:buFont typeface="Wingdings" panose="05000000000000000000" pitchFamily="2" charset="2"/>
-              <a:buChar char="à"/>
-            </a:pPr>
             <a:endParaRPr lang="de-DE" dirty="0">
               <a:solidFill>
                 <a:schemeClr val="tx1"/>
@@ -32715,52 +32926,69 @@
           </a:p>
         </p:txBody>
       </p:sp>
-      <p:sp>
-        <p:nvSpPr>
-          <p:cNvPr id="2" name="Flussdiagramm: Datenträger mit sequenziellem Zugriff 1">
+      <p:pic>
+        <p:nvPicPr>
+          <p:cNvPr id="8" name="outro-01-short">
+            <a:hlinkClick r:id="" action="ppaction://media"/>
             <a:extLst>
               <a:ext uri="{FF2B5EF4-FFF2-40B4-BE49-F238E27FC236}">
-                <a16:creationId xmlns:a16="http://schemas.microsoft.com/office/drawing/2014/main" id="{7197EF2E-AD87-42D4-B086-AA3901699FBB}"/>
+                <a16:creationId xmlns:a16="http://schemas.microsoft.com/office/drawing/2014/main" id="{C2467745-E8BA-4F5F-8A81-6AB77DA00839}"/>
               </a:ext>
             </a:extLst>
           </p:cNvPr>
-          <p:cNvSpPr/>
+          <p:cNvPicPr>
+            <a:picLocks noChangeAspect="1"/>
+          </p:cNvPicPr>
+          <p:nvPr>
+            <a:audioFile r:link="rId2"/>
+            <p:extLst>
+              <p:ext uri="{DAA4B4D4-6D71-4841-9C94-3DE7FCFB9230}">
+                <p14:media xmlns:p14="http://schemas.microsoft.com/office/powerpoint/2010/main" r:embed="rId1"/>
+              </p:ext>
+            </p:extLst>
+          </p:nvPr>
+        </p:nvPicPr>
+        <p:blipFill>
+          <a:blip r:embed="rId5"/>
+          <a:stretch>
+            <a:fillRect/>
+          </a:stretch>
+        </p:blipFill>
+        <p:spPr>
+          <a:xfrm>
+            <a:off x="6922507" y="4486056"/>
+            <a:ext cx="1433058" cy="1433058"/>
+          </a:xfrm>
+          <a:prstGeom prst="rect">
+            <a:avLst/>
+          </a:prstGeom>
+        </p:spPr>
+      </p:pic>
+      <p:sp>
+        <p:nvSpPr>
+          <p:cNvPr id="9" name="Textfeld 8">
+            <a:extLst>
+              <a:ext uri="{FF2B5EF4-FFF2-40B4-BE49-F238E27FC236}">
+                <a16:creationId xmlns:a16="http://schemas.microsoft.com/office/drawing/2014/main" id="{3DBAC040-FA54-4474-A159-BDA1D6759C60}"/>
+              </a:ext>
+            </a:extLst>
+          </p:cNvPr>
+          <p:cNvSpPr txBox="1"/>
           <p:nvPr/>
         </p:nvSpPr>
         <p:spPr>
           <a:xfrm>
-            <a:off x="7363603" y="4813140"/>
-            <a:ext cx="1538343" cy="1538343"/>
+            <a:off x="6267612" y="6061138"/>
+            <a:ext cx="2742847" cy="140359"/>
           </a:xfrm>
-          <a:prstGeom prst="flowChartMagneticTape">
+          <a:prstGeom prst="rect">
             <a:avLst/>
           </a:prstGeom>
-          <a:ln>
-            <a:noFill/>
-          </a:ln>
+          <a:noFill/>
         </p:spPr>
-        <p:style>
-          <a:lnRef idx="2">
-            <a:schemeClr val="accent1">
-              <a:shade val="50000"/>
-            </a:schemeClr>
-          </a:lnRef>
-          <a:fillRef idx="1">
-            <a:schemeClr val="accent1"/>
-          </a:fillRef>
-          <a:effectRef idx="0">
-            <a:schemeClr val="accent1"/>
-          </a:effectRef>
-          <a:fontRef idx="minor">
-            <a:schemeClr val="lt1"/>
-          </a:fontRef>
-        </p:style>
         <p:txBody>
-          <a:bodyPr rot="0" spcFirstLastPara="0" vertOverflow="overflow" horzOverflow="overflow" vert="horz" wrap="square" lIns="91440" tIns="45720" rIns="91440" bIns="45720" numCol="1" spcCol="0" rtlCol="0" fromWordArt="0" anchor="ctr" anchorCtr="0" forceAA="0" compatLnSpc="1">
-            <a:prstTxWarp prst="textNoShape">
-              <a:avLst/>
-            </a:prstTxWarp>
-            <a:noAutofit/>
+          <a:bodyPr wrap="square" lIns="0" tIns="0" rIns="0" bIns="0" rtlCol="0">
+            <a:spAutoFit/>
           </a:bodyPr>
           <a:lstStyle/>
           <a:p>
@@ -32770,10 +32998,15 @@
               </a:lnSpc>
             </a:pPr>
             <a:r>
-              <a:rPr lang="de-DE" dirty="0"/>
-              <a:t>Speech sample</a:t>
-            </a:r>
-            <a:endParaRPr lang="en-US" dirty="0"/>
+              <a:rPr lang="de-DE" sz="800" dirty="0">
+                <a:latin typeface="+mn-lt"/>
+              </a:rPr>
+              <a:t>Source: </a:t>
+            </a:r>
+            <a:r>
+              <a:rPr lang="en-US" sz="800" dirty="0"/>
+              <a:t>https://text-to-speech-demo.mybluemix.net/</a:t>
+            </a:r>
           </a:p>
         </p:txBody>
       </p:sp>
@@ -33128,383 +33361,33 @@
                       </p:childTnLst>
                     </p:cTn>
                   </p:par>
-                </p:childTnLst>
-              </p:cTn>
-              <p:prevCondLst>
-                <p:cond evt="onPrev" delay="0">
-                  <p:tgtEl>
-                    <p:sldTgt/>
-                  </p:tgtEl>
-                </p:cond>
-              </p:prevCondLst>
-              <p:nextCondLst>
-                <p:cond evt="onNext" delay="0">
-                  <p:tgtEl>
-                    <p:sldTgt/>
-                  </p:tgtEl>
-                </p:cond>
-              </p:nextCondLst>
-            </p:seq>
-          </p:childTnLst>
-        </p:cTn>
-      </p:par>
-    </p:tnLst>
-    <p:bldLst>
-      <p:bldP spid="6" grpId="0" uiExpand="1" build="p"/>
-    </p:bldLst>
-  </p:timing>
-</p:sld>
-</file>
-
-<file path=ppt/slides/slide22.xml><?xml version="1.0" encoding="utf-8"?>
-<p:sld xmlns:a="http://schemas.openxmlformats.org/drawingml/2006/main" xmlns:r="http://schemas.openxmlformats.org/officeDocument/2006/relationships" xmlns:p="http://schemas.openxmlformats.org/presentationml/2006/main">
-  <p:cSld>
-    <p:spTree>
-      <p:nvGrpSpPr>
-        <p:cNvPr id="1" name=""/>
-        <p:cNvGrpSpPr/>
-        <p:nvPr/>
-      </p:nvGrpSpPr>
-      <p:grpSpPr>
-        <a:xfrm>
-          <a:off x="0" y="0"/>
-          <a:ext cx="0" cy="0"/>
-          <a:chOff x="0" y="0"/>
-          <a:chExt cx="0" cy="0"/>
-        </a:xfrm>
-      </p:grpSpPr>
-      <p:sp>
-        <p:nvSpPr>
-          <p:cNvPr id="3" name="Foliennummernplatzhalter 2">
-            <a:extLst>
-              <a:ext uri="{FF2B5EF4-FFF2-40B4-BE49-F238E27FC236}">
-                <a16:creationId xmlns:a16="http://schemas.microsoft.com/office/drawing/2014/main" id="{A366489A-8C80-4D71-99AB-A1991302B570}"/>
-              </a:ext>
-            </a:extLst>
-          </p:cNvPr>
-          <p:cNvSpPr>
-            <a:spLocks noGrp="1"/>
-          </p:cNvSpPr>
-          <p:nvPr>
-            <p:ph type="sldNum" sz="quarter" idx="11"/>
-          </p:nvPr>
-        </p:nvSpPr>
-        <p:spPr/>
-        <p:txBody>
-          <a:bodyPr/>
-          <a:lstStyle/>
-          <a:p>
-            <a:fld id="{CE58CB1E-F828-4F11-99E0-327109AF9DA4}" type="slidenum">
-              <a:rPr lang="de-DE" smtClean="0"/>
-              <a:pPr/>
-              <a:t>22</a:t>
-            </a:fld>
-            <a:endParaRPr lang="de-DE" dirty="0"/>
-          </a:p>
-        </p:txBody>
-      </p:sp>
-      <p:sp>
-        <p:nvSpPr>
-          <p:cNvPr id="4" name="Titel 3">
-            <a:extLst>
-              <a:ext uri="{FF2B5EF4-FFF2-40B4-BE49-F238E27FC236}">
-                <a16:creationId xmlns:a16="http://schemas.microsoft.com/office/drawing/2014/main" id="{36ADE80A-1283-4AF4-A236-A4BF09D9B274}"/>
-              </a:ext>
-            </a:extLst>
-          </p:cNvPr>
-          <p:cNvSpPr>
-            <a:spLocks noGrp="1"/>
-          </p:cNvSpPr>
-          <p:nvPr>
-            <p:ph type="title"/>
-          </p:nvPr>
-        </p:nvSpPr>
-        <p:spPr/>
-        <p:txBody>
-          <a:bodyPr/>
-          <a:lstStyle/>
-          <a:p>
-            <a:r>
-              <a:rPr lang="en-US" dirty="0"/>
-              <a:t>Conclusions</a:t>
-            </a:r>
-          </a:p>
-        </p:txBody>
-      </p:sp>
-      <p:sp>
-        <p:nvSpPr>
-          <p:cNvPr id="6" name="Inhaltsplatzhalter 1">
-            <a:extLst>
-              <a:ext uri="{FF2B5EF4-FFF2-40B4-BE49-F238E27FC236}">
-                <a16:creationId xmlns:a16="http://schemas.microsoft.com/office/drawing/2014/main" id="{58A1E258-94EF-416A-9D10-EA9DB5B6DB07}"/>
-              </a:ext>
-            </a:extLst>
-          </p:cNvPr>
-          <p:cNvSpPr>
-            <a:spLocks noGrp="1"/>
-          </p:cNvSpPr>
-          <p:nvPr>
-            <p:ph idx="10"/>
-          </p:nvPr>
-        </p:nvSpPr>
-        <p:spPr>
-          <a:xfrm>
-            <a:off x="317934" y="1206832"/>
-            <a:ext cx="8508999" cy="4136945"/>
-          </a:xfrm>
-        </p:spPr>
-        <p:txBody>
-          <a:bodyPr/>
-          <a:lstStyle/>
-          <a:p>
-            <a:pPr>
-              <a:lnSpc>
-                <a:spcPct val="200000"/>
-              </a:lnSpc>
-            </a:pPr>
-            <a:r>
-              <a:rPr lang="en-US" sz="2000" dirty="0">
-                <a:solidFill>
-                  <a:schemeClr val="tx1"/>
-                </a:solidFill>
-              </a:rPr>
-              <a:t>Introduction of deep learning models into speech synthesis</a:t>
-            </a:r>
-          </a:p>
-          <a:p>
-            <a:pPr marL="342900" indent="-342900">
-              <a:lnSpc>
-                <a:spcPct val="200000"/>
-              </a:lnSpc>
-              <a:buFont typeface="Wingdings" panose="05000000000000000000" pitchFamily="2" charset="2"/>
-              <a:buChar char="à"/>
-            </a:pPr>
-            <a:r>
-              <a:rPr lang="en-US" dirty="0">
-                <a:solidFill>
-                  <a:schemeClr val="tx1"/>
-                </a:solidFill>
-              </a:rPr>
-              <a:t>Better voice quality</a:t>
-            </a:r>
-          </a:p>
-          <a:p>
-            <a:pPr marL="342900" indent="-342900">
-              <a:lnSpc>
-                <a:spcPct val="200000"/>
-              </a:lnSpc>
-              <a:buFont typeface="Wingdings" panose="05000000000000000000" pitchFamily="2" charset="2"/>
-              <a:buChar char="à"/>
-            </a:pPr>
-            <a:r>
-              <a:rPr lang="en-US" dirty="0">
-                <a:solidFill>
-                  <a:schemeClr val="tx1"/>
-                </a:solidFill>
-              </a:rPr>
-              <a:t>Smaller memory footprint</a:t>
-            </a:r>
-          </a:p>
-          <a:p>
-            <a:pPr>
-              <a:lnSpc>
-                <a:spcPct val="200000"/>
-              </a:lnSpc>
-            </a:pPr>
-            <a:endParaRPr lang="en-US" sz="2000" dirty="0"/>
-          </a:p>
-          <a:p>
-            <a:pPr>
-              <a:lnSpc>
-                <a:spcPct val="200000"/>
-              </a:lnSpc>
-            </a:pPr>
-            <a:r>
-              <a:rPr lang="en-US" sz="2000" dirty="0"/>
-              <a:t>Huge increase of available smartphones expected</a:t>
-            </a:r>
-          </a:p>
-          <a:p>
-            <a:pPr marL="342900" indent="-342900">
-              <a:lnSpc>
-                <a:spcPct val="200000"/>
-              </a:lnSpc>
-              <a:buFont typeface="Wingdings" panose="05000000000000000000" pitchFamily="2" charset="2"/>
-              <a:buChar char="à"/>
-            </a:pPr>
-            <a:r>
-              <a:rPr lang="en-US" dirty="0">
-                <a:solidFill>
-                  <a:schemeClr val="tx1"/>
-                </a:solidFill>
-                <a:sym typeface="Wingdings" panose="05000000000000000000" pitchFamily="2" charset="2"/>
-              </a:rPr>
-              <a:t>Need for robust and resource-efficient implementations</a:t>
-            </a:r>
-          </a:p>
-          <a:p>
-            <a:pPr marL="342900" indent="-342900">
-              <a:lnSpc>
-                <a:spcPct val="200000"/>
-              </a:lnSpc>
-              <a:buFont typeface="Wingdings" panose="05000000000000000000" pitchFamily="2" charset="2"/>
-              <a:buChar char="à"/>
-            </a:pPr>
-            <a:r>
-              <a:rPr lang="en-US" dirty="0">
-                <a:solidFill>
-                  <a:schemeClr val="tx1"/>
-                </a:solidFill>
-                <a:sym typeface="Wingdings" panose="05000000000000000000" pitchFamily="2" charset="2"/>
-              </a:rPr>
-              <a:t>Deep learning model</a:t>
-            </a:r>
-            <a:r>
-              <a:rPr lang="de-DE" dirty="0">
-                <a:solidFill>
-                  <a:schemeClr val="tx1"/>
-                </a:solidFill>
-                <a:sym typeface="Wingdings" panose="05000000000000000000" pitchFamily="2" charset="2"/>
-              </a:rPr>
-              <a:t>s </a:t>
-            </a:r>
-            <a:r>
-              <a:rPr lang="en-US" dirty="0">
-                <a:solidFill>
-                  <a:schemeClr val="tx1"/>
-                </a:solidFill>
-                <a:sym typeface="Wingdings" panose="05000000000000000000" pitchFamily="2" charset="2"/>
-              </a:rPr>
-              <a:t>can be used to achieve this</a:t>
-            </a:r>
-          </a:p>
-          <a:p>
-            <a:pPr marL="285750" indent="-285750">
-              <a:lnSpc>
-                <a:spcPct val="200000"/>
-              </a:lnSpc>
-              <a:buFont typeface="Wingdings" panose="05000000000000000000" pitchFamily="2" charset="2"/>
-              <a:buChar char="à"/>
-            </a:pPr>
-            <a:endParaRPr lang="de-DE" dirty="0">
-              <a:solidFill>
-                <a:schemeClr val="tx1"/>
-              </a:solidFill>
-            </a:endParaRPr>
-          </a:p>
-        </p:txBody>
-      </p:sp>
-      <p:sp>
-        <p:nvSpPr>
-          <p:cNvPr id="2" name="Flussdiagramm: Datenträger mit sequenziellem Zugriff 1">
-            <a:extLst>
-              <a:ext uri="{FF2B5EF4-FFF2-40B4-BE49-F238E27FC236}">
-                <a16:creationId xmlns:a16="http://schemas.microsoft.com/office/drawing/2014/main" id="{7197EF2E-AD87-42D4-B086-AA3901699FBB}"/>
-              </a:ext>
-            </a:extLst>
-          </p:cNvPr>
-          <p:cNvSpPr/>
-          <p:nvPr/>
-        </p:nvSpPr>
-        <p:spPr>
-          <a:xfrm>
-            <a:off x="6262591" y="3894269"/>
-            <a:ext cx="1538343" cy="1538343"/>
-          </a:xfrm>
-          <a:prstGeom prst="flowChartMagneticTape">
-            <a:avLst/>
-          </a:prstGeom>
-          <a:ln>
-            <a:noFill/>
-          </a:ln>
-        </p:spPr>
-        <p:style>
-          <a:lnRef idx="2">
-            <a:schemeClr val="accent1">
-              <a:shade val="50000"/>
-            </a:schemeClr>
-          </a:lnRef>
-          <a:fillRef idx="1">
-            <a:schemeClr val="accent1"/>
-          </a:fillRef>
-          <a:effectRef idx="0">
-            <a:schemeClr val="accent1"/>
-          </a:effectRef>
-          <a:fontRef idx="minor">
-            <a:schemeClr val="lt1"/>
-          </a:fontRef>
-        </p:style>
-        <p:txBody>
-          <a:bodyPr rot="0" spcFirstLastPara="0" vertOverflow="overflow" horzOverflow="overflow" vert="horz" wrap="square" lIns="91440" tIns="45720" rIns="91440" bIns="45720" numCol="1" spcCol="0" rtlCol="0" fromWordArt="0" anchor="t" anchorCtr="0" forceAA="0" compatLnSpc="1">
-            <a:prstTxWarp prst="textNoShape">
-              <a:avLst/>
-            </a:prstTxWarp>
-            <a:noAutofit/>
-          </a:bodyPr>
-          <a:lstStyle/>
-          <a:p>
-            <a:pPr algn="ctr">
-              <a:lnSpc>
-                <a:spcPct val="114000"/>
-              </a:lnSpc>
-            </a:pPr>
-            <a:r>
-              <a:rPr lang="de-DE" dirty="0"/>
-              <a:t>Speech sample</a:t>
-            </a:r>
-            <a:endParaRPr lang="en-US" dirty="0"/>
-          </a:p>
-        </p:txBody>
-      </p:sp>
-    </p:spTree>
-    <p:extLst>
-      <p:ext uri="{BB962C8B-B14F-4D97-AF65-F5344CB8AC3E}">
-        <p14:creationId xmlns:p14="http://schemas.microsoft.com/office/powerpoint/2010/main" val="3613375775"/>
-      </p:ext>
-    </p:extLst>
-  </p:cSld>
-  <p:clrMapOvr>
-    <a:masterClrMapping/>
-  </p:clrMapOvr>
-  <p:timing>
-    <p:tnLst>
-      <p:par>
-        <p:cTn id="1" dur="indefinite" restart="never" nodeType="tmRoot">
-          <p:childTnLst>
-            <p:seq concurrent="1" nextAc="seek">
-              <p:cTn id="2" dur="indefinite" nodeType="mainSeq">
-                <p:childTnLst>
                   <p:par>
-                    <p:cTn id="3" fill="hold">
+                    <p:cTn id="27" fill="hold">
                       <p:stCondLst>
                         <p:cond delay="indefinite"/>
                       </p:stCondLst>
                       <p:childTnLst>
                         <p:par>
-                          <p:cTn id="4" fill="hold">
+                          <p:cTn id="28" fill="hold">
                             <p:stCondLst>
                               <p:cond delay="0"/>
                             </p:stCondLst>
                             <p:childTnLst>
                               <p:par>
-                                <p:cTn id="5" presetID="1" presetClass="entr" presetSubtype="0" fill="hold" grpId="0" nodeType="clickEffect">
+                                <p:cTn id="29" presetID="1" presetClass="entr" presetSubtype="0" fill="hold" nodeType="clickEffect">
                                   <p:stCondLst>
                                     <p:cond delay="0"/>
                                   </p:stCondLst>
                                   <p:childTnLst>
                                     <p:set>
                                       <p:cBhvr>
-                                        <p:cTn id="6" dur="1" fill="hold">
+                                        <p:cTn id="30" dur="1" fill="hold">
                                           <p:stCondLst>
                                             <p:cond delay="0"/>
                                           </p:stCondLst>
                                         </p:cTn>
                                         <p:tgtEl>
-                                          <p:spTgt spid="6">
-                                            <p:txEl>
-                                              <p:pRg st="0" end="0"/>
-                                            </p:txEl>
-                                          </p:spTgt>
+                                          <p:spTgt spid="8"/>
                                         </p:tgtEl>
                                         <p:attrNameLst>
                                           <p:attrName>style.visibility</p:attrName>
@@ -33517,43 +33400,21 @@
                                   </p:childTnLst>
                                 </p:cTn>
                               </p:par>
-                            </p:childTnLst>
-                          </p:cTn>
-                        </p:par>
-                      </p:childTnLst>
-                    </p:cTn>
-                  </p:par>
-                  <p:par>
-                    <p:cTn id="7" fill="hold">
-                      <p:stCondLst>
-                        <p:cond delay="indefinite"/>
-                      </p:stCondLst>
-                      <p:childTnLst>
-                        <p:par>
-                          <p:cTn id="8" fill="hold">
-                            <p:stCondLst>
-                              <p:cond delay="0"/>
-                            </p:stCondLst>
-                            <p:childTnLst>
                               <p:par>
-                                <p:cTn id="9" presetID="1" presetClass="entr" presetSubtype="0" fill="hold" grpId="0" nodeType="clickEffect">
+                                <p:cTn id="31" presetID="1" presetClass="entr" presetSubtype="0" fill="hold" grpId="0" nodeType="withEffect">
                                   <p:stCondLst>
                                     <p:cond delay="0"/>
                                   </p:stCondLst>
                                   <p:childTnLst>
                                     <p:set>
                                       <p:cBhvr>
-                                        <p:cTn id="10" dur="1" fill="hold">
+                                        <p:cTn id="32" dur="1" fill="hold">
                                           <p:stCondLst>
                                             <p:cond delay="0"/>
                                           </p:stCondLst>
                                         </p:cTn>
                                         <p:tgtEl>
-                                          <p:spTgt spid="6">
-                                            <p:txEl>
-                                              <p:pRg st="1" end="1"/>
-                                            </p:txEl>
-                                          </p:spTgt>
+                                          <p:spTgt spid="9"/>
                                         </p:tgtEl>
                                         <p:attrNameLst>
                                           <p:attrName>style.visibility</p:attrName>
@@ -33566,199 +33427,20 @@
                                   </p:childTnLst>
                                 </p:cTn>
                               </p:par>
-                            </p:childTnLst>
-                          </p:cTn>
-                        </p:par>
-                      </p:childTnLst>
-                    </p:cTn>
-                  </p:par>
-                  <p:par>
-                    <p:cTn id="11" fill="hold">
-                      <p:stCondLst>
-                        <p:cond delay="indefinite"/>
-                      </p:stCondLst>
-                      <p:childTnLst>
-                        <p:par>
-                          <p:cTn id="12" fill="hold">
-                            <p:stCondLst>
-                              <p:cond delay="0"/>
-                            </p:stCondLst>
-                            <p:childTnLst>
                               <p:par>
-                                <p:cTn id="13" presetID="1" presetClass="entr" presetSubtype="0" fill="hold" grpId="0" nodeType="clickEffect">
+                                <p:cTn id="33" presetID="1" presetClass="mediacall" presetSubtype="0" fill="hold" nodeType="withEffect">
                                   <p:stCondLst>
                                     <p:cond delay="0"/>
                                   </p:stCondLst>
                                   <p:childTnLst>
-                                    <p:set>
+                                    <p:cmd type="call" cmd="playFrom(0.0)">
                                       <p:cBhvr>
-                                        <p:cTn id="14" dur="1" fill="hold">
-                                          <p:stCondLst>
-                                            <p:cond delay="0"/>
-                                          </p:stCondLst>
-                                        </p:cTn>
+                                        <p:cTn id="34" dur="7896" fill="hold"/>
                                         <p:tgtEl>
-                                          <p:spTgt spid="6">
-                                            <p:txEl>
-                                              <p:pRg st="2" end="2"/>
-                                            </p:txEl>
-                                          </p:spTgt>
+                                          <p:spTgt spid="8"/>
                                         </p:tgtEl>
-                                        <p:attrNameLst>
-                                          <p:attrName>style.visibility</p:attrName>
-                                        </p:attrNameLst>
                                       </p:cBhvr>
-                                      <p:to>
-                                        <p:strVal val="visible"/>
-                                      </p:to>
-                                    </p:set>
-                                  </p:childTnLst>
-                                </p:cTn>
-                              </p:par>
-                            </p:childTnLst>
-                          </p:cTn>
-                        </p:par>
-                      </p:childTnLst>
-                    </p:cTn>
-                  </p:par>
-                  <p:par>
-                    <p:cTn id="15" fill="hold">
-                      <p:stCondLst>
-                        <p:cond delay="indefinite"/>
-                      </p:stCondLst>
-                      <p:childTnLst>
-                        <p:par>
-                          <p:cTn id="16" fill="hold">
-                            <p:stCondLst>
-                              <p:cond delay="0"/>
-                            </p:stCondLst>
-                            <p:childTnLst>
-                              <p:par>
-                                <p:cTn id="17" presetID="1" presetClass="entr" presetSubtype="0" fill="hold" grpId="0" nodeType="clickEffect">
-                                  <p:stCondLst>
-                                    <p:cond delay="0"/>
-                                  </p:stCondLst>
-                                  <p:childTnLst>
-                                    <p:set>
-                                      <p:cBhvr>
-                                        <p:cTn id="18" dur="1" fill="hold">
-                                          <p:stCondLst>
-                                            <p:cond delay="0"/>
-                                          </p:stCondLst>
-                                        </p:cTn>
-                                        <p:tgtEl>
-                                          <p:spTgt spid="6">
-                                            <p:txEl>
-                                              <p:pRg st="4" end="4"/>
-                                            </p:txEl>
-                                          </p:spTgt>
-                                        </p:tgtEl>
-                                        <p:attrNameLst>
-                                          <p:attrName>style.visibility</p:attrName>
-                                        </p:attrNameLst>
-                                      </p:cBhvr>
-                                      <p:to>
-                                        <p:strVal val="visible"/>
-                                      </p:to>
-                                    </p:set>
-                                  </p:childTnLst>
-                                </p:cTn>
-                              </p:par>
-                            </p:childTnLst>
-                          </p:cTn>
-                        </p:par>
-                      </p:childTnLst>
-                    </p:cTn>
-                  </p:par>
-                  <p:par>
-                    <p:cTn id="19" fill="hold">
-                      <p:stCondLst>
-                        <p:cond delay="indefinite"/>
-                      </p:stCondLst>
-                      <p:childTnLst>
-                        <p:par>
-                          <p:cTn id="20" fill="hold">
-                            <p:stCondLst>
-                              <p:cond delay="0"/>
-                            </p:stCondLst>
-                            <p:childTnLst>
-                              <p:par>
-                                <p:cTn id="21" presetID="1" presetClass="entr" presetSubtype="0" fill="hold" grpId="0" nodeType="clickEffect">
-                                  <p:stCondLst>
-                                    <p:cond delay="0"/>
-                                  </p:stCondLst>
-                                  <p:childTnLst>
-                                    <p:set>
-                                      <p:cBhvr>
-                                        <p:cTn id="22" dur="1" fill="hold">
-                                          <p:stCondLst>
-                                            <p:cond delay="0"/>
-                                          </p:stCondLst>
-                                        </p:cTn>
-                                        <p:tgtEl>
-                                          <p:spTgt spid="6">
-                                            <p:txEl>
-                                              <p:pRg st="5" end="5"/>
-                                            </p:txEl>
-                                          </p:spTgt>
-                                        </p:tgtEl>
-                                        <p:attrNameLst>
-                                          <p:attrName>style.visibility</p:attrName>
-                                        </p:attrNameLst>
-                                      </p:cBhvr>
-                                      <p:to>
-                                        <p:strVal val="visible"/>
-                                      </p:to>
-                                    </p:set>
-                                  </p:childTnLst>
-                                </p:cTn>
-                              </p:par>
-                            </p:childTnLst>
-                          </p:cTn>
-                        </p:par>
-                      </p:childTnLst>
-                    </p:cTn>
-                  </p:par>
-                  <p:par>
-                    <p:cTn id="23" fill="hold">
-                      <p:stCondLst>
-                        <p:cond delay="indefinite"/>
-                      </p:stCondLst>
-                      <p:childTnLst>
-                        <p:par>
-                          <p:cTn id="24" fill="hold">
-                            <p:stCondLst>
-                              <p:cond delay="0"/>
-                            </p:stCondLst>
-                            <p:childTnLst>
-                              <p:par>
-                                <p:cTn id="25" presetID="1" presetClass="entr" presetSubtype="0" fill="hold" grpId="0" nodeType="clickEffect">
-                                  <p:stCondLst>
-                                    <p:cond delay="0"/>
-                                  </p:stCondLst>
-                                  <p:childTnLst>
-                                    <p:set>
-                                      <p:cBhvr>
-                                        <p:cTn id="26" dur="1" fill="hold">
-                                          <p:stCondLst>
-                                            <p:cond delay="0"/>
-                                          </p:stCondLst>
-                                        </p:cTn>
-                                        <p:tgtEl>
-                                          <p:spTgt spid="6">
-                                            <p:txEl>
-                                              <p:pRg st="6" end="6"/>
-                                            </p:txEl>
-                                          </p:spTgt>
-                                        </p:tgtEl>
-                                        <p:attrNameLst>
-                                          <p:attrName>style.visibility</p:attrName>
-                                        </p:attrNameLst>
-                                      </p:cBhvr>
-                                      <p:to>
-                                        <p:strVal val="visible"/>
-                                      </p:to>
-                                    </p:set>
+                                    </p:cmd>
                                   </p:childTnLst>
                                 </p:cTn>
                               </p:par>
@@ -33785,112 +33467,38 @@
                 </p:cond>
               </p:nextCondLst>
             </p:seq>
+            <p:audio>
+              <p:cMediaNode vol="80000">
+                <p:cTn id="35" fill="hold" display="0">
+                  <p:stCondLst>
+                    <p:cond delay="indefinite"/>
+                  </p:stCondLst>
+                  <p:endCondLst>
+                    <p:cond evt="onStopAudio" delay="0">
+                      <p:tgtEl>
+                        <p:sldTgt/>
+                      </p:tgtEl>
+                    </p:cond>
+                  </p:endCondLst>
+                </p:cTn>
+                <p:tgtEl>
+                  <p:spTgt spid="8"/>
+                </p:tgtEl>
+              </p:cMediaNode>
+            </p:audio>
           </p:childTnLst>
         </p:cTn>
       </p:par>
     </p:tnLst>
     <p:bldLst>
       <p:bldP spid="6" grpId="0" uiExpand="1" build="p"/>
+      <p:bldP spid="9" grpId="0"/>
     </p:bldLst>
   </p:timing>
 </p:sld>
 </file>
 
-<file path=ppt/slides/slide23.xml><?xml version="1.0" encoding="utf-8"?>
-<p:sld xmlns:a="http://schemas.openxmlformats.org/drawingml/2006/main" xmlns:r="http://schemas.openxmlformats.org/officeDocument/2006/relationships" xmlns:p="http://schemas.openxmlformats.org/presentationml/2006/main">
-  <p:cSld>
-    <p:spTree>
-      <p:nvGrpSpPr>
-        <p:cNvPr id="1" name=""/>
-        <p:cNvGrpSpPr/>
-        <p:nvPr/>
-      </p:nvGrpSpPr>
-      <p:grpSpPr>
-        <a:xfrm>
-          <a:off x="0" y="0"/>
-          <a:ext cx="0" cy="0"/>
-          <a:chOff x="0" y="0"/>
-          <a:chExt cx="0" cy="0"/>
-        </a:xfrm>
-      </p:grpSpPr>
-      <p:sp>
-        <p:nvSpPr>
-          <p:cNvPr id="3" name="Foliennummernplatzhalter 2">
-            <a:extLst>
-              <a:ext uri="{FF2B5EF4-FFF2-40B4-BE49-F238E27FC236}">
-                <a16:creationId xmlns:a16="http://schemas.microsoft.com/office/drawing/2014/main" id="{A366489A-8C80-4D71-99AB-A1991302B570}"/>
-              </a:ext>
-            </a:extLst>
-          </p:cNvPr>
-          <p:cNvSpPr>
-            <a:spLocks noGrp="1"/>
-          </p:cNvSpPr>
-          <p:nvPr>
-            <p:ph type="sldNum" sz="quarter" idx="11"/>
-          </p:nvPr>
-        </p:nvSpPr>
-        <p:spPr/>
-        <p:txBody>
-          <a:bodyPr/>
-          <a:lstStyle/>
-          <a:p>
-            <a:fld id="{CE58CB1E-F828-4F11-99E0-327109AF9DA4}" type="slidenum">
-              <a:rPr lang="de-DE" smtClean="0"/>
-              <a:pPr/>
-              <a:t>23</a:t>
-            </a:fld>
-            <a:endParaRPr lang="de-DE" dirty="0"/>
-          </a:p>
-        </p:txBody>
-      </p:sp>
-      <p:sp>
-        <p:nvSpPr>
-          <p:cNvPr id="4" name="Titel 3">
-            <a:extLst>
-              <a:ext uri="{FF2B5EF4-FFF2-40B4-BE49-F238E27FC236}">
-                <a16:creationId xmlns:a16="http://schemas.microsoft.com/office/drawing/2014/main" id="{36ADE80A-1283-4AF4-A236-A4BF09D9B274}"/>
-              </a:ext>
-            </a:extLst>
-          </p:cNvPr>
-          <p:cNvSpPr>
-            <a:spLocks noGrp="1"/>
-          </p:cNvSpPr>
-          <p:nvPr>
-            <p:ph type="title"/>
-          </p:nvPr>
-        </p:nvSpPr>
-        <p:spPr>
-          <a:xfrm>
-            <a:off x="319090" y="3223816"/>
-            <a:ext cx="8508999" cy="410369"/>
-          </a:xfrm>
-        </p:spPr>
-        <p:txBody>
-          <a:bodyPr/>
-          <a:lstStyle/>
-          <a:p>
-            <a:pPr algn="ctr"/>
-            <a:r>
-              <a:rPr lang="en-US" dirty="0"/>
-              <a:t>Thank you for your attention!</a:t>
-            </a:r>
-          </a:p>
-        </p:txBody>
-      </p:sp>
-    </p:spTree>
-    <p:extLst>
-      <p:ext uri="{BB962C8B-B14F-4D97-AF65-F5344CB8AC3E}">
-        <p14:creationId xmlns:p14="http://schemas.microsoft.com/office/powerpoint/2010/main" val="3579100488"/>
-      </p:ext>
-    </p:extLst>
-  </p:cSld>
-  <p:clrMapOvr>
-    <a:masterClrMapping/>
-  </p:clrMapOvr>
-</p:sld>
-</file>
-
-<file path=ppt/slides/slide24.xml><?xml version="1.0" encoding="utf-8"?>
+<file path=ppt/slides/slide22.xml><?xml version="1.0" encoding="utf-8"?>
 <p:sld xmlns:a="http://schemas.openxmlformats.org/drawingml/2006/main" xmlns:r="http://schemas.openxmlformats.org/officeDocument/2006/relationships" xmlns:p="http://schemas.openxmlformats.org/presentationml/2006/main" show="0">
   <p:cSld>
     <p:spTree>
@@ -33931,7 +33539,7 @@
             <a:fld id="{CE58CB1E-F828-4F11-99E0-327109AF9DA4}" type="slidenum">
               <a:rPr lang="de-DE" smtClean="0"/>
               <a:pPr/>
-              <a:t>24</a:t>
+              <a:t>22</a:t>
             </a:fld>
             <a:endParaRPr lang="de-DE" dirty="0"/>
           </a:p>
@@ -33953,12 +33561,7 @@
             <p:ph type="title"/>
           </p:nvPr>
         </p:nvSpPr>
-        <p:spPr>
-          <a:xfrm>
-            <a:off x="319090" y="994334"/>
-            <a:ext cx="8508999" cy="410369"/>
-          </a:xfrm>
-        </p:spPr>
+        <p:spPr/>
         <p:txBody>
           <a:bodyPr/>
           <a:lstStyle/>
@@ -33987,14 +33590,14 @@
           <p:nvPr>
             <p:extLst>
               <p:ext uri="{D42A27DB-BD31-4B8C-83A1-F6EECF244321}">
-                <p14:modId xmlns:p14="http://schemas.microsoft.com/office/powerpoint/2010/main" val="4217026344"/>
+                <p14:modId xmlns:p14="http://schemas.microsoft.com/office/powerpoint/2010/main" val="1016324603"/>
               </p:ext>
             </p:extLst>
           </p:nvPr>
         </p:nvGraphicFramePr>
         <p:xfrm>
-          <a:off x="2001011" y="1770282"/>
-          <a:ext cx="5145155" cy="4064000"/>
+          <a:off x="1106589" y="821211"/>
+          <a:ext cx="6934000" cy="5476952"/>
         </p:xfrm>
         <a:graphic>
           <a:graphicData uri="http://schemas.openxmlformats.org/drawingml/2006/diagram">
@@ -34012,336 +33615,10 @@
   <p:clrMapOvr>
     <a:masterClrMapping/>
   </p:clrMapOvr>
-  <p:timing>
-    <p:tnLst>
-      <p:par>
-        <p:cTn id="1" dur="indefinite" restart="never" nodeType="tmRoot">
-          <p:childTnLst>
-            <p:seq concurrent="1" nextAc="seek">
-              <p:cTn id="2" dur="indefinite" nodeType="mainSeq">
-                <p:childTnLst>
-                  <p:par>
-                    <p:cTn id="3" fill="hold">
-                      <p:stCondLst>
-                        <p:cond delay="indefinite"/>
-                      </p:stCondLst>
-                      <p:childTnLst>
-                        <p:par>
-                          <p:cTn id="4" fill="hold">
-                            <p:stCondLst>
-                              <p:cond delay="0"/>
-                            </p:stCondLst>
-                            <p:childTnLst>
-                              <p:par>
-                                <p:cTn id="5" presetID="1" presetClass="entr" presetSubtype="0" fill="hold" grpId="0" nodeType="clickEffect">
-                                  <p:stCondLst>
-                                    <p:cond delay="0"/>
-                                  </p:stCondLst>
-                                  <p:childTnLst>
-                                    <p:set>
-                                      <p:cBhvr>
-                                        <p:cTn id="6" dur="1" fill="hold">
-                                          <p:stCondLst>
-                                            <p:cond delay="0"/>
-                                          </p:stCondLst>
-                                        </p:cTn>
-                                        <p:tgtEl>
-                                          <p:spTgt spid="5">
-                                            <p:graphicEl>
-                                              <a:dgm id="{5CE9E46A-A270-4320-BAC8-4040DA667647}"/>
-                                            </p:graphicEl>
-                                          </p:spTgt>
-                                        </p:tgtEl>
-                                        <p:attrNameLst>
-                                          <p:attrName>style.visibility</p:attrName>
-                                        </p:attrNameLst>
-                                      </p:cBhvr>
-                                      <p:to>
-                                        <p:strVal val="visible"/>
-                                      </p:to>
-                                    </p:set>
-                                  </p:childTnLst>
-                                </p:cTn>
-                              </p:par>
-                            </p:childTnLst>
-                          </p:cTn>
-                        </p:par>
-                      </p:childTnLst>
-                    </p:cTn>
-                  </p:par>
-                  <p:par>
-                    <p:cTn id="7" fill="hold">
-                      <p:stCondLst>
-                        <p:cond delay="indefinite"/>
-                      </p:stCondLst>
-                      <p:childTnLst>
-                        <p:par>
-                          <p:cTn id="8" fill="hold">
-                            <p:stCondLst>
-                              <p:cond delay="0"/>
-                            </p:stCondLst>
-                            <p:childTnLst>
-                              <p:par>
-                                <p:cTn id="9" presetID="1" presetClass="entr" presetSubtype="0" fill="hold" grpId="0" nodeType="clickEffect">
-                                  <p:stCondLst>
-                                    <p:cond delay="0"/>
-                                  </p:stCondLst>
-                                  <p:childTnLst>
-                                    <p:set>
-                                      <p:cBhvr>
-                                        <p:cTn id="10" dur="1" fill="hold">
-                                          <p:stCondLst>
-                                            <p:cond delay="0"/>
-                                          </p:stCondLst>
-                                        </p:cTn>
-                                        <p:tgtEl>
-                                          <p:spTgt spid="5">
-                                            <p:graphicEl>
-                                              <a:dgm id="{4C29F58F-00D9-43F6-8D88-025F6A292C3F}"/>
-                                            </p:graphicEl>
-                                          </p:spTgt>
-                                        </p:tgtEl>
-                                        <p:attrNameLst>
-                                          <p:attrName>style.visibility</p:attrName>
-                                        </p:attrNameLst>
-                                      </p:cBhvr>
-                                      <p:to>
-                                        <p:strVal val="visible"/>
-                                      </p:to>
-                                    </p:set>
-                                  </p:childTnLst>
-                                </p:cTn>
-                              </p:par>
-                              <p:par>
-                                <p:cTn id="11" presetID="1" presetClass="entr" presetSubtype="0" fill="hold" grpId="0" nodeType="withEffect">
-                                  <p:stCondLst>
-                                    <p:cond delay="0"/>
-                                  </p:stCondLst>
-                                  <p:childTnLst>
-                                    <p:set>
-                                      <p:cBhvr>
-                                        <p:cTn id="12" dur="1" fill="hold">
-                                          <p:stCondLst>
-                                            <p:cond delay="0"/>
-                                          </p:stCondLst>
-                                        </p:cTn>
-                                        <p:tgtEl>
-                                          <p:spTgt spid="5">
-                                            <p:graphicEl>
-                                              <a:dgm id="{31A3DF99-8659-406C-BEE7-F39AD2297B83}"/>
-                                            </p:graphicEl>
-                                          </p:spTgt>
-                                        </p:tgtEl>
-                                        <p:attrNameLst>
-                                          <p:attrName>style.visibility</p:attrName>
-                                        </p:attrNameLst>
-                                      </p:cBhvr>
-                                      <p:to>
-                                        <p:strVal val="visible"/>
-                                      </p:to>
-                                    </p:set>
-                                  </p:childTnLst>
-                                </p:cTn>
-                              </p:par>
-                            </p:childTnLst>
-                          </p:cTn>
-                        </p:par>
-                      </p:childTnLst>
-                    </p:cTn>
-                  </p:par>
-                  <p:par>
-                    <p:cTn id="13" fill="hold">
-                      <p:stCondLst>
-                        <p:cond delay="indefinite"/>
-                      </p:stCondLst>
-                      <p:childTnLst>
-                        <p:par>
-                          <p:cTn id="14" fill="hold">
-                            <p:stCondLst>
-                              <p:cond delay="0"/>
-                            </p:stCondLst>
-                            <p:childTnLst>
-                              <p:par>
-                                <p:cTn id="15" presetID="1" presetClass="entr" presetSubtype="0" fill="hold" grpId="0" nodeType="clickEffect">
-                                  <p:stCondLst>
-                                    <p:cond delay="0"/>
-                                  </p:stCondLst>
-                                  <p:childTnLst>
-                                    <p:set>
-                                      <p:cBhvr>
-                                        <p:cTn id="16" dur="1" fill="hold">
-                                          <p:stCondLst>
-                                            <p:cond delay="0"/>
-                                          </p:stCondLst>
-                                        </p:cTn>
-                                        <p:tgtEl>
-                                          <p:spTgt spid="5">
-                                            <p:graphicEl>
-                                              <a:dgm id="{87B76314-E5F3-4C3D-9A52-689AB841A118}"/>
-                                            </p:graphicEl>
-                                          </p:spTgt>
-                                        </p:tgtEl>
-                                        <p:attrNameLst>
-                                          <p:attrName>style.visibility</p:attrName>
-                                        </p:attrNameLst>
-                                      </p:cBhvr>
-                                      <p:to>
-                                        <p:strVal val="visible"/>
-                                      </p:to>
-                                    </p:set>
-                                  </p:childTnLst>
-                                </p:cTn>
-                              </p:par>
-                              <p:par>
-                                <p:cTn id="17" presetID="1" presetClass="entr" presetSubtype="0" fill="hold" grpId="0" nodeType="withEffect">
-                                  <p:stCondLst>
-                                    <p:cond delay="0"/>
-                                  </p:stCondLst>
-                                  <p:childTnLst>
-                                    <p:set>
-                                      <p:cBhvr>
-                                        <p:cTn id="18" dur="1" fill="hold">
-                                          <p:stCondLst>
-                                            <p:cond delay="0"/>
-                                          </p:stCondLst>
-                                        </p:cTn>
-                                        <p:tgtEl>
-                                          <p:spTgt spid="5">
-                                            <p:graphicEl>
-                                              <a:dgm id="{3249EC3E-C3A9-4AD5-A894-47E93FED7D96}"/>
-                                            </p:graphicEl>
-                                          </p:spTgt>
-                                        </p:tgtEl>
-                                        <p:attrNameLst>
-                                          <p:attrName>style.visibility</p:attrName>
-                                        </p:attrNameLst>
-                                      </p:cBhvr>
-                                      <p:to>
-                                        <p:strVal val="visible"/>
-                                      </p:to>
-                                    </p:set>
-                                  </p:childTnLst>
-                                </p:cTn>
-                              </p:par>
-                            </p:childTnLst>
-                          </p:cTn>
-                        </p:par>
-                      </p:childTnLst>
-                    </p:cTn>
-                  </p:par>
-                  <p:par>
-                    <p:cTn id="19" fill="hold">
-                      <p:stCondLst>
-                        <p:cond delay="indefinite"/>
-                      </p:stCondLst>
-                      <p:childTnLst>
-                        <p:par>
-                          <p:cTn id="20" fill="hold">
-                            <p:stCondLst>
-                              <p:cond delay="0"/>
-                            </p:stCondLst>
-                            <p:childTnLst>
-                              <p:par>
-                                <p:cTn id="21" presetID="1" presetClass="entr" presetSubtype="0" fill="hold" grpId="0" nodeType="clickEffect">
-                                  <p:stCondLst>
-                                    <p:cond delay="0"/>
-                                  </p:stCondLst>
-                                  <p:childTnLst>
-                                    <p:set>
-                                      <p:cBhvr>
-                                        <p:cTn id="22" dur="1" fill="hold">
-                                          <p:stCondLst>
-                                            <p:cond delay="0"/>
-                                          </p:stCondLst>
-                                        </p:cTn>
-                                        <p:tgtEl>
-                                          <p:spTgt spid="5">
-                                            <p:graphicEl>
-                                              <a:dgm id="{ECB5DE8D-14F8-45E6-AE84-C80B4B780DF7}"/>
-                                            </p:graphicEl>
-                                          </p:spTgt>
-                                        </p:tgtEl>
-                                        <p:attrNameLst>
-                                          <p:attrName>style.visibility</p:attrName>
-                                        </p:attrNameLst>
-                                      </p:cBhvr>
-                                      <p:to>
-                                        <p:strVal val="visible"/>
-                                      </p:to>
-                                    </p:set>
-                                  </p:childTnLst>
-                                </p:cTn>
-                              </p:par>
-                              <p:par>
-                                <p:cTn id="23" presetID="1" presetClass="entr" presetSubtype="0" fill="hold" grpId="0" nodeType="withEffect">
-                                  <p:stCondLst>
-                                    <p:cond delay="0"/>
-                                  </p:stCondLst>
-                                  <p:childTnLst>
-                                    <p:set>
-                                      <p:cBhvr>
-                                        <p:cTn id="24" dur="1" fill="hold">
-                                          <p:stCondLst>
-                                            <p:cond delay="0"/>
-                                          </p:stCondLst>
-                                        </p:cTn>
-                                        <p:tgtEl>
-                                          <p:spTgt spid="5">
-                                            <p:graphicEl>
-                                              <a:dgm id="{45C214AA-913B-4D9D-9BF7-794B9B2AAB9F}"/>
-                                            </p:graphicEl>
-                                          </p:spTgt>
-                                        </p:tgtEl>
-                                        <p:attrNameLst>
-                                          <p:attrName>style.visibility</p:attrName>
-                                        </p:attrNameLst>
-                                      </p:cBhvr>
-                                      <p:to>
-                                        <p:strVal val="visible"/>
-                                      </p:to>
-                                    </p:set>
-                                  </p:childTnLst>
-                                </p:cTn>
-                              </p:par>
-                            </p:childTnLst>
-                          </p:cTn>
-                        </p:par>
-                      </p:childTnLst>
-                    </p:cTn>
-                  </p:par>
-                </p:childTnLst>
-              </p:cTn>
-              <p:prevCondLst>
-                <p:cond evt="onPrev" delay="0">
-                  <p:tgtEl>
-                    <p:sldTgt/>
-                  </p:tgtEl>
-                </p:cond>
-              </p:prevCondLst>
-              <p:nextCondLst>
-                <p:cond evt="onNext" delay="0">
-                  <p:tgtEl>
-                    <p:sldTgt/>
-                  </p:tgtEl>
-                </p:cond>
-              </p:nextCondLst>
-            </p:seq>
-          </p:childTnLst>
-        </p:cTn>
-      </p:par>
-    </p:tnLst>
-    <p:bldLst>
-      <p:bldGraphic spid="5" grpId="0">
-        <p:bldSub>
-          <a:bldDgm bld="lvlOne"/>
-        </p:bldSub>
-      </p:bldGraphic>
-    </p:bldLst>
-  </p:timing>
 </p:sld>
 </file>
 
-<file path=ppt/slides/slide25.xml><?xml version="1.0" encoding="utf-8"?>
+<file path=ppt/slides/slide23.xml><?xml version="1.0" encoding="utf-8"?>
 <p:sld xmlns:a="http://schemas.openxmlformats.org/drawingml/2006/main" xmlns:r="http://schemas.openxmlformats.org/officeDocument/2006/relationships" xmlns:p="http://schemas.openxmlformats.org/presentationml/2006/main" show="0">
   <p:cSld>
     <p:spTree>
@@ -34382,7 +33659,7 @@
             <a:fld id="{CE58CB1E-F828-4F11-99E0-327109AF9DA4}" type="slidenum">
               <a:rPr lang="de-DE" smtClean="0"/>
               <a:pPr/>
-              <a:t>25</a:t>
+              <a:t>23</a:t>
             </a:fld>
             <a:endParaRPr lang="de-DE" dirty="0"/>
           </a:p>
@@ -34516,304 +33793,7 @@
 </p:sld>
 </file>
 
-<file path=ppt/slides/slide26.xml><?xml version="1.0" encoding="utf-8"?>
-<p:sld xmlns:a="http://schemas.openxmlformats.org/drawingml/2006/main" xmlns:r="http://schemas.openxmlformats.org/officeDocument/2006/relationships" xmlns:p="http://schemas.openxmlformats.org/presentationml/2006/main" show="0">
-  <p:cSld>
-    <p:spTree>
-      <p:nvGrpSpPr>
-        <p:cNvPr id="1" name=""/>
-        <p:cNvGrpSpPr/>
-        <p:nvPr/>
-      </p:nvGrpSpPr>
-      <p:grpSpPr>
-        <a:xfrm>
-          <a:off x="0" y="0"/>
-          <a:ext cx="0" cy="0"/>
-          <a:chOff x="0" y="0"/>
-          <a:chExt cx="0" cy="0"/>
-        </a:xfrm>
-      </p:grpSpPr>
-      <p:sp>
-        <p:nvSpPr>
-          <p:cNvPr id="2" name="Inhaltsplatzhalter 1">
-            <a:extLst>
-              <a:ext uri="{FF2B5EF4-FFF2-40B4-BE49-F238E27FC236}">
-                <a16:creationId xmlns:a16="http://schemas.microsoft.com/office/drawing/2014/main" id="{EB45DF3B-CD2B-4618-831B-C3ABF05DE3D6}"/>
-              </a:ext>
-            </a:extLst>
-          </p:cNvPr>
-          <p:cNvSpPr>
-            <a:spLocks noGrp="1"/>
-          </p:cNvSpPr>
-          <p:nvPr>
-            <p:ph idx="10"/>
-          </p:nvPr>
-        </p:nvSpPr>
-        <p:spPr>
-          <a:xfrm>
-            <a:off x="319088" y="1978720"/>
-            <a:ext cx="8508999" cy="4330640"/>
-          </a:xfrm>
-        </p:spPr>
-        <p:txBody>
-          <a:bodyPr/>
-          <a:lstStyle/>
-          <a:p>
-            <a:pPr marL="285750" indent="-285750">
-              <a:lnSpc>
-                <a:spcPct val="200000"/>
-              </a:lnSpc>
-              <a:buFont typeface="Arial" panose="020B0604020202020204" pitchFamily="34" charset="0"/>
-              <a:buChar char="•"/>
-            </a:pPr>
-            <a:r>
-              <a:rPr lang="en-US" dirty="0"/>
-              <a:t>Instance of Statistical Parametric Speech Synthesis (SPSS)</a:t>
-            </a:r>
-          </a:p>
-          <a:p>
-            <a:pPr marL="285750" indent="-285750">
-              <a:lnSpc>
-                <a:spcPct val="200000"/>
-              </a:lnSpc>
-              <a:buFont typeface="Arial" panose="020B0604020202020204" pitchFamily="34" charset="0"/>
-              <a:buChar char="•"/>
-            </a:pPr>
-            <a:r>
-              <a:rPr lang="en-US" dirty="0"/>
-              <a:t>Context-dependent Hidden Markov Models (HMMs) as acoustic model</a:t>
-            </a:r>
-          </a:p>
-          <a:p>
-            <a:pPr marL="285750" indent="-285750">
-              <a:lnSpc>
-                <a:spcPct val="200000"/>
-              </a:lnSpc>
-              <a:buFont typeface="Arial" panose="020B0604020202020204" pitchFamily="34" charset="0"/>
-              <a:buChar char="•"/>
-            </a:pPr>
-            <a:r>
-              <a:rPr lang="en-US" dirty="0"/>
-              <a:t>Decision-tree-based mapping from context features to acoustic features</a:t>
-            </a:r>
-          </a:p>
-          <a:p>
-            <a:pPr marL="285750" indent="-285750">
-              <a:lnSpc>
-                <a:spcPct val="200000"/>
-              </a:lnSpc>
-              <a:buFont typeface="Arial" panose="020B0604020202020204" pitchFamily="34" charset="0"/>
-              <a:buChar char="•"/>
-            </a:pPr>
-            <a:r>
-              <a:rPr lang="en-US" dirty="0"/>
-              <a:t>Adjustable voice characteristics</a:t>
-            </a:r>
-          </a:p>
-          <a:p>
-            <a:pPr marL="285750" indent="-285750">
-              <a:lnSpc>
-                <a:spcPct val="200000"/>
-              </a:lnSpc>
-              <a:buFont typeface="Arial" panose="020B0604020202020204" pitchFamily="34" charset="0"/>
-              <a:buChar char="•"/>
-            </a:pPr>
-            <a:r>
-              <a:rPr lang="en-US" dirty="0"/>
-              <a:t>Best trade-off between footprint size and voice quality</a:t>
-            </a:r>
-          </a:p>
-          <a:p>
-            <a:endParaRPr lang="en-US" dirty="0"/>
-          </a:p>
-          <a:p>
-            <a:pPr>
-              <a:tabLst>
-                <a:tab pos="804863" algn="l"/>
-                <a:tab pos="3589338" algn="l"/>
-                <a:tab pos="4038600" algn="l"/>
-              </a:tabLst>
-            </a:pPr>
-            <a:r>
-              <a:rPr lang="en-US" dirty="0"/>
-              <a:t>	</a:t>
-            </a:r>
-            <a:r>
-              <a:rPr lang="en-US" b="1" dirty="0"/>
-              <a:t>Voice still sounds muffled 	</a:t>
-            </a:r>
-            <a:r>
-              <a:rPr lang="en-US" b="1" dirty="0">
-                <a:sym typeface="Wingdings" panose="05000000000000000000" pitchFamily="2" charset="2"/>
-              </a:rPr>
-              <a:t></a:t>
-            </a:r>
-            <a:r>
-              <a:rPr lang="en-US" b="1" dirty="0"/>
-              <a:t>	Further improvement necessary</a:t>
-            </a:r>
-          </a:p>
-        </p:txBody>
-      </p:sp>
-      <p:sp>
-        <p:nvSpPr>
-          <p:cNvPr id="3" name="Foliennummernplatzhalter 2">
-            <a:extLst>
-              <a:ext uri="{FF2B5EF4-FFF2-40B4-BE49-F238E27FC236}">
-                <a16:creationId xmlns:a16="http://schemas.microsoft.com/office/drawing/2014/main" id="{A576B45B-2320-4D41-80DF-A895AB334757}"/>
-              </a:ext>
-            </a:extLst>
-          </p:cNvPr>
-          <p:cNvSpPr>
-            <a:spLocks noGrp="1"/>
-          </p:cNvSpPr>
-          <p:nvPr>
-            <p:ph type="sldNum" sz="quarter" idx="11"/>
-          </p:nvPr>
-        </p:nvSpPr>
-        <p:spPr/>
-        <p:txBody>
-          <a:bodyPr/>
-          <a:lstStyle/>
-          <a:p>
-            <a:fld id="{CE58CB1E-F828-4F11-99E0-327109AF9DA4}" type="slidenum">
-              <a:rPr lang="de-DE" smtClean="0"/>
-              <a:pPr/>
-              <a:t>26</a:t>
-            </a:fld>
-            <a:endParaRPr lang="de-DE" dirty="0"/>
-          </a:p>
-        </p:txBody>
-      </p:sp>
-      <p:sp>
-        <p:nvSpPr>
-          <p:cNvPr id="4" name="Titel 3">
-            <a:extLst>
-              <a:ext uri="{FF2B5EF4-FFF2-40B4-BE49-F238E27FC236}">
-                <a16:creationId xmlns:a16="http://schemas.microsoft.com/office/drawing/2014/main" id="{1A32C16A-BA33-43A2-AAF5-A4E9C533D1A3}"/>
-              </a:ext>
-            </a:extLst>
-          </p:cNvPr>
-          <p:cNvSpPr>
-            <a:spLocks noGrp="1"/>
-          </p:cNvSpPr>
-          <p:nvPr>
-            <p:ph type="title"/>
-          </p:nvPr>
-        </p:nvSpPr>
-        <p:spPr>
-          <a:xfrm>
-            <a:off x="319090" y="994334"/>
-            <a:ext cx="8508999" cy="410369"/>
-          </a:xfrm>
-        </p:spPr>
-        <p:txBody>
-          <a:bodyPr/>
-          <a:lstStyle/>
-          <a:p>
-            <a:r>
-              <a:rPr lang="en-US" dirty="0"/>
-              <a:t>HMM-based Speech Synthesis</a:t>
-            </a:r>
-          </a:p>
-        </p:txBody>
-      </p:sp>
-    </p:spTree>
-    <p:extLst>
-      <p:ext uri="{BB962C8B-B14F-4D97-AF65-F5344CB8AC3E}">
-        <p14:creationId xmlns:p14="http://schemas.microsoft.com/office/powerpoint/2010/main" val="2081420282"/>
-      </p:ext>
-    </p:extLst>
-  </p:cSld>
-  <p:clrMapOvr>
-    <a:masterClrMapping/>
-  </p:clrMapOvr>
-  <p:timing>
-    <p:tnLst>
-      <p:par>
-        <p:cTn id="1" dur="indefinite" restart="never" nodeType="tmRoot">
-          <p:childTnLst>
-            <p:seq concurrent="1" nextAc="seek">
-              <p:cTn id="2" dur="indefinite" nodeType="mainSeq">
-                <p:childTnLst>
-                  <p:par>
-                    <p:cTn id="3" fill="hold">
-                      <p:stCondLst>
-                        <p:cond delay="indefinite"/>
-                      </p:stCondLst>
-                      <p:childTnLst>
-                        <p:par>
-                          <p:cTn id="4" fill="hold">
-                            <p:stCondLst>
-                              <p:cond delay="0"/>
-                            </p:stCondLst>
-                            <p:childTnLst>
-                              <p:par>
-                                <p:cTn id="5" presetID="1" presetClass="entr" presetSubtype="0" fill="hold" grpId="0" nodeType="clickEffect">
-                                  <p:stCondLst>
-                                    <p:cond delay="0"/>
-                                  </p:stCondLst>
-                                  <p:childTnLst>
-                                    <p:set>
-                                      <p:cBhvr>
-                                        <p:cTn id="6" dur="1" fill="hold">
-                                          <p:stCondLst>
-                                            <p:cond delay="0"/>
-                                          </p:stCondLst>
-                                        </p:cTn>
-                                        <p:tgtEl>
-                                          <p:spTgt spid="2">
-                                            <p:txEl>
-                                              <p:pRg st="6" end="6"/>
-                                            </p:txEl>
-                                          </p:spTgt>
-                                        </p:tgtEl>
-                                        <p:attrNameLst>
-                                          <p:attrName>style.visibility</p:attrName>
-                                        </p:attrNameLst>
-                                      </p:cBhvr>
-                                      <p:to>
-                                        <p:strVal val="visible"/>
-                                      </p:to>
-                                    </p:set>
-                                  </p:childTnLst>
-                                </p:cTn>
-                              </p:par>
-                            </p:childTnLst>
-                          </p:cTn>
-                        </p:par>
-                      </p:childTnLst>
-                    </p:cTn>
-                  </p:par>
-                </p:childTnLst>
-              </p:cTn>
-              <p:prevCondLst>
-                <p:cond evt="onPrev" delay="0">
-                  <p:tgtEl>
-                    <p:sldTgt/>
-                  </p:tgtEl>
-                </p:cond>
-              </p:prevCondLst>
-              <p:nextCondLst>
-                <p:cond evt="onNext" delay="0">
-                  <p:tgtEl>
-                    <p:sldTgt/>
-                  </p:tgtEl>
-                </p:cond>
-              </p:nextCondLst>
-            </p:seq>
-          </p:childTnLst>
-        </p:cTn>
-      </p:par>
-    </p:tnLst>
-    <p:bldLst>
-      <p:bldP spid="2" grpId="0" uiExpand="1" build="p"/>
-    </p:bldLst>
-  </p:timing>
-</p:sld>
-</file>
-
-<file path=ppt/slides/slide27.xml><?xml version="1.0" encoding="utf-8"?>
+<file path=ppt/slides/slide24.xml><?xml version="1.0" encoding="utf-8"?>
 <p:sld xmlns:a="http://schemas.openxmlformats.org/drawingml/2006/main" xmlns:r="http://schemas.openxmlformats.org/officeDocument/2006/relationships" xmlns:p="http://schemas.openxmlformats.org/presentationml/2006/main" show="0">
   <p:cSld>
     <p:spTree>
@@ -34982,7 +33962,7 @@
             <a:fld id="{CE58CB1E-F828-4F11-99E0-327109AF9DA4}" type="slidenum">
               <a:rPr lang="de-DE" smtClean="0"/>
               <a:pPr/>
-              <a:t>27</a:t>
+              <a:t>24</a:t>
             </a:fld>
             <a:endParaRPr lang="de-DE" dirty="0"/>
           </a:p>
@@ -35387,7 +34367,7 @@
 </p:sld>
 </file>
 
-<file path=ppt/slides/slide28.xml><?xml version="1.0" encoding="utf-8"?>
+<file path=ppt/slides/slide25.xml><?xml version="1.0" encoding="utf-8"?>
 <p:sld xmlns:a="http://schemas.openxmlformats.org/drawingml/2006/main" xmlns:r="http://schemas.openxmlformats.org/officeDocument/2006/relationships" xmlns:p="http://schemas.openxmlformats.org/presentationml/2006/main" show="0">
   <p:cSld>
     <p:spTree>
@@ -35478,7 +34458,7 @@
             <a:fld id="{CE58CB1E-F828-4F11-99E0-327109AF9DA4}" type="slidenum">
               <a:rPr lang="de-DE" smtClean="0"/>
               <a:pPr/>
-              <a:t>28</a:t>
+              <a:t>25</a:t>
             </a:fld>
             <a:endParaRPr lang="de-DE" dirty="0"/>
           </a:p>
@@ -35527,6 +34507,303 @@
   <p:clrMapOvr>
     <a:masterClrMapping/>
   </p:clrMapOvr>
+</p:sld>
+</file>
+
+<file path=ppt/slides/slide26.xml><?xml version="1.0" encoding="utf-8"?>
+<p:sld xmlns:a="http://schemas.openxmlformats.org/drawingml/2006/main" xmlns:r="http://schemas.openxmlformats.org/officeDocument/2006/relationships" xmlns:p="http://schemas.openxmlformats.org/presentationml/2006/main" show="0">
+  <p:cSld>
+    <p:spTree>
+      <p:nvGrpSpPr>
+        <p:cNvPr id="1" name=""/>
+        <p:cNvGrpSpPr/>
+        <p:nvPr/>
+      </p:nvGrpSpPr>
+      <p:grpSpPr>
+        <a:xfrm>
+          <a:off x="0" y="0"/>
+          <a:ext cx="0" cy="0"/>
+          <a:chOff x="0" y="0"/>
+          <a:chExt cx="0" cy="0"/>
+        </a:xfrm>
+      </p:grpSpPr>
+      <p:sp>
+        <p:nvSpPr>
+          <p:cNvPr id="2" name="Inhaltsplatzhalter 1">
+            <a:extLst>
+              <a:ext uri="{FF2B5EF4-FFF2-40B4-BE49-F238E27FC236}">
+                <a16:creationId xmlns:a16="http://schemas.microsoft.com/office/drawing/2014/main" id="{EB45DF3B-CD2B-4618-831B-C3ABF05DE3D6}"/>
+              </a:ext>
+            </a:extLst>
+          </p:cNvPr>
+          <p:cNvSpPr>
+            <a:spLocks noGrp="1"/>
+          </p:cNvSpPr>
+          <p:nvPr>
+            <p:ph idx="10"/>
+          </p:nvPr>
+        </p:nvSpPr>
+        <p:spPr>
+          <a:xfrm>
+            <a:off x="319088" y="1978720"/>
+            <a:ext cx="8508999" cy="4330640"/>
+          </a:xfrm>
+        </p:spPr>
+        <p:txBody>
+          <a:bodyPr/>
+          <a:lstStyle/>
+          <a:p>
+            <a:pPr marL="285750" indent="-285750">
+              <a:lnSpc>
+                <a:spcPct val="200000"/>
+              </a:lnSpc>
+              <a:buFont typeface="Arial" panose="020B0604020202020204" pitchFamily="34" charset="0"/>
+              <a:buChar char="•"/>
+            </a:pPr>
+            <a:r>
+              <a:rPr lang="en-US" dirty="0"/>
+              <a:t>Instance of Statistical Parametric Speech Synthesis (SPSS)</a:t>
+            </a:r>
+          </a:p>
+          <a:p>
+            <a:pPr marL="285750" indent="-285750">
+              <a:lnSpc>
+                <a:spcPct val="200000"/>
+              </a:lnSpc>
+              <a:buFont typeface="Arial" panose="020B0604020202020204" pitchFamily="34" charset="0"/>
+              <a:buChar char="•"/>
+            </a:pPr>
+            <a:r>
+              <a:rPr lang="en-US" dirty="0"/>
+              <a:t>Context-dependent Hidden Markov Models (HMMs) as acoustic model</a:t>
+            </a:r>
+          </a:p>
+          <a:p>
+            <a:pPr marL="285750" indent="-285750">
+              <a:lnSpc>
+                <a:spcPct val="200000"/>
+              </a:lnSpc>
+              <a:buFont typeface="Arial" panose="020B0604020202020204" pitchFamily="34" charset="0"/>
+              <a:buChar char="•"/>
+            </a:pPr>
+            <a:r>
+              <a:rPr lang="en-US" dirty="0"/>
+              <a:t>Decision-tree-based mapping from context features to acoustic features</a:t>
+            </a:r>
+          </a:p>
+          <a:p>
+            <a:pPr marL="285750" indent="-285750">
+              <a:lnSpc>
+                <a:spcPct val="200000"/>
+              </a:lnSpc>
+              <a:buFont typeface="Arial" panose="020B0604020202020204" pitchFamily="34" charset="0"/>
+              <a:buChar char="•"/>
+            </a:pPr>
+            <a:r>
+              <a:rPr lang="en-US" dirty="0"/>
+              <a:t>Adjustable voice characteristics</a:t>
+            </a:r>
+          </a:p>
+          <a:p>
+            <a:pPr marL="285750" indent="-285750">
+              <a:lnSpc>
+                <a:spcPct val="200000"/>
+              </a:lnSpc>
+              <a:buFont typeface="Arial" panose="020B0604020202020204" pitchFamily="34" charset="0"/>
+              <a:buChar char="•"/>
+            </a:pPr>
+            <a:r>
+              <a:rPr lang="en-US" dirty="0"/>
+              <a:t>Best trade-off between footprint size and voice quality</a:t>
+            </a:r>
+          </a:p>
+          <a:p>
+            <a:endParaRPr lang="en-US" dirty="0"/>
+          </a:p>
+          <a:p>
+            <a:pPr>
+              <a:tabLst>
+                <a:tab pos="804863" algn="l"/>
+                <a:tab pos="3589338" algn="l"/>
+                <a:tab pos="4038600" algn="l"/>
+              </a:tabLst>
+            </a:pPr>
+            <a:r>
+              <a:rPr lang="en-US" dirty="0"/>
+              <a:t>	</a:t>
+            </a:r>
+            <a:r>
+              <a:rPr lang="en-US" b="1" dirty="0"/>
+              <a:t>Voice still sounds muffled 	</a:t>
+            </a:r>
+            <a:r>
+              <a:rPr lang="en-US" b="1" dirty="0">
+                <a:sym typeface="Wingdings" panose="05000000000000000000" pitchFamily="2" charset="2"/>
+              </a:rPr>
+              <a:t></a:t>
+            </a:r>
+            <a:r>
+              <a:rPr lang="en-US" b="1" dirty="0"/>
+              <a:t>	Further improvement necessary</a:t>
+            </a:r>
+          </a:p>
+        </p:txBody>
+      </p:sp>
+      <p:sp>
+        <p:nvSpPr>
+          <p:cNvPr id="3" name="Foliennummernplatzhalter 2">
+            <a:extLst>
+              <a:ext uri="{FF2B5EF4-FFF2-40B4-BE49-F238E27FC236}">
+                <a16:creationId xmlns:a16="http://schemas.microsoft.com/office/drawing/2014/main" id="{A576B45B-2320-4D41-80DF-A895AB334757}"/>
+              </a:ext>
+            </a:extLst>
+          </p:cNvPr>
+          <p:cNvSpPr>
+            <a:spLocks noGrp="1"/>
+          </p:cNvSpPr>
+          <p:nvPr>
+            <p:ph type="sldNum" sz="quarter" idx="11"/>
+          </p:nvPr>
+        </p:nvSpPr>
+        <p:spPr/>
+        <p:txBody>
+          <a:bodyPr/>
+          <a:lstStyle/>
+          <a:p>
+            <a:fld id="{CE58CB1E-F828-4F11-99E0-327109AF9DA4}" type="slidenum">
+              <a:rPr lang="de-DE" smtClean="0"/>
+              <a:pPr/>
+              <a:t>26</a:t>
+            </a:fld>
+            <a:endParaRPr lang="de-DE" dirty="0"/>
+          </a:p>
+        </p:txBody>
+      </p:sp>
+      <p:sp>
+        <p:nvSpPr>
+          <p:cNvPr id="4" name="Titel 3">
+            <a:extLst>
+              <a:ext uri="{FF2B5EF4-FFF2-40B4-BE49-F238E27FC236}">
+                <a16:creationId xmlns:a16="http://schemas.microsoft.com/office/drawing/2014/main" id="{1A32C16A-BA33-43A2-AAF5-A4E9C533D1A3}"/>
+              </a:ext>
+            </a:extLst>
+          </p:cNvPr>
+          <p:cNvSpPr>
+            <a:spLocks noGrp="1"/>
+          </p:cNvSpPr>
+          <p:nvPr>
+            <p:ph type="title"/>
+          </p:nvPr>
+        </p:nvSpPr>
+        <p:spPr>
+          <a:xfrm>
+            <a:off x="319090" y="994334"/>
+            <a:ext cx="8508999" cy="410369"/>
+          </a:xfrm>
+        </p:spPr>
+        <p:txBody>
+          <a:bodyPr/>
+          <a:lstStyle/>
+          <a:p>
+            <a:r>
+              <a:rPr lang="en-US" dirty="0"/>
+              <a:t>HMM-based Speech Synthesis</a:t>
+            </a:r>
+          </a:p>
+        </p:txBody>
+      </p:sp>
+    </p:spTree>
+    <p:extLst>
+      <p:ext uri="{BB962C8B-B14F-4D97-AF65-F5344CB8AC3E}">
+        <p14:creationId xmlns:p14="http://schemas.microsoft.com/office/powerpoint/2010/main" val="2081420282"/>
+      </p:ext>
+    </p:extLst>
+  </p:cSld>
+  <p:clrMapOvr>
+    <a:masterClrMapping/>
+  </p:clrMapOvr>
+  <p:timing>
+    <p:tnLst>
+      <p:par>
+        <p:cTn id="1" dur="indefinite" restart="never" nodeType="tmRoot">
+          <p:childTnLst>
+            <p:seq concurrent="1" nextAc="seek">
+              <p:cTn id="2" dur="indefinite" nodeType="mainSeq">
+                <p:childTnLst>
+                  <p:par>
+                    <p:cTn id="3" fill="hold">
+                      <p:stCondLst>
+                        <p:cond delay="indefinite"/>
+                      </p:stCondLst>
+                      <p:childTnLst>
+                        <p:par>
+                          <p:cTn id="4" fill="hold">
+                            <p:stCondLst>
+                              <p:cond delay="0"/>
+                            </p:stCondLst>
+                            <p:childTnLst>
+                              <p:par>
+                                <p:cTn id="5" presetID="1" presetClass="entr" presetSubtype="0" fill="hold" grpId="0" nodeType="clickEffect">
+                                  <p:stCondLst>
+                                    <p:cond delay="0"/>
+                                  </p:stCondLst>
+                                  <p:childTnLst>
+                                    <p:set>
+                                      <p:cBhvr>
+                                        <p:cTn id="6" dur="1" fill="hold">
+                                          <p:stCondLst>
+                                            <p:cond delay="0"/>
+                                          </p:stCondLst>
+                                        </p:cTn>
+                                        <p:tgtEl>
+                                          <p:spTgt spid="2">
+                                            <p:txEl>
+                                              <p:pRg st="6" end="6"/>
+                                            </p:txEl>
+                                          </p:spTgt>
+                                        </p:tgtEl>
+                                        <p:attrNameLst>
+                                          <p:attrName>style.visibility</p:attrName>
+                                        </p:attrNameLst>
+                                      </p:cBhvr>
+                                      <p:to>
+                                        <p:strVal val="visible"/>
+                                      </p:to>
+                                    </p:set>
+                                  </p:childTnLst>
+                                </p:cTn>
+                              </p:par>
+                            </p:childTnLst>
+                          </p:cTn>
+                        </p:par>
+                      </p:childTnLst>
+                    </p:cTn>
+                  </p:par>
+                </p:childTnLst>
+              </p:cTn>
+              <p:prevCondLst>
+                <p:cond evt="onPrev" delay="0">
+                  <p:tgtEl>
+                    <p:sldTgt/>
+                  </p:tgtEl>
+                </p:cond>
+              </p:prevCondLst>
+              <p:nextCondLst>
+                <p:cond evt="onNext" delay="0">
+                  <p:tgtEl>
+                    <p:sldTgt/>
+                  </p:tgtEl>
+                </p:cond>
+              </p:nextCondLst>
+            </p:seq>
+          </p:childTnLst>
+        </p:cTn>
+      </p:par>
+    </p:tnLst>
+    <p:bldLst>
+      <p:bldP spid="2" grpId="0" uiExpand="1" build="p"/>
+    </p:bldLst>
+  </p:timing>
 </p:sld>
 </file>
 

--- a/pres/Final_Presentation_V03.pptx
+++ b/pres/Final_Presentation_V03.pptx
@@ -29,14 +29,14 @@
     <p:sldId id="428" r:id="rId17"/>
     <p:sldId id="431" r:id="rId18"/>
     <p:sldId id="435" r:id="rId19"/>
-    <p:sldId id="439" r:id="rId20"/>
-    <p:sldId id="400" r:id="rId21"/>
-    <p:sldId id="425" r:id="rId22"/>
-    <p:sldId id="437" r:id="rId23"/>
-    <p:sldId id="414" r:id="rId24"/>
-    <p:sldId id="430" r:id="rId25"/>
-    <p:sldId id="438" r:id="rId26"/>
-    <p:sldId id="407" r:id="rId27"/>
+    <p:sldId id="400" r:id="rId20"/>
+    <p:sldId id="425" r:id="rId21"/>
+    <p:sldId id="437" r:id="rId22"/>
+    <p:sldId id="414" r:id="rId23"/>
+    <p:sldId id="430" r:id="rId24"/>
+    <p:sldId id="438" r:id="rId25"/>
+    <p:sldId id="440" r:id="rId26"/>
+    <p:sldId id="439" r:id="rId27"/>
     <p:sldId id="423" r:id="rId28"/>
     <p:sldId id="432" r:id="rId29"/>
     <p:sldId id="417" r:id="rId30"/>
@@ -180,10 +180,14 @@
             <p14:sldId id="402"/>
           </p14:sldIdLst>
         </p14:section>
-        <p14:section name="Speech Synthesis in General" id="{2520E135-4A04-43DA-9A00-B91F93DBF0DC}">
+        <p14:section name="Contet of Paper" id="{2520E135-4A04-43DA-9A00-B91F93DBF0DC}">
           <p14:sldIdLst>
             <p14:sldId id="398"/>
             <p14:sldId id="434"/>
+          </p14:sldIdLst>
+        </p14:section>
+        <p14:section name="Speech Synthesis in General" id="{E992BFE2-28D5-4BE6-B227-1102AF1C5A77}">
+          <p14:sldIdLst>
             <p14:sldId id="436"/>
             <p14:sldId id="429"/>
             <p14:sldId id="399"/>
@@ -196,7 +200,6 @@
         <p14:section name="Introducing Deep Learning Models" id="{AEEF9EA9-3651-4119-9C16-DD90080AC617}">
           <p14:sldIdLst>
             <p14:sldId id="435"/>
-            <p14:sldId id="439"/>
             <p14:sldId id="400"/>
             <p14:sldId id="425"/>
           </p14:sldIdLst>
@@ -211,11 +214,12 @@
         <p14:section name="Conclusions" id="{B3942268-5E1D-49AB-8455-0817469229F3}">
           <p14:sldIdLst>
             <p14:sldId id="438"/>
-            <p14:sldId id="407"/>
+            <p14:sldId id="440"/>
           </p14:sldIdLst>
         </p14:section>
         <p14:section name="Backup" id="{01028BB3-2A12-4CDE-8052-5EDDD686E288}">
           <p14:sldIdLst>
+            <p14:sldId id="439"/>
             <p14:sldId id="423"/>
             <p14:sldId id="432"/>
             <p14:sldId id="417"/>
@@ -9966,7 +9970,7 @@
               <a:pPr>
                 <a:defRPr/>
               </a:pPr>
-              <a:t>20/07/2017</a:t>
+              <a:t>21/07/2017</a:t>
             </a:fld>
             <a:endParaRPr lang="en-GB" dirty="0"/>
           </a:p>
@@ -10185,7 +10189,7 @@
               <a:pPr>
                 <a:defRPr/>
               </a:pPr>
-              <a:t>20/07/2017</a:t>
+              <a:t>21/07/2017</a:t>
             </a:fld>
             <a:endParaRPr lang="en-GB"/>
           </a:p>
@@ -10655,39 +10659,82 @@
         </p:nvSpPr>
         <p:spPr/>
         <p:txBody>
-          <a:bodyPr>
-            <a:normAutofit lnSpcReduction="10000"/>
-          </a:bodyPr>
+          <a:bodyPr/>
           <a:lstStyle/>
           <a:p>
-            <a:pPr marL="0" marR="0" lvl="0" indent="0" algn="l" defTabSz="914400" rtl="0" eaLnBrk="1" fontAlgn="base" latinLnBrk="0" hangingPunct="1">
-              <a:lnSpc>
-                <a:spcPct val="100000"/>
-              </a:lnSpc>
-              <a:spcBef>
-                <a:spcPct val="30000"/>
-              </a:spcBef>
-              <a:spcAft>
-                <a:spcPct val="0"/>
-              </a:spcAft>
-              <a:buClrTx/>
-              <a:buSzTx/>
-              <a:buFontTx/>
-              <a:buNone/>
-              <a:tabLst/>
-              <a:defRPr/>
+            <a:pPr marL="285750" indent="-285750">
+              <a:buFont typeface="Arial" panose="020B0604020202020204" pitchFamily="34" charset="0"/>
+              <a:buChar char="•"/>
             </a:pPr>
             <a:r>
-              <a:rPr lang="en-US" sz="1200" b="1" i="0" u="none" strike="noStrike" kern="1200" baseline="0" dirty="0">
-                <a:solidFill>
-                  <a:schemeClr val="tx1"/>
-                </a:solidFill>
-                <a:latin typeface="Arial" pitchFamily="34" charset="0"/>
-                <a:ea typeface="+mn-ea"/>
-                <a:cs typeface="Arial" pitchFamily="34" charset="0"/>
-              </a:rPr>
-              <a:t>Syllabification</a:t>
-            </a:r>
+              <a:rPr lang="de-DE" dirty="0" err="1"/>
+              <a:t>Tremendous</a:t>
+            </a:r>
+            <a:r>
+              <a:rPr lang="de-DE" dirty="0"/>
+              <a:t> </a:t>
+            </a:r>
+            <a:r>
+              <a:rPr lang="de-DE" dirty="0" err="1"/>
+              <a:t>reduction</a:t>
+            </a:r>
+            <a:r>
+              <a:rPr lang="de-DE" dirty="0"/>
+              <a:t> </a:t>
+            </a:r>
+            <a:r>
+              <a:rPr lang="de-DE" dirty="0" err="1"/>
+              <a:t>of</a:t>
+            </a:r>
+            <a:r>
+              <a:rPr lang="de-DE" dirty="0"/>
+              <a:t> </a:t>
+            </a:r>
+            <a:r>
+              <a:rPr lang="de-DE" dirty="0" err="1"/>
+              <a:t>footprint</a:t>
+            </a:r>
+            <a:r>
+              <a:rPr lang="de-DE" dirty="0"/>
+              <a:t> </a:t>
+            </a:r>
+            <a:r>
+              <a:rPr lang="de-DE" dirty="0" err="1"/>
+              <a:t>size</a:t>
+            </a:r>
+            <a:endParaRPr lang="de-DE" dirty="0"/>
+          </a:p>
+          <a:p>
+            <a:pPr marL="285750" indent="-285750">
+              <a:buFont typeface="Arial" panose="020B0604020202020204" pitchFamily="34" charset="0"/>
+              <a:buChar char="•"/>
+            </a:pPr>
+            <a:r>
+              <a:rPr lang="de-DE" dirty="0" err="1"/>
+              <a:t>Accuracy</a:t>
+            </a:r>
+            <a:r>
+              <a:rPr lang="de-DE" dirty="0"/>
+              <a:t> not </a:t>
+            </a:r>
+            <a:r>
+              <a:rPr lang="de-DE" dirty="0" err="1"/>
+              <a:t>significantly</a:t>
+            </a:r>
+            <a:r>
+              <a:rPr lang="de-DE" dirty="0"/>
+              <a:t> </a:t>
+            </a:r>
+            <a:r>
+              <a:rPr lang="de-DE" dirty="0" err="1"/>
+              <a:t>decreased</a:t>
+            </a:r>
+            <a:endParaRPr lang="de-DE" dirty="0"/>
+          </a:p>
+          <a:p>
+            <a:endParaRPr lang="de-DE" dirty="0"/>
+          </a:p>
+          <a:p>
             <a:r>
               <a:rPr lang="en-US" sz="1200" b="0" i="0" u="none" strike="noStrike" kern="1200" baseline="0" dirty="0">
                 <a:solidFill>
@@ -10697,372 +10744,8 @@
                 <a:ea typeface="+mn-ea"/>
                 <a:cs typeface="Arial" pitchFamily="34" charset="0"/>
               </a:rPr>
-              <a:t>: the decomposition of words into their phonological units.</a:t>
-            </a:r>
-          </a:p>
-          <a:p>
-            <a:endParaRPr lang="de-DE" dirty="0"/>
-          </a:p>
-          <a:p>
-            <a:r>
-              <a:rPr lang="en-US" sz="1200" b="1" i="0" u="none" strike="noStrike" kern="1200" baseline="0" dirty="0">
-                <a:solidFill>
-                  <a:schemeClr val="tx1"/>
-                </a:solidFill>
-                <a:latin typeface="Arial" pitchFamily="34" charset="0"/>
-                <a:ea typeface="+mn-ea"/>
-                <a:cs typeface="Arial" pitchFamily="34" charset="0"/>
-              </a:rPr>
-              <a:t>Phonetic transcription</a:t>
-            </a:r>
-            <a:r>
-              <a:rPr lang="en-US" sz="1200" b="0" i="0" u="none" strike="noStrike" kern="1200" baseline="0" dirty="0">
-                <a:solidFill>
-                  <a:schemeClr val="tx1"/>
-                </a:solidFill>
-                <a:latin typeface="Arial" pitchFamily="34" charset="0"/>
-                <a:ea typeface="+mn-ea"/>
-                <a:cs typeface="Arial" pitchFamily="34" charset="0"/>
-              </a:rPr>
-              <a:t>: the process of “translation” from letters to phonemes (also known as letter-to-sound or grapheme-to-phoneme translation)</a:t>
-            </a:r>
-            <a:endParaRPr lang="de-DE" sz="1200" b="0" i="0" u="none" strike="noStrike" kern="1200" baseline="0" dirty="0">
-              <a:solidFill>
-                <a:schemeClr val="tx1"/>
-              </a:solidFill>
-              <a:latin typeface="Arial" pitchFamily="34" charset="0"/>
-              <a:ea typeface="+mn-ea"/>
-              <a:cs typeface="Arial" pitchFamily="34" charset="0"/>
-            </a:endParaRPr>
-          </a:p>
-          <a:p>
-            <a:endParaRPr lang="en-US" sz="1200" b="0" i="0" u="none" strike="noStrike" kern="1200" baseline="0" dirty="0">
-              <a:solidFill>
-                <a:schemeClr val="tx1"/>
-              </a:solidFill>
-              <a:latin typeface="Arial" pitchFamily="34" charset="0"/>
-              <a:ea typeface="+mn-ea"/>
-              <a:cs typeface="Arial" pitchFamily="34" charset="0"/>
-            </a:endParaRPr>
-          </a:p>
-          <a:p>
-            <a:r>
-              <a:rPr lang="en-US" sz="1200" b="1" i="0" u="none" strike="noStrike" kern="1200" baseline="0" dirty="0">
-                <a:solidFill>
-                  <a:schemeClr val="tx1"/>
-                </a:solidFill>
-                <a:latin typeface="Arial" pitchFamily="34" charset="0"/>
-                <a:ea typeface="+mn-ea"/>
-                <a:cs typeface="Arial" pitchFamily="34" charset="0"/>
-              </a:rPr>
-              <a:t>Part-of-speech (POS) tagging </a:t>
-            </a:r>
-            <a:r>
-              <a:rPr lang="en-US" sz="1200" b="0" i="0" u="none" strike="noStrike" kern="1200" baseline="0" dirty="0">
-                <a:solidFill>
-                  <a:schemeClr val="tx1"/>
-                </a:solidFill>
-                <a:latin typeface="Arial" pitchFamily="34" charset="0"/>
-                <a:ea typeface="+mn-ea"/>
-                <a:cs typeface="Arial" pitchFamily="34" charset="0"/>
-              </a:rPr>
-              <a:t>is the process of assigning each word in a sentence its uniquely interpretable tag - its part of speech. </a:t>
-            </a:r>
-          </a:p>
-          <a:p>
-            <a:pPr marL="171450" indent="-171450">
-              <a:buFont typeface="Wingdings" panose="05000000000000000000" pitchFamily="2" charset="2"/>
-              <a:buChar char="à"/>
-            </a:pPr>
-            <a:r>
-              <a:rPr lang="en-US" sz="1200" b="0" i="0" u="none" strike="noStrike" kern="1200" baseline="0" dirty="0">
-                <a:solidFill>
-                  <a:schemeClr val="tx1"/>
-                </a:solidFill>
-                <a:latin typeface="Arial" pitchFamily="34" charset="0"/>
-                <a:ea typeface="+mn-ea"/>
-                <a:cs typeface="Arial" pitchFamily="34" charset="0"/>
-              </a:rPr>
-              <a:t>choose the correct pronunciation for a homophone word</a:t>
-            </a:r>
-          </a:p>
-          <a:p>
-            <a:pPr marL="0" indent="0">
-              <a:buFont typeface="Wingdings" panose="05000000000000000000" pitchFamily="2" charset="2"/>
-              <a:buNone/>
-            </a:pPr>
-            <a:r>
-              <a:rPr lang="de-DE" sz="1200" b="0" i="0" u="none" strike="noStrike" kern="1200" baseline="0" dirty="0">
-                <a:solidFill>
-                  <a:schemeClr val="tx1"/>
-                </a:solidFill>
-                <a:latin typeface="Arial" pitchFamily="34" charset="0"/>
-                <a:ea typeface="+mn-ea"/>
-                <a:cs typeface="Arial" pitchFamily="34" charset="0"/>
-              </a:rPr>
-              <a:t>N: </a:t>
-            </a:r>
-            <a:r>
-              <a:rPr lang="de-DE" sz="1200" b="0" i="0" u="none" strike="noStrike" kern="1200" baseline="0" dirty="0" err="1">
-                <a:solidFill>
-                  <a:schemeClr val="tx1"/>
-                </a:solidFill>
-                <a:latin typeface="Arial" pitchFamily="34" charset="0"/>
-                <a:ea typeface="+mn-ea"/>
-                <a:cs typeface="Arial" pitchFamily="34" charset="0"/>
-              </a:rPr>
-              <a:t>Nouns</a:t>
-            </a:r>
-            <a:r>
-              <a:rPr lang="de-DE" sz="1200" b="0" i="0" u="none" strike="noStrike" kern="1200" baseline="0" dirty="0">
-                <a:solidFill>
-                  <a:schemeClr val="tx1"/>
-                </a:solidFill>
-                <a:latin typeface="Arial" pitchFamily="34" charset="0"/>
-                <a:ea typeface="+mn-ea"/>
-                <a:cs typeface="Arial" pitchFamily="34" charset="0"/>
-              </a:rPr>
-              <a:t>    V: Verbs     A: </a:t>
-            </a:r>
-            <a:r>
-              <a:rPr lang="de-DE" sz="1200" b="0" i="0" u="none" strike="noStrike" kern="1200" baseline="0" dirty="0" err="1">
-                <a:solidFill>
-                  <a:schemeClr val="tx1"/>
-                </a:solidFill>
-                <a:latin typeface="Arial" pitchFamily="34" charset="0"/>
-                <a:ea typeface="+mn-ea"/>
-                <a:cs typeface="Arial" pitchFamily="34" charset="0"/>
-              </a:rPr>
-              <a:t>Adjectives</a:t>
-            </a:r>
-            <a:r>
-              <a:rPr lang="de-DE" sz="1200" b="0" i="0" u="none" strike="noStrike" kern="1200" baseline="0" dirty="0">
-                <a:solidFill>
-                  <a:schemeClr val="tx1"/>
-                </a:solidFill>
-                <a:latin typeface="Arial" pitchFamily="34" charset="0"/>
-                <a:ea typeface="+mn-ea"/>
-                <a:cs typeface="Arial" pitchFamily="34" charset="0"/>
-              </a:rPr>
-              <a:t>      R: Adverbs</a:t>
-            </a:r>
-          </a:p>
-          <a:p>
-            <a:pPr marL="0" indent="0">
-              <a:buFont typeface="Wingdings" panose="05000000000000000000" pitchFamily="2" charset="2"/>
-              <a:buNone/>
-            </a:pPr>
-            <a:r>
-              <a:rPr lang="de-DE" sz="1200" b="0" i="0" u="none" strike="noStrike" kern="1200" baseline="0" dirty="0">
-                <a:solidFill>
-                  <a:schemeClr val="tx1"/>
-                </a:solidFill>
-                <a:latin typeface="Arial" pitchFamily="34" charset="0"/>
-                <a:ea typeface="+mn-ea"/>
-                <a:cs typeface="Arial" pitchFamily="34" charset="0"/>
-              </a:rPr>
-              <a:t>feminine/</a:t>
-            </a:r>
-            <a:r>
-              <a:rPr lang="de-DE" sz="1200" b="0" i="0" u="none" strike="noStrike" kern="1200" baseline="0" dirty="0" err="1">
-                <a:solidFill>
-                  <a:schemeClr val="tx1"/>
-                </a:solidFill>
-                <a:latin typeface="Arial" pitchFamily="34" charset="0"/>
-                <a:ea typeface="+mn-ea"/>
-                <a:cs typeface="Arial" pitchFamily="34" charset="0"/>
-              </a:rPr>
-              <a:t>maskular</a:t>
-            </a:r>
-            <a:r>
-              <a:rPr lang="de-DE" sz="1200" b="0" i="0" u="none" strike="noStrike" kern="1200" baseline="0" dirty="0">
-                <a:solidFill>
-                  <a:schemeClr val="tx1"/>
-                </a:solidFill>
-                <a:latin typeface="Arial" pitchFamily="34" charset="0"/>
-                <a:ea typeface="+mn-ea"/>
-                <a:cs typeface="Arial" pitchFamily="34" charset="0"/>
-              </a:rPr>
-              <a:t>, </a:t>
-            </a:r>
-            <a:r>
-              <a:rPr lang="de-DE" sz="1200" b="0" i="0" u="none" strike="noStrike" kern="1200" baseline="0" dirty="0" err="1">
-                <a:solidFill>
-                  <a:schemeClr val="tx1"/>
-                </a:solidFill>
-                <a:latin typeface="Arial" pitchFamily="34" charset="0"/>
-                <a:ea typeface="+mn-ea"/>
-                <a:cs typeface="Arial" pitchFamily="34" charset="0"/>
-              </a:rPr>
-              <a:t>singular</a:t>
-            </a:r>
-            <a:r>
-              <a:rPr lang="de-DE" sz="1200" b="0" i="0" u="none" strike="noStrike" kern="1200" baseline="0" dirty="0">
-                <a:solidFill>
-                  <a:schemeClr val="tx1"/>
-                </a:solidFill>
-                <a:latin typeface="Arial" pitchFamily="34" charset="0"/>
-                <a:ea typeface="+mn-ea"/>
-                <a:cs typeface="Arial" pitchFamily="34" charset="0"/>
-              </a:rPr>
-              <a:t>/</a:t>
-            </a:r>
-            <a:r>
-              <a:rPr lang="de-DE" sz="1200" b="0" i="0" u="none" strike="noStrike" kern="1200" baseline="0" dirty="0" err="1">
-                <a:solidFill>
-                  <a:schemeClr val="tx1"/>
-                </a:solidFill>
-                <a:latin typeface="Arial" pitchFamily="34" charset="0"/>
-                <a:ea typeface="+mn-ea"/>
-                <a:cs typeface="Arial" pitchFamily="34" charset="0"/>
-              </a:rPr>
-              <a:t>plular</a:t>
-            </a:r>
-            <a:r>
-              <a:rPr lang="de-DE" sz="1200" b="0" i="0" u="none" strike="noStrike" kern="1200" baseline="0" dirty="0">
-                <a:solidFill>
-                  <a:schemeClr val="tx1"/>
-                </a:solidFill>
-                <a:latin typeface="Arial" pitchFamily="34" charset="0"/>
-                <a:ea typeface="+mn-ea"/>
-                <a:cs typeface="Arial" pitchFamily="34" charset="0"/>
-              </a:rPr>
-              <a:t>, </a:t>
-            </a:r>
-            <a:r>
-              <a:rPr lang="de-DE" sz="1200" b="0" i="0" u="none" strike="noStrike" kern="1200" baseline="0" dirty="0" err="1">
-                <a:solidFill>
-                  <a:schemeClr val="tx1"/>
-                </a:solidFill>
-                <a:latin typeface="Arial" pitchFamily="34" charset="0"/>
-                <a:ea typeface="+mn-ea"/>
-                <a:cs typeface="Arial" pitchFamily="34" charset="0"/>
-              </a:rPr>
-              <a:t>cases</a:t>
-            </a:r>
-            <a:endParaRPr lang="en-US" sz="1200" b="0" i="0" u="none" strike="noStrike" kern="1200" baseline="0" dirty="0">
-              <a:solidFill>
-                <a:schemeClr val="tx1"/>
-              </a:solidFill>
-              <a:latin typeface="Arial" pitchFamily="34" charset="0"/>
-              <a:ea typeface="+mn-ea"/>
-              <a:cs typeface="Arial" pitchFamily="34" charset="0"/>
-            </a:endParaRPr>
-          </a:p>
-          <a:p>
-            <a:endParaRPr lang="de-DE" sz="1200" b="0" i="0" u="none" strike="noStrike" kern="1200" baseline="0" dirty="0">
-              <a:solidFill>
-                <a:schemeClr val="tx1"/>
-              </a:solidFill>
-              <a:latin typeface="Arial" pitchFamily="34" charset="0"/>
-              <a:ea typeface="+mn-ea"/>
-              <a:cs typeface="Arial" pitchFamily="34" charset="0"/>
-            </a:endParaRPr>
-          </a:p>
-          <a:p>
-            <a:pPr marL="0" marR="0" lvl="0" indent="0" algn="l" defTabSz="914400" rtl="0" eaLnBrk="1" fontAlgn="base" latinLnBrk="0" hangingPunct="1">
-              <a:lnSpc>
-                <a:spcPct val="100000"/>
-              </a:lnSpc>
-              <a:spcBef>
-                <a:spcPct val="30000"/>
-              </a:spcBef>
-              <a:spcAft>
-                <a:spcPct val="0"/>
-              </a:spcAft>
-              <a:buClrTx/>
-              <a:buSzTx/>
-              <a:buFontTx/>
-              <a:buNone/>
-              <a:tabLst/>
-              <a:defRPr/>
-            </a:pPr>
-            <a:r>
-              <a:rPr lang="en-US" sz="1200" b="1" i="0" u="none" strike="noStrike" kern="1200" baseline="0" dirty="0">
-                <a:solidFill>
-                  <a:schemeClr val="tx1"/>
-                </a:solidFill>
-                <a:latin typeface="Arial" pitchFamily="34" charset="0"/>
-                <a:ea typeface="+mn-ea"/>
-                <a:cs typeface="Arial" pitchFamily="34" charset="0"/>
-              </a:rPr>
-              <a:t>Lexical stress prediction</a:t>
-            </a:r>
-            <a:r>
-              <a:rPr lang="en-US" sz="1200" b="0" i="0" u="none" strike="noStrike" kern="1200" baseline="0" dirty="0">
-                <a:solidFill>
-                  <a:schemeClr val="tx1"/>
-                </a:solidFill>
-                <a:latin typeface="Arial" pitchFamily="34" charset="0"/>
-                <a:ea typeface="+mn-ea"/>
-                <a:cs typeface="Arial" pitchFamily="34" charset="0"/>
-              </a:rPr>
-              <a:t>: Certain syllables inside a word have a higher prominence compared to its neighboring syllables, giving the word a specific sound. </a:t>
-            </a:r>
-          </a:p>
-          <a:p>
-            <a:pPr marL="0" marR="0" lvl="0" indent="0" algn="l" defTabSz="914400" rtl="0" eaLnBrk="1" fontAlgn="base" latinLnBrk="0" hangingPunct="1">
-              <a:lnSpc>
-                <a:spcPct val="100000"/>
-              </a:lnSpc>
-              <a:spcBef>
-                <a:spcPct val="30000"/>
-              </a:spcBef>
-              <a:spcAft>
-                <a:spcPct val="0"/>
-              </a:spcAft>
-              <a:buClrTx/>
-              <a:buSzTx/>
-              <a:buFontTx/>
-              <a:buNone/>
-              <a:tabLst/>
-              <a:defRPr/>
-            </a:pPr>
-            <a:r>
-              <a:rPr lang="en-US" sz="1200" b="0" i="0" u="none" strike="noStrike" kern="1200" baseline="0" dirty="0">
-                <a:solidFill>
-                  <a:schemeClr val="tx1"/>
-                </a:solidFill>
-                <a:latin typeface="Arial" pitchFamily="34" charset="0"/>
-                <a:ea typeface="+mn-ea"/>
-                <a:cs typeface="Arial" pitchFamily="34" charset="0"/>
-                <a:sym typeface="Wingdings" panose="05000000000000000000" pitchFamily="2" charset="2"/>
-              </a:rPr>
-              <a:t> </a:t>
-            </a:r>
-            <a:r>
-              <a:rPr lang="en-US" sz="1200" b="0" i="0" u="none" strike="noStrike" kern="1200" baseline="0" dirty="0">
-                <a:solidFill>
-                  <a:schemeClr val="tx1"/>
-                </a:solidFill>
-                <a:latin typeface="Arial" pitchFamily="34" charset="0"/>
-                <a:ea typeface="+mn-ea"/>
-                <a:cs typeface="Arial" pitchFamily="34" charset="0"/>
-              </a:rPr>
-              <a:t>choose the correct pronunciation for a homophone word</a:t>
-            </a:r>
-          </a:p>
-          <a:p>
-            <a:endParaRPr lang="de-DE" sz="1200" b="0" i="0" u="none" strike="noStrike" kern="1200" baseline="0" dirty="0">
-              <a:solidFill>
-                <a:schemeClr val="tx1"/>
-              </a:solidFill>
-              <a:latin typeface="Arial" pitchFamily="34" charset="0"/>
-              <a:ea typeface="+mn-ea"/>
-              <a:cs typeface="Arial" pitchFamily="34" charset="0"/>
-            </a:endParaRPr>
-          </a:p>
-          <a:p>
-            <a:endParaRPr lang="en-US" sz="1200" b="0" i="0" u="none" strike="noStrike" kern="1200" baseline="0" dirty="0">
-              <a:solidFill>
-                <a:schemeClr val="tx1"/>
-              </a:solidFill>
-              <a:latin typeface="Arial" pitchFamily="34" charset="0"/>
-              <a:ea typeface="+mn-ea"/>
-              <a:cs typeface="Arial" pitchFamily="34" charset="0"/>
-            </a:endParaRPr>
-          </a:p>
-          <a:p>
+              <a:t>As reference system, the Margin Infused Relaxed Algorithm (MIRA) is used.</a:t>
+            </a:r>
             <a:endParaRPr lang="en-US" dirty="0"/>
           </a:p>
         </p:txBody>
@@ -11099,7 +10782,7 @@
     </p:spTree>
     <p:extLst>
       <p:ext uri="{BB962C8B-B14F-4D97-AF65-F5344CB8AC3E}">
-        <p14:creationId xmlns:p14="http://schemas.microsoft.com/office/powerpoint/2010/main" val="1801823156"/>
+        <p14:creationId xmlns:p14="http://schemas.microsoft.com/office/powerpoint/2010/main" val="1302609574"/>
       </p:ext>
     </p:extLst>
   </p:cSld>
@@ -11153,90 +10836,6 @@
           <a:bodyPr/>
           <a:lstStyle/>
           <a:p>
-            <a:pPr marL="285750" indent="-285750">
-              <a:buFont typeface="Arial" panose="020B0604020202020204" pitchFamily="34" charset="0"/>
-              <a:buChar char="•"/>
-            </a:pPr>
-            <a:r>
-              <a:rPr lang="de-DE" dirty="0" err="1"/>
-              <a:t>Tremendous</a:t>
-            </a:r>
-            <a:r>
-              <a:rPr lang="de-DE" dirty="0"/>
-              <a:t> </a:t>
-            </a:r>
-            <a:r>
-              <a:rPr lang="de-DE" dirty="0" err="1"/>
-              <a:t>reduction</a:t>
-            </a:r>
-            <a:r>
-              <a:rPr lang="de-DE" dirty="0"/>
-              <a:t> </a:t>
-            </a:r>
-            <a:r>
-              <a:rPr lang="de-DE" dirty="0" err="1"/>
-              <a:t>of</a:t>
-            </a:r>
-            <a:r>
-              <a:rPr lang="de-DE" dirty="0"/>
-              <a:t> </a:t>
-            </a:r>
-            <a:r>
-              <a:rPr lang="de-DE" dirty="0" err="1"/>
-              <a:t>footprint</a:t>
-            </a:r>
-            <a:r>
-              <a:rPr lang="de-DE" dirty="0"/>
-              <a:t> </a:t>
-            </a:r>
-            <a:r>
-              <a:rPr lang="de-DE" dirty="0" err="1"/>
-              <a:t>size</a:t>
-            </a:r>
-            <a:endParaRPr lang="de-DE" dirty="0"/>
-          </a:p>
-          <a:p>
-            <a:pPr marL="285750" indent="-285750">
-              <a:buFont typeface="Arial" panose="020B0604020202020204" pitchFamily="34" charset="0"/>
-              <a:buChar char="•"/>
-            </a:pPr>
-            <a:r>
-              <a:rPr lang="de-DE" dirty="0" err="1"/>
-              <a:t>Accuracy</a:t>
-            </a:r>
-            <a:r>
-              <a:rPr lang="de-DE" dirty="0"/>
-              <a:t> not </a:t>
-            </a:r>
-            <a:r>
-              <a:rPr lang="de-DE" dirty="0" err="1"/>
-              <a:t>significantly</a:t>
-            </a:r>
-            <a:r>
-              <a:rPr lang="de-DE" dirty="0"/>
-              <a:t> </a:t>
-            </a:r>
-            <a:r>
-              <a:rPr lang="de-DE" dirty="0" err="1"/>
-              <a:t>decreased</a:t>
-            </a:r>
-            <a:endParaRPr lang="de-DE" dirty="0"/>
-          </a:p>
-          <a:p>
-            <a:endParaRPr lang="de-DE" dirty="0"/>
-          </a:p>
-          <a:p>
-            <a:r>
-              <a:rPr lang="en-US" sz="1200" b="0" i="0" u="none" strike="noStrike" kern="1200" baseline="0" dirty="0">
-                <a:solidFill>
-                  <a:schemeClr val="tx1"/>
-                </a:solidFill>
-                <a:latin typeface="Arial" pitchFamily="34" charset="0"/>
-                <a:ea typeface="+mn-ea"/>
-                <a:cs typeface="Arial" pitchFamily="34" charset="0"/>
-              </a:rPr>
-              <a:t>As reference system, the Margin Infused Relaxed Algorithm (MIRA) is used.</a:t>
-            </a:r>
             <a:endParaRPr lang="en-US" dirty="0"/>
           </a:p>
         </p:txBody>
@@ -11264,7 +10863,7 @@
               <a:pPr>
                 <a:defRPr/>
               </a:pPr>
-              <a:t>19</a:t>
+              <a:t>20</a:t>
             </a:fld>
             <a:endParaRPr lang="en-GB"/>
           </a:p>
@@ -11273,7 +10872,7 @@
     </p:spTree>
     <p:extLst>
       <p:ext uri="{BB962C8B-B14F-4D97-AF65-F5344CB8AC3E}">
-        <p14:creationId xmlns:p14="http://schemas.microsoft.com/office/powerpoint/2010/main" val="1302609574"/>
+        <p14:creationId xmlns:p14="http://schemas.microsoft.com/office/powerpoint/2010/main" val="2229177046"/>
       </p:ext>
     </p:extLst>
   </p:cSld>
@@ -11324,9 +10923,459 @@
         </p:nvSpPr>
         <p:spPr/>
         <p:txBody>
-          <a:bodyPr/>
+          <a:bodyPr>
+            <a:normAutofit fontScale="40000" lnSpcReduction="20000"/>
+          </a:bodyPr>
           <a:lstStyle/>
           <a:p>
+            <a:pPr marL="171450" indent="-171450">
+              <a:buFont typeface="Arial" panose="020B0604020202020204" pitchFamily="34" charset="0"/>
+              <a:buChar char="•"/>
+            </a:pPr>
+            <a:r>
+              <a:rPr lang="en-US" dirty="0"/>
+              <a:t>Drastically increased chip processing abilities (e.g., GPU units)</a:t>
+            </a:r>
+          </a:p>
+          <a:p>
+            <a:pPr marL="171450" indent="-171450">
+              <a:buFont typeface="Arial" panose="020B0604020202020204" pitchFamily="34" charset="0"/>
+              <a:buChar char="•"/>
+            </a:pPr>
+            <a:r>
+              <a:rPr lang="en-US" dirty="0"/>
+              <a:t>Significantly lowered cost of computing hardware</a:t>
+            </a:r>
+          </a:p>
+          <a:p>
+            <a:pPr marL="171450" indent="-171450">
+              <a:buFont typeface="Arial" panose="020B0604020202020204" pitchFamily="34" charset="0"/>
+              <a:buChar char="•"/>
+            </a:pPr>
+            <a:r>
+              <a:rPr lang="en-US" dirty="0"/>
+              <a:t>Recent advances in machine learning and signal/information processing research</a:t>
+            </a:r>
+          </a:p>
+          <a:p>
+            <a:pPr marL="171450" indent="-171450">
+              <a:buFont typeface="Arial" panose="020B0604020202020204" pitchFamily="34" charset="0"/>
+              <a:buChar char="•"/>
+            </a:pPr>
+            <a:endParaRPr lang="de-DE" dirty="0"/>
+          </a:p>
+          <a:p>
+            <a:pPr marL="171450" marR="0" lvl="0" indent="-171450" algn="l" defTabSz="914400" rtl="0" eaLnBrk="1" fontAlgn="base" latinLnBrk="0" hangingPunct="1">
+              <a:lnSpc>
+                <a:spcPct val="100000"/>
+              </a:lnSpc>
+              <a:spcBef>
+                <a:spcPct val="30000"/>
+              </a:spcBef>
+              <a:spcAft>
+                <a:spcPct val="0"/>
+              </a:spcAft>
+              <a:buClrTx/>
+              <a:buSzTx/>
+              <a:buFont typeface="Arial" panose="020B0604020202020204" pitchFamily="34" charset="0"/>
+              <a:buChar char="•"/>
+              <a:tabLst/>
+              <a:defRPr/>
+            </a:pPr>
+            <a:r>
+              <a:rPr lang="de-DE" dirty="0" err="1"/>
+              <a:t>Used</a:t>
+            </a:r>
+            <a:r>
+              <a:rPr lang="en-US" dirty="0"/>
+              <a:t> for feature extraction and pattern analysis </a:t>
+            </a:r>
+          </a:p>
+          <a:p>
+            <a:pPr marL="171450" marR="0" lvl="0" indent="-171450" algn="l" defTabSz="914400" rtl="0" eaLnBrk="1" fontAlgn="base" latinLnBrk="0" hangingPunct="1">
+              <a:lnSpc>
+                <a:spcPct val="100000"/>
+              </a:lnSpc>
+              <a:spcBef>
+                <a:spcPct val="30000"/>
+              </a:spcBef>
+              <a:spcAft>
+                <a:spcPct val="0"/>
+              </a:spcAft>
+              <a:buClrTx/>
+              <a:buSzTx/>
+              <a:buFont typeface="Arial" panose="020B0604020202020204" pitchFamily="34" charset="0"/>
+              <a:buChar char="•"/>
+              <a:tabLst/>
+              <a:defRPr/>
+            </a:pPr>
+            <a:endParaRPr lang="de-DE" dirty="0"/>
+          </a:p>
+          <a:p>
+            <a:pPr marL="0" indent="0">
+              <a:buFont typeface="Arial" panose="020B0604020202020204" pitchFamily="34" charset="0"/>
+              <a:buNone/>
+            </a:pPr>
+            <a:r>
+              <a:rPr lang="de-DE" dirty="0"/>
+              <a:t>E</a:t>
+            </a:r>
+            <a:r>
+              <a:rPr lang="en-US" dirty="0" err="1"/>
+              <a:t>xamples</a:t>
+            </a:r>
+            <a:r>
+              <a:rPr lang="en-US" dirty="0"/>
+              <a:t>:</a:t>
+            </a:r>
+          </a:p>
+          <a:p>
+            <a:pPr marL="279400" lvl="0" indent="-285750">
+              <a:buFont typeface="Arial" panose="020B0604020202020204" pitchFamily="34" charset="0"/>
+              <a:buChar char="•"/>
+            </a:pPr>
+            <a:r>
+              <a:rPr lang="de-DE" dirty="0"/>
+              <a:t>D</a:t>
+            </a:r>
+            <a:r>
+              <a:rPr lang="en-US" dirty="0" err="1"/>
+              <a:t>eep</a:t>
+            </a:r>
+            <a:r>
+              <a:rPr lang="en-US" dirty="0"/>
+              <a:t> Belief Network (DBN)</a:t>
+            </a:r>
+          </a:p>
+          <a:p>
+            <a:pPr marL="279400" lvl="0" indent="-285750">
+              <a:buFont typeface="Arial" panose="020B0604020202020204" pitchFamily="34" charset="0"/>
+              <a:buChar char="•"/>
+            </a:pPr>
+            <a:r>
+              <a:rPr lang="de-DE" dirty="0"/>
+              <a:t>D</a:t>
+            </a:r>
+            <a:r>
+              <a:rPr lang="en-US" dirty="0" err="1"/>
+              <a:t>eep</a:t>
+            </a:r>
+            <a:r>
+              <a:rPr lang="en-US" dirty="0"/>
+              <a:t> Neural Network (DNN)</a:t>
+            </a:r>
+          </a:p>
+          <a:p>
+            <a:pPr marL="279400" lvl="0" indent="-285750">
+              <a:buFont typeface="Arial" panose="020B0604020202020204" pitchFamily="34" charset="0"/>
+              <a:buChar char="•"/>
+            </a:pPr>
+            <a:r>
+              <a:rPr lang="de-DE" dirty="0"/>
+              <a:t>Deep Boltzmann </a:t>
+            </a:r>
+            <a:r>
+              <a:rPr lang="de-DE" dirty="0" err="1"/>
+              <a:t>Machine</a:t>
+            </a:r>
+            <a:r>
+              <a:rPr lang="de-DE" dirty="0"/>
+              <a:t> (DBM)</a:t>
+            </a:r>
+            <a:endParaRPr lang="en-US" dirty="0"/>
+          </a:p>
+          <a:p>
+            <a:pPr marL="0" marR="0" lvl="0" indent="0" algn="l" defTabSz="914400" rtl="0" eaLnBrk="1" fontAlgn="base" latinLnBrk="0" hangingPunct="1">
+              <a:lnSpc>
+                <a:spcPct val="100000"/>
+              </a:lnSpc>
+              <a:spcBef>
+                <a:spcPct val="30000"/>
+              </a:spcBef>
+              <a:spcAft>
+                <a:spcPct val="0"/>
+              </a:spcAft>
+              <a:buClrTx/>
+              <a:buSzTx/>
+              <a:buFont typeface="Arial" panose="020B0604020202020204" pitchFamily="34" charset="0"/>
+              <a:buNone/>
+              <a:tabLst/>
+              <a:defRPr/>
+            </a:pPr>
+            <a:endParaRPr lang="de-DE" dirty="0"/>
+          </a:p>
+          <a:p>
+            <a:r>
+              <a:rPr lang="en-US" b="1" dirty="0"/>
+              <a:t>Advantages</a:t>
+            </a:r>
+            <a:endParaRPr lang="en-US" dirty="0"/>
+          </a:p>
+          <a:p>
+            <a:r>
+              <a:rPr lang="en-US" dirty="0"/>
+              <a:t>Has best-in-class performance on problems that significantly outperforms other solutions in multiple domains. This includes speech, language, vision, playing games like Go etc. This isn’t by a little bit, but by a significant amount.</a:t>
+            </a:r>
+          </a:p>
+          <a:p>
+            <a:r>
+              <a:rPr lang="en-US" dirty="0"/>
+              <a:t>Reduces the need for feature engineering, one of the most time-consuming parts of machine learning practice.</a:t>
+            </a:r>
+          </a:p>
+          <a:p>
+            <a:r>
+              <a:rPr lang="en-US" dirty="0"/>
+              <a:t>Is an architecture that can be adapted to new problems relatively easily (e.g. Vision, time series, language </a:t>
+            </a:r>
+            <a:r>
+              <a:rPr lang="en-US" dirty="0" err="1"/>
+              <a:t>etc</a:t>
+            </a:r>
+            <a:r>
+              <a:rPr lang="en-US" dirty="0"/>
+              <a:t> using techniques like convolutional neural networks, recurrent neural networks, long short-term memory etc.</a:t>
+            </a:r>
+          </a:p>
+          <a:p>
+            <a:r>
+              <a:rPr lang="en-US" b="1" dirty="0"/>
+              <a:t>Disadvantages</a:t>
+            </a:r>
+            <a:endParaRPr lang="en-US" dirty="0"/>
+          </a:p>
+          <a:p>
+            <a:r>
+              <a:rPr lang="en-US" dirty="0"/>
+              <a:t>Requires a large amount of data</a:t>
+            </a:r>
+          </a:p>
+          <a:p>
+            <a:r>
+              <a:rPr lang="en-US" dirty="0"/>
+              <a:t>Is extremely computationally expensive to train.</a:t>
+            </a:r>
+            <a:endParaRPr lang="de-DE" dirty="0"/>
+          </a:p>
+          <a:p>
+            <a:pPr marL="171450" marR="0" lvl="0" indent="-171450" algn="l" defTabSz="914400" rtl="0" eaLnBrk="1" fontAlgn="base" latinLnBrk="0" hangingPunct="1">
+              <a:lnSpc>
+                <a:spcPct val="100000"/>
+              </a:lnSpc>
+              <a:spcBef>
+                <a:spcPct val="30000"/>
+              </a:spcBef>
+              <a:spcAft>
+                <a:spcPct val="0"/>
+              </a:spcAft>
+              <a:buClrTx/>
+              <a:buSzTx/>
+              <a:buFont typeface="Arial" panose="020B0604020202020204" pitchFamily="34" charset="0"/>
+              <a:buChar char="•"/>
+              <a:tabLst/>
+              <a:defRPr/>
+            </a:pPr>
+            <a:endParaRPr lang="en-US" dirty="0"/>
+          </a:p>
+          <a:p>
+            <a:r>
+              <a:rPr lang="en-US" sz="1200" b="0" i="0" u="none" strike="noStrike" kern="1200" baseline="0" dirty="0">
+                <a:solidFill>
+                  <a:schemeClr val="tx1"/>
+                </a:solidFill>
+                <a:latin typeface="Arial" pitchFamily="34" charset="0"/>
+                <a:ea typeface="+mn-ea"/>
+                <a:cs typeface="Arial" pitchFamily="34" charset="0"/>
+              </a:rPr>
+              <a:t>Successes of deep learning in diverse applications of </a:t>
+            </a:r>
+          </a:p>
+          <a:p>
+            <a:pPr marL="171450" indent="-171450">
+              <a:buFont typeface="Arial" panose="020B0604020202020204" pitchFamily="34" charset="0"/>
+              <a:buChar char="•"/>
+            </a:pPr>
+            <a:r>
+              <a:rPr lang="en-US" sz="1200" b="0" i="0" u="none" strike="noStrike" kern="1200" baseline="0" dirty="0">
+                <a:solidFill>
+                  <a:schemeClr val="tx1"/>
+                </a:solidFill>
+                <a:latin typeface="Arial" pitchFamily="34" charset="0"/>
+                <a:ea typeface="+mn-ea"/>
+                <a:cs typeface="Arial" pitchFamily="34" charset="0"/>
+              </a:rPr>
+              <a:t>computer vision</a:t>
+            </a:r>
+          </a:p>
+          <a:p>
+            <a:pPr marL="171450" indent="-171450">
+              <a:buFont typeface="Arial" panose="020B0604020202020204" pitchFamily="34" charset="0"/>
+              <a:buChar char="•"/>
+            </a:pPr>
+            <a:r>
+              <a:rPr lang="en-US" sz="1200" b="0" i="0" u="none" strike="noStrike" kern="1200" baseline="0" dirty="0">
+                <a:solidFill>
+                  <a:schemeClr val="tx1"/>
+                </a:solidFill>
+                <a:latin typeface="Arial" pitchFamily="34" charset="0"/>
+                <a:ea typeface="+mn-ea"/>
+                <a:cs typeface="Arial" pitchFamily="34" charset="0"/>
+              </a:rPr>
+              <a:t>phonetic recognition</a:t>
+            </a:r>
+          </a:p>
+          <a:p>
+            <a:pPr marL="171450" indent="-171450">
+              <a:buFont typeface="Arial" panose="020B0604020202020204" pitchFamily="34" charset="0"/>
+              <a:buChar char="•"/>
+            </a:pPr>
+            <a:r>
+              <a:rPr lang="en-US" sz="1200" b="0" i="0" u="none" strike="noStrike" kern="1200" baseline="0" dirty="0">
+                <a:solidFill>
+                  <a:schemeClr val="tx1"/>
+                </a:solidFill>
+                <a:latin typeface="Arial" pitchFamily="34" charset="0"/>
+                <a:ea typeface="+mn-ea"/>
+                <a:cs typeface="Arial" pitchFamily="34" charset="0"/>
+              </a:rPr>
+              <a:t>voice search</a:t>
+            </a:r>
+          </a:p>
+          <a:p>
+            <a:pPr marL="171450" indent="-171450">
+              <a:buFont typeface="Arial" panose="020B0604020202020204" pitchFamily="34" charset="0"/>
+              <a:buChar char="•"/>
+            </a:pPr>
+            <a:r>
+              <a:rPr lang="en-US" sz="1200" b="0" i="0" u="none" strike="noStrike" kern="1200" baseline="0" dirty="0">
+                <a:solidFill>
+                  <a:schemeClr val="tx1"/>
+                </a:solidFill>
+                <a:latin typeface="Arial" pitchFamily="34" charset="0"/>
+                <a:ea typeface="+mn-ea"/>
+                <a:cs typeface="Arial" pitchFamily="34" charset="0"/>
+              </a:rPr>
+              <a:t>conversational speech recognition</a:t>
+            </a:r>
+          </a:p>
+          <a:p>
+            <a:pPr marL="171450" indent="-171450">
+              <a:buFont typeface="Arial" panose="020B0604020202020204" pitchFamily="34" charset="0"/>
+              <a:buChar char="•"/>
+            </a:pPr>
+            <a:r>
+              <a:rPr lang="en-US" sz="1200" b="0" i="0" u="none" strike="noStrike" kern="1200" baseline="0" dirty="0">
+                <a:solidFill>
+                  <a:schemeClr val="tx1"/>
+                </a:solidFill>
+                <a:latin typeface="Arial" pitchFamily="34" charset="0"/>
+                <a:ea typeface="+mn-ea"/>
+                <a:cs typeface="Arial" pitchFamily="34" charset="0"/>
+              </a:rPr>
+              <a:t>speech and image feature coding</a:t>
+            </a:r>
+          </a:p>
+          <a:p>
+            <a:pPr marL="171450" indent="-171450">
+              <a:buFont typeface="Arial" panose="020B0604020202020204" pitchFamily="34" charset="0"/>
+              <a:buChar char="•"/>
+            </a:pPr>
+            <a:r>
+              <a:rPr lang="en-US" sz="1200" b="0" i="0" u="none" strike="noStrike" kern="1200" baseline="0" dirty="0">
+                <a:solidFill>
+                  <a:schemeClr val="tx1"/>
+                </a:solidFill>
+                <a:latin typeface="Arial" pitchFamily="34" charset="0"/>
+                <a:ea typeface="+mn-ea"/>
+                <a:cs typeface="Arial" pitchFamily="34" charset="0"/>
+              </a:rPr>
+              <a:t>semantic utterance classification</a:t>
+            </a:r>
+          </a:p>
+          <a:p>
+            <a:pPr marL="171450" indent="-171450">
+              <a:buFont typeface="Arial" panose="020B0604020202020204" pitchFamily="34" charset="0"/>
+              <a:buChar char="•"/>
+            </a:pPr>
+            <a:r>
+              <a:rPr lang="en-US" sz="1200" b="0" i="0" u="none" strike="noStrike" kern="1200" baseline="0" dirty="0">
+                <a:solidFill>
+                  <a:schemeClr val="tx1"/>
+                </a:solidFill>
+                <a:latin typeface="Arial" pitchFamily="34" charset="0"/>
+                <a:ea typeface="+mn-ea"/>
+                <a:cs typeface="Arial" pitchFamily="34" charset="0"/>
+              </a:rPr>
+              <a:t>hand-writing recognition</a:t>
+            </a:r>
+          </a:p>
+          <a:p>
+            <a:pPr marL="171450" indent="-171450">
+              <a:buFont typeface="Arial" panose="020B0604020202020204" pitchFamily="34" charset="0"/>
+              <a:buChar char="•"/>
+            </a:pPr>
+            <a:r>
+              <a:rPr lang="en-US" sz="1200" b="0" i="0" u="none" strike="noStrike" kern="1200" baseline="0" dirty="0">
+                <a:solidFill>
+                  <a:schemeClr val="tx1"/>
+                </a:solidFill>
+                <a:latin typeface="Arial" pitchFamily="34" charset="0"/>
+                <a:ea typeface="+mn-ea"/>
+                <a:cs typeface="Arial" pitchFamily="34" charset="0"/>
+              </a:rPr>
+              <a:t>audio processing</a:t>
+            </a:r>
+          </a:p>
+          <a:p>
+            <a:pPr marL="171450" indent="-171450">
+              <a:buFont typeface="Arial" panose="020B0604020202020204" pitchFamily="34" charset="0"/>
+              <a:buChar char="•"/>
+            </a:pPr>
+            <a:r>
+              <a:rPr lang="en-US" sz="1200" b="0" i="0" u="none" strike="noStrike" kern="1200" baseline="0" dirty="0">
+                <a:solidFill>
+                  <a:schemeClr val="tx1"/>
+                </a:solidFill>
+                <a:latin typeface="Arial" pitchFamily="34" charset="0"/>
+                <a:ea typeface="+mn-ea"/>
+                <a:cs typeface="Arial" pitchFamily="34" charset="0"/>
+              </a:rPr>
+              <a:t>visual object recognition</a:t>
+            </a:r>
+          </a:p>
+          <a:p>
+            <a:pPr marL="171450" indent="-171450">
+              <a:buFont typeface="Arial" panose="020B0604020202020204" pitchFamily="34" charset="0"/>
+              <a:buChar char="•"/>
+            </a:pPr>
+            <a:r>
+              <a:rPr lang="en-US" sz="1200" b="0" i="0" u="none" strike="noStrike" kern="1200" baseline="0" dirty="0">
+                <a:solidFill>
+                  <a:schemeClr val="tx1"/>
+                </a:solidFill>
+                <a:latin typeface="Arial" pitchFamily="34" charset="0"/>
+                <a:ea typeface="+mn-ea"/>
+                <a:cs typeface="Arial" pitchFamily="34" charset="0"/>
+              </a:rPr>
+              <a:t>information retrieval</a:t>
+            </a:r>
+          </a:p>
+          <a:p>
+            <a:pPr marL="171450" indent="-171450">
+              <a:buFont typeface="Arial" panose="020B0604020202020204" pitchFamily="34" charset="0"/>
+              <a:buChar char="•"/>
+            </a:pPr>
+            <a:r>
+              <a:rPr lang="en-US" sz="1200" b="0" i="0" u="none" strike="noStrike" kern="1200" baseline="0" dirty="0">
+                <a:solidFill>
+                  <a:schemeClr val="tx1"/>
+                </a:solidFill>
+                <a:latin typeface="Arial" pitchFamily="34" charset="0"/>
+                <a:ea typeface="+mn-ea"/>
+                <a:cs typeface="Arial" pitchFamily="34" charset="0"/>
+              </a:rPr>
+              <a:t>analysis of molecules</a:t>
+            </a:r>
             <a:endParaRPr lang="en-US" dirty="0"/>
           </a:p>
         </p:txBody>
@@ -11363,7 +11412,7 @@
     </p:spTree>
     <p:extLst>
       <p:ext uri="{BB962C8B-B14F-4D97-AF65-F5344CB8AC3E}">
-        <p14:creationId xmlns:p14="http://schemas.microsoft.com/office/powerpoint/2010/main" val="1195070833"/>
+        <p14:creationId xmlns:p14="http://schemas.microsoft.com/office/powerpoint/2010/main" val="1046389641"/>
       </p:ext>
     </p:extLst>
   </p:cSld>
@@ -13044,74 +13093,48 @@
           <a:bodyPr/>
           <a:lstStyle/>
           <a:p>
-            <a:pPr marL="171450" indent="-171450">
+            <a:pPr marL="285750" indent="-285750">
+              <a:lnSpc>
+                <a:spcPct val="100000"/>
+              </a:lnSpc>
+              <a:spcAft>
+                <a:spcPts val="1200"/>
+              </a:spcAft>
               <a:buFont typeface="Arial" panose="020B0604020202020204" pitchFamily="34" charset="0"/>
               <a:buChar char="•"/>
             </a:pPr>
             <a:r>
               <a:rPr lang="en-US" dirty="0"/>
-              <a:t>Drastically increased chip processing abilities (e.g., GPU units)</a:t>
-            </a:r>
-          </a:p>
-          <a:p>
-            <a:pPr marL="171450" indent="-171450">
+              <a:t>Using a Deep Neural Network (DNN) as acoustic model</a:t>
+            </a:r>
+          </a:p>
+          <a:p>
+            <a:pPr marL="285750" indent="-285750">
+              <a:lnSpc>
+                <a:spcPct val="100000"/>
+              </a:lnSpc>
+              <a:spcAft>
+                <a:spcPts val="1200"/>
+              </a:spcAft>
               <a:buFont typeface="Arial" panose="020B0604020202020204" pitchFamily="34" charset="0"/>
               <a:buChar char="•"/>
             </a:pPr>
             <a:r>
-              <a:rPr lang="en-US" dirty="0"/>
-              <a:t>Significantly lowered cost of computing hardware</a:t>
-            </a:r>
-          </a:p>
-          <a:p>
-            <a:pPr marL="171450" indent="-171450">
-              <a:buFont typeface="Arial" panose="020B0604020202020204" pitchFamily="34" charset="0"/>
-              <a:buChar char="•"/>
-            </a:pPr>
-            <a:r>
-              <a:rPr lang="en-US" dirty="0"/>
-              <a:t>Recent advances in machine learning and signal/information processing research</a:t>
-            </a:r>
-          </a:p>
-          <a:p>
-            <a:pPr marL="171450" indent="-171450">
-              <a:buFont typeface="Arial" panose="020B0604020202020204" pitchFamily="34" charset="0"/>
-              <a:buChar char="•"/>
-            </a:pPr>
-            <a:endParaRPr lang="de-DE" dirty="0"/>
-          </a:p>
-          <a:p>
-            <a:pPr marL="171450" marR="0" lvl="0" indent="-171450" algn="l" defTabSz="914400" rtl="0" eaLnBrk="1" fontAlgn="base" latinLnBrk="0" hangingPunct="1">
-              <a:lnSpc>
-                <a:spcPct val="100000"/>
-              </a:lnSpc>
-              <a:spcBef>
-                <a:spcPct val="30000"/>
-              </a:spcBef>
-              <a:spcAft>
-                <a:spcPct val="0"/>
-              </a:spcAft>
-              <a:buClrTx/>
-              <a:buSzTx/>
-              <a:buFont typeface="Arial" panose="020B0604020202020204" pitchFamily="34" charset="0"/>
-              <a:buChar char="•"/>
-              <a:tabLst/>
-              <a:defRPr/>
-            </a:pPr>
-            <a:r>
               <a:rPr lang="de-DE" dirty="0" err="1"/>
-              <a:t>Used</a:t>
-            </a:r>
-            <a:r>
-              <a:rPr lang="en-US" dirty="0"/>
-              <a:t> for feature extraction and pattern analysis </a:t>
-            </a:r>
-          </a:p>
-          <a:p>
-            <a:pPr marL="0" indent="0">
-              <a:buFont typeface="Arial" panose="020B0604020202020204" pitchFamily="34" charset="0"/>
-              <a:buNone/>
-            </a:pPr>
+              <a:t>Only</a:t>
+            </a:r>
+            <a:r>
+              <a:rPr lang="de-DE" dirty="0"/>
+              <a:t> </a:t>
+            </a:r>
+            <a:r>
+              <a:rPr lang="de-DE" dirty="0" err="1"/>
+              <a:t>modification</a:t>
+            </a:r>
+            <a:r>
+              <a:rPr lang="de-DE" dirty="0"/>
+              <a:t> in Back-end</a:t>
+            </a:r>
             <a:endParaRPr lang="en-US" dirty="0"/>
           </a:p>
         </p:txBody>
@@ -13148,7 +13171,7 @@
     </p:spTree>
     <p:extLst>
       <p:ext uri="{BB962C8B-B14F-4D97-AF65-F5344CB8AC3E}">
-        <p14:creationId xmlns:p14="http://schemas.microsoft.com/office/powerpoint/2010/main" val="1046389641"/>
+        <p14:creationId xmlns:p14="http://schemas.microsoft.com/office/powerpoint/2010/main" val="3142891854"/>
       </p:ext>
     </p:extLst>
   </p:cSld>
@@ -13202,47 +13225,66 @@
           <a:bodyPr/>
           <a:lstStyle/>
           <a:p>
-            <a:pPr marL="285750" indent="-285750">
+            <a:pPr marL="0" marR="0" lvl="0" indent="0" algn="l" defTabSz="914400" rtl="0" eaLnBrk="1" fontAlgn="base" latinLnBrk="0" hangingPunct="1">
               <a:lnSpc>
                 <a:spcPct val="100000"/>
               </a:lnSpc>
+              <a:spcBef>
+                <a:spcPct val="30000"/>
+              </a:spcBef>
               <a:spcAft>
-                <a:spcPts val="1200"/>
+                <a:spcPct val="0"/>
               </a:spcAft>
-              <a:buFont typeface="Arial" panose="020B0604020202020204" pitchFamily="34" charset="0"/>
-              <a:buChar char="•"/>
+              <a:buClrTx/>
+              <a:buSzTx/>
+              <a:buFontTx/>
+              <a:buNone/>
+              <a:tabLst/>
+              <a:defRPr/>
             </a:pPr>
             <a:r>
               <a:rPr lang="en-US" dirty="0"/>
-              <a:t>Using a Deep Neural Network (DNN) as acoustic model</a:t>
-            </a:r>
-          </a:p>
-          <a:p>
-            <a:pPr marL="285750" indent="-285750">
-              <a:lnSpc>
-                <a:spcPct val="100000"/>
-              </a:lnSpc>
-              <a:spcAft>
-                <a:spcPts val="1200"/>
-              </a:spcAft>
-              <a:buFont typeface="Arial" panose="020B0604020202020204" pitchFamily="34" charset="0"/>
-              <a:buChar char="•"/>
-            </a:pPr>
-            <a:r>
-              <a:rPr lang="de-DE" dirty="0" err="1"/>
-              <a:t>Only</a:t>
-            </a:r>
-            <a:r>
-              <a:rPr lang="de-DE" dirty="0"/>
-              <a:t> </a:t>
-            </a:r>
-            <a:r>
-              <a:rPr lang="de-DE" dirty="0" err="1"/>
-              <a:t>modification</a:t>
-            </a:r>
-            <a:r>
-              <a:rPr lang="de-DE" dirty="0"/>
-              <a:t> in Back-end</a:t>
+              <a:t>The DNN-based systems consistently outperformed the HMM-based ones in voiced/unvoiced classification and aperiodicity prediction. The DNN-based systems with many layers were similar to or better than the HMM-based ones in Mel-cepstral distortion. On the other hand, the HMM-based systems outperformed the DNN-based ones in log F0 prediction in most cases.</a:t>
+            </a:r>
+            <a:endParaRPr lang="de-DE" b="1" dirty="0"/>
+          </a:p>
+          <a:p>
+            <a:endParaRPr lang="de-DE" dirty="0"/>
+          </a:p>
+          <a:p>
+            <a:r>
+              <a:rPr lang="en-US" sz="1200" b="0" i="0" u="none" strike="noStrike" kern="1200" baseline="0" dirty="0">
+                <a:solidFill>
+                  <a:schemeClr val="tx1"/>
+                </a:solidFill>
+                <a:latin typeface="Arial" pitchFamily="34" charset="0"/>
+                <a:ea typeface="+mn-ea"/>
+                <a:cs typeface="Arial" pitchFamily="34" charset="0"/>
+              </a:rPr>
+              <a:t>the DNN-based systems were preferred significantly to the HMM-based ones in all three model sizes. The subjects reported that the DNN-based systems were less muffled.</a:t>
+            </a:r>
+          </a:p>
+          <a:p>
+            <a:endParaRPr lang="de-DE" sz="1200" b="0" i="0" u="none" strike="noStrike" kern="1200" baseline="0" dirty="0">
+              <a:solidFill>
+                <a:schemeClr val="tx1"/>
+              </a:solidFill>
+              <a:latin typeface="Arial" pitchFamily="34" charset="0"/>
+              <a:ea typeface="+mn-ea"/>
+              <a:cs typeface="Arial" pitchFamily="34" charset="0"/>
+            </a:endParaRPr>
+          </a:p>
+          <a:p>
+            <a:r>
+              <a:rPr lang="en-US" sz="1200" b="0" i="0" u="none" strike="noStrike" kern="1200" baseline="0" dirty="0">
+                <a:solidFill>
+                  <a:schemeClr val="tx1"/>
+                </a:solidFill>
+                <a:latin typeface="Arial" pitchFamily="34" charset="0"/>
+                <a:ea typeface="+mn-ea"/>
+                <a:cs typeface="Arial" pitchFamily="34" charset="0"/>
+              </a:rPr>
+              <a:t>The authors expect that better prediction of Mel-cepstral coefficients by the DNN-based systems contributed to the preference.</a:t>
             </a:r>
             <a:endParaRPr lang="en-US" dirty="0"/>
           </a:p>
@@ -13280,7 +13322,7 @@
     </p:spTree>
     <p:extLst>
       <p:ext uri="{BB962C8B-B14F-4D97-AF65-F5344CB8AC3E}">
-        <p14:creationId xmlns:p14="http://schemas.microsoft.com/office/powerpoint/2010/main" val="3142891854"/>
+        <p14:creationId xmlns:p14="http://schemas.microsoft.com/office/powerpoint/2010/main" val="373799104"/>
       </p:ext>
     </p:extLst>
   </p:cSld>
@@ -13331,7 +13373,9 @@
         </p:nvSpPr>
         <p:spPr/>
         <p:txBody>
-          <a:bodyPr/>
+          <a:bodyPr>
+            <a:normAutofit lnSpcReduction="10000"/>
+          </a:bodyPr>
           <a:lstStyle/>
           <a:p>
             <a:pPr marL="0" marR="0" lvl="0" indent="0" algn="l" defTabSz="914400" rtl="0" eaLnBrk="1" fontAlgn="base" latinLnBrk="0" hangingPunct="1">
@@ -13352,15 +13396,16 @@
               <a:defRPr/>
             </a:pPr>
             <a:r>
-              <a:rPr lang="en-US" dirty="0"/>
-              <a:t>The DNN-based systems consistently outperformed the HMM-based ones in voiced/unvoiced classification and aperiodicity prediction. The DNN-based systems with many layers were similar to or better than the HMM-based ones in Mel-cepstral distortion. On the other hand, the HMM-based systems outperformed the DNN-based ones in log F0 prediction in most cases.</a:t>
-            </a:r>
-            <a:endParaRPr lang="de-DE" b="1" dirty="0"/>
-          </a:p>
-          <a:p>
-            <a:endParaRPr lang="de-DE" dirty="0"/>
-          </a:p>
-          <a:p>
+              <a:rPr lang="en-US" sz="1200" b="1" i="0" u="none" strike="noStrike" kern="1200" baseline="0" dirty="0">
+                <a:solidFill>
+                  <a:schemeClr val="tx1"/>
+                </a:solidFill>
+                <a:latin typeface="Arial" pitchFamily="34" charset="0"/>
+                <a:ea typeface="+mn-ea"/>
+                <a:cs typeface="Arial" pitchFamily="34" charset="0"/>
+              </a:rPr>
+              <a:t>Syllabification</a:t>
+            </a:r>
             <a:r>
               <a:rPr lang="en-US" sz="1200" b="0" i="0" u="none" strike="noStrike" kern="1200" baseline="0" dirty="0">
                 <a:solidFill>
@@ -13370,10 +13415,35 @@
                 <a:ea typeface="+mn-ea"/>
                 <a:cs typeface="Arial" pitchFamily="34" charset="0"/>
               </a:rPr>
-              <a:t>the DNN-based systems were preferred significantly to the HMM-based ones in all three model sizes. The subjects reported that the DNN-based systems were less muffled.</a:t>
-            </a:r>
-          </a:p>
-          <a:p>
+              <a:t>: the decomposition of words into their phonological units.</a:t>
+            </a:r>
+          </a:p>
+          <a:p>
+            <a:endParaRPr lang="de-DE" dirty="0"/>
+          </a:p>
+          <a:p>
+            <a:r>
+              <a:rPr lang="en-US" sz="1200" b="1" i="0" u="none" strike="noStrike" kern="1200" baseline="0" dirty="0">
+                <a:solidFill>
+                  <a:schemeClr val="tx1"/>
+                </a:solidFill>
+                <a:latin typeface="Arial" pitchFamily="34" charset="0"/>
+                <a:ea typeface="+mn-ea"/>
+                <a:cs typeface="Arial" pitchFamily="34" charset="0"/>
+              </a:rPr>
+              <a:t>Phonetic transcription</a:t>
+            </a:r>
+            <a:r>
+              <a:rPr lang="en-US" sz="1200" b="0" i="0" u="none" strike="noStrike" kern="1200" baseline="0" dirty="0">
+                <a:solidFill>
+                  <a:schemeClr val="tx1"/>
+                </a:solidFill>
+                <a:latin typeface="Arial" pitchFamily="34" charset="0"/>
+                <a:ea typeface="+mn-ea"/>
+                <a:cs typeface="Arial" pitchFamily="34" charset="0"/>
+              </a:rPr>
+              <a:t>: the process of “translation” from letters to phonemes (also known as letter-to-sound or grapheme-to-phoneme translation)</a:t>
+            </a:r>
             <a:endParaRPr lang="de-DE" sz="1200" b="0" i="0" u="none" strike="noStrike" kern="1200" baseline="0" dirty="0">
               <a:solidFill>
                 <a:schemeClr val="tx1"/>
@@ -13384,6 +13454,27 @@
             </a:endParaRPr>
           </a:p>
           <a:p>
+            <a:endParaRPr lang="en-US" sz="1200" b="0" i="0" u="none" strike="noStrike" kern="1200" baseline="0" dirty="0">
+              <a:solidFill>
+                <a:schemeClr val="tx1"/>
+              </a:solidFill>
+              <a:latin typeface="Arial" pitchFamily="34" charset="0"/>
+              <a:ea typeface="+mn-ea"/>
+              <a:cs typeface="Arial" pitchFamily="34" charset="0"/>
+            </a:endParaRPr>
+          </a:p>
+          <a:p>
+            <a:r>
+              <a:rPr lang="en-US" sz="1200" b="1" i="0" u="none" strike="noStrike" kern="1200" baseline="0" dirty="0">
+                <a:solidFill>
+                  <a:schemeClr val="tx1"/>
+                </a:solidFill>
+                <a:latin typeface="Arial" pitchFamily="34" charset="0"/>
+                <a:ea typeface="+mn-ea"/>
+                <a:cs typeface="Arial" pitchFamily="34" charset="0"/>
+              </a:rPr>
+              <a:t>Part-of-speech (POS) tagging </a:t>
+            </a:r>
             <a:r>
               <a:rPr lang="en-US" sz="1200" b="0" i="0" u="none" strike="noStrike" kern="1200" baseline="0" dirty="0">
                 <a:solidFill>
@@ -13393,8 +13484,303 @@
                 <a:ea typeface="+mn-ea"/>
                 <a:cs typeface="Arial" pitchFamily="34" charset="0"/>
               </a:rPr>
-              <a:t>The authors expect that better prediction of Mel-cepstral coefficients by the DNN-based systems contributed to the preference.</a:t>
-            </a:r>
+              <a:t>is the process of assigning each word in a sentence its uniquely interpretable tag - its part of speech. </a:t>
+            </a:r>
+          </a:p>
+          <a:p>
+            <a:pPr marL="171450" indent="-171450">
+              <a:buFont typeface="Wingdings" panose="05000000000000000000" pitchFamily="2" charset="2"/>
+              <a:buChar char="à"/>
+            </a:pPr>
+            <a:r>
+              <a:rPr lang="en-US" sz="1200" b="0" i="0" u="none" strike="noStrike" kern="1200" baseline="0" dirty="0">
+                <a:solidFill>
+                  <a:schemeClr val="tx1"/>
+                </a:solidFill>
+                <a:latin typeface="Arial" pitchFamily="34" charset="0"/>
+                <a:ea typeface="+mn-ea"/>
+                <a:cs typeface="Arial" pitchFamily="34" charset="0"/>
+              </a:rPr>
+              <a:t>choose the correct pronunciation for a homophone word</a:t>
+            </a:r>
+          </a:p>
+          <a:p>
+            <a:pPr marL="0" indent="0">
+              <a:buFont typeface="Wingdings" panose="05000000000000000000" pitchFamily="2" charset="2"/>
+              <a:buNone/>
+            </a:pPr>
+            <a:r>
+              <a:rPr lang="de-DE" sz="1200" b="0" i="0" u="none" strike="noStrike" kern="1200" baseline="0" dirty="0">
+                <a:solidFill>
+                  <a:schemeClr val="tx1"/>
+                </a:solidFill>
+                <a:latin typeface="Arial" pitchFamily="34" charset="0"/>
+                <a:ea typeface="+mn-ea"/>
+                <a:cs typeface="Arial" pitchFamily="34" charset="0"/>
+              </a:rPr>
+              <a:t>N: </a:t>
+            </a:r>
+            <a:r>
+              <a:rPr lang="de-DE" sz="1200" b="0" i="0" u="none" strike="noStrike" kern="1200" baseline="0" dirty="0" err="1">
+                <a:solidFill>
+                  <a:schemeClr val="tx1"/>
+                </a:solidFill>
+                <a:latin typeface="Arial" pitchFamily="34" charset="0"/>
+                <a:ea typeface="+mn-ea"/>
+                <a:cs typeface="Arial" pitchFamily="34" charset="0"/>
+              </a:rPr>
+              <a:t>Nouns</a:t>
+            </a:r>
+            <a:r>
+              <a:rPr lang="de-DE" sz="1200" b="0" i="0" u="none" strike="noStrike" kern="1200" baseline="0" dirty="0">
+                <a:solidFill>
+                  <a:schemeClr val="tx1"/>
+                </a:solidFill>
+                <a:latin typeface="Arial" pitchFamily="34" charset="0"/>
+                <a:ea typeface="+mn-ea"/>
+                <a:cs typeface="Arial" pitchFamily="34" charset="0"/>
+              </a:rPr>
+              <a:t>    V: Verbs     A: </a:t>
+            </a:r>
+            <a:r>
+              <a:rPr lang="de-DE" sz="1200" b="0" i="0" u="none" strike="noStrike" kern="1200" baseline="0" dirty="0" err="1">
+                <a:solidFill>
+                  <a:schemeClr val="tx1"/>
+                </a:solidFill>
+                <a:latin typeface="Arial" pitchFamily="34" charset="0"/>
+                <a:ea typeface="+mn-ea"/>
+                <a:cs typeface="Arial" pitchFamily="34" charset="0"/>
+              </a:rPr>
+              <a:t>Adjectives</a:t>
+            </a:r>
+            <a:r>
+              <a:rPr lang="de-DE" sz="1200" b="0" i="0" u="none" strike="noStrike" kern="1200" baseline="0" dirty="0">
+                <a:solidFill>
+                  <a:schemeClr val="tx1"/>
+                </a:solidFill>
+                <a:latin typeface="Arial" pitchFamily="34" charset="0"/>
+                <a:ea typeface="+mn-ea"/>
+                <a:cs typeface="Arial" pitchFamily="34" charset="0"/>
+              </a:rPr>
+              <a:t>      R: Adverbs</a:t>
+            </a:r>
+          </a:p>
+          <a:p>
+            <a:pPr marL="0" indent="0">
+              <a:buFont typeface="Wingdings" panose="05000000000000000000" pitchFamily="2" charset="2"/>
+              <a:buNone/>
+            </a:pPr>
+            <a:r>
+              <a:rPr lang="de-DE" sz="1200" b="0" i="0" u="none" strike="noStrike" kern="1200" baseline="0" dirty="0">
+                <a:solidFill>
+                  <a:schemeClr val="tx1"/>
+                </a:solidFill>
+                <a:latin typeface="Arial" pitchFamily="34" charset="0"/>
+                <a:ea typeface="+mn-ea"/>
+                <a:cs typeface="Arial" pitchFamily="34" charset="0"/>
+              </a:rPr>
+              <a:t>feminine/</a:t>
+            </a:r>
+            <a:r>
+              <a:rPr lang="de-DE" sz="1200" b="0" i="0" u="none" strike="noStrike" kern="1200" baseline="0" dirty="0" err="1">
+                <a:solidFill>
+                  <a:schemeClr val="tx1"/>
+                </a:solidFill>
+                <a:latin typeface="Arial" pitchFamily="34" charset="0"/>
+                <a:ea typeface="+mn-ea"/>
+                <a:cs typeface="Arial" pitchFamily="34" charset="0"/>
+              </a:rPr>
+              <a:t>maskular</a:t>
+            </a:r>
+            <a:r>
+              <a:rPr lang="de-DE" sz="1200" b="0" i="0" u="none" strike="noStrike" kern="1200" baseline="0" dirty="0">
+                <a:solidFill>
+                  <a:schemeClr val="tx1"/>
+                </a:solidFill>
+                <a:latin typeface="Arial" pitchFamily="34" charset="0"/>
+                <a:ea typeface="+mn-ea"/>
+                <a:cs typeface="Arial" pitchFamily="34" charset="0"/>
+              </a:rPr>
+              <a:t>, </a:t>
+            </a:r>
+            <a:r>
+              <a:rPr lang="de-DE" sz="1200" b="0" i="0" u="none" strike="noStrike" kern="1200" baseline="0" dirty="0" err="1">
+                <a:solidFill>
+                  <a:schemeClr val="tx1"/>
+                </a:solidFill>
+                <a:latin typeface="Arial" pitchFamily="34" charset="0"/>
+                <a:ea typeface="+mn-ea"/>
+                <a:cs typeface="Arial" pitchFamily="34" charset="0"/>
+              </a:rPr>
+              <a:t>singular</a:t>
+            </a:r>
+            <a:r>
+              <a:rPr lang="de-DE" sz="1200" b="0" i="0" u="none" strike="noStrike" kern="1200" baseline="0" dirty="0">
+                <a:solidFill>
+                  <a:schemeClr val="tx1"/>
+                </a:solidFill>
+                <a:latin typeface="Arial" pitchFamily="34" charset="0"/>
+                <a:ea typeface="+mn-ea"/>
+                <a:cs typeface="Arial" pitchFamily="34" charset="0"/>
+              </a:rPr>
+              <a:t>/</a:t>
+            </a:r>
+            <a:r>
+              <a:rPr lang="de-DE" sz="1200" b="0" i="0" u="none" strike="noStrike" kern="1200" baseline="0" dirty="0" err="1">
+                <a:solidFill>
+                  <a:schemeClr val="tx1"/>
+                </a:solidFill>
+                <a:latin typeface="Arial" pitchFamily="34" charset="0"/>
+                <a:ea typeface="+mn-ea"/>
+                <a:cs typeface="Arial" pitchFamily="34" charset="0"/>
+              </a:rPr>
+              <a:t>plular</a:t>
+            </a:r>
+            <a:r>
+              <a:rPr lang="de-DE" sz="1200" b="0" i="0" u="none" strike="noStrike" kern="1200" baseline="0" dirty="0">
+                <a:solidFill>
+                  <a:schemeClr val="tx1"/>
+                </a:solidFill>
+                <a:latin typeface="Arial" pitchFamily="34" charset="0"/>
+                <a:ea typeface="+mn-ea"/>
+                <a:cs typeface="Arial" pitchFamily="34" charset="0"/>
+              </a:rPr>
+              <a:t>, </a:t>
+            </a:r>
+            <a:r>
+              <a:rPr lang="de-DE" sz="1200" b="0" i="0" u="none" strike="noStrike" kern="1200" baseline="0" dirty="0" err="1">
+                <a:solidFill>
+                  <a:schemeClr val="tx1"/>
+                </a:solidFill>
+                <a:latin typeface="Arial" pitchFamily="34" charset="0"/>
+                <a:ea typeface="+mn-ea"/>
+                <a:cs typeface="Arial" pitchFamily="34" charset="0"/>
+              </a:rPr>
+              <a:t>cases</a:t>
+            </a:r>
+            <a:endParaRPr lang="en-US" sz="1200" b="0" i="0" u="none" strike="noStrike" kern="1200" baseline="0" dirty="0">
+              <a:solidFill>
+                <a:schemeClr val="tx1"/>
+              </a:solidFill>
+              <a:latin typeface="Arial" pitchFamily="34" charset="0"/>
+              <a:ea typeface="+mn-ea"/>
+              <a:cs typeface="Arial" pitchFamily="34" charset="0"/>
+            </a:endParaRPr>
+          </a:p>
+          <a:p>
+            <a:endParaRPr lang="de-DE" sz="1200" b="0" i="0" u="none" strike="noStrike" kern="1200" baseline="0" dirty="0">
+              <a:solidFill>
+                <a:schemeClr val="tx1"/>
+              </a:solidFill>
+              <a:latin typeface="Arial" pitchFamily="34" charset="0"/>
+              <a:ea typeface="+mn-ea"/>
+              <a:cs typeface="Arial" pitchFamily="34" charset="0"/>
+            </a:endParaRPr>
+          </a:p>
+          <a:p>
+            <a:pPr marL="0" marR="0" lvl="0" indent="0" algn="l" defTabSz="914400" rtl="0" eaLnBrk="1" fontAlgn="base" latinLnBrk="0" hangingPunct="1">
+              <a:lnSpc>
+                <a:spcPct val="100000"/>
+              </a:lnSpc>
+              <a:spcBef>
+                <a:spcPct val="30000"/>
+              </a:spcBef>
+              <a:spcAft>
+                <a:spcPct val="0"/>
+              </a:spcAft>
+              <a:buClrTx/>
+              <a:buSzTx/>
+              <a:buFontTx/>
+              <a:buNone/>
+              <a:tabLst/>
+              <a:defRPr/>
+            </a:pPr>
+            <a:r>
+              <a:rPr lang="en-US" sz="1200" b="1" i="0" u="none" strike="noStrike" kern="1200" baseline="0" dirty="0">
+                <a:solidFill>
+                  <a:schemeClr val="tx1"/>
+                </a:solidFill>
+                <a:latin typeface="Arial" pitchFamily="34" charset="0"/>
+                <a:ea typeface="+mn-ea"/>
+                <a:cs typeface="Arial" pitchFamily="34" charset="0"/>
+              </a:rPr>
+              <a:t>Lexical stress prediction</a:t>
+            </a:r>
+            <a:r>
+              <a:rPr lang="en-US" sz="1200" b="0" i="0" u="none" strike="noStrike" kern="1200" baseline="0" dirty="0">
+                <a:solidFill>
+                  <a:schemeClr val="tx1"/>
+                </a:solidFill>
+                <a:latin typeface="Arial" pitchFamily="34" charset="0"/>
+                <a:ea typeface="+mn-ea"/>
+                <a:cs typeface="Arial" pitchFamily="34" charset="0"/>
+              </a:rPr>
+              <a:t>: Certain syllables inside a word have a higher prominence compared to its neighboring syllables, giving the word a specific sound. </a:t>
+            </a:r>
+          </a:p>
+          <a:p>
+            <a:pPr marL="0" marR="0" lvl="0" indent="0" algn="l" defTabSz="914400" rtl="0" eaLnBrk="1" fontAlgn="base" latinLnBrk="0" hangingPunct="1">
+              <a:lnSpc>
+                <a:spcPct val="100000"/>
+              </a:lnSpc>
+              <a:spcBef>
+                <a:spcPct val="30000"/>
+              </a:spcBef>
+              <a:spcAft>
+                <a:spcPct val="0"/>
+              </a:spcAft>
+              <a:buClrTx/>
+              <a:buSzTx/>
+              <a:buFontTx/>
+              <a:buNone/>
+              <a:tabLst/>
+              <a:defRPr/>
+            </a:pPr>
+            <a:r>
+              <a:rPr lang="en-US" sz="1200" b="0" i="0" u="none" strike="noStrike" kern="1200" baseline="0" dirty="0">
+                <a:solidFill>
+                  <a:schemeClr val="tx1"/>
+                </a:solidFill>
+                <a:latin typeface="Arial" pitchFamily="34" charset="0"/>
+                <a:ea typeface="+mn-ea"/>
+                <a:cs typeface="Arial" pitchFamily="34" charset="0"/>
+                <a:sym typeface="Wingdings" panose="05000000000000000000" pitchFamily="2" charset="2"/>
+              </a:rPr>
+              <a:t> </a:t>
+            </a:r>
+            <a:r>
+              <a:rPr lang="en-US" sz="1200" b="0" i="0" u="none" strike="noStrike" kern="1200" baseline="0" dirty="0">
+                <a:solidFill>
+                  <a:schemeClr val="tx1"/>
+                </a:solidFill>
+                <a:latin typeface="Arial" pitchFamily="34" charset="0"/>
+                <a:ea typeface="+mn-ea"/>
+                <a:cs typeface="Arial" pitchFamily="34" charset="0"/>
+              </a:rPr>
+              <a:t>choose the correct pronunciation for a homophone word</a:t>
+            </a:r>
+          </a:p>
+          <a:p>
+            <a:endParaRPr lang="de-DE" sz="1200" b="0" i="0" u="none" strike="noStrike" kern="1200" baseline="0" dirty="0">
+              <a:solidFill>
+                <a:schemeClr val="tx1"/>
+              </a:solidFill>
+              <a:latin typeface="Arial" pitchFamily="34" charset="0"/>
+              <a:ea typeface="+mn-ea"/>
+              <a:cs typeface="Arial" pitchFamily="34" charset="0"/>
+            </a:endParaRPr>
+          </a:p>
+          <a:p>
+            <a:endParaRPr lang="en-US" sz="1200" b="0" i="0" u="none" strike="noStrike" kern="1200" baseline="0" dirty="0">
+              <a:solidFill>
+                <a:schemeClr val="tx1"/>
+              </a:solidFill>
+              <a:latin typeface="Arial" pitchFamily="34" charset="0"/>
+              <a:ea typeface="+mn-ea"/>
+              <a:cs typeface="Arial" pitchFamily="34" charset="0"/>
+            </a:endParaRPr>
+          </a:p>
+          <a:p>
             <a:endParaRPr lang="en-US" dirty="0"/>
           </a:p>
         </p:txBody>
@@ -13422,7 +13808,7 @@
               <a:pPr>
                 <a:defRPr/>
               </a:pPr>
-              <a:t>16</a:t>
+              <a:t>17</a:t>
             </a:fld>
             <a:endParaRPr lang="en-GB"/>
           </a:p>
@@ -13431,7 +13817,7 @@
     </p:spTree>
     <p:extLst>
       <p:ext uri="{BB962C8B-B14F-4D97-AF65-F5344CB8AC3E}">
-        <p14:creationId xmlns:p14="http://schemas.microsoft.com/office/powerpoint/2010/main" val="373799104"/>
+        <p14:creationId xmlns:p14="http://schemas.microsoft.com/office/powerpoint/2010/main" val="1801823156"/>
       </p:ext>
     </p:extLst>
   </p:cSld>
@@ -25098,346 +25484,6 @@
       </p:grpSpPr>
       <p:sp>
         <p:nvSpPr>
-          <p:cNvPr id="2" name="Inhaltsplatzhalter 1">
-            <a:extLst>
-              <a:ext uri="{FF2B5EF4-FFF2-40B4-BE49-F238E27FC236}">
-                <a16:creationId xmlns:a16="http://schemas.microsoft.com/office/drawing/2014/main" id="{9E155CC3-A3A3-424A-A0B1-35DDE766D720}"/>
-              </a:ext>
-            </a:extLst>
-          </p:cNvPr>
-          <p:cNvSpPr>
-            <a:spLocks noGrp="1"/>
-          </p:cNvSpPr>
-          <p:nvPr>
-            <p:ph idx="10"/>
-          </p:nvPr>
-        </p:nvSpPr>
-        <p:spPr>
-          <a:xfrm>
-            <a:off x="319088" y="1323117"/>
-            <a:ext cx="8508999" cy="4321903"/>
-          </a:xfrm>
-        </p:spPr>
-        <p:txBody>
-          <a:bodyPr/>
-          <a:lstStyle/>
-          <a:p>
-            <a:pPr marL="285750" indent="-285750">
-              <a:buFont typeface="Arial" panose="020B0604020202020204" pitchFamily="34" charset="0"/>
-              <a:buChar char="•"/>
-            </a:pPr>
-            <a:r>
-              <a:rPr lang="de-DE" dirty="0"/>
-              <a:t>Class </a:t>
-            </a:r>
-            <a:r>
-              <a:rPr lang="de-DE" dirty="0" err="1"/>
-              <a:t>of</a:t>
-            </a:r>
-            <a:r>
-              <a:rPr lang="de-DE" dirty="0"/>
-              <a:t> </a:t>
-            </a:r>
-            <a:r>
-              <a:rPr lang="en-US" dirty="0"/>
-              <a:t>machine learning techniques with more than one hidden layer</a:t>
-            </a:r>
-          </a:p>
-          <a:p>
-            <a:pPr marL="285750" indent="-285750">
-              <a:buFont typeface="Arial" panose="020B0604020202020204" pitchFamily="34" charset="0"/>
-              <a:buChar char="•"/>
-            </a:pPr>
-            <a:r>
-              <a:rPr lang="de-DE" dirty="0" err="1"/>
-              <a:t>Neural</a:t>
-            </a:r>
-            <a:r>
-              <a:rPr lang="de-DE" dirty="0"/>
-              <a:t> Network </a:t>
-            </a:r>
-            <a:r>
-              <a:rPr lang="en-US" dirty="0"/>
-              <a:t>consisting of many connected layers</a:t>
-            </a:r>
-          </a:p>
-          <a:p>
-            <a:pPr marL="285750" indent="-285750">
-              <a:buFont typeface="Arial" panose="020B0604020202020204" pitchFamily="34" charset="0"/>
-              <a:buChar char="•"/>
-            </a:pPr>
-            <a:r>
-              <a:rPr lang="de-DE" dirty="0"/>
-              <a:t>E</a:t>
-            </a:r>
-            <a:r>
-              <a:rPr lang="en-US" dirty="0"/>
-              <a:t>merged in the last decade</a:t>
-            </a:r>
-          </a:p>
-          <a:p>
-            <a:pPr marL="285750" indent="-285750">
-              <a:buFont typeface="Arial" panose="020B0604020202020204" pitchFamily="34" charset="0"/>
-              <a:buChar char="•"/>
-            </a:pPr>
-            <a:r>
-              <a:rPr lang="de-DE" dirty="0"/>
-              <a:t>A</a:t>
-            </a:r>
-            <a:r>
-              <a:rPr lang="en-US" dirty="0" err="1"/>
-              <a:t>dvantages</a:t>
-            </a:r>
-            <a:r>
-              <a:rPr lang="en-US" dirty="0"/>
-              <a:t>:</a:t>
-            </a:r>
-          </a:p>
-          <a:p>
-            <a:pPr marL="461963" lvl="1" indent="-285750">
-              <a:buFont typeface="Arial" panose="020B0604020202020204" pitchFamily="34" charset="0"/>
-              <a:buChar char="•"/>
-            </a:pPr>
-            <a:r>
-              <a:rPr lang="de-DE" dirty="0"/>
-              <a:t>A</a:t>
-            </a:r>
-            <a:r>
-              <a:rPr lang="en-US" dirty="0" err="1"/>
-              <a:t>sdf</a:t>
-            </a:r>
-            <a:endParaRPr lang="en-US" dirty="0"/>
-          </a:p>
-          <a:p>
-            <a:pPr marL="461963" lvl="1" indent="-285750">
-              <a:buFont typeface="Arial" panose="020B0604020202020204" pitchFamily="34" charset="0"/>
-              <a:buChar char="•"/>
-            </a:pPr>
-            <a:r>
-              <a:rPr lang="de-DE" dirty="0"/>
-              <a:t>A</a:t>
-            </a:r>
-            <a:r>
-              <a:rPr lang="en-US" dirty="0" err="1"/>
-              <a:t>sdf</a:t>
-            </a:r>
-            <a:endParaRPr lang="en-US" dirty="0"/>
-          </a:p>
-          <a:p>
-            <a:pPr marL="461963" lvl="1" indent="-285750">
-              <a:buFont typeface="Arial" panose="020B0604020202020204" pitchFamily="34" charset="0"/>
-              <a:buChar char="•"/>
-            </a:pPr>
-            <a:r>
-              <a:rPr lang="de-DE" dirty="0"/>
-              <a:t>a</a:t>
-            </a:r>
-            <a:r>
-              <a:rPr lang="en-US" dirty="0" err="1"/>
-              <a:t>sdf</a:t>
-            </a:r>
-            <a:endParaRPr lang="en-US" dirty="0"/>
-          </a:p>
-        </p:txBody>
-      </p:sp>
-      <p:sp>
-        <p:nvSpPr>
-          <p:cNvPr id="3" name="Foliennummernplatzhalter 2">
-            <a:extLst>
-              <a:ext uri="{FF2B5EF4-FFF2-40B4-BE49-F238E27FC236}">
-                <a16:creationId xmlns:a16="http://schemas.microsoft.com/office/drawing/2014/main" id="{869E7094-0177-42E9-940D-10B471AC788E}"/>
-              </a:ext>
-            </a:extLst>
-          </p:cNvPr>
-          <p:cNvSpPr>
-            <a:spLocks noGrp="1"/>
-          </p:cNvSpPr>
-          <p:nvPr>
-            <p:ph type="sldNum" sz="quarter" idx="11"/>
-          </p:nvPr>
-        </p:nvSpPr>
-        <p:spPr/>
-        <p:txBody>
-          <a:bodyPr/>
-          <a:lstStyle/>
-          <a:p>
-            <a:fld id="{CE58CB1E-F828-4F11-99E0-327109AF9DA4}" type="slidenum">
-              <a:rPr lang="de-DE" smtClean="0"/>
-              <a:pPr/>
-              <a:t>14</a:t>
-            </a:fld>
-            <a:endParaRPr lang="de-DE" dirty="0"/>
-          </a:p>
-        </p:txBody>
-      </p:sp>
-      <p:sp>
-        <p:nvSpPr>
-          <p:cNvPr id="4" name="Titel 3">
-            <a:extLst>
-              <a:ext uri="{FF2B5EF4-FFF2-40B4-BE49-F238E27FC236}">
-                <a16:creationId xmlns:a16="http://schemas.microsoft.com/office/drawing/2014/main" id="{3C3F73EB-81DB-4918-9886-4DAB18F4DD28}"/>
-              </a:ext>
-            </a:extLst>
-          </p:cNvPr>
-          <p:cNvSpPr>
-            <a:spLocks noGrp="1"/>
-          </p:cNvSpPr>
-          <p:nvPr>
-            <p:ph type="title"/>
-          </p:nvPr>
-        </p:nvSpPr>
-        <p:spPr/>
-        <p:txBody>
-          <a:bodyPr/>
-          <a:lstStyle/>
-          <a:p>
-            <a:r>
-              <a:rPr lang="de-DE" dirty="0"/>
-              <a:t>Basics </a:t>
-            </a:r>
-            <a:r>
-              <a:rPr lang="de-DE" dirty="0" err="1"/>
-              <a:t>of</a:t>
-            </a:r>
-            <a:r>
-              <a:rPr lang="de-DE" dirty="0"/>
-              <a:t> Deep Learning</a:t>
-            </a:r>
-            <a:endParaRPr lang="en-US" dirty="0"/>
-          </a:p>
-        </p:txBody>
-      </p:sp>
-      <p:grpSp>
-        <p:nvGrpSpPr>
-          <p:cNvPr id="7" name="Gruppieren 6">
-            <a:extLst>
-              <a:ext uri="{FF2B5EF4-FFF2-40B4-BE49-F238E27FC236}">
-                <a16:creationId xmlns:a16="http://schemas.microsoft.com/office/drawing/2014/main" id="{D7638658-2B0A-4A6B-A00E-2387DF2815D6}"/>
-              </a:ext>
-            </a:extLst>
-          </p:cNvPr>
-          <p:cNvGrpSpPr/>
-          <p:nvPr/>
-        </p:nvGrpSpPr>
-        <p:grpSpPr>
-          <a:xfrm>
-            <a:off x="4152738" y="3365347"/>
-            <a:ext cx="4280637" cy="2548853"/>
-            <a:chOff x="2338362" y="3359021"/>
-            <a:chExt cx="4280637" cy="2548853"/>
-          </a:xfrm>
-        </p:grpSpPr>
-        <p:pic>
-          <p:nvPicPr>
-            <p:cNvPr id="5" name="Grafik 4">
-              <a:extLst>
-                <a:ext uri="{FF2B5EF4-FFF2-40B4-BE49-F238E27FC236}">
-                  <a16:creationId xmlns:a16="http://schemas.microsoft.com/office/drawing/2014/main" id="{FFA3371F-A3DD-4B83-BE1F-244021C667E5}"/>
-                </a:ext>
-              </a:extLst>
-            </p:cNvPr>
-            <p:cNvPicPr>
-              <a:picLocks noChangeAspect="1"/>
-            </p:cNvPicPr>
-            <p:nvPr/>
-          </p:nvPicPr>
-          <p:blipFill>
-            <a:blip r:embed="rId3"/>
-            <a:stretch>
-              <a:fillRect/>
-            </a:stretch>
-          </p:blipFill>
-          <p:spPr>
-            <a:xfrm>
-              <a:off x="2338362" y="3359021"/>
-              <a:ext cx="4280637" cy="2420228"/>
-            </a:xfrm>
-            <a:prstGeom prst="rect">
-              <a:avLst/>
-            </a:prstGeom>
-          </p:spPr>
-        </p:pic>
-        <p:sp>
-          <p:nvSpPr>
-            <p:cNvPr id="6" name="Textfeld 5">
-              <a:extLst>
-                <a:ext uri="{FF2B5EF4-FFF2-40B4-BE49-F238E27FC236}">
-                  <a16:creationId xmlns:a16="http://schemas.microsoft.com/office/drawing/2014/main" id="{12B24E00-434E-4320-BAF4-0E00911F0127}"/>
-                </a:ext>
-              </a:extLst>
-            </p:cNvPr>
-            <p:cNvSpPr txBox="1"/>
-            <p:nvPr/>
-          </p:nvSpPr>
-          <p:spPr>
-            <a:xfrm>
-              <a:off x="3824915" y="5779249"/>
-              <a:ext cx="1307530" cy="128625"/>
-            </a:xfrm>
-            <a:prstGeom prst="rect">
-              <a:avLst/>
-            </a:prstGeom>
-            <a:noFill/>
-          </p:spPr>
-          <p:txBody>
-            <a:bodyPr wrap="square" lIns="0" tIns="0" rIns="0" bIns="0" rtlCol="0">
-              <a:spAutoFit/>
-            </a:bodyPr>
-            <a:lstStyle/>
-            <a:p>
-              <a:pPr algn="ctr">
-                <a:lnSpc>
-                  <a:spcPct val="114000"/>
-                </a:lnSpc>
-              </a:pPr>
-              <a:r>
-                <a:rPr lang="de-DE" sz="800" dirty="0">
-                  <a:latin typeface="+mn-lt"/>
-                </a:rPr>
-                <a:t>Source: Own </a:t>
-              </a:r>
-              <a:r>
-                <a:rPr lang="en-US" sz="800" dirty="0">
-                  <a:latin typeface="+mn-lt"/>
-                </a:rPr>
-                <a:t>visualization</a:t>
-              </a:r>
-            </a:p>
-          </p:txBody>
-        </p:sp>
-      </p:grpSp>
-    </p:spTree>
-    <p:extLst>
-      <p:ext uri="{BB962C8B-B14F-4D97-AF65-F5344CB8AC3E}">
-        <p14:creationId xmlns:p14="http://schemas.microsoft.com/office/powerpoint/2010/main" val="461566024"/>
-      </p:ext>
-    </p:extLst>
-  </p:cSld>
-  <p:clrMapOvr>
-    <a:masterClrMapping/>
-  </p:clrMapOvr>
-</p:sld>
-</file>
-
-<file path=ppt/slides/slide15.xml><?xml version="1.0" encoding="utf-8"?>
-<p:sld xmlns:a="http://schemas.openxmlformats.org/drawingml/2006/main" xmlns:r="http://schemas.openxmlformats.org/officeDocument/2006/relationships" xmlns:p="http://schemas.openxmlformats.org/presentationml/2006/main">
-  <p:cSld>
-    <p:spTree>
-      <p:nvGrpSpPr>
-        <p:cNvPr id="1" name=""/>
-        <p:cNvGrpSpPr/>
-        <p:nvPr/>
-      </p:nvGrpSpPr>
-      <p:grpSpPr>
-        <a:xfrm>
-          <a:off x="0" y="0"/>
-          <a:ext cx="0" cy="0"/>
-          <a:chOff x="0" y="0"/>
-          <a:chExt cx="0" cy="0"/>
-        </a:xfrm>
-      </p:grpSpPr>
-      <p:sp>
-        <p:nvSpPr>
           <p:cNvPr id="3" name="Foliennummernplatzhalter 2">
             <a:extLst>
               <a:ext uri="{FF2B5EF4-FFF2-40B4-BE49-F238E27FC236}">
@@ -25460,7 +25506,7 @@
             <a:fld id="{CE58CB1E-F828-4F11-99E0-327109AF9DA4}" type="slidenum">
               <a:rPr lang="de-DE" smtClean="0"/>
               <a:pPr/>
-              <a:t>15</a:t>
+              <a:t>14</a:t>
             </a:fld>
             <a:endParaRPr lang="de-DE" dirty="0"/>
           </a:p>
@@ -25532,7 +25578,7 @@
         </p:nvGrpSpPr>
         <p:grpSpPr>
           <a:xfrm>
-            <a:off x="2017985" y="1122808"/>
+            <a:off x="2017985" y="1443822"/>
             <a:ext cx="5200360" cy="4952330"/>
             <a:chOff x="2377316" y="1907634"/>
             <a:chExt cx="4397618" cy="4187874"/>
@@ -25734,7 +25780,7 @@
         </p:nvGrpSpPr>
         <p:grpSpPr>
           <a:xfrm>
-            <a:off x="457506" y="982409"/>
+            <a:off x="457506" y="1303423"/>
             <a:ext cx="6647492" cy="4115106"/>
             <a:chOff x="3804836" y="1788352"/>
             <a:chExt cx="5268216" cy="3261274"/>
@@ -25909,7 +25955,7 @@
         </p:nvGrpSpPr>
         <p:grpSpPr>
           <a:xfrm>
-            <a:off x="129907" y="3275827"/>
+            <a:off x="129907" y="3596841"/>
             <a:ext cx="8875567" cy="830998"/>
             <a:chOff x="87867" y="3664708"/>
             <a:chExt cx="8875567" cy="830998"/>
@@ -26225,6 +26271,43 @@
           </p:txBody>
         </p:sp>
       </p:grpSp>
+      <p:sp>
+        <p:nvSpPr>
+          <p:cNvPr id="2" name="Rechteck 1">
+            <a:extLst>
+              <a:ext uri="{FF2B5EF4-FFF2-40B4-BE49-F238E27FC236}">
+                <a16:creationId xmlns:a16="http://schemas.microsoft.com/office/drawing/2014/main" id="{FEAB313D-45A2-4ACB-B909-F2011438B0B1}"/>
+              </a:ext>
+            </a:extLst>
+          </p:cNvPr>
+          <p:cNvSpPr/>
+          <p:nvPr/>
+        </p:nvSpPr>
+        <p:spPr>
+          <a:xfrm>
+            <a:off x="319090" y="760296"/>
+            <a:ext cx="2541017" cy="307777"/>
+          </a:xfrm>
+          <a:prstGeom prst="rect">
+            <a:avLst/>
+          </a:prstGeom>
+        </p:spPr>
+        <p:txBody>
+          <a:bodyPr wrap="none">
+            <a:spAutoFit/>
+          </a:bodyPr>
+          <a:lstStyle/>
+          <a:p>
+            <a:r>
+              <a:rPr lang="en-US" sz="1400" dirty="0">
+                <a:sym typeface="Wingdings" panose="05000000000000000000" pitchFamily="2" charset="2"/>
+              </a:rPr>
+              <a:t>Zen et al. (2013), ICASSP ’13</a:t>
+            </a:r>
+            <a:endParaRPr lang="en-US" sz="1400" dirty="0"/>
+          </a:p>
+        </p:txBody>
+      </p:sp>
     </p:spTree>
     <p:extLst>
       <p:ext uri="{BB962C8B-B14F-4D97-AF65-F5344CB8AC3E}">
@@ -26403,7 +26486,7 @@
 </p:sld>
 </file>
 
-<file path=ppt/slides/slide16.xml><?xml version="1.0" encoding="utf-8"?>
+<file path=ppt/slides/slide15.xml><?xml version="1.0" encoding="utf-8"?>
 <p:sld xmlns:a="http://schemas.openxmlformats.org/drawingml/2006/main" xmlns:r="http://schemas.openxmlformats.org/officeDocument/2006/relationships" xmlns:p="http://schemas.openxmlformats.org/presentationml/2006/main">
   <p:cSld>
     <p:spTree>
@@ -26506,7 +26589,7 @@
             <a:fld id="{CE58CB1E-F828-4F11-99E0-327109AF9DA4}" type="slidenum">
               <a:rPr lang="de-DE" smtClean="0"/>
               <a:pPr/>
-              <a:t>16</a:t>
+              <a:t>15</a:t>
             </a:fld>
             <a:endParaRPr lang="de-DE" dirty="0"/>
           </a:p>
@@ -27665,7 +27748,7 @@
 </p:sld>
 </file>
 
-<file path=ppt/slides/slide17.xml><?xml version="1.0" encoding="utf-8"?>
+<file path=ppt/slides/slide16.xml><?xml version="1.0" encoding="utf-8"?>
 <p:sld xmlns:a="http://schemas.openxmlformats.org/drawingml/2006/main" xmlns:r="http://schemas.openxmlformats.org/officeDocument/2006/relationships" xmlns:p="http://schemas.openxmlformats.org/presentationml/2006/main">
   <p:cSld>
     <p:spTree>
@@ -27837,7 +27920,7 @@
             <a:fld id="{CE58CB1E-F828-4F11-99E0-327109AF9DA4}" type="slidenum">
               <a:rPr lang="de-DE" smtClean="0"/>
               <a:pPr/>
-              <a:t>17</a:t>
+              <a:t>16</a:t>
             </a:fld>
             <a:endParaRPr lang="de-DE" dirty="0"/>
           </a:p>
@@ -28260,7 +28343,7 @@
 </p:sld>
 </file>
 
-<file path=ppt/slides/slide18.xml><?xml version="1.0" encoding="utf-8"?>
+<file path=ppt/slides/slide17.xml><?xml version="1.0" encoding="utf-8"?>
 <p:sld xmlns:a="http://schemas.openxmlformats.org/drawingml/2006/main" xmlns:r="http://schemas.openxmlformats.org/officeDocument/2006/relationships" xmlns:p="http://schemas.openxmlformats.org/presentationml/2006/main">
   <p:cSld>
     <p:spTree>
@@ -28346,7 +28429,7 @@
             <a:fld id="{CE58CB1E-F828-4F11-99E0-327109AF9DA4}" type="slidenum">
               <a:rPr lang="de-DE" smtClean="0"/>
               <a:pPr/>
-              <a:t>18</a:t>
+              <a:t>17</a:t>
             </a:fld>
             <a:endParaRPr lang="de-DE" dirty="0"/>
           </a:p>
@@ -29173,8 +29256,8 @@
         </p:nvGrpSpPr>
         <p:grpSpPr>
           <a:xfrm>
-            <a:off x="1530220" y="2114783"/>
-            <a:ext cx="7473821" cy="3221335"/>
+            <a:off x="1530221" y="2114783"/>
+            <a:ext cx="4123448" cy="3221335"/>
             <a:chOff x="1530220" y="2114783"/>
             <a:chExt cx="7473821" cy="3221335"/>
           </a:xfrm>
@@ -29356,6 +29439,51 @@
               </a:rPr>
               <a:t>visualization</a:t>
             </a:r>
+          </a:p>
+        </p:txBody>
+      </p:sp>
+      <p:sp>
+        <p:nvSpPr>
+          <p:cNvPr id="7" name="Rechteck 6">
+            <a:extLst>
+              <a:ext uri="{FF2B5EF4-FFF2-40B4-BE49-F238E27FC236}">
+                <a16:creationId xmlns:a16="http://schemas.microsoft.com/office/drawing/2014/main" id="{4F799E4C-1A4A-4A64-B151-53F87957A144}"/>
+              </a:ext>
+            </a:extLst>
+          </p:cNvPr>
+          <p:cNvSpPr/>
+          <p:nvPr/>
+        </p:nvSpPr>
+        <p:spPr>
+          <a:xfrm>
+            <a:off x="319088" y="759805"/>
+            <a:ext cx="2683748" cy="307777"/>
+          </a:xfrm>
+          <a:prstGeom prst="rect">
+            <a:avLst/>
+          </a:prstGeom>
+        </p:spPr>
+        <p:txBody>
+          <a:bodyPr wrap="none">
+            <a:spAutoFit/>
+          </a:bodyPr>
+          <a:lstStyle/>
+          <a:p>
+            <a:r>
+              <a:rPr lang="en-US" sz="1400" dirty="0" err="1"/>
+              <a:t>Boroş</a:t>
+            </a:r>
+            <a:r>
+              <a:rPr lang="en-US" sz="1400" dirty="0"/>
+              <a:t> et al. (2015)</a:t>
+            </a:r>
+            <a:r>
+              <a:rPr lang="en-US" sz="1400" dirty="0">
+                <a:sym typeface="Wingdings" panose="05000000000000000000" pitchFamily="2" charset="2"/>
+              </a:rPr>
+              <a:t>, MEDES ’15</a:t>
+            </a:r>
+            <a:endParaRPr lang="en-US" sz="1400" dirty="0"/>
           </a:p>
         </p:txBody>
       </p:sp>
@@ -29797,7 +29925,7 @@
 </p:sld>
 </file>
 
-<file path=ppt/slides/slide19.xml><?xml version="1.0" encoding="utf-8"?>
+<file path=ppt/slides/slide18.xml><?xml version="1.0" encoding="utf-8"?>
 <p:sld xmlns:a="http://schemas.openxmlformats.org/drawingml/2006/main" xmlns:r="http://schemas.openxmlformats.org/officeDocument/2006/relationships" xmlns:p="http://schemas.openxmlformats.org/presentationml/2006/main">
   <p:cSld>
     <p:spTree>
@@ -29965,7 +30093,7 @@
             <a:fld id="{CE58CB1E-F828-4F11-99E0-327109AF9DA4}" type="slidenum">
               <a:rPr lang="de-DE" smtClean="0"/>
               <a:pPr/>
-              <a:t>19</a:t>
+              <a:t>18</a:t>
             </a:fld>
             <a:endParaRPr lang="de-DE" dirty="0"/>
           </a:p>
@@ -31658,176 +31786,7 @@
 </p:sld>
 </file>
 
-<file path=ppt/slides/slide2.xml><?xml version="1.0" encoding="utf-8"?>
-<p:sld xmlns:a="http://schemas.openxmlformats.org/drawingml/2006/main" xmlns:r="http://schemas.openxmlformats.org/officeDocument/2006/relationships" xmlns:p="http://schemas.openxmlformats.org/presentationml/2006/main">
-  <p:cSld>
-    <p:spTree>
-      <p:nvGrpSpPr>
-        <p:cNvPr id="1" name=""/>
-        <p:cNvGrpSpPr/>
-        <p:nvPr/>
-      </p:nvGrpSpPr>
-      <p:grpSpPr>
-        <a:xfrm>
-          <a:off x="0" y="0"/>
-          <a:ext cx="0" cy="0"/>
-          <a:chOff x="0" y="0"/>
-          <a:chExt cx="0" cy="0"/>
-        </a:xfrm>
-      </p:grpSpPr>
-      <p:pic>
-        <p:nvPicPr>
-          <p:cNvPr id="4" name="Bild 4" descr="TUM_Glockenturm.tif">
-            <a:extLst>
-              <a:ext uri="{FF2B5EF4-FFF2-40B4-BE49-F238E27FC236}">
-                <a16:creationId xmlns:a16="http://schemas.microsoft.com/office/drawing/2014/main" id="{6E1B4B54-6271-48C4-BF68-95E6A46C9AA9}"/>
-              </a:ext>
-            </a:extLst>
-          </p:cNvPr>
-          <p:cNvPicPr>
-            <a:picLocks noChangeAspect="1"/>
-          </p:cNvPicPr>
-          <p:nvPr/>
-        </p:nvPicPr>
-        <p:blipFill>
-          <a:blip r:embed="rId2"/>
-          <a:stretch>
-            <a:fillRect/>
-          </a:stretch>
-        </p:blipFill>
-        <p:spPr>
-          <a:xfrm>
-            <a:off x="4927101" y="3051360"/>
-            <a:ext cx="3892489" cy="3397419"/>
-          </a:xfrm>
-          <a:prstGeom prst="rect">
-            <a:avLst/>
-          </a:prstGeom>
-        </p:spPr>
-      </p:pic>
-      <p:sp>
-        <p:nvSpPr>
-          <p:cNvPr id="9" name="Inhaltsplatzhalter 2">
-            <a:extLst>
-              <a:ext uri="{FF2B5EF4-FFF2-40B4-BE49-F238E27FC236}">
-                <a16:creationId xmlns:a16="http://schemas.microsoft.com/office/drawing/2014/main" id="{7EC2C0AF-CED8-47C6-94F8-41D6EFFAB6EF}"/>
-              </a:ext>
-            </a:extLst>
-          </p:cNvPr>
-          <p:cNvSpPr>
-            <a:spLocks noGrp="1"/>
-          </p:cNvSpPr>
-          <p:nvPr>
-            <p:ph idx="10"/>
-          </p:nvPr>
-        </p:nvSpPr>
-        <p:spPr/>
-        <p:txBody>
-          <a:bodyPr/>
-          <a:lstStyle/>
-          <a:p>
-            <a:r>
-              <a:rPr lang="de-DE" dirty="0"/>
-              <a:t>Hannes Bohnengel</a:t>
-            </a:r>
-          </a:p>
-          <a:p>
-            <a:r>
-              <a:rPr lang="en-US" dirty="0"/>
-              <a:t>Technical</a:t>
-            </a:r>
-            <a:r>
-              <a:rPr lang="de-DE" dirty="0"/>
-              <a:t> </a:t>
-            </a:r>
-            <a:r>
-              <a:rPr lang="en-US" dirty="0"/>
-              <a:t>University</a:t>
-            </a:r>
-            <a:r>
-              <a:rPr lang="de-DE" dirty="0"/>
-              <a:t> </a:t>
-            </a:r>
-            <a:r>
-              <a:rPr lang="de-DE" dirty="0" err="1"/>
-              <a:t>of</a:t>
-            </a:r>
-            <a:r>
-              <a:rPr lang="de-DE" dirty="0"/>
-              <a:t> Munich</a:t>
-            </a:r>
-          </a:p>
-          <a:p>
-            <a:r>
-              <a:rPr lang="en-US" dirty="0"/>
-              <a:t>TUM Department of Electrical and Computer Engineering</a:t>
-            </a:r>
-          </a:p>
-          <a:p>
-            <a:r>
-              <a:rPr lang="en-US" dirty="0"/>
-              <a:t>Chair of Real-Time Computer Systems</a:t>
-            </a:r>
-            <a:endParaRPr lang="de-DE" dirty="0"/>
-          </a:p>
-          <a:p>
-            <a:r>
-              <a:rPr lang="de-DE" dirty="0"/>
-              <a:t>Munich, 21 </a:t>
-            </a:r>
-            <a:r>
-              <a:rPr lang="de-DE" dirty="0" err="1"/>
-              <a:t>July</a:t>
-            </a:r>
-            <a:r>
-              <a:rPr lang="de-DE" dirty="0"/>
-              <a:t> 2017</a:t>
-            </a:r>
-            <a:endParaRPr dirty="0"/>
-          </a:p>
-        </p:txBody>
-      </p:sp>
-      <p:sp>
-        <p:nvSpPr>
-          <p:cNvPr id="7" name="Titel 6"/>
-          <p:cNvSpPr>
-            <a:spLocks noGrp="1"/>
-          </p:cNvSpPr>
-          <p:nvPr>
-            <p:ph type="title"/>
-          </p:nvPr>
-        </p:nvSpPr>
-        <p:spPr/>
-        <p:txBody>
-          <a:bodyPr/>
-          <a:lstStyle/>
-          <a:p>
-            <a:pPr>
-              <a:lnSpc>
-                <a:spcPct val="114000"/>
-              </a:lnSpc>
-            </a:pPr>
-            <a:r>
-              <a:rPr lang="en-US" dirty="0"/>
-              <a:t>Final Presentation of Advanced Seminar</a:t>
-            </a:r>
-          </a:p>
-        </p:txBody>
-      </p:sp>
-    </p:spTree>
-    <p:extLst>
-      <p:ext uri="{BB962C8B-B14F-4D97-AF65-F5344CB8AC3E}">
-        <p14:creationId xmlns:p14="http://schemas.microsoft.com/office/powerpoint/2010/main" val="2086259993"/>
-      </p:ext>
-    </p:extLst>
-  </p:cSld>
-  <p:clrMapOvr>
-    <a:masterClrMapping/>
-  </p:clrMapOvr>
-</p:sld>
-</file>
-
-<file path=ppt/slides/slide20.xml><?xml version="1.0" encoding="utf-8"?>
+<file path=ppt/slides/slide19.xml><?xml version="1.0" encoding="utf-8"?>
 <p:sld xmlns:a="http://schemas.openxmlformats.org/drawingml/2006/main" xmlns:r="http://schemas.openxmlformats.org/officeDocument/2006/relationships" xmlns:p="http://schemas.openxmlformats.org/presentationml/2006/main">
   <p:cSld>
     <p:spTree>
@@ -31999,7 +31958,7 @@
             <a:fld id="{CE58CB1E-F828-4F11-99E0-327109AF9DA4}" type="slidenum">
               <a:rPr lang="de-DE" smtClean="0"/>
               <a:pPr/>
-              <a:t>20</a:t>
+              <a:t>19</a:t>
             </a:fld>
             <a:endParaRPr lang="de-DE" dirty="0"/>
           </a:p>
@@ -32422,7 +32381,176 @@
 </p:sld>
 </file>
 
-<file path=ppt/slides/slide21.xml><?xml version="1.0" encoding="utf-8"?>
+<file path=ppt/slides/slide2.xml><?xml version="1.0" encoding="utf-8"?>
+<p:sld xmlns:a="http://schemas.openxmlformats.org/drawingml/2006/main" xmlns:r="http://schemas.openxmlformats.org/officeDocument/2006/relationships" xmlns:p="http://schemas.openxmlformats.org/presentationml/2006/main">
+  <p:cSld>
+    <p:spTree>
+      <p:nvGrpSpPr>
+        <p:cNvPr id="1" name=""/>
+        <p:cNvGrpSpPr/>
+        <p:nvPr/>
+      </p:nvGrpSpPr>
+      <p:grpSpPr>
+        <a:xfrm>
+          <a:off x="0" y="0"/>
+          <a:ext cx="0" cy="0"/>
+          <a:chOff x="0" y="0"/>
+          <a:chExt cx="0" cy="0"/>
+        </a:xfrm>
+      </p:grpSpPr>
+      <p:pic>
+        <p:nvPicPr>
+          <p:cNvPr id="4" name="Bild 4" descr="TUM_Glockenturm.tif">
+            <a:extLst>
+              <a:ext uri="{FF2B5EF4-FFF2-40B4-BE49-F238E27FC236}">
+                <a16:creationId xmlns:a16="http://schemas.microsoft.com/office/drawing/2014/main" id="{6E1B4B54-6271-48C4-BF68-95E6A46C9AA9}"/>
+              </a:ext>
+            </a:extLst>
+          </p:cNvPr>
+          <p:cNvPicPr>
+            <a:picLocks noChangeAspect="1"/>
+          </p:cNvPicPr>
+          <p:nvPr/>
+        </p:nvPicPr>
+        <p:blipFill>
+          <a:blip r:embed="rId2"/>
+          <a:stretch>
+            <a:fillRect/>
+          </a:stretch>
+        </p:blipFill>
+        <p:spPr>
+          <a:xfrm>
+            <a:off x="4927101" y="3051360"/>
+            <a:ext cx="3892489" cy="3397419"/>
+          </a:xfrm>
+          <a:prstGeom prst="rect">
+            <a:avLst/>
+          </a:prstGeom>
+        </p:spPr>
+      </p:pic>
+      <p:sp>
+        <p:nvSpPr>
+          <p:cNvPr id="9" name="Inhaltsplatzhalter 2">
+            <a:extLst>
+              <a:ext uri="{FF2B5EF4-FFF2-40B4-BE49-F238E27FC236}">
+                <a16:creationId xmlns:a16="http://schemas.microsoft.com/office/drawing/2014/main" id="{7EC2C0AF-CED8-47C6-94F8-41D6EFFAB6EF}"/>
+              </a:ext>
+            </a:extLst>
+          </p:cNvPr>
+          <p:cNvSpPr>
+            <a:spLocks noGrp="1"/>
+          </p:cNvSpPr>
+          <p:nvPr>
+            <p:ph idx="10"/>
+          </p:nvPr>
+        </p:nvSpPr>
+        <p:spPr/>
+        <p:txBody>
+          <a:bodyPr/>
+          <a:lstStyle/>
+          <a:p>
+            <a:r>
+              <a:rPr lang="de-DE" dirty="0"/>
+              <a:t>Hannes Bohnengel</a:t>
+            </a:r>
+          </a:p>
+          <a:p>
+            <a:r>
+              <a:rPr lang="en-US" dirty="0"/>
+              <a:t>Technical</a:t>
+            </a:r>
+            <a:r>
+              <a:rPr lang="de-DE" dirty="0"/>
+              <a:t> </a:t>
+            </a:r>
+            <a:r>
+              <a:rPr lang="en-US" dirty="0"/>
+              <a:t>University</a:t>
+            </a:r>
+            <a:r>
+              <a:rPr lang="de-DE" dirty="0"/>
+              <a:t> </a:t>
+            </a:r>
+            <a:r>
+              <a:rPr lang="de-DE" dirty="0" err="1"/>
+              <a:t>of</a:t>
+            </a:r>
+            <a:r>
+              <a:rPr lang="de-DE" dirty="0"/>
+              <a:t> Munich</a:t>
+            </a:r>
+          </a:p>
+          <a:p>
+            <a:r>
+              <a:rPr lang="en-US" dirty="0"/>
+              <a:t>TUM Department of Electrical and Computer Engineering</a:t>
+            </a:r>
+          </a:p>
+          <a:p>
+            <a:r>
+              <a:rPr lang="en-US" dirty="0"/>
+              <a:t>Chair of Real-Time Computer Systems</a:t>
+            </a:r>
+            <a:endParaRPr lang="de-DE" dirty="0"/>
+          </a:p>
+          <a:p>
+            <a:r>
+              <a:rPr lang="de-DE" dirty="0"/>
+              <a:t>Munich, 21 </a:t>
+            </a:r>
+            <a:r>
+              <a:rPr lang="de-DE" dirty="0" err="1"/>
+              <a:t>July</a:t>
+            </a:r>
+            <a:r>
+              <a:rPr lang="de-DE" dirty="0"/>
+              <a:t> 2017</a:t>
+            </a:r>
+            <a:endParaRPr dirty="0"/>
+          </a:p>
+        </p:txBody>
+      </p:sp>
+      <p:sp>
+        <p:nvSpPr>
+          <p:cNvPr id="7" name="Titel 6"/>
+          <p:cNvSpPr>
+            <a:spLocks noGrp="1"/>
+          </p:cNvSpPr>
+          <p:nvPr>
+            <p:ph type="title"/>
+          </p:nvPr>
+        </p:nvSpPr>
+        <p:spPr/>
+        <p:txBody>
+          <a:bodyPr/>
+          <a:lstStyle/>
+          <a:p>
+            <a:pPr>
+              <a:lnSpc>
+                <a:spcPct val="114000"/>
+              </a:lnSpc>
+            </a:pPr>
+            <a:r>
+              <a:rPr lang="en-US" dirty="0"/>
+              <a:t>Final Presentation of Advanced Seminar</a:t>
+            </a:r>
+          </a:p>
+        </p:txBody>
+      </p:sp>
+    </p:spTree>
+    <p:extLst>
+      <p:ext uri="{BB962C8B-B14F-4D97-AF65-F5344CB8AC3E}">
+        <p14:creationId xmlns:p14="http://schemas.microsoft.com/office/powerpoint/2010/main" val="2086259993"/>
+      </p:ext>
+    </p:extLst>
+  </p:cSld>
+  <p:clrMapOvr>
+    <a:masterClrMapping/>
+  </p:clrMapOvr>
+</p:sld>
+</file>
+
+<file path=ppt/slides/slide20.xml><?xml version="1.0" encoding="utf-8"?>
 <p:sld xmlns:a="http://schemas.openxmlformats.org/drawingml/2006/main" xmlns:r="http://schemas.openxmlformats.org/officeDocument/2006/relationships" xmlns:p="http://schemas.openxmlformats.org/presentationml/2006/main">
   <p:cSld>
     <p:spTree>
@@ -32463,7 +32591,7 @@
             <a:fld id="{CE58CB1E-F828-4F11-99E0-327109AF9DA4}" type="slidenum">
               <a:rPr lang="de-DE" smtClean="0"/>
               <a:pPr/>
-              <a:t>21</a:t>
+              <a:t>20</a:t>
             </a:fld>
             <a:endParaRPr lang="de-DE" dirty="0"/>
           </a:p>
@@ -33010,10 +33138,132 @@
           </a:p>
         </p:txBody>
       </p:sp>
+      <p:sp>
+        <p:nvSpPr>
+          <p:cNvPr id="2" name="Rechteck 1">
+            <a:extLst>
+              <a:ext uri="{FF2B5EF4-FFF2-40B4-BE49-F238E27FC236}">
+                <a16:creationId xmlns:a16="http://schemas.microsoft.com/office/drawing/2014/main" id="{F2388872-BFE8-4C1E-B775-C7032C51FA69}"/>
+              </a:ext>
+            </a:extLst>
+          </p:cNvPr>
+          <p:cNvSpPr/>
+          <p:nvPr/>
+        </p:nvSpPr>
+        <p:spPr>
+          <a:xfrm>
+            <a:off x="8884000" y="1002551"/>
+            <a:ext cx="223736" cy="204281"/>
+          </a:xfrm>
+          <a:prstGeom prst="rect">
+            <a:avLst/>
+          </a:prstGeom>
+          <a:solidFill>
+            <a:srgbClr val="FFFFFF"/>
+          </a:solidFill>
+          <a:ln>
+            <a:noFill/>
+          </a:ln>
+        </p:spPr>
+        <p:style>
+          <a:lnRef idx="2">
+            <a:schemeClr val="accent1">
+              <a:shade val="50000"/>
+            </a:schemeClr>
+          </a:lnRef>
+          <a:fillRef idx="1">
+            <a:schemeClr val="accent1"/>
+          </a:fillRef>
+          <a:effectRef idx="0">
+            <a:schemeClr val="accent1"/>
+          </a:effectRef>
+          <a:fontRef idx="minor">
+            <a:schemeClr val="lt1"/>
+          </a:fontRef>
+        </p:style>
+        <p:txBody>
+          <a:bodyPr rot="0" spcFirstLastPara="0" vertOverflow="overflow" horzOverflow="overflow" vert="horz" wrap="square" lIns="91440" tIns="45720" rIns="91440" bIns="45720" numCol="1" spcCol="0" rtlCol="0" fromWordArt="0" anchor="t" anchorCtr="0" forceAA="0" compatLnSpc="1">
+            <a:prstTxWarp prst="textNoShape">
+              <a:avLst/>
+            </a:prstTxWarp>
+            <a:noAutofit/>
+          </a:bodyPr>
+          <a:lstStyle/>
+          <a:p>
+            <a:pPr algn="ctr">
+              <a:lnSpc>
+                <a:spcPct val="114000"/>
+              </a:lnSpc>
+            </a:pPr>
+            <a:endParaRPr lang="en-US" dirty="0"/>
+          </a:p>
+        </p:txBody>
+      </p:sp>
+      <p:sp>
+        <p:nvSpPr>
+          <p:cNvPr id="10" name="Rechteck 9">
+            <a:extLst>
+              <a:ext uri="{FF2B5EF4-FFF2-40B4-BE49-F238E27FC236}">
+                <a16:creationId xmlns:a16="http://schemas.microsoft.com/office/drawing/2014/main" id="{F7386CE5-1323-4C70-A567-AABCC842086D}"/>
+              </a:ext>
+            </a:extLst>
+          </p:cNvPr>
+          <p:cNvSpPr/>
+          <p:nvPr/>
+        </p:nvSpPr>
+        <p:spPr>
+          <a:xfrm>
+            <a:off x="8884000" y="1348856"/>
+            <a:ext cx="223736" cy="204281"/>
+          </a:xfrm>
+          <a:prstGeom prst="rect">
+            <a:avLst/>
+          </a:prstGeom>
+          <a:solidFill>
+            <a:srgbClr val="FFFFFF"/>
+          </a:solidFill>
+          <a:ln>
+            <a:noFill/>
+          </a:ln>
+        </p:spPr>
+        <p:style>
+          <a:lnRef idx="2">
+            <a:schemeClr val="accent1">
+              <a:shade val="50000"/>
+            </a:schemeClr>
+          </a:lnRef>
+          <a:fillRef idx="1">
+            <a:schemeClr val="accent1"/>
+          </a:fillRef>
+          <a:effectRef idx="0">
+            <a:schemeClr val="accent1"/>
+          </a:effectRef>
+          <a:fontRef idx="minor">
+            <a:schemeClr val="lt1"/>
+          </a:fontRef>
+        </p:style>
+        <p:txBody>
+          <a:bodyPr rot="0" spcFirstLastPara="0" vertOverflow="overflow" horzOverflow="overflow" vert="horz" wrap="square" lIns="91440" tIns="45720" rIns="91440" bIns="45720" numCol="1" spcCol="0" rtlCol="0" fromWordArt="0" anchor="t" anchorCtr="0" forceAA="0" compatLnSpc="1">
+            <a:prstTxWarp prst="textNoShape">
+              <a:avLst/>
+            </a:prstTxWarp>
+            <a:noAutofit/>
+          </a:bodyPr>
+          <a:lstStyle/>
+          <a:p>
+            <a:pPr algn="ctr">
+              <a:lnSpc>
+                <a:spcPct val="114000"/>
+              </a:lnSpc>
+            </a:pPr>
+            <a:endParaRPr lang="en-US" dirty="0"/>
+          </a:p>
+        </p:txBody>
+      </p:sp>
     </p:spTree>
     <p:extLst>
       <p:ext uri="{BB962C8B-B14F-4D97-AF65-F5344CB8AC3E}">
-        <p14:creationId xmlns:p14="http://schemas.microsoft.com/office/powerpoint/2010/main" val="1631079468"/>
+        <p14:creationId xmlns:p14="http://schemas.microsoft.com/office/powerpoint/2010/main" val="1379897106"/>
       </p:ext>
     </p:extLst>
   </p:cSld>
@@ -33374,7 +33624,7 @@
                             </p:stCondLst>
                             <p:childTnLst>
                               <p:par>
-                                <p:cTn id="29" presetID="1" presetClass="entr" presetSubtype="0" fill="hold" nodeType="clickEffect">
+                                <p:cTn id="29" presetID="1" presetClass="entr" presetSubtype="0" fill="hold" grpId="0" nodeType="clickEffect">
                                   <p:stCondLst>
                                     <p:cond delay="0"/>
                                   </p:stCondLst>
@@ -33382,6 +33632,96 @@
                                     <p:set>
                                       <p:cBhvr>
                                         <p:cTn id="30" dur="1" fill="hold">
+                                          <p:stCondLst>
+                                            <p:cond delay="0"/>
+                                          </p:stCondLst>
+                                        </p:cTn>
+                                        <p:tgtEl>
+                                          <p:spTgt spid="2"/>
+                                        </p:tgtEl>
+                                        <p:attrNameLst>
+                                          <p:attrName>style.visibility</p:attrName>
+                                        </p:attrNameLst>
+                                      </p:cBhvr>
+                                      <p:to>
+                                        <p:strVal val="visible"/>
+                                      </p:to>
+                                    </p:set>
+                                  </p:childTnLst>
+                                </p:cTn>
+                              </p:par>
+                            </p:childTnLst>
+                          </p:cTn>
+                        </p:par>
+                      </p:childTnLst>
+                    </p:cTn>
+                  </p:par>
+                  <p:par>
+                    <p:cTn id="31" fill="hold">
+                      <p:stCondLst>
+                        <p:cond delay="indefinite"/>
+                      </p:stCondLst>
+                      <p:childTnLst>
+                        <p:par>
+                          <p:cTn id="32" fill="hold">
+                            <p:stCondLst>
+                              <p:cond delay="0"/>
+                            </p:stCondLst>
+                            <p:childTnLst>
+                              <p:par>
+                                <p:cTn id="33" presetID="1" presetClass="entr" presetSubtype="0" fill="hold" grpId="0" nodeType="clickEffect">
+                                  <p:stCondLst>
+                                    <p:cond delay="0"/>
+                                  </p:stCondLst>
+                                  <p:childTnLst>
+                                    <p:set>
+                                      <p:cBhvr>
+                                        <p:cTn id="34" dur="1" fill="hold">
+                                          <p:stCondLst>
+                                            <p:cond delay="0"/>
+                                          </p:stCondLst>
+                                        </p:cTn>
+                                        <p:tgtEl>
+                                          <p:spTgt spid="10"/>
+                                        </p:tgtEl>
+                                        <p:attrNameLst>
+                                          <p:attrName>style.visibility</p:attrName>
+                                        </p:attrNameLst>
+                                      </p:cBhvr>
+                                      <p:to>
+                                        <p:strVal val="visible"/>
+                                      </p:to>
+                                    </p:set>
+                                  </p:childTnLst>
+                                </p:cTn>
+                              </p:par>
+                            </p:childTnLst>
+                          </p:cTn>
+                        </p:par>
+                      </p:childTnLst>
+                    </p:cTn>
+                  </p:par>
+                  <p:par>
+                    <p:cTn id="35" fill="hold">
+                      <p:stCondLst>
+                        <p:cond delay="indefinite"/>
+                      </p:stCondLst>
+                      <p:childTnLst>
+                        <p:par>
+                          <p:cTn id="36" fill="hold">
+                            <p:stCondLst>
+                              <p:cond delay="0"/>
+                            </p:stCondLst>
+                            <p:childTnLst>
+                              <p:par>
+                                <p:cTn id="37" presetID="1" presetClass="entr" presetSubtype="0" fill="hold" nodeType="clickEffect">
+                                  <p:stCondLst>
+                                    <p:cond delay="0"/>
+                                  </p:stCondLst>
+                                  <p:childTnLst>
+                                    <p:set>
+                                      <p:cBhvr>
+                                        <p:cTn id="38" dur="1" fill="hold">
                                           <p:stCondLst>
                                             <p:cond delay="0"/>
                                           </p:stCondLst>
@@ -33401,14 +33741,14 @@
                                 </p:cTn>
                               </p:par>
                               <p:par>
-                                <p:cTn id="31" presetID="1" presetClass="entr" presetSubtype="0" fill="hold" grpId="0" nodeType="withEffect">
+                                <p:cTn id="39" presetID="1" presetClass="entr" presetSubtype="0" fill="hold" grpId="0" nodeType="withEffect">
                                   <p:stCondLst>
                                     <p:cond delay="0"/>
                                   </p:stCondLst>
                                   <p:childTnLst>
                                     <p:set>
                                       <p:cBhvr>
-                                        <p:cTn id="32" dur="1" fill="hold">
+                                        <p:cTn id="40" dur="1" fill="hold">
                                           <p:stCondLst>
                                             <p:cond delay="0"/>
                                           </p:stCondLst>
@@ -33428,14 +33768,14 @@
                                 </p:cTn>
                               </p:par>
                               <p:par>
-                                <p:cTn id="33" presetID="1" presetClass="mediacall" presetSubtype="0" fill="hold" nodeType="withEffect">
+                                <p:cTn id="41" presetID="1" presetClass="mediacall" presetSubtype="0" fill="hold" nodeType="withEffect">
                                   <p:stCondLst>
                                     <p:cond delay="0"/>
                                   </p:stCondLst>
                                   <p:childTnLst>
                                     <p:cmd type="call" cmd="playFrom(0.0)">
                                       <p:cBhvr>
-                                        <p:cTn id="34" dur="7896" fill="hold"/>
+                                        <p:cTn id="42" dur="7896" fill="hold"/>
                                         <p:tgtEl>
                                           <p:spTgt spid="8"/>
                                         </p:tgtEl>
@@ -33469,7 +33809,7 @@
             </p:seq>
             <p:audio>
               <p:cMediaNode vol="80000">
-                <p:cTn id="35" fill="hold" display="0">
+                <p:cTn id="43" fill="hold" display="0">
                   <p:stCondLst>
                     <p:cond delay="indefinite"/>
                   </p:stCondLst>
@@ -33493,6 +33833,757 @@
     <p:bldLst>
       <p:bldP spid="6" grpId="0" uiExpand="1" build="p"/>
       <p:bldP spid="9" grpId="0"/>
+      <p:bldP spid="2" grpId="0" animBg="1"/>
+      <p:bldP spid="10" grpId="0" animBg="1"/>
+    </p:bldLst>
+  </p:timing>
+</p:sld>
+</file>
+
+<file path=ppt/slides/slide21.xml><?xml version="1.0" encoding="utf-8"?>
+<p:sld xmlns:a="http://schemas.openxmlformats.org/drawingml/2006/main" xmlns:r="http://schemas.openxmlformats.org/officeDocument/2006/relationships" xmlns:p="http://schemas.openxmlformats.org/presentationml/2006/main" show="0">
+  <p:cSld>
+    <p:spTree>
+      <p:nvGrpSpPr>
+        <p:cNvPr id="1" name=""/>
+        <p:cNvGrpSpPr/>
+        <p:nvPr/>
+      </p:nvGrpSpPr>
+      <p:grpSpPr>
+        <a:xfrm>
+          <a:off x="0" y="0"/>
+          <a:ext cx="0" cy="0"/>
+          <a:chOff x="0" y="0"/>
+          <a:chExt cx="0" cy="0"/>
+        </a:xfrm>
+      </p:grpSpPr>
+      <p:grpSp>
+        <p:nvGrpSpPr>
+          <p:cNvPr id="7" name="Gruppieren 6">
+            <a:extLst>
+              <a:ext uri="{FF2B5EF4-FFF2-40B4-BE49-F238E27FC236}">
+                <a16:creationId xmlns:a16="http://schemas.microsoft.com/office/drawing/2014/main" id="{D7638658-2B0A-4A6B-A00E-2387DF2815D6}"/>
+              </a:ext>
+            </a:extLst>
+          </p:cNvPr>
+          <p:cNvGrpSpPr/>
+          <p:nvPr/>
+        </p:nvGrpSpPr>
+        <p:grpSpPr>
+          <a:xfrm>
+            <a:off x="5394399" y="3236382"/>
+            <a:ext cx="3432534" cy="2132120"/>
+            <a:chOff x="2338362" y="3359021"/>
+            <a:chExt cx="4280637" cy="2578720"/>
+          </a:xfrm>
+        </p:grpSpPr>
+        <p:pic>
+          <p:nvPicPr>
+            <p:cNvPr id="5" name="Grafik 4">
+              <a:extLst>
+                <a:ext uri="{FF2B5EF4-FFF2-40B4-BE49-F238E27FC236}">
+                  <a16:creationId xmlns:a16="http://schemas.microsoft.com/office/drawing/2014/main" id="{FFA3371F-A3DD-4B83-BE1F-244021C667E5}"/>
+                </a:ext>
+              </a:extLst>
+            </p:cNvPr>
+            <p:cNvPicPr>
+              <a:picLocks noChangeAspect="1"/>
+            </p:cNvPicPr>
+            <p:nvPr/>
+          </p:nvPicPr>
+          <p:blipFill>
+            <a:blip r:embed="rId3"/>
+            <a:stretch>
+              <a:fillRect/>
+            </a:stretch>
+          </p:blipFill>
+          <p:spPr>
+            <a:xfrm>
+              <a:off x="2338362" y="3359021"/>
+              <a:ext cx="4280637" cy="2420228"/>
+            </a:xfrm>
+            <a:prstGeom prst="rect">
+              <a:avLst/>
+            </a:prstGeom>
+          </p:spPr>
+        </p:pic>
+        <p:sp>
+          <p:nvSpPr>
+            <p:cNvPr id="6" name="Textfeld 5">
+              <a:extLst>
+                <a:ext uri="{FF2B5EF4-FFF2-40B4-BE49-F238E27FC236}">
+                  <a16:creationId xmlns:a16="http://schemas.microsoft.com/office/drawing/2014/main" id="{12B24E00-434E-4320-BAF4-0E00911F0127}"/>
+                </a:ext>
+              </a:extLst>
+            </p:cNvPr>
+            <p:cNvSpPr txBox="1"/>
+            <p:nvPr/>
+          </p:nvSpPr>
+          <p:spPr>
+            <a:xfrm>
+              <a:off x="3498205" y="5779249"/>
+              <a:ext cx="1960949" cy="158492"/>
+            </a:xfrm>
+            <a:prstGeom prst="rect">
+              <a:avLst/>
+            </a:prstGeom>
+            <a:noFill/>
+          </p:spPr>
+          <p:txBody>
+            <a:bodyPr wrap="square" lIns="0" tIns="0" rIns="0" bIns="0" rtlCol="0">
+              <a:spAutoFit/>
+            </a:bodyPr>
+            <a:lstStyle/>
+            <a:p>
+              <a:pPr algn="ctr">
+                <a:lnSpc>
+                  <a:spcPct val="114000"/>
+                </a:lnSpc>
+              </a:pPr>
+              <a:r>
+                <a:rPr lang="de-DE" sz="800" dirty="0">
+                  <a:latin typeface="+mn-lt"/>
+                </a:rPr>
+                <a:t>Source: Own </a:t>
+              </a:r>
+              <a:r>
+                <a:rPr lang="en-US" sz="800" dirty="0">
+                  <a:latin typeface="+mn-lt"/>
+                </a:rPr>
+                <a:t>visualization</a:t>
+              </a:r>
+            </a:p>
+          </p:txBody>
+        </p:sp>
+      </p:grpSp>
+      <p:sp>
+        <p:nvSpPr>
+          <p:cNvPr id="2" name="Inhaltsplatzhalter 1">
+            <a:extLst>
+              <a:ext uri="{FF2B5EF4-FFF2-40B4-BE49-F238E27FC236}">
+                <a16:creationId xmlns:a16="http://schemas.microsoft.com/office/drawing/2014/main" id="{9E155CC3-A3A3-424A-A0B1-35DDE766D720}"/>
+              </a:ext>
+            </a:extLst>
+          </p:cNvPr>
+          <p:cNvSpPr>
+            <a:spLocks noGrp="1"/>
+          </p:cNvSpPr>
+          <p:nvPr>
+            <p:ph idx="10"/>
+          </p:nvPr>
+        </p:nvSpPr>
+        <p:spPr>
+          <a:xfrm>
+            <a:off x="319088" y="1323117"/>
+            <a:ext cx="8508999" cy="4321903"/>
+          </a:xfrm>
+        </p:spPr>
+        <p:txBody>
+          <a:bodyPr/>
+          <a:lstStyle/>
+          <a:p>
+            <a:pPr>
+              <a:lnSpc>
+                <a:spcPct val="200000"/>
+              </a:lnSpc>
+            </a:pPr>
+            <a:r>
+              <a:rPr lang="en-US" sz="2000" b="1" dirty="0"/>
+              <a:t>Class of  machine learning techniques </a:t>
+            </a:r>
+          </a:p>
+          <a:p>
+            <a:pPr>
+              <a:lnSpc>
+                <a:spcPct val="200000"/>
+              </a:lnSpc>
+            </a:pPr>
+            <a:r>
+              <a:rPr lang="en-US" sz="2000" dirty="0">
+                <a:sym typeface="Wingdings" panose="05000000000000000000" pitchFamily="2" charset="2"/>
+              </a:rPr>
+              <a:t> </a:t>
+            </a:r>
+            <a:r>
+              <a:rPr lang="de-DE" sz="2000" dirty="0"/>
+              <a:t>E</a:t>
+            </a:r>
+            <a:r>
+              <a:rPr lang="en-US" sz="2000" dirty="0"/>
+              <a:t>merged in the last decade due to increasing processing abilities</a:t>
+            </a:r>
+          </a:p>
+          <a:p>
+            <a:pPr>
+              <a:lnSpc>
+                <a:spcPct val="200000"/>
+              </a:lnSpc>
+              <a:spcBef>
+                <a:spcPts val="600"/>
+              </a:spcBef>
+            </a:pPr>
+            <a:r>
+              <a:rPr lang="en-US" sz="2000" b="1" dirty="0"/>
+              <a:t>Advantages:</a:t>
+            </a:r>
+          </a:p>
+          <a:p>
+            <a:pPr marL="461963" lvl="1" indent="-285750">
+              <a:lnSpc>
+                <a:spcPct val="150000"/>
+              </a:lnSpc>
+              <a:buFont typeface="Arial" panose="020B0604020202020204" pitchFamily="34" charset="0"/>
+              <a:buChar char="•"/>
+            </a:pPr>
+            <a:r>
+              <a:rPr lang="en-US" sz="2000" dirty="0"/>
+              <a:t>Outperforms shallow networks</a:t>
+            </a:r>
+          </a:p>
+          <a:p>
+            <a:pPr marL="461963" lvl="1" indent="-285750">
+              <a:lnSpc>
+                <a:spcPct val="150000"/>
+              </a:lnSpc>
+              <a:buFont typeface="Arial" panose="020B0604020202020204" pitchFamily="34" charset="0"/>
+              <a:buChar char="•"/>
+            </a:pPr>
+            <a:r>
+              <a:rPr lang="en-US" sz="2000" dirty="0"/>
+              <a:t>Hierarchical structure</a:t>
+            </a:r>
+          </a:p>
+          <a:p>
+            <a:pPr lvl="1" indent="0">
+              <a:buNone/>
+            </a:pPr>
+            <a:endParaRPr lang="de-DE" sz="2000" dirty="0"/>
+          </a:p>
+          <a:p>
+            <a:pPr marL="0" lvl="1" indent="0">
+              <a:buNone/>
+              <a:tabLst>
+                <a:tab pos="273050" algn="l"/>
+              </a:tabLst>
+            </a:pPr>
+            <a:r>
+              <a:rPr lang="en-US" sz="2000" b="1" dirty="0"/>
+              <a:t>Drawbacks</a:t>
+            </a:r>
+            <a:r>
+              <a:rPr lang="de-DE" sz="2000" b="1" dirty="0"/>
+              <a:t>:</a:t>
+            </a:r>
+          </a:p>
+          <a:p>
+            <a:pPr marL="461963" lvl="1" indent="-285750">
+              <a:lnSpc>
+                <a:spcPct val="150000"/>
+              </a:lnSpc>
+              <a:buFont typeface="Arial" panose="020B0604020202020204" pitchFamily="34" charset="0"/>
+              <a:buChar char="•"/>
+            </a:pPr>
+            <a:r>
+              <a:rPr lang="en-US" sz="2000" dirty="0">
+                <a:solidFill>
+                  <a:prstClr val="black"/>
+                </a:solidFill>
+              </a:rPr>
+              <a:t>Large amount of training data required</a:t>
+            </a:r>
+          </a:p>
+          <a:p>
+            <a:pPr marL="461963" lvl="1" indent="-285750">
+              <a:lnSpc>
+                <a:spcPct val="150000"/>
+              </a:lnSpc>
+              <a:buFont typeface="Arial" panose="020B0604020202020204" pitchFamily="34" charset="0"/>
+              <a:buChar char="•"/>
+            </a:pPr>
+            <a:r>
+              <a:rPr lang="en-US" sz="2000" dirty="0">
+                <a:solidFill>
+                  <a:prstClr val="black"/>
+                </a:solidFill>
+              </a:rPr>
+              <a:t>Computational effort for training</a:t>
+            </a:r>
+          </a:p>
+          <a:p>
+            <a:pPr marL="0" lvl="1" indent="0">
+              <a:buNone/>
+              <a:tabLst>
+                <a:tab pos="273050" algn="l"/>
+              </a:tabLst>
+            </a:pPr>
+            <a:endParaRPr lang="de-DE" sz="2000" dirty="0"/>
+          </a:p>
+        </p:txBody>
+      </p:sp>
+      <p:sp>
+        <p:nvSpPr>
+          <p:cNvPr id="3" name="Foliennummernplatzhalter 2">
+            <a:extLst>
+              <a:ext uri="{FF2B5EF4-FFF2-40B4-BE49-F238E27FC236}">
+                <a16:creationId xmlns:a16="http://schemas.microsoft.com/office/drawing/2014/main" id="{869E7094-0177-42E9-940D-10B471AC788E}"/>
+              </a:ext>
+            </a:extLst>
+          </p:cNvPr>
+          <p:cNvSpPr>
+            <a:spLocks noGrp="1"/>
+          </p:cNvSpPr>
+          <p:nvPr>
+            <p:ph type="sldNum" sz="quarter" idx="11"/>
+          </p:nvPr>
+        </p:nvSpPr>
+        <p:spPr/>
+        <p:txBody>
+          <a:bodyPr/>
+          <a:lstStyle/>
+          <a:p>
+            <a:fld id="{CE58CB1E-F828-4F11-99E0-327109AF9DA4}" type="slidenum">
+              <a:rPr lang="de-DE" smtClean="0"/>
+              <a:pPr/>
+              <a:t>21</a:t>
+            </a:fld>
+            <a:endParaRPr lang="de-DE" dirty="0"/>
+          </a:p>
+        </p:txBody>
+      </p:sp>
+      <p:sp>
+        <p:nvSpPr>
+          <p:cNvPr id="4" name="Titel 3">
+            <a:extLst>
+              <a:ext uri="{FF2B5EF4-FFF2-40B4-BE49-F238E27FC236}">
+                <a16:creationId xmlns:a16="http://schemas.microsoft.com/office/drawing/2014/main" id="{3C3F73EB-81DB-4918-9886-4DAB18F4DD28}"/>
+              </a:ext>
+            </a:extLst>
+          </p:cNvPr>
+          <p:cNvSpPr>
+            <a:spLocks noGrp="1"/>
+          </p:cNvSpPr>
+          <p:nvPr>
+            <p:ph type="title"/>
+          </p:nvPr>
+        </p:nvSpPr>
+        <p:spPr/>
+        <p:txBody>
+          <a:bodyPr/>
+          <a:lstStyle/>
+          <a:p>
+            <a:r>
+              <a:rPr lang="en-US" dirty="0"/>
+              <a:t>Basics of Deep Learning</a:t>
+            </a:r>
+          </a:p>
+        </p:txBody>
+      </p:sp>
+    </p:spTree>
+    <p:extLst>
+      <p:ext uri="{BB962C8B-B14F-4D97-AF65-F5344CB8AC3E}">
+        <p14:creationId xmlns:p14="http://schemas.microsoft.com/office/powerpoint/2010/main" val="461566024"/>
+      </p:ext>
+    </p:extLst>
+  </p:cSld>
+  <p:clrMapOvr>
+    <a:masterClrMapping/>
+  </p:clrMapOvr>
+  <p:timing>
+    <p:tnLst>
+      <p:par>
+        <p:cTn id="1" dur="indefinite" restart="never" nodeType="tmRoot">
+          <p:childTnLst>
+            <p:seq concurrent="1" nextAc="seek">
+              <p:cTn id="2" dur="indefinite" nodeType="mainSeq">
+                <p:childTnLst>
+                  <p:par>
+                    <p:cTn id="3" fill="hold">
+                      <p:stCondLst>
+                        <p:cond delay="indefinite"/>
+                      </p:stCondLst>
+                      <p:childTnLst>
+                        <p:par>
+                          <p:cTn id="4" fill="hold">
+                            <p:stCondLst>
+                              <p:cond delay="0"/>
+                            </p:stCondLst>
+                            <p:childTnLst>
+                              <p:par>
+                                <p:cTn id="5" presetID="1" presetClass="entr" presetSubtype="0" fill="hold" grpId="0" nodeType="clickEffect">
+                                  <p:stCondLst>
+                                    <p:cond delay="0"/>
+                                  </p:stCondLst>
+                                  <p:childTnLst>
+                                    <p:set>
+                                      <p:cBhvr>
+                                        <p:cTn id="6" dur="1" fill="hold">
+                                          <p:stCondLst>
+                                            <p:cond delay="0"/>
+                                          </p:stCondLst>
+                                        </p:cTn>
+                                        <p:tgtEl>
+                                          <p:spTgt spid="2">
+                                            <p:txEl>
+                                              <p:pRg st="0" end="0"/>
+                                            </p:txEl>
+                                          </p:spTgt>
+                                        </p:tgtEl>
+                                        <p:attrNameLst>
+                                          <p:attrName>style.visibility</p:attrName>
+                                        </p:attrNameLst>
+                                      </p:cBhvr>
+                                      <p:to>
+                                        <p:strVal val="visible"/>
+                                      </p:to>
+                                    </p:set>
+                                  </p:childTnLst>
+                                </p:cTn>
+                              </p:par>
+                            </p:childTnLst>
+                          </p:cTn>
+                        </p:par>
+                      </p:childTnLst>
+                    </p:cTn>
+                  </p:par>
+                  <p:par>
+                    <p:cTn id="7" fill="hold">
+                      <p:stCondLst>
+                        <p:cond delay="indefinite"/>
+                      </p:stCondLst>
+                      <p:childTnLst>
+                        <p:par>
+                          <p:cTn id="8" fill="hold">
+                            <p:stCondLst>
+                              <p:cond delay="0"/>
+                            </p:stCondLst>
+                            <p:childTnLst>
+                              <p:par>
+                                <p:cTn id="9" presetID="1" presetClass="entr" presetSubtype="0" fill="hold" grpId="0" nodeType="clickEffect">
+                                  <p:stCondLst>
+                                    <p:cond delay="0"/>
+                                  </p:stCondLst>
+                                  <p:childTnLst>
+                                    <p:set>
+                                      <p:cBhvr>
+                                        <p:cTn id="10" dur="1" fill="hold">
+                                          <p:stCondLst>
+                                            <p:cond delay="0"/>
+                                          </p:stCondLst>
+                                        </p:cTn>
+                                        <p:tgtEl>
+                                          <p:spTgt spid="2">
+                                            <p:txEl>
+                                              <p:pRg st="1" end="1"/>
+                                            </p:txEl>
+                                          </p:spTgt>
+                                        </p:tgtEl>
+                                        <p:attrNameLst>
+                                          <p:attrName>style.visibility</p:attrName>
+                                        </p:attrNameLst>
+                                      </p:cBhvr>
+                                      <p:to>
+                                        <p:strVal val="visible"/>
+                                      </p:to>
+                                    </p:set>
+                                  </p:childTnLst>
+                                </p:cTn>
+                              </p:par>
+                            </p:childTnLst>
+                          </p:cTn>
+                        </p:par>
+                      </p:childTnLst>
+                    </p:cTn>
+                  </p:par>
+                  <p:par>
+                    <p:cTn id="11" fill="hold">
+                      <p:stCondLst>
+                        <p:cond delay="indefinite"/>
+                      </p:stCondLst>
+                      <p:childTnLst>
+                        <p:par>
+                          <p:cTn id="12" fill="hold">
+                            <p:stCondLst>
+                              <p:cond delay="0"/>
+                            </p:stCondLst>
+                            <p:childTnLst>
+                              <p:par>
+                                <p:cTn id="13" presetID="1" presetClass="entr" presetSubtype="0" fill="hold" nodeType="clickEffect">
+                                  <p:stCondLst>
+                                    <p:cond delay="0"/>
+                                  </p:stCondLst>
+                                  <p:childTnLst>
+                                    <p:set>
+                                      <p:cBhvr>
+                                        <p:cTn id="14" dur="1" fill="hold">
+                                          <p:stCondLst>
+                                            <p:cond delay="0"/>
+                                          </p:stCondLst>
+                                        </p:cTn>
+                                        <p:tgtEl>
+                                          <p:spTgt spid="7"/>
+                                        </p:tgtEl>
+                                        <p:attrNameLst>
+                                          <p:attrName>style.visibility</p:attrName>
+                                        </p:attrNameLst>
+                                      </p:cBhvr>
+                                      <p:to>
+                                        <p:strVal val="visible"/>
+                                      </p:to>
+                                    </p:set>
+                                  </p:childTnLst>
+                                </p:cTn>
+                              </p:par>
+                            </p:childTnLst>
+                          </p:cTn>
+                        </p:par>
+                      </p:childTnLst>
+                    </p:cTn>
+                  </p:par>
+                  <p:par>
+                    <p:cTn id="15" fill="hold">
+                      <p:stCondLst>
+                        <p:cond delay="indefinite"/>
+                      </p:stCondLst>
+                      <p:childTnLst>
+                        <p:par>
+                          <p:cTn id="16" fill="hold">
+                            <p:stCondLst>
+                              <p:cond delay="0"/>
+                            </p:stCondLst>
+                            <p:childTnLst>
+                              <p:par>
+                                <p:cTn id="17" presetID="1" presetClass="entr" presetSubtype="0" fill="hold" grpId="0" nodeType="clickEffect">
+                                  <p:stCondLst>
+                                    <p:cond delay="0"/>
+                                  </p:stCondLst>
+                                  <p:childTnLst>
+                                    <p:set>
+                                      <p:cBhvr>
+                                        <p:cTn id="18" dur="1" fill="hold">
+                                          <p:stCondLst>
+                                            <p:cond delay="0"/>
+                                          </p:stCondLst>
+                                        </p:cTn>
+                                        <p:tgtEl>
+                                          <p:spTgt spid="2">
+                                            <p:txEl>
+                                              <p:pRg st="2" end="2"/>
+                                            </p:txEl>
+                                          </p:spTgt>
+                                        </p:tgtEl>
+                                        <p:attrNameLst>
+                                          <p:attrName>style.visibility</p:attrName>
+                                        </p:attrNameLst>
+                                      </p:cBhvr>
+                                      <p:to>
+                                        <p:strVal val="visible"/>
+                                      </p:to>
+                                    </p:set>
+                                  </p:childTnLst>
+                                </p:cTn>
+                              </p:par>
+                              <p:par>
+                                <p:cTn id="19" presetID="1" presetClass="entr" presetSubtype="0" fill="hold" grpId="0" nodeType="withEffect">
+                                  <p:stCondLst>
+                                    <p:cond delay="0"/>
+                                  </p:stCondLst>
+                                  <p:childTnLst>
+                                    <p:set>
+                                      <p:cBhvr>
+                                        <p:cTn id="20" dur="1" fill="hold">
+                                          <p:stCondLst>
+                                            <p:cond delay="0"/>
+                                          </p:stCondLst>
+                                        </p:cTn>
+                                        <p:tgtEl>
+                                          <p:spTgt spid="2">
+                                            <p:txEl>
+                                              <p:pRg st="3" end="3"/>
+                                            </p:txEl>
+                                          </p:spTgt>
+                                        </p:tgtEl>
+                                        <p:attrNameLst>
+                                          <p:attrName>style.visibility</p:attrName>
+                                        </p:attrNameLst>
+                                      </p:cBhvr>
+                                      <p:to>
+                                        <p:strVal val="visible"/>
+                                      </p:to>
+                                    </p:set>
+                                  </p:childTnLst>
+                                </p:cTn>
+                              </p:par>
+                              <p:par>
+                                <p:cTn id="21" presetID="1" presetClass="entr" presetSubtype="0" fill="hold" grpId="0" nodeType="withEffect">
+                                  <p:stCondLst>
+                                    <p:cond delay="0"/>
+                                  </p:stCondLst>
+                                  <p:childTnLst>
+                                    <p:set>
+                                      <p:cBhvr>
+                                        <p:cTn id="22" dur="1" fill="hold">
+                                          <p:stCondLst>
+                                            <p:cond delay="0"/>
+                                          </p:stCondLst>
+                                        </p:cTn>
+                                        <p:tgtEl>
+                                          <p:spTgt spid="2">
+                                            <p:txEl>
+                                              <p:pRg st="4" end="4"/>
+                                            </p:txEl>
+                                          </p:spTgt>
+                                        </p:tgtEl>
+                                        <p:attrNameLst>
+                                          <p:attrName>style.visibility</p:attrName>
+                                        </p:attrNameLst>
+                                      </p:cBhvr>
+                                      <p:to>
+                                        <p:strVal val="visible"/>
+                                      </p:to>
+                                    </p:set>
+                                  </p:childTnLst>
+                                </p:cTn>
+                              </p:par>
+                            </p:childTnLst>
+                          </p:cTn>
+                        </p:par>
+                      </p:childTnLst>
+                    </p:cTn>
+                  </p:par>
+                  <p:par>
+                    <p:cTn id="23" fill="hold">
+                      <p:stCondLst>
+                        <p:cond delay="indefinite"/>
+                      </p:stCondLst>
+                      <p:childTnLst>
+                        <p:par>
+                          <p:cTn id="24" fill="hold">
+                            <p:stCondLst>
+                              <p:cond delay="0"/>
+                            </p:stCondLst>
+                            <p:childTnLst>
+                              <p:par>
+                                <p:cTn id="25" presetID="1" presetClass="entr" presetSubtype="0" fill="hold" grpId="0" nodeType="clickEffect">
+                                  <p:stCondLst>
+                                    <p:cond delay="0"/>
+                                  </p:stCondLst>
+                                  <p:childTnLst>
+                                    <p:set>
+                                      <p:cBhvr>
+                                        <p:cTn id="26" dur="1" fill="hold">
+                                          <p:stCondLst>
+                                            <p:cond delay="0"/>
+                                          </p:stCondLst>
+                                        </p:cTn>
+                                        <p:tgtEl>
+                                          <p:spTgt spid="2">
+                                            <p:txEl>
+                                              <p:pRg st="6" end="6"/>
+                                            </p:txEl>
+                                          </p:spTgt>
+                                        </p:tgtEl>
+                                        <p:attrNameLst>
+                                          <p:attrName>style.visibility</p:attrName>
+                                        </p:attrNameLst>
+                                      </p:cBhvr>
+                                      <p:to>
+                                        <p:strVal val="visible"/>
+                                      </p:to>
+                                    </p:set>
+                                  </p:childTnLst>
+                                </p:cTn>
+                              </p:par>
+                              <p:par>
+                                <p:cTn id="27" presetID="1" presetClass="entr" presetSubtype="0" fill="hold" grpId="0" nodeType="withEffect">
+                                  <p:stCondLst>
+                                    <p:cond delay="0"/>
+                                  </p:stCondLst>
+                                  <p:childTnLst>
+                                    <p:set>
+                                      <p:cBhvr>
+                                        <p:cTn id="28" dur="1" fill="hold">
+                                          <p:stCondLst>
+                                            <p:cond delay="0"/>
+                                          </p:stCondLst>
+                                        </p:cTn>
+                                        <p:tgtEl>
+                                          <p:spTgt spid="2">
+                                            <p:txEl>
+                                              <p:pRg st="7" end="7"/>
+                                            </p:txEl>
+                                          </p:spTgt>
+                                        </p:tgtEl>
+                                        <p:attrNameLst>
+                                          <p:attrName>style.visibility</p:attrName>
+                                        </p:attrNameLst>
+                                      </p:cBhvr>
+                                      <p:to>
+                                        <p:strVal val="visible"/>
+                                      </p:to>
+                                    </p:set>
+                                  </p:childTnLst>
+                                </p:cTn>
+                              </p:par>
+                              <p:par>
+                                <p:cTn id="29" presetID="1" presetClass="entr" presetSubtype="0" fill="hold" grpId="0" nodeType="withEffect">
+                                  <p:stCondLst>
+                                    <p:cond delay="0"/>
+                                  </p:stCondLst>
+                                  <p:childTnLst>
+                                    <p:set>
+                                      <p:cBhvr>
+                                        <p:cTn id="30" dur="1" fill="hold">
+                                          <p:stCondLst>
+                                            <p:cond delay="0"/>
+                                          </p:stCondLst>
+                                        </p:cTn>
+                                        <p:tgtEl>
+                                          <p:spTgt spid="2">
+                                            <p:txEl>
+                                              <p:pRg st="8" end="8"/>
+                                            </p:txEl>
+                                          </p:spTgt>
+                                        </p:tgtEl>
+                                        <p:attrNameLst>
+                                          <p:attrName>style.visibility</p:attrName>
+                                        </p:attrNameLst>
+                                      </p:cBhvr>
+                                      <p:to>
+                                        <p:strVal val="visible"/>
+                                      </p:to>
+                                    </p:set>
+                                  </p:childTnLst>
+                                </p:cTn>
+                              </p:par>
+                            </p:childTnLst>
+                          </p:cTn>
+                        </p:par>
+                      </p:childTnLst>
+                    </p:cTn>
+                  </p:par>
+                </p:childTnLst>
+              </p:cTn>
+              <p:prevCondLst>
+                <p:cond evt="onPrev" delay="0">
+                  <p:tgtEl>
+                    <p:sldTgt/>
+                  </p:tgtEl>
+                </p:cond>
+              </p:prevCondLst>
+              <p:nextCondLst>
+                <p:cond evt="onNext" delay="0">
+                  <p:tgtEl>
+                    <p:sldTgt/>
+                  </p:tgtEl>
+                </p:cond>
+              </p:nextCondLst>
+            </p:seq>
+          </p:childTnLst>
+        </p:cTn>
+      </p:par>
+    </p:tnLst>
+    <p:bldLst>
+      <p:bldP spid="2" grpId="0" uiExpand="1" build="p"/>
     </p:bldLst>
   </p:timing>
 </p:sld>
@@ -35956,7 +37047,7 @@
             </a:pPr>
             <a:r>
               <a:rPr lang="en-US" sz="1800" b="1" dirty="0"/>
-              <a:t>Intro</a:t>
+              <a:t>Introduction</a:t>
             </a:r>
           </a:p>
           <a:p>
@@ -36416,26 +37507,39 @@
                                   </p:childTnLst>
                                 </p:cTn>
                               </p:par>
-                            </p:childTnLst>
-                          </p:cTn>
-                        </p:par>
-                      </p:childTnLst>
-                    </p:cTn>
-                  </p:par>
-                  <p:par>
-                    <p:cTn id="7" fill="hold">
-                      <p:stCondLst>
-                        <p:cond delay="indefinite"/>
-                      </p:stCondLst>
-                      <p:childTnLst>
-                        <p:par>
-                          <p:cTn id="8" fill="hold">
-                            <p:stCondLst>
-                              <p:cond delay="0"/>
-                            </p:stCondLst>
-                            <p:childTnLst>
                               <p:par>
-                                <p:cTn id="9" presetID="1" presetClass="entr" presetSubtype="0" fill="hold" nodeType="clickEffect">
+                                <p:cTn id="7" presetID="1" presetClass="entr" presetSubtype="0" fill="hold" nodeType="withEffect">
+                                  <p:stCondLst>
+                                    <p:cond delay="0"/>
+                                  </p:stCondLst>
+                                  <p:childTnLst>
+                                    <p:set>
+                                      <p:cBhvr>
+                                        <p:cTn id="8" dur="1" fill="hold">
+                                          <p:stCondLst>
+                                            <p:cond delay="0"/>
+                                          </p:stCondLst>
+                                        </p:cTn>
+                                        <p:tgtEl>
+                                          <p:spTgt spid="5">
+                                            <p:txEl>
+                                              <p:pRg st="1" end="1"/>
+                                            </p:txEl>
+                                          </p:spTgt>
+                                        </p:tgtEl>
+                                        <p:attrNameLst>
+                                          <p:attrName>style.visibility</p:attrName>
+                                        </p:attrNameLst>
+                                      </p:cBhvr>
+                                      <p:to>
+                                        <p:strVal val="visible"/>
+                                      </p:to>
+                                    </p:set>
+                                  </p:childTnLst>
+                                </p:cTn>
+                              </p:par>
+                              <p:par>
+                                <p:cTn id="9" presetID="1" presetClass="entr" presetSubtype="0" fill="hold" nodeType="withEffect">
                                   <p:stCondLst>
                                     <p:cond delay="0"/>
                                   </p:stCondLst>
@@ -36450,7 +37554,7 @@
                                         <p:tgtEl>
                                           <p:spTgt spid="5">
                                             <p:txEl>
-                                              <p:pRg st="1" end="1"/>
+                                              <p:pRg st="2" end="2"/>
                                             </p:txEl>
                                           </p:spTgt>
                                         </p:tgtEl>
@@ -36481,37 +37585,6 @@
                                         <p:tgtEl>
                                           <p:spTgt spid="5">
                                             <p:txEl>
-                                              <p:pRg st="2" end="2"/>
-                                            </p:txEl>
-                                          </p:spTgt>
-                                        </p:tgtEl>
-                                        <p:attrNameLst>
-                                          <p:attrName>style.visibility</p:attrName>
-                                        </p:attrNameLst>
-                                      </p:cBhvr>
-                                      <p:to>
-                                        <p:strVal val="visible"/>
-                                      </p:to>
-                                    </p:set>
-                                  </p:childTnLst>
-                                </p:cTn>
-                              </p:par>
-                              <p:par>
-                                <p:cTn id="13" presetID="1" presetClass="entr" presetSubtype="0" fill="hold" nodeType="withEffect">
-                                  <p:stCondLst>
-                                    <p:cond delay="0"/>
-                                  </p:stCondLst>
-                                  <p:childTnLst>
-                                    <p:set>
-                                      <p:cBhvr>
-                                        <p:cTn id="14" dur="1" fill="hold">
-                                          <p:stCondLst>
-                                            <p:cond delay="0"/>
-                                          </p:stCondLst>
-                                        </p:cTn>
-                                        <p:tgtEl>
-                                          <p:spTgt spid="5">
-                                            <p:txEl>
                                               <p:pRg st="3" end="3"/>
                                             </p:txEl>
                                           </p:spTgt>
@@ -36534,19 +37607,50 @@
                     </p:cTn>
                   </p:par>
                   <p:par>
-                    <p:cTn id="15" fill="hold">
+                    <p:cTn id="13" fill="hold">
                       <p:stCondLst>
                         <p:cond delay="indefinite"/>
                       </p:stCondLst>
                       <p:childTnLst>
                         <p:par>
-                          <p:cTn id="16" fill="hold">
+                          <p:cTn id="14" fill="hold">
                             <p:stCondLst>
                               <p:cond delay="0"/>
                             </p:stCondLst>
                             <p:childTnLst>
                               <p:par>
-                                <p:cTn id="17" presetID="1" presetClass="entr" presetSubtype="0" fill="hold" nodeType="clickEffect">
+                                <p:cTn id="15" presetID="1" presetClass="entr" presetSubtype="0" fill="hold" nodeType="clickEffect">
+                                  <p:stCondLst>
+                                    <p:cond delay="0"/>
+                                  </p:stCondLst>
+                                  <p:childTnLst>
+                                    <p:set>
+                                      <p:cBhvr>
+                                        <p:cTn id="16" dur="1" fill="hold">
+                                          <p:stCondLst>
+                                            <p:cond delay="0"/>
+                                          </p:stCondLst>
+                                        </p:cTn>
+                                        <p:tgtEl>
+                                          <p:spTgt spid="5">
+                                            <p:txEl>
+                                              <p:pRg st="4" end="4"/>
+                                            </p:txEl>
+                                          </p:spTgt>
+                                        </p:tgtEl>
+                                        <p:attrNameLst>
+                                          <p:attrName>style.visibility</p:attrName>
+                                        </p:attrNameLst>
+                                      </p:cBhvr>
+                                      <p:to>
+                                        <p:strVal val="visible"/>
+                                      </p:to>
+                                    </p:set>
+                                  </p:childTnLst>
+                                </p:cTn>
+                              </p:par>
+                              <p:par>
+                                <p:cTn id="17" presetID="1" presetClass="entr" presetSubtype="0" fill="hold" nodeType="withEffect">
                                   <p:stCondLst>
                                     <p:cond delay="0"/>
                                   </p:stCondLst>
@@ -36561,7 +37665,7 @@
                                         <p:tgtEl>
                                           <p:spTgt spid="5">
                                             <p:txEl>
-                                              <p:pRg st="4" end="4"/>
+                                              <p:pRg st="5" end="5"/>
                                             </p:txEl>
                                           </p:spTgt>
                                         </p:tgtEl>
@@ -36592,37 +37696,6 @@
                                         <p:tgtEl>
                                           <p:spTgt spid="5">
                                             <p:txEl>
-                                              <p:pRg st="5" end="5"/>
-                                            </p:txEl>
-                                          </p:spTgt>
-                                        </p:tgtEl>
-                                        <p:attrNameLst>
-                                          <p:attrName>style.visibility</p:attrName>
-                                        </p:attrNameLst>
-                                      </p:cBhvr>
-                                      <p:to>
-                                        <p:strVal val="visible"/>
-                                      </p:to>
-                                    </p:set>
-                                  </p:childTnLst>
-                                </p:cTn>
-                              </p:par>
-                              <p:par>
-                                <p:cTn id="21" presetID="1" presetClass="entr" presetSubtype="0" fill="hold" nodeType="withEffect">
-                                  <p:stCondLst>
-                                    <p:cond delay="0"/>
-                                  </p:stCondLst>
-                                  <p:childTnLst>
-                                    <p:set>
-                                      <p:cBhvr>
-                                        <p:cTn id="22" dur="1" fill="hold">
-                                          <p:stCondLst>
-                                            <p:cond delay="0"/>
-                                          </p:stCondLst>
-                                        </p:cTn>
-                                        <p:tgtEl>
-                                          <p:spTgt spid="5">
-                                            <p:txEl>
                                               <p:pRg st="6" end="6"/>
                                             </p:txEl>
                                           </p:spTgt>
@@ -36645,19 +37718,50 @@
                     </p:cTn>
                   </p:par>
                   <p:par>
-                    <p:cTn id="23" fill="hold">
+                    <p:cTn id="21" fill="hold">
                       <p:stCondLst>
                         <p:cond delay="indefinite"/>
                       </p:stCondLst>
                       <p:childTnLst>
                         <p:par>
-                          <p:cTn id="24" fill="hold">
+                          <p:cTn id="22" fill="hold">
                             <p:stCondLst>
                               <p:cond delay="0"/>
                             </p:stCondLst>
                             <p:childTnLst>
                               <p:par>
-                                <p:cTn id="25" presetID="1" presetClass="entr" presetSubtype="0" fill="hold" nodeType="clickEffect">
+                                <p:cTn id="23" presetID="1" presetClass="entr" presetSubtype="0" fill="hold" nodeType="clickEffect">
+                                  <p:stCondLst>
+                                    <p:cond delay="0"/>
+                                  </p:stCondLst>
+                                  <p:childTnLst>
+                                    <p:set>
+                                      <p:cBhvr>
+                                        <p:cTn id="24" dur="1" fill="hold">
+                                          <p:stCondLst>
+                                            <p:cond delay="0"/>
+                                          </p:stCondLst>
+                                        </p:cTn>
+                                        <p:tgtEl>
+                                          <p:spTgt spid="5">
+                                            <p:txEl>
+                                              <p:pRg st="7" end="7"/>
+                                            </p:txEl>
+                                          </p:spTgt>
+                                        </p:tgtEl>
+                                        <p:attrNameLst>
+                                          <p:attrName>style.visibility</p:attrName>
+                                        </p:attrNameLst>
+                                      </p:cBhvr>
+                                      <p:to>
+                                        <p:strVal val="visible"/>
+                                      </p:to>
+                                    </p:set>
+                                  </p:childTnLst>
+                                </p:cTn>
+                              </p:par>
+                              <p:par>
+                                <p:cTn id="25" presetID="1" presetClass="entr" presetSubtype="0" fill="hold" nodeType="withEffect">
                                   <p:stCondLst>
                                     <p:cond delay="0"/>
                                   </p:stCondLst>
@@ -36672,7 +37776,7 @@
                                         <p:tgtEl>
                                           <p:spTgt spid="5">
                                             <p:txEl>
-                                              <p:pRg st="7" end="7"/>
+                                              <p:pRg st="8" end="8"/>
                                             </p:txEl>
                                           </p:spTgt>
                                         </p:tgtEl>
@@ -36703,7 +37807,7 @@
                                         <p:tgtEl>
                                           <p:spTgt spid="5">
                                             <p:txEl>
-                                              <p:pRg st="8" end="8"/>
+                                              <p:pRg st="9" end="9"/>
                                             </p:txEl>
                                           </p:spTgt>
                                         </p:tgtEl>
@@ -36734,7 +37838,7 @@
                                         <p:tgtEl>
                                           <p:spTgt spid="5">
                                             <p:txEl>
-                                              <p:pRg st="9" end="9"/>
+                                              <p:pRg st="10" end="10"/>
                                             </p:txEl>
                                           </p:spTgt>
                                         </p:tgtEl>
@@ -36765,7 +37869,7 @@
                                         <p:tgtEl>
                                           <p:spTgt spid="5">
                                             <p:txEl>
-                                              <p:pRg st="10" end="10"/>
+                                              <p:pRg st="11" end="11"/>
                                             </p:txEl>
                                           </p:spTgt>
                                         </p:tgtEl>
@@ -36799,7 +37903,7 @@
                             </p:stCondLst>
                             <p:childTnLst>
                               <p:par>
-                                <p:cTn id="35" presetID="1" presetClass="entr" presetSubtype="0" fill="hold" nodeType="clickEffect">
+                                <p:cTn id="35" presetID="1" presetClass="entr" presetSubtype="0" fill="hold" grpId="0" nodeType="clickEffect">
                                   <p:stCondLst>
                                     <p:cond delay="0"/>
                                   </p:stCondLst>
@@ -36807,55 +37911,6 @@
                                     <p:set>
                                       <p:cBhvr>
                                         <p:cTn id="36" dur="1" fill="hold">
-                                          <p:stCondLst>
-                                            <p:cond delay="0"/>
-                                          </p:stCondLst>
-                                        </p:cTn>
-                                        <p:tgtEl>
-                                          <p:spTgt spid="5">
-                                            <p:txEl>
-                                              <p:pRg st="11" end="11"/>
-                                            </p:txEl>
-                                          </p:spTgt>
-                                        </p:tgtEl>
-                                        <p:attrNameLst>
-                                          <p:attrName>style.visibility</p:attrName>
-                                        </p:attrNameLst>
-                                      </p:cBhvr>
-                                      <p:to>
-                                        <p:strVal val="visible"/>
-                                      </p:to>
-                                    </p:set>
-                                  </p:childTnLst>
-                                </p:cTn>
-                              </p:par>
-                            </p:childTnLst>
-                          </p:cTn>
-                        </p:par>
-                      </p:childTnLst>
-                    </p:cTn>
-                  </p:par>
-                  <p:par>
-                    <p:cTn id="37" fill="hold">
-                      <p:stCondLst>
-                        <p:cond delay="indefinite"/>
-                      </p:stCondLst>
-                      <p:childTnLst>
-                        <p:par>
-                          <p:cTn id="38" fill="hold">
-                            <p:stCondLst>
-                              <p:cond delay="0"/>
-                            </p:stCondLst>
-                            <p:childTnLst>
-                              <p:par>
-                                <p:cTn id="39" presetID="1" presetClass="entr" presetSubtype="0" fill="hold" grpId="0" nodeType="clickEffect">
-                                  <p:stCondLst>
-                                    <p:cond delay="0"/>
-                                  </p:stCondLst>
-                                  <p:childTnLst>
-                                    <p:set>
-                                      <p:cBhvr>
-                                        <p:cTn id="40" dur="1" fill="hold">
                                           <p:stCondLst>
                                             <p:cond delay="0"/>
                                           </p:stCondLst>
@@ -36875,14 +37930,14 @@
                                 </p:cTn>
                               </p:par>
                               <p:par>
-                                <p:cTn id="41" presetID="1" presetClass="entr" presetSubtype="0" fill="hold" grpId="0" nodeType="withEffect">
+                                <p:cTn id="37" presetID="1" presetClass="entr" presetSubtype="0" fill="hold" grpId="0" nodeType="withEffect">
                                   <p:stCondLst>
                                     <p:cond delay="0"/>
                                   </p:stCondLst>
                                   <p:childTnLst>
                                     <p:set>
                                       <p:cBhvr>
-                                        <p:cTn id="42" dur="1" fill="hold">
+                                        <p:cTn id="38" dur="1" fill="hold">
                                           <p:stCondLst>
                                             <p:cond delay="0"/>
                                           </p:stCondLst>
@@ -36902,14 +37957,14 @@
                                 </p:cTn>
                               </p:par>
                               <p:par>
-                                <p:cTn id="43" presetID="1" presetClass="entr" presetSubtype="0" fill="hold" grpId="0" nodeType="withEffect">
+                                <p:cTn id="39" presetID="1" presetClass="entr" presetSubtype="0" fill="hold" grpId="0" nodeType="withEffect">
                                   <p:stCondLst>
                                     <p:cond delay="0"/>
                                   </p:stCondLst>
                                   <p:childTnLst>
                                     <p:set>
                                       <p:cBhvr>
-                                        <p:cTn id="44" dur="1" fill="hold">
+                                        <p:cTn id="40" dur="1" fill="hold">
                                           <p:stCondLst>
                                             <p:cond delay="0"/>
                                           </p:stCondLst>
